--- a/Counter_Malign_Information/4-Implement-For_Instructors/Lesson_Plans/Lesson_01-Creating_Synthetic_Content/Audio_Visual-Template/MASTER-Lesson_Slide-Create_AI_Content.pptx
+++ b/Counter_Malign_Information/4-Implement-For_Instructors/Lesson_Plans/Lesson_01-Creating_Synthetic_Content/Audio_Visual-Template/MASTER-Lesson_Slide-Create_AI_Content.pptx
@@ -5,7 +5,7 @@
     <p:sldMasterId id="2147483648" r:id="rId1"/>
   </p:sldMasterIdLst>
   <p:notesMasterIdLst>
-    <p:notesMasterId r:id="rId19"/>
+    <p:notesMasterId r:id="rId23"/>
   </p:notesMasterIdLst>
   <p:sldIdLst>
     <p:sldId id="256" r:id="rId2"/>
@@ -19,12 +19,16 @@
     <p:sldId id="264" r:id="rId10"/>
     <p:sldId id="265" r:id="rId11"/>
     <p:sldId id="266" r:id="rId12"/>
-    <p:sldId id="267" r:id="rId13"/>
-    <p:sldId id="268" r:id="rId14"/>
-    <p:sldId id="269" r:id="rId15"/>
-    <p:sldId id="270" r:id="rId16"/>
-    <p:sldId id="271" r:id="rId17"/>
-    <p:sldId id="272" r:id="rId18"/>
+    <p:sldId id="273" r:id="rId13"/>
+    <p:sldId id="274" r:id="rId14"/>
+    <p:sldId id="275" r:id="rId15"/>
+    <p:sldId id="276" r:id="rId16"/>
+    <p:sldId id="269" r:id="rId17"/>
+    <p:sldId id="270" r:id="rId18"/>
+    <p:sldId id="267" r:id="rId19"/>
+    <p:sldId id="268" r:id="rId20"/>
+    <p:sldId id="271" r:id="rId21"/>
+    <p:sldId id="272" r:id="rId22"/>
   </p:sldIdLst>
   <p:sldSz cx="12192000" cy="6858000"/>
   <p:notesSz cx="6858000" cy="9144000"/>
@@ -326,6 +330,11 @@
       </a:defRPr>
     </a:lvl9pPr>
   </p:defaultTextStyle>
+  <p:extLst>
+    <p:ext uri="{EFAFB233-063F-42B5-8137-9DF3F51BA10A}">
+      <p15:sldGuideLst xmlns:p15="http://schemas.microsoft.com/office/powerpoint/2012/main"/>
+    </p:ext>
+  </p:extLst>
 </p:presentation>
 </file>
 
@@ -2270,7 +2279,7 @@
           </a:ln>
           <a:extLst>
             <a:ext uri="{C572A759-6A51-4108-AA02-DFA0A04FC94B}">
-              <ma14:wrappingTextBoxFlag xmlns:ma14="http://schemas.microsoft.com/office/mac/drawingml/2011/main" xmlns:a14="http://schemas.microsoft.com/office/drawing/2010/main" xmlns:m="http://schemas.openxmlformats.org/officeDocument/2006/math" xmlns="" val="1"/>
+              <ma14:wrappingTextBoxFlag xmlns="" xmlns:m="http://schemas.openxmlformats.org/officeDocument/2006/math" xmlns:a14="http://schemas.microsoft.com/office/drawing/2010/main" xmlns:ma14="http://schemas.microsoft.com/office/mac/drawingml/2011/main" val="1"/>
             </a:ext>
           </a:extLst>
         </p:spPr>
@@ -2309,7 +2318,7 @@
           </a:ln>
           <a:extLst>
             <a:ext uri="{C572A759-6A51-4108-AA02-DFA0A04FC94B}">
-              <ma14:wrappingTextBoxFlag xmlns:ma14="http://schemas.microsoft.com/office/mac/drawingml/2011/main" xmlns:a14="http://schemas.microsoft.com/office/drawing/2010/main" xmlns:m="http://schemas.openxmlformats.org/officeDocument/2006/math" xmlns="" val="1"/>
+              <ma14:wrappingTextBoxFlag xmlns="" xmlns:m="http://schemas.openxmlformats.org/officeDocument/2006/math" xmlns:a14="http://schemas.microsoft.com/office/drawing/2010/main" xmlns:ma14="http://schemas.microsoft.com/office/mac/drawingml/2011/main" val="1"/>
             </a:ext>
           </a:extLst>
         </p:spPr>
@@ -3255,7 +3264,7 @@
           </a:prstGeom>
           <a:extLst>
             <a:ext uri="{C572A759-6A51-4108-AA02-DFA0A04FC94B}">
-              <ma14:wrappingTextBoxFlag xmlns:ma14="http://schemas.microsoft.com/office/mac/drawingml/2011/main" xmlns:a14="http://schemas.microsoft.com/office/drawing/2010/main" xmlns:m="http://schemas.openxmlformats.org/officeDocument/2006/math" xmlns="" val="1"/>
+              <ma14:wrappingTextBoxFlag xmlns="" xmlns:m="http://schemas.openxmlformats.org/officeDocument/2006/math" xmlns:a14="http://schemas.microsoft.com/office/drawing/2010/main" xmlns:ma14="http://schemas.microsoft.com/office/mac/drawingml/2011/main" val="1"/>
             </a:ext>
           </a:extLst>
         </p:spPr>
@@ -3296,7 +3305,7 @@
           </a:ln>
           <a:extLst>
             <a:ext uri="{C572A759-6A51-4108-AA02-DFA0A04FC94B}">
-              <ma14:wrappingTextBoxFlag xmlns:ma14="http://schemas.microsoft.com/office/mac/drawingml/2011/main" xmlns:a14="http://schemas.microsoft.com/office/drawing/2010/main" xmlns:m="http://schemas.openxmlformats.org/officeDocument/2006/math" xmlns="" val="1"/>
+              <ma14:wrappingTextBoxFlag xmlns="" xmlns:m="http://schemas.openxmlformats.org/officeDocument/2006/math" xmlns:a14="http://schemas.microsoft.com/office/drawing/2010/main" xmlns:ma14="http://schemas.microsoft.com/office/mac/drawingml/2011/main" val="1"/>
             </a:ext>
           </a:extLst>
         </p:spPr>
@@ -3337,7 +3346,7 @@
           </a:ln>
           <a:extLst>
             <a:ext uri="{C572A759-6A51-4108-AA02-DFA0A04FC94B}">
-              <ma14:wrappingTextBoxFlag xmlns:ma14="http://schemas.microsoft.com/office/mac/drawingml/2011/main" xmlns:a14="http://schemas.microsoft.com/office/drawing/2010/main" xmlns:m="http://schemas.openxmlformats.org/officeDocument/2006/math" xmlns="" val="1"/>
+              <ma14:wrappingTextBoxFlag xmlns="" xmlns:m="http://schemas.openxmlformats.org/officeDocument/2006/math" xmlns:a14="http://schemas.microsoft.com/office/drawing/2010/main" xmlns:ma14="http://schemas.microsoft.com/office/mac/drawingml/2011/main" val="1"/>
             </a:ext>
           </a:extLst>
         </p:spPr>
@@ -3378,7 +3387,7 @@
           </a:ln>
           <a:extLst>
             <a:ext uri="{C572A759-6A51-4108-AA02-DFA0A04FC94B}">
-              <ma14:wrappingTextBoxFlag xmlns:ma14="http://schemas.microsoft.com/office/mac/drawingml/2011/main" xmlns:a14="http://schemas.microsoft.com/office/drawing/2010/main" xmlns:m="http://schemas.openxmlformats.org/officeDocument/2006/math" xmlns="" val="1"/>
+              <ma14:wrappingTextBoxFlag xmlns="" xmlns:m="http://schemas.openxmlformats.org/officeDocument/2006/math" xmlns:a14="http://schemas.microsoft.com/office/drawing/2010/main" xmlns:ma14="http://schemas.microsoft.com/office/mac/drawingml/2011/main" val="1"/>
             </a:ext>
           </a:extLst>
         </p:spPr>
@@ -3425,7 +3434,7 @@
           </a:ln>
           <a:extLst>
             <a:ext uri="{C572A759-6A51-4108-AA02-DFA0A04FC94B}">
-              <ma14:wrappingTextBoxFlag xmlns:ma14="http://schemas.microsoft.com/office/mac/drawingml/2011/main" xmlns:a14="http://schemas.microsoft.com/office/drawing/2010/main" xmlns:m="http://schemas.openxmlformats.org/officeDocument/2006/math" xmlns="" val="1"/>
+              <ma14:wrappingTextBoxFlag xmlns="" xmlns:m="http://schemas.openxmlformats.org/officeDocument/2006/math" xmlns:a14="http://schemas.microsoft.com/office/drawing/2010/main" xmlns:ma14="http://schemas.microsoft.com/office/mac/drawingml/2011/main" val="1"/>
             </a:ext>
           </a:extLst>
         </p:spPr>
@@ -3627,7 +3636,7 @@
           </a:prstGeom>
           <a:extLst>
             <a:ext uri="{C572A759-6A51-4108-AA02-DFA0A04FC94B}">
-              <ma14:wrappingTextBoxFlag xmlns:ma14="http://schemas.microsoft.com/office/mac/drawingml/2011/main" xmlns:a14="http://schemas.microsoft.com/office/drawing/2010/main" xmlns:m="http://schemas.openxmlformats.org/officeDocument/2006/math" xmlns="" val="1"/>
+              <ma14:wrappingTextBoxFlag xmlns="" xmlns:m="http://schemas.openxmlformats.org/officeDocument/2006/math" xmlns:a14="http://schemas.microsoft.com/office/drawing/2010/main" xmlns:ma14="http://schemas.microsoft.com/office/mac/drawingml/2011/main" val="1"/>
             </a:ext>
           </a:extLst>
         </p:spPr>
@@ -3818,7 +3827,7 @@
           </a:prstGeom>
           <a:extLst>
             <a:ext uri="{C572A759-6A51-4108-AA02-DFA0A04FC94B}">
-              <ma14:wrappingTextBoxFlag xmlns:ma14="http://schemas.microsoft.com/office/mac/drawingml/2011/main" xmlns:a14="http://schemas.microsoft.com/office/drawing/2010/main" xmlns:m="http://schemas.openxmlformats.org/officeDocument/2006/math" xmlns="" val="1"/>
+              <ma14:wrappingTextBoxFlag xmlns="" xmlns:m="http://schemas.openxmlformats.org/officeDocument/2006/math" xmlns:a14="http://schemas.microsoft.com/office/drawing/2010/main" xmlns:ma14="http://schemas.microsoft.com/office/mac/drawingml/2011/main" val="1"/>
             </a:ext>
           </a:extLst>
         </p:spPr>
@@ -3848,7 +3857,7 @@
     <p:bg>
       <p:bgPr>
         <a:solidFill>
-          <a:srgbClr val="FFFB00"/>
+          <a:srgbClr val="FFFF00"/>
         </a:solidFill>
         <a:effectLst/>
       </p:bgPr>
@@ -3869,7 +3878,43 @@
       </p:grpSpPr>
       <p:sp>
         <p:nvSpPr>
-          <p:cNvPr id="177" name="AI Tool Master Lists"/>
+          <p:cNvPr id="147" name="Slide Number"/>
+          <p:cNvSpPr txBox="1">
+            <a:spLocks noGrp="1"/>
+          </p:cNvSpPr>
+          <p:nvPr>
+            <p:ph type="sldNum" sz="quarter" idx="2"/>
+          </p:nvPr>
+        </p:nvSpPr>
+        <p:spPr>
+          <a:xfrm>
+            <a:off x="11172418" y="6414760"/>
+            <a:ext cx="181382" cy="248305"/>
+          </a:xfrm>
+          <a:prstGeom prst="rect">
+            <a:avLst/>
+          </a:prstGeom>
+          <a:extLst>
+            <a:ext uri="{C572A759-6A51-4108-AA02-DFA0A04FC94B}">
+              <ma14:wrappingTextBoxFlag xmlns:ma14="http://schemas.microsoft.com/office/mac/drawingml/2011/main" xmlns:a14="http://schemas.microsoft.com/office/drawing/2010/main" xmlns:m="http://schemas.openxmlformats.org/officeDocument/2006/math" xmlns="" val="1"/>
+            </a:ext>
+          </a:extLst>
+        </p:spPr>
+        <p:txBody>
+          <a:bodyPr/>
+          <a:lstStyle/>
+          <a:p>
+            <a:fld id="{86CB4B4D-7CA3-9044-876B-883B54F8677D}" type="slidenum">
+              <a:rPr/>
+              <a:t>12</a:t>
+            </a:fld>
+            <a:endParaRPr/>
+          </a:p>
+        </p:txBody>
+      </p:sp>
+      <p:sp>
+        <p:nvSpPr>
+          <p:cNvPr id="148" name="Mejores prácticas para generar contenido de inteligencia artificial"/>
           <p:cNvSpPr txBox="1">
             <a:spLocks noGrp="1"/>
           </p:cNvSpPr>
@@ -3887,22 +3932,28 @@
           <a:lstStyle/>
           <a:p>
             <a:r>
-              <a:t>AI Tool Master Lists</a:t>
-            </a:r>
+              <a:rPr lang="en-US" dirty="0"/>
+              <a:t>Best Practices for Generating AI Content</a:t>
+            </a:r>
+            <a:endParaRPr dirty="0"/>
           </a:p>
         </p:txBody>
       </p:sp>
       <p:sp>
         <p:nvSpPr>
-          <p:cNvPr id="178" name="(&quot;AI tools&quot; OR &quot;GPT tools&quot; OR &quot;AI resources&quot; OR &quot;AI catalog&quot; OR &quot;AI list&quot; OR &quot;AI repository&quot; OR &quot;generative AI&quot;) (&quot;list&quot; OR &quot;collection&quot; OR &quot;catalog&quot; OR &quot;repository&quot; OR &quot;guide&quot;)…"/>
+          <p:cNvPr id="149" name="Verifique la precisión…"/>
           <p:cNvSpPr txBox="1">
             <a:spLocks noGrp="1"/>
           </p:cNvSpPr>
           <p:nvPr>
-            <p:ph type="body" idx="1"/>
+            <p:ph type="body" sz="half" idx="1"/>
           </p:nvPr>
         </p:nvSpPr>
         <p:spPr>
+          <a:xfrm>
+            <a:off x="6791676" y="2028522"/>
+            <a:ext cx="5264183" cy="4048404"/>
+          </a:xfrm>
           <a:prstGeom prst="rect">
             <a:avLst/>
           </a:prstGeom>
@@ -3911,123 +3962,606 @@
           <a:bodyPr/>
           <a:lstStyle/>
           <a:p>
-            <a:pPr>
-              <a:defRPr>
-                <a:solidFill>
-                  <a:schemeClr val="accent3">
-                    <a:lumOff val="-12941"/>
-                  </a:schemeClr>
-                </a:solidFill>
+            <a:pPr marL="457200" indent="-317500" defTabSz="457200">
+              <a:lnSpc>
+                <a:spcPct val="100000"/>
+              </a:lnSpc>
+              <a:spcBef>
+                <a:spcPts val="0"/>
+              </a:spcBef>
+              <a:buClr>
+                <a:srgbClr val="1F2328"/>
+              </a:buClr>
+              <a:buFont typeface="TimesNewRomanPSMT"/>
+              <a:buAutoNum type="arabicPeriod"/>
+              <a:defRPr sz="2600">
+                <a:solidFill>
+                  <a:srgbClr val="1F2328"/>
+                </a:solidFill>
+                <a:latin typeface="Helvetica Neue"/>
+                <a:ea typeface="Helvetica Neue"/>
+                <a:cs typeface="Helvetica Neue"/>
+                <a:sym typeface="Helvetica Neue"/>
               </a:defRPr>
             </a:pPr>
             <a:r>
-              <a:t>("AI tools" OR "GPT tools" OR "AI resources" OR "AI catalog" OR "AI list" OR "AI repository" OR "generative AI") ("list" OR "collection" OR "catalog" OR "repository" OR "guide") </a:t>
-            </a:r>
-          </a:p>
-          <a:p>
-            <a:r>
-              <a:t>AI Master List Tool - </a:t>
-            </a:r>
-            <a:r>
-              <a:rPr u="sng">
-                <a:solidFill>
-                  <a:srgbClr val="0563C1"/>
-                </a:solidFill>
-                <a:uFill>
-                  <a:solidFill>
-                    <a:srgbClr val="0563C1"/>
-                  </a:solidFill>
-                </a:uFill>
-                <a:hlinkClick r:id="rId2"/>
-              </a:rPr>
-              <a:t>https://doc.clickup.com/25598832/d/h/rd6vg-14247/0b79ca1dc0f7429/rd6vg-12207</a:t>
-            </a:r>
-            <a:r>
+              <a:rPr b="1" dirty="0" err="1">
+                <a:solidFill>
+                  <a:schemeClr val="tx1"/>
+                </a:solidFill>
+                <a:highlight>
+                  <a:srgbClr val="000000"/>
+                </a:highlight>
+                <a:latin typeface="+mn-lt"/>
+                <a:ea typeface="+mn-ea"/>
+                <a:cs typeface="+mn-cs"/>
+                <a:sym typeface="Helvetica"/>
+              </a:rPr>
+              <a:t>Verifique</a:t>
+            </a:r>
+            <a:r>
+              <a:rPr b="1" dirty="0">
+                <a:solidFill>
+                  <a:schemeClr val="tx1"/>
+                </a:solidFill>
+                <a:highlight>
+                  <a:srgbClr val="000000"/>
+                </a:highlight>
+                <a:latin typeface="+mn-lt"/>
+                <a:ea typeface="+mn-ea"/>
+                <a:cs typeface="+mn-cs"/>
+                <a:sym typeface="Helvetica"/>
+              </a:rPr>
+              <a:t> la </a:t>
+            </a:r>
+            <a:r>
+              <a:rPr b="1" dirty="0" err="1">
+                <a:solidFill>
+                  <a:schemeClr val="tx1"/>
+                </a:solidFill>
+                <a:highlight>
+                  <a:srgbClr val="000000"/>
+                </a:highlight>
+                <a:latin typeface="+mn-lt"/>
+                <a:ea typeface="+mn-ea"/>
+                <a:cs typeface="+mn-cs"/>
+                <a:sym typeface="Helvetica"/>
+              </a:rPr>
+              <a:t>precisión</a:t>
+            </a:r>
+            <a:endParaRPr dirty="0">
+              <a:solidFill>
+                <a:schemeClr val="tx1"/>
+              </a:solidFill>
+              <a:highlight>
+                <a:srgbClr val="000000"/>
+              </a:highlight>
+              <a:latin typeface="+mn-lt"/>
+              <a:ea typeface="+mn-ea"/>
+              <a:cs typeface="+mn-cs"/>
+              <a:sym typeface="Helvetica"/>
+            </a:endParaRPr>
+          </a:p>
+          <a:p>
+            <a:pPr marL="457200" indent="-317500" defTabSz="457200">
+              <a:lnSpc>
+                <a:spcPct val="100000"/>
+              </a:lnSpc>
+              <a:spcBef>
+                <a:spcPts val="0"/>
+              </a:spcBef>
+              <a:buClr>
+                <a:srgbClr val="1F2328"/>
+              </a:buClr>
+              <a:buFont typeface="TimesNewRomanPSMT"/>
+              <a:buAutoNum type="arabicPeriod"/>
+              <a:defRPr sz="2600">
+                <a:solidFill>
+                  <a:srgbClr val="0433FF"/>
+                </a:solidFill>
+                <a:latin typeface="Helvetica Neue"/>
+                <a:ea typeface="Helvetica Neue"/>
+                <a:cs typeface="Helvetica Neue"/>
+                <a:sym typeface="Helvetica Neue"/>
+              </a:defRPr>
+            </a:pPr>
+            <a:r>
+              <a:rPr b="1" dirty="0">
+                <a:solidFill>
+                  <a:schemeClr val="tx1"/>
+                </a:solidFill>
+                <a:highlight>
+                  <a:srgbClr val="000000"/>
+                </a:highlight>
+                <a:latin typeface="+mn-lt"/>
+                <a:ea typeface="+mn-ea"/>
+                <a:cs typeface="+mn-cs"/>
+                <a:sym typeface="Helvetica"/>
+              </a:rPr>
+              <a:t>Sea </a:t>
+            </a:r>
+            <a:r>
+              <a:rPr b="1" dirty="0" err="1">
+                <a:solidFill>
+                  <a:schemeClr val="tx1"/>
+                </a:solidFill>
+                <a:highlight>
+                  <a:srgbClr val="000000"/>
+                </a:highlight>
+                <a:latin typeface="+mn-lt"/>
+                <a:ea typeface="+mn-ea"/>
+                <a:cs typeface="+mn-cs"/>
+                <a:sym typeface="Helvetica"/>
+              </a:rPr>
+              <a:t>específico</a:t>
+            </a:r>
+            <a:endParaRPr b="1" dirty="0">
+              <a:solidFill>
+                <a:schemeClr val="tx1"/>
+              </a:solidFill>
+              <a:highlight>
+                <a:srgbClr val="000000"/>
+              </a:highlight>
+              <a:latin typeface="+mn-lt"/>
+              <a:ea typeface="+mn-ea"/>
+              <a:cs typeface="+mn-cs"/>
+              <a:sym typeface="Helvetica"/>
+            </a:endParaRPr>
+          </a:p>
+          <a:p>
+            <a:pPr marL="457200" indent="-317500" defTabSz="457200">
+              <a:lnSpc>
+                <a:spcPct val="100000"/>
+              </a:lnSpc>
+              <a:spcBef>
+                <a:spcPts val="0"/>
+              </a:spcBef>
+              <a:buClr>
+                <a:srgbClr val="1F2328"/>
+              </a:buClr>
+              <a:buFont typeface="TimesNewRomanPSMT"/>
+              <a:buAutoNum type="arabicPeriod"/>
+              <a:defRPr sz="2600">
+                <a:solidFill>
+                  <a:srgbClr val="FF9300"/>
+                </a:solidFill>
+                <a:latin typeface="Helvetica Neue"/>
+                <a:ea typeface="Helvetica Neue"/>
+                <a:cs typeface="Helvetica Neue"/>
+                <a:sym typeface="Helvetica Neue"/>
+              </a:defRPr>
+            </a:pPr>
+            <a:r>
+              <a:rPr b="1" dirty="0" err="1">
+                <a:solidFill>
+                  <a:schemeClr val="tx1"/>
+                </a:solidFill>
+                <a:highlight>
+                  <a:srgbClr val="000000"/>
+                </a:highlight>
+                <a:latin typeface="+mn-lt"/>
+                <a:ea typeface="+mn-ea"/>
+                <a:cs typeface="+mn-cs"/>
+                <a:sym typeface="Helvetica"/>
+              </a:rPr>
+              <a:t>Iterar</a:t>
+            </a:r>
+            <a:r>
+              <a:rPr b="1" dirty="0">
+                <a:solidFill>
+                  <a:schemeClr val="tx1"/>
+                </a:solidFill>
+                <a:highlight>
+                  <a:srgbClr val="000000"/>
+                </a:highlight>
+                <a:latin typeface="+mn-lt"/>
+                <a:ea typeface="+mn-ea"/>
+                <a:cs typeface="+mn-cs"/>
+                <a:sym typeface="Helvetica"/>
+              </a:rPr>
+              <a:t> y </a:t>
+            </a:r>
+            <a:r>
+              <a:rPr b="1" dirty="0" err="1">
+                <a:solidFill>
+                  <a:schemeClr val="tx1"/>
+                </a:solidFill>
+                <a:highlight>
+                  <a:srgbClr val="000000"/>
+                </a:highlight>
+                <a:latin typeface="+mn-lt"/>
+                <a:ea typeface="+mn-ea"/>
+                <a:cs typeface="+mn-cs"/>
+                <a:sym typeface="Helvetica"/>
+              </a:rPr>
+              <a:t>refinar</a:t>
+            </a:r>
+            <a:endParaRPr b="1" dirty="0">
+              <a:solidFill>
+                <a:schemeClr val="tx1"/>
+              </a:solidFill>
+              <a:highlight>
+                <a:srgbClr val="000000"/>
+              </a:highlight>
+              <a:latin typeface="+mn-lt"/>
+              <a:ea typeface="+mn-ea"/>
+              <a:cs typeface="+mn-cs"/>
+              <a:sym typeface="Helvetica"/>
+            </a:endParaRPr>
+          </a:p>
+          <a:p>
+            <a:pPr marL="457200" indent="-317500" defTabSz="457200">
+              <a:lnSpc>
+                <a:spcPct val="100000"/>
+              </a:lnSpc>
+              <a:spcBef>
+                <a:spcPts val="0"/>
+              </a:spcBef>
+              <a:buClr>
+                <a:srgbClr val="1F2328"/>
+              </a:buClr>
+              <a:buFont typeface="TimesNewRomanPSMT"/>
+              <a:buAutoNum type="arabicPeriod"/>
+              <a:defRPr sz="2600">
+                <a:solidFill>
+                  <a:srgbClr val="FF40FF"/>
+                </a:solidFill>
+                <a:latin typeface="Helvetica Neue"/>
+                <a:ea typeface="Helvetica Neue"/>
+                <a:cs typeface="Helvetica Neue"/>
+                <a:sym typeface="Helvetica Neue"/>
+              </a:defRPr>
+            </a:pPr>
+            <a:r>
+              <a:rPr b="1" dirty="0" err="1">
+                <a:solidFill>
+                  <a:schemeClr val="tx1"/>
+                </a:solidFill>
+                <a:highlight>
+                  <a:srgbClr val="000000"/>
+                </a:highlight>
+                <a:latin typeface="+mn-lt"/>
+                <a:ea typeface="+mn-ea"/>
+                <a:cs typeface="+mn-cs"/>
+                <a:sym typeface="Helvetica"/>
+              </a:rPr>
+              <a:t>Proporcionar</a:t>
+            </a:r>
+            <a:r>
+              <a:rPr b="1" dirty="0">
+                <a:solidFill>
+                  <a:schemeClr val="tx1"/>
+                </a:solidFill>
+                <a:highlight>
+                  <a:srgbClr val="000000"/>
+                </a:highlight>
+                <a:latin typeface="+mn-lt"/>
+                <a:ea typeface="+mn-ea"/>
+                <a:cs typeface="+mn-cs"/>
+                <a:sym typeface="Helvetica"/>
+              </a:rPr>
               <a:t> </a:t>
             </a:r>
-          </a:p>
-          <a:p>
-            <a:r>
-              <a:t>AI Catalog Repo - </a:t>
-            </a:r>
-            <a:r>
-              <a:rPr u="sng">
-                <a:solidFill>
-                  <a:srgbClr val="0563C1"/>
-                </a:solidFill>
-                <a:uFill>
-                  <a:solidFill>
-                    <a:srgbClr val="0563C1"/>
-                  </a:solidFill>
-                </a:uFill>
-                <a:hlinkClick r:id="rId3"/>
-              </a:rPr>
-              <a:t>https://github.com/mehmetkahya0/ai-catalog</a:t>
-            </a:r>
-            <a:r>
+            <a:r>
+              <a:rPr b="1" dirty="0" err="1">
+                <a:solidFill>
+                  <a:schemeClr val="tx1"/>
+                </a:solidFill>
+                <a:highlight>
+                  <a:srgbClr val="000000"/>
+                </a:highlight>
+                <a:latin typeface="+mn-lt"/>
+                <a:ea typeface="+mn-ea"/>
+                <a:cs typeface="+mn-cs"/>
+                <a:sym typeface="Helvetica"/>
+              </a:rPr>
+              <a:t>contexto</a:t>
+            </a:r>
+            <a:endParaRPr b="1" dirty="0">
+              <a:solidFill>
+                <a:schemeClr val="tx1"/>
+              </a:solidFill>
+              <a:highlight>
+                <a:srgbClr val="000000"/>
+              </a:highlight>
+              <a:latin typeface="+mn-lt"/>
+              <a:ea typeface="+mn-ea"/>
+              <a:cs typeface="+mn-cs"/>
+              <a:sym typeface="Helvetica"/>
+            </a:endParaRPr>
+          </a:p>
+          <a:p>
+            <a:pPr marL="457200" indent="-317500" defTabSz="457200">
+              <a:lnSpc>
+                <a:spcPct val="100000"/>
+              </a:lnSpc>
+              <a:spcBef>
+                <a:spcPts val="0"/>
+              </a:spcBef>
+              <a:buClr>
+                <a:srgbClr val="1F2328"/>
+              </a:buClr>
+              <a:buFont typeface="TimesNewRomanPSMT"/>
+              <a:buAutoNum type="arabicPeriod"/>
+              <a:defRPr sz="2600">
+                <a:solidFill>
+                  <a:srgbClr val="1F2328"/>
+                </a:solidFill>
+                <a:latin typeface="Helvetica Neue"/>
+                <a:ea typeface="Helvetica Neue"/>
+                <a:cs typeface="Helvetica Neue"/>
+                <a:sym typeface="Helvetica Neue"/>
+              </a:defRPr>
+            </a:pPr>
+            <a:r>
+              <a:rPr b="1" dirty="0" err="1">
+                <a:solidFill>
+                  <a:schemeClr val="tx1"/>
+                </a:solidFill>
+                <a:highlight>
+                  <a:srgbClr val="000000"/>
+                </a:highlight>
+                <a:latin typeface="+mn-lt"/>
+                <a:ea typeface="+mn-ea"/>
+                <a:cs typeface="+mn-cs"/>
+                <a:sym typeface="Helvetica"/>
+              </a:rPr>
+              <a:t>Utilice</a:t>
+            </a:r>
+            <a:r>
+              <a:rPr b="1" dirty="0">
+                <a:solidFill>
+                  <a:schemeClr val="tx1"/>
+                </a:solidFill>
+                <a:highlight>
+                  <a:srgbClr val="000000"/>
+                </a:highlight>
+                <a:latin typeface="+mn-lt"/>
+                <a:ea typeface="+mn-ea"/>
+                <a:cs typeface="+mn-cs"/>
+                <a:sym typeface="Helvetica"/>
+              </a:rPr>
               <a:t> </a:t>
             </a:r>
-          </a:p>
-          <a:p>
-            <a:r>
-              <a:t>- Awesome Generative AI - </a:t>
-            </a:r>
-            <a:r>
-              <a:rPr u="sng">
-                <a:solidFill>
-                  <a:srgbClr val="0563C1"/>
-                </a:solidFill>
-                <a:uFill>
-                  <a:solidFill>
-                    <a:srgbClr val="0563C1"/>
-                  </a:solidFill>
-                </a:uFill>
-                <a:hlinkClick r:id="rId4"/>
-              </a:rPr>
-              <a:t>https://github.com/amusi/awesome-ai-awesomeness</a:t>
-            </a:r>
-            <a:r>
+            <a:r>
+              <a:rPr b="1" dirty="0" err="1">
+                <a:solidFill>
+                  <a:schemeClr val="tx1"/>
+                </a:solidFill>
+                <a:highlight>
+                  <a:srgbClr val="000000"/>
+                </a:highlight>
+                <a:latin typeface="+mn-lt"/>
+                <a:ea typeface="+mn-ea"/>
+                <a:cs typeface="+mn-cs"/>
+                <a:sym typeface="Helvetica"/>
+              </a:rPr>
+              <a:t>múltiples</a:t>
+            </a:r>
+            <a:r>
+              <a:rPr b="1" dirty="0">
+                <a:solidFill>
+                  <a:schemeClr val="tx1"/>
+                </a:solidFill>
+                <a:highlight>
+                  <a:srgbClr val="000000"/>
+                </a:highlight>
+                <a:latin typeface="+mn-lt"/>
+                <a:ea typeface="+mn-ea"/>
+                <a:cs typeface="+mn-cs"/>
+                <a:sym typeface="Helvetica"/>
+              </a:rPr>
               <a:t> </a:t>
             </a:r>
-          </a:p>
-          <a:p>
-            <a:r>
-              <a:t>FutureTools - </a:t>
-            </a:r>
-            <a:r>
-              <a:rPr u="sng">
-                <a:solidFill>
-                  <a:srgbClr val="0563C1"/>
-                </a:solidFill>
-                <a:uFill>
-                  <a:solidFill>
-                    <a:srgbClr val="0563C1"/>
-                  </a:solidFill>
-                </a:uFill>
-                <a:hlinkClick r:id="rId5"/>
-              </a:rPr>
-              <a:t>https://futuretools.io</a:t>
-            </a:r>
-            <a:r>
+            <a:r>
+              <a:rPr b="1" dirty="0" err="1">
+                <a:solidFill>
+                  <a:schemeClr val="tx1"/>
+                </a:solidFill>
+                <a:highlight>
+                  <a:srgbClr val="000000"/>
+                </a:highlight>
+                <a:latin typeface="+mn-lt"/>
+                <a:ea typeface="+mn-ea"/>
+                <a:cs typeface="+mn-cs"/>
+                <a:sym typeface="Helvetica"/>
+              </a:rPr>
+              <a:t>servicios</a:t>
+            </a:r>
+            <a:endParaRPr b="1" dirty="0">
+              <a:solidFill>
+                <a:schemeClr val="tx1"/>
+              </a:solidFill>
+              <a:highlight>
+                <a:srgbClr val="000000"/>
+              </a:highlight>
+              <a:latin typeface="+mn-lt"/>
+              <a:ea typeface="+mn-ea"/>
+              <a:cs typeface="+mn-cs"/>
+              <a:sym typeface="Helvetica"/>
+            </a:endParaRPr>
+          </a:p>
+          <a:p>
+            <a:pPr marL="457200" indent="-317500" defTabSz="457200">
+              <a:lnSpc>
+                <a:spcPct val="100000"/>
+              </a:lnSpc>
+              <a:spcBef>
+                <a:spcPts val="0"/>
+              </a:spcBef>
+              <a:buClr>
+                <a:srgbClr val="1F2328"/>
+              </a:buClr>
+              <a:buFont typeface="TimesNewRomanPSMT"/>
+              <a:buAutoNum type="arabicPeriod"/>
+              <a:defRPr sz="2600">
+                <a:solidFill>
+                  <a:srgbClr val="942192"/>
+                </a:solidFill>
+                <a:latin typeface="Helvetica Neue"/>
+                <a:ea typeface="Helvetica Neue"/>
+                <a:cs typeface="Helvetica Neue"/>
+                <a:sym typeface="Helvetica Neue"/>
+              </a:defRPr>
+            </a:pPr>
+            <a:r>
+              <a:rPr b="1" dirty="0" err="1">
+                <a:solidFill>
+                  <a:schemeClr val="tx1"/>
+                </a:solidFill>
+                <a:highlight>
+                  <a:srgbClr val="000000"/>
+                </a:highlight>
+                <a:latin typeface="+mn-lt"/>
+                <a:ea typeface="+mn-ea"/>
+                <a:cs typeface="+mn-cs"/>
+                <a:sym typeface="Helvetica"/>
+              </a:rPr>
+              <a:t>Recuerde</a:t>
+            </a:r>
+            <a:r>
+              <a:rPr b="1" dirty="0">
+                <a:solidFill>
+                  <a:schemeClr val="tx1"/>
+                </a:solidFill>
+                <a:highlight>
+                  <a:srgbClr val="000000"/>
+                </a:highlight>
+                <a:latin typeface="+mn-lt"/>
+                <a:ea typeface="+mn-ea"/>
+                <a:cs typeface="+mn-cs"/>
+                <a:sym typeface="Helvetica"/>
+              </a:rPr>
+              <a:t> de las </a:t>
+            </a:r>
+            <a:r>
+              <a:rPr b="1" dirty="0" err="1">
+                <a:solidFill>
+                  <a:schemeClr val="tx1"/>
+                </a:solidFill>
+                <a:highlight>
+                  <a:srgbClr val="000000"/>
+                </a:highlight>
+                <a:latin typeface="+mn-lt"/>
+                <a:ea typeface="+mn-ea"/>
+                <a:cs typeface="+mn-cs"/>
+                <a:sym typeface="Helvetica"/>
+              </a:rPr>
+              <a:t>restricciones</a:t>
+            </a:r>
+            <a:endParaRPr b="1" dirty="0">
+              <a:solidFill>
+                <a:schemeClr val="tx1"/>
+              </a:solidFill>
+              <a:highlight>
+                <a:srgbClr val="000000"/>
+              </a:highlight>
+              <a:latin typeface="+mn-lt"/>
+              <a:ea typeface="+mn-ea"/>
+              <a:cs typeface="+mn-cs"/>
+              <a:sym typeface="Helvetica"/>
+            </a:endParaRPr>
+          </a:p>
+          <a:p>
+            <a:pPr marL="457200" indent="-317500" defTabSz="457200">
+              <a:lnSpc>
+                <a:spcPct val="100000"/>
+              </a:lnSpc>
+              <a:spcBef>
+                <a:spcPts val="0"/>
+              </a:spcBef>
+              <a:buClr>
+                <a:srgbClr val="1F2328"/>
+              </a:buClr>
+              <a:buFont typeface="TimesNewRomanPSMT"/>
+              <a:buAutoNum type="arabicPeriod"/>
+              <a:defRPr sz="2600">
+                <a:solidFill>
+                  <a:srgbClr val="1F2328"/>
+                </a:solidFill>
+                <a:latin typeface="Helvetica Neue"/>
+                <a:ea typeface="Helvetica Neue"/>
+                <a:cs typeface="Helvetica Neue"/>
+                <a:sym typeface="Helvetica Neue"/>
+              </a:defRPr>
+            </a:pPr>
+            <a:r>
+              <a:rPr b="1" dirty="0" err="1">
+                <a:solidFill>
+                  <a:schemeClr val="tx1"/>
+                </a:solidFill>
+                <a:highlight>
+                  <a:srgbClr val="000000"/>
+                </a:highlight>
+                <a:latin typeface="+mn-lt"/>
+                <a:ea typeface="+mn-ea"/>
+                <a:cs typeface="+mn-cs"/>
+                <a:sym typeface="Helvetica"/>
+              </a:rPr>
+              <a:t>Crear</a:t>
+            </a:r>
+            <a:r>
+              <a:rPr b="1" dirty="0">
+                <a:solidFill>
+                  <a:schemeClr val="tx1"/>
+                </a:solidFill>
+                <a:highlight>
+                  <a:srgbClr val="000000"/>
+                </a:highlight>
+                <a:latin typeface="+mn-lt"/>
+                <a:ea typeface="+mn-ea"/>
+                <a:cs typeface="+mn-cs"/>
+                <a:sym typeface="Helvetica"/>
+              </a:rPr>
               <a:t> </a:t>
             </a:r>
+            <a:r>
+              <a:rPr b="1" dirty="0" err="1">
+                <a:solidFill>
+                  <a:schemeClr val="tx1"/>
+                </a:solidFill>
+                <a:highlight>
+                  <a:srgbClr val="000000"/>
+                </a:highlight>
+                <a:latin typeface="+mn-lt"/>
+                <a:ea typeface="+mn-ea"/>
+                <a:cs typeface="+mn-cs"/>
+                <a:sym typeface="Helvetica"/>
+              </a:rPr>
+              <a:t>plantillas</a:t>
+            </a:r>
+            <a:endParaRPr b="1" dirty="0">
+              <a:solidFill>
+                <a:schemeClr val="tx1"/>
+              </a:solidFill>
+              <a:highlight>
+                <a:srgbClr val="000000"/>
+              </a:highlight>
+              <a:latin typeface="+mn-lt"/>
+              <a:ea typeface="+mn-ea"/>
+              <a:cs typeface="+mn-cs"/>
+              <a:sym typeface="Helvetica"/>
+            </a:endParaRPr>
           </a:p>
         </p:txBody>
       </p:sp>
       <p:sp>
         <p:nvSpPr>
-          <p:cNvPr id="179" name="Slide Number"/>
-          <p:cNvSpPr txBox="1">
-            <a:spLocks noGrp="1"/>
-          </p:cNvSpPr>
-          <p:nvPr>
-            <p:ph type="sldNum" sz="quarter" idx="2"/>
-          </p:nvPr>
+          <p:cNvPr id="150" name="Content Placeholder 2"/>
+          <p:cNvSpPr txBox="1"/>
+          <p:nvPr/>
         </p:nvSpPr>
         <p:spPr>
+          <a:xfrm>
+            <a:off x="19327" y="2028522"/>
+            <a:ext cx="4609515" cy="4351339"/>
+          </a:xfrm>
           <a:prstGeom prst="rect">
             <a:avLst/>
           </a:prstGeom>
+          <a:ln w="12700">
+            <a:miter lim="400000"/>
+          </a:ln>
           <a:extLst>
             <a:ext uri="{C572A759-6A51-4108-AA02-DFA0A04FC94B}">
               <ma14:wrappingTextBoxFlag xmlns:ma14="http://schemas.microsoft.com/office/mac/drawingml/2011/main" xmlns:a14="http://schemas.microsoft.com/office/drawing/2010/main" xmlns:m="http://schemas.openxmlformats.org/officeDocument/2006/math" xmlns="" val="1"/>
@@ -4035,10 +4569,355 @@
           </a:extLst>
         </p:spPr>
         <p:txBody>
-          <a:bodyPr/>
+          <a:bodyPr lIns="45719" rIns="45719">
+            <a:normAutofit/>
+          </a:bodyPr>
           <a:lstStyle/>
           <a:p>
+            <a:pPr marL="457200" indent="-317500" defTabSz="457200">
+              <a:buClr>
+                <a:srgbClr val="1F2328"/>
+              </a:buClr>
+              <a:buSzPct val="100000"/>
+              <a:buFont typeface="TimesNewRomanPSMT"/>
+              <a:buAutoNum type="arabicPeriod"/>
+              <a:defRPr sz="2600">
+                <a:solidFill>
+                  <a:srgbClr val="1F2328"/>
+                </a:solidFill>
+                <a:latin typeface="Helvetica Neue"/>
+                <a:ea typeface="Helvetica Neue"/>
+                <a:cs typeface="Helvetica Neue"/>
+                <a:sym typeface="Helvetica Neue"/>
+              </a:defRPr>
+            </a:pPr>
+            <a:r>
+              <a:rPr b="1" dirty="0">
+                <a:solidFill>
+                  <a:schemeClr val="tx1"/>
+                </a:solidFill>
+                <a:highlight>
+                  <a:srgbClr val="000000"/>
+                </a:highlight>
+                <a:latin typeface="+mn-lt"/>
+                <a:ea typeface="+mn-ea"/>
+                <a:cs typeface="+mn-cs"/>
+                <a:sym typeface="Helvetica"/>
+              </a:rPr>
+              <a:t>Check for Accuracy</a:t>
+            </a:r>
+          </a:p>
+          <a:p>
+            <a:pPr marL="457200" indent="-317500" defTabSz="457200">
+              <a:buClr>
+                <a:srgbClr val="1F2328"/>
+              </a:buClr>
+              <a:buSzPct val="100000"/>
+              <a:buFont typeface="TimesNewRomanPSMT"/>
+              <a:buAutoNum type="arabicPeriod"/>
+              <a:defRPr sz="2600">
+                <a:solidFill>
+                  <a:srgbClr val="0433FF"/>
+                </a:solidFill>
+                <a:latin typeface="Helvetica Neue"/>
+                <a:ea typeface="Helvetica Neue"/>
+                <a:cs typeface="Helvetica Neue"/>
+                <a:sym typeface="Helvetica Neue"/>
+              </a:defRPr>
+            </a:pPr>
+            <a:r>
+              <a:rPr b="1" dirty="0">
+                <a:solidFill>
+                  <a:schemeClr val="tx1"/>
+                </a:solidFill>
+                <a:highlight>
+                  <a:srgbClr val="000000"/>
+                </a:highlight>
+                <a:latin typeface="+mn-lt"/>
+                <a:ea typeface="+mn-ea"/>
+                <a:cs typeface="+mn-cs"/>
+                <a:sym typeface="Helvetica"/>
+              </a:rPr>
+              <a:t>Be Specific</a:t>
+            </a:r>
+            <a:r>
+              <a:rPr dirty="0">
+                <a:solidFill>
+                  <a:schemeClr val="tx1"/>
+                </a:solidFill>
+                <a:highlight>
+                  <a:srgbClr val="000000"/>
+                </a:highlight>
+              </a:rPr>
+              <a:t>: </a:t>
+            </a:r>
+          </a:p>
+          <a:p>
+            <a:pPr marL="457200" indent="-317500" defTabSz="457200">
+              <a:buClr>
+                <a:srgbClr val="1F2328"/>
+              </a:buClr>
+              <a:buSzPct val="100000"/>
+              <a:buFont typeface="TimesNewRomanPSMT"/>
+              <a:buAutoNum type="arabicPeriod"/>
+              <a:defRPr sz="2600">
+                <a:solidFill>
+                  <a:srgbClr val="FF9300"/>
+                </a:solidFill>
+                <a:latin typeface="Helvetica Neue"/>
+                <a:ea typeface="Helvetica Neue"/>
+                <a:cs typeface="Helvetica Neue"/>
+                <a:sym typeface="Helvetica Neue"/>
+              </a:defRPr>
+            </a:pPr>
+            <a:r>
+              <a:rPr b="1" dirty="0">
+                <a:solidFill>
+                  <a:schemeClr val="tx1"/>
+                </a:solidFill>
+                <a:highlight>
+                  <a:srgbClr val="000000"/>
+                </a:highlight>
+                <a:latin typeface="+mn-lt"/>
+                <a:ea typeface="+mn-ea"/>
+                <a:cs typeface="+mn-cs"/>
+                <a:sym typeface="Helvetica"/>
+              </a:rPr>
+              <a:t>Iterate and Refine</a:t>
+            </a:r>
+            <a:r>
+              <a:rPr dirty="0">
+                <a:solidFill>
+                  <a:schemeClr val="tx1"/>
+                </a:solidFill>
+                <a:highlight>
+                  <a:srgbClr val="000000"/>
+                </a:highlight>
+              </a:rPr>
+              <a:t>: </a:t>
+            </a:r>
+          </a:p>
+          <a:p>
+            <a:pPr marL="457200" indent="-317500" defTabSz="457200">
+              <a:buClr>
+                <a:srgbClr val="1F2328"/>
+              </a:buClr>
+              <a:buSzPct val="100000"/>
+              <a:buFont typeface="TimesNewRomanPSMT"/>
+              <a:buAutoNum type="arabicPeriod"/>
+              <a:defRPr sz="2600">
+                <a:solidFill>
+                  <a:srgbClr val="FF40FF"/>
+                </a:solidFill>
+                <a:latin typeface="Helvetica Neue"/>
+                <a:ea typeface="Helvetica Neue"/>
+                <a:cs typeface="Helvetica Neue"/>
+                <a:sym typeface="Helvetica Neue"/>
+              </a:defRPr>
+            </a:pPr>
+            <a:r>
+              <a:rPr b="1" dirty="0">
+                <a:solidFill>
+                  <a:schemeClr val="tx1"/>
+                </a:solidFill>
+                <a:highlight>
+                  <a:srgbClr val="000000"/>
+                </a:highlight>
+                <a:latin typeface="+mn-lt"/>
+                <a:ea typeface="+mn-ea"/>
+                <a:cs typeface="+mn-cs"/>
+                <a:sym typeface="Helvetica"/>
+              </a:rPr>
+              <a:t>Provide Context</a:t>
+            </a:r>
+            <a:r>
+              <a:rPr dirty="0">
+                <a:solidFill>
+                  <a:schemeClr val="tx1"/>
+                </a:solidFill>
+                <a:highlight>
+                  <a:srgbClr val="000000"/>
+                </a:highlight>
+              </a:rPr>
+              <a:t>:</a:t>
+            </a:r>
+          </a:p>
+          <a:p>
+            <a:pPr marL="457200" indent="-317500" defTabSz="457200">
+              <a:buClr>
+                <a:srgbClr val="1F2328"/>
+              </a:buClr>
+              <a:buSzPct val="100000"/>
+              <a:buFont typeface="TimesNewRomanPSMT"/>
+              <a:buAutoNum type="arabicPeriod"/>
+              <a:defRPr sz="2600">
+                <a:solidFill>
+                  <a:srgbClr val="1F2328"/>
+                </a:solidFill>
+                <a:latin typeface="Helvetica Neue"/>
+                <a:ea typeface="Helvetica Neue"/>
+                <a:cs typeface="Helvetica Neue"/>
+                <a:sym typeface="Helvetica Neue"/>
+              </a:defRPr>
+            </a:pPr>
+            <a:r>
+              <a:rPr b="1" dirty="0">
+                <a:solidFill>
+                  <a:schemeClr val="tx1"/>
+                </a:solidFill>
+                <a:highlight>
+                  <a:srgbClr val="000000"/>
+                </a:highlight>
+                <a:latin typeface="+mn-lt"/>
+                <a:ea typeface="+mn-ea"/>
+                <a:cs typeface="+mn-cs"/>
+                <a:sym typeface="Helvetica"/>
+              </a:rPr>
+              <a:t>Use Multiple Services</a:t>
+            </a:r>
+            <a:r>
+              <a:rPr dirty="0">
+                <a:solidFill>
+                  <a:schemeClr val="tx1"/>
+                </a:solidFill>
+                <a:highlight>
+                  <a:srgbClr val="000000"/>
+                </a:highlight>
+              </a:rPr>
+              <a:t>:</a:t>
+            </a:r>
+          </a:p>
+          <a:p>
+            <a:pPr marL="457200" indent="-317500" defTabSz="457200">
+              <a:buClr>
+                <a:srgbClr val="1F2328"/>
+              </a:buClr>
+              <a:buSzPct val="100000"/>
+              <a:buFont typeface="TimesNewRomanPSMT"/>
+              <a:buAutoNum type="arabicPeriod"/>
+              <a:defRPr sz="2600">
+                <a:solidFill>
+                  <a:srgbClr val="942192"/>
+                </a:solidFill>
+                <a:latin typeface="Helvetica Neue"/>
+                <a:ea typeface="Helvetica Neue"/>
+                <a:cs typeface="Helvetica Neue"/>
+                <a:sym typeface="Helvetica Neue"/>
+              </a:defRPr>
+            </a:pPr>
+            <a:r>
+              <a:rPr b="1" dirty="0">
+                <a:solidFill>
+                  <a:schemeClr val="tx1"/>
+                </a:solidFill>
+                <a:highlight>
+                  <a:srgbClr val="000000"/>
+                </a:highlight>
+                <a:latin typeface="+mn-lt"/>
+                <a:ea typeface="+mn-ea"/>
+                <a:cs typeface="+mn-cs"/>
+                <a:sym typeface="Helvetica"/>
+              </a:rPr>
+              <a:t>Remind AI of Constraints</a:t>
+            </a:r>
+            <a:r>
+              <a:rPr dirty="0">
+                <a:solidFill>
+                  <a:schemeClr val="tx1"/>
+                </a:solidFill>
+                <a:highlight>
+                  <a:srgbClr val="000000"/>
+                </a:highlight>
+              </a:rPr>
+              <a:t>:</a:t>
+            </a:r>
+          </a:p>
+          <a:p>
+            <a:pPr marL="457200" indent="-317500" defTabSz="457200">
+              <a:buClr>
+                <a:srgbClr val="1F2328"/>
+              </a:buClr>
+              <a:buSzPct val="100000"/>
+              <a:buFont typeface="TimesNewRomanPSMT"/>
+              <a:buAutoNum type="arabicPeriod"/>
+              <a:defRPr sz="2600">
+                <a:solidFill>
+                  <a:srgbClr val="1F2328"/>
+                </a:solidFill>
+                <a:latin typeface="Helvetica Neue"/>
+                <a:ea typeface="Helvetica Neue"/>
+                <a:cs typeface="Helvetica Neue"/>
+                <a:sym typeface="Helvetica Neue"/>
+              </a:defRPr>
+            </a:pPr>
+            <a:r>
+              <a:rPr b="1" dirty="0">
+                <a:solidFill>
+                  <a:schemeClr val="tx1"/>
+                </a:solidFill>
+                <a:highlight>
+                  <a:srgbClr val="000000"/>
+                </a:highlight>
+                <a:latin typeface="+mn-lt"/>
+                <a:ea typeface="+mn-ea"/>
+                <a:cs typeface="+mn-cs"/>
+                <a:sym typeface="Helvetica"/>
+              </a:rPr>
+              <a:t>Make Templates</a:t>
+            </a:r>
+            <a:r>
+              <a:rPr dirty="0">
+                <a:solidFill>
+                  <a:schemeClr val="tx1"/>
+                </a:solidFill>
+                <a:highlight>
+                  <a:srgbClr val="000000"/>
+                </a:highlight>
+              </a:rPr>
+              <a:t>:</a:t>
+            </a:r>
+          </a:p>
+        </p:txBody>
+      </p:sp>
+      <p:sp>
+        <p:nvSpPr>
+          <p:cNvPr id="151" name="Text"/>
+          <p:cNvSpPr txBox="1"/>
+          <p:nvPr/>
+        </p:nvSpPr>
+        <p:spPr>
+          <a:xfrm>
+            <a:off x="11172418" y="6414760"/>
+            <a:ext cx="181382" cy="248305"/>
+          </a:xfrm>
+          <a:prstGeom prst="rect">
+            <a:avLst/>
+          </a:prstGeom>
+          <a:ln w="12700">
+            <a:miter lim="400000"/>
+          </a:ln>
+          <a:extLst>
+            <a:ext uri="{C572A759-6A51-4108-AA02-DFA0A04FC94B}">
+              <ma14:wrappingTextBoxFlag xmlns:ma14="http://schemas.microsoft.com/office/mac/drawingml/2011/main" xmlns:a14="http://schemas.microsoft.com/office/drawing/2010/main" xmlns:m="http://schemas.openxmlformats.org/officeDocument/2006/math" xmlns="" val="1"/>
+            </a:ext>
+          </a:extLst>
+        </p:spPr>
+        <p:txBody>
+          <a:bodyPr wrap="none" lIns="45719" rIns="45719" anchor="ctr">
+            <a:spAutoFit/>
+          </a:bodyPr>
+          <a:lstStyle>
+            <a:lvl1pPr algn="r">
+              <a:defRPr sz="1200">
+                <a:solidFill>
+                  <a:srgbClr val="888888"/>
+                </a:solidFill>
+              </a:defRPr>
+            </a:lvl1pPr>
+          </a:lstStyle>
+          <a:p>
             <a:fld id="{86CB4B4D-7CA3-9044-876B-883B54F8677D}" type="slidenum">
+              <a:rPr/>
               <a:t>12</a:t>
             </a:fld>
             <a:endParaRPr/>
@@ -4046,6 +4925,11 @@
         </p:txBody>
       </p:sp>
     </p:spTree>
+    <p:extLst>
+      <p:ext uri="{BB962C8B-B14F-4D97-AF65-F5344CB8AC3E}">
+        <p14:creationId xmlns:p14="http://schemas.microsoft.com/office/powerpoint/2010/main" val="583382652"/>
+      </p:ext>
+    </p:extLst>
   </p:cSld>
   <p:clrMapOvr>
     <a:masterClrMapping/>
@@ -4073,7 +4957,42 @@
       </p:grpSpPr>
       <p:sp>
         <p:nvSpPr>
-          <p:cNvPr id="181" name="Listas maestras de herramientas de IA"/>
+          <p:cNvPr id="147" name="Slide Number"/>
+          <p:cNvSpPr txBox="1">
+            <a:spLocks noGrp="1"/>
+          </p:cNvSpPr>
+          <p:nvPr>
+            <p:ph type="sldNum" sz="quarter" idx="2"/>
+          </p:nvPr>
+        </p:nvSpPr>
+        <p:spPr>
+          <a:xfrm>
+            <a:off x="11172418" y="6414760"/>
+            <a:ext cx="181382" cy="248305"/>
+          </a:xfrm>
+          <a:prstGeom prst="rect">
+            <a:avLst/>
+          </a:prstGeom>
+          <a:extLst>
+            <a:ext uri="{C572A759-6A51-4108-AA02-DFA0A04FC94B}">
+              <ma14:wrappingTextBoxFlag xmlns="" xmlns:m="http://schemas.openxmlformats.org/officeDocument/2006/math" xmlns:a14="http://schemas.microsoft.com/office/drawing/2010/main" xmlns:ma14="http://schemas.microsoft.com/office/mac/drawingml/2011/main" val="1"/>
+            </a:ext>
+          </a:extLst>
+        </p:spPr>
+        <p:txBody>
+          <a:bodyPr/>
+          <a:lstStyle/>
+          <a:p>
+            <a:fld id="{86CB4B4D-7CA3-9044-876B-883B54F8677D}" type="slidenum">
+              <a:t>13</a:t>
+            </a:fld>
+            <a:endParaRPr/>
+          </a:p>
+        </p:txBody>
+      </p:sp>
+      <p:sp>
+        <p:nvSpPr>
+          <p:cNvPr id="148" name="Mejores prácticas para generar contenido de inteligencia artificial"/>
           <p:cNvSpPr txBox="1">
             <a:spLocks noGrp="1"/>
           </p:cNvSpPr>
@@ -4091,25 +5010,25 @@
           <a:lstStyle/>
           <a:p>
             <a:r>
-              <a:t>Listas maestras de herramientas de IA</a:t>
+              <a:t>Mejores prácticas para generar contenido de inteligencia artificial</a:t>
             </a:r>
           </a:p>
         </p:txBody>
       </p:sp>
       <p:sp>
         <p:nvSpPr>
-          <p:cNvPr id="182" name="(&quot;AI tools&quot; OR &quot;GPT tools&quot; OR &quot;AI resources&quot; OR &quot;AI catalog&quot; OR &quot;AI list&quot; OR &quot;AI repository&quot; OR &quot;generative AI&quot;) (&quot;list&quot; OR &quot;collection&quot; OR &quot;catalog&quot; OR &quot;repository&quot; OR &quot;guide&quot;)…"/>
+          <p:cNvPr id="149" name="Verifique la precisión…"/>
           <p:cNvSpPr txBox="1">
             <a:spLocks noGrp="1"/>
           </p:cNvSpPr>
           <p:nvPr>
-            <p:ph type="body" idx="1"/>
+            <p:ph type="body" sz="half" idx="1"/>
           </p:nvPr>
         </p:nvSpPr>
         <p:spPr>
           <a:xfrm>
-            <a:off x="838200" y="1825625"/>
-            <a:ext cx="10515600" cy="4883132"/>
+            <a:off x="6791676" y="2028522"/>
+            <a:ext cx="5264183" cy="4048404"/>
           </a:xfrm>
           <a:prstGeom prst="rect">
             <a:avLst/>
@@ -4119,112 +5038,1009 @@
           <a:bodyPr/>
           <a:lstStyle/>
           <a:p>
-            <a:pPr>
-              <a:defRPr i="1">
-                <a:solidFill>
-                  <a:schemeClr val="accent3">
-                    <a:lumOff val="-12941"/>
-                  </a:schemeClr>
-                </a:solidFill>
+            <a:pPr marL="457200" indent="-317500" defTabSz="457200">
+              <a:lnSpc>
+                <a:spcPct val="100000"/>
+              </a:lnSpc>
+              <a:spcBef>
+                <a:spcPts val="0"/>
+              </a:spcBef>
+              <a:buClr>
+                <a:srgbClr val="1F2328"/>
+              </a:buClr>
+              <a:buFont typeface="TimesNewRomanPSMT"/>
+              <a:buAutoNum type="arabicPeriod"/>
+              <a:defRPr sz="2600">
+                <a:solidFill>
+                  <a:srgbClr val="1F2328"/>
+                </a:solidFill>
+                <a:latin typeface="Helvetica Neue"/>
+                <a:ea typeface="Helvetica Neue"/>
+                <a:cs typeface="Helvetica Neue"/>
+                <a:sym typeface="Helvetica Neue"/>
               </a:defRPr>
             </a:pPr>
             <a:r>
-              <a:t>("AI tools" OR "GPT tools" OR "AI resources" OR "AI catalog" OR "AI list" OR "AI repository" OR "generative AI") ("list" OR "collection" OR "catalog" OR "repository" OR "guide") </a:t>
-            </a:r>
-          </a:p>
-          <a:p>
-            <a:r>
-              <a:t>Herramienta de lista maestra de IA - </a:t>
-            </a:r>
-            <a:r>
-              <a:rPr u="sng">
-                <a:solidFill>
-                  <a:srgbClr val="0563C1"/>
-                </a:solidFill>
-                <a:uFill>
-                  <a:solidFill>
-                    <a:srgbClr val="0563C1"/>
-                  </a:solidFill>
-                </a:uFill>
-                <a:hlinkClick r:id="rId2"/>
-              </a:rPr>
-              <a:t>https://doc.clickup.com/25598832/d/h/rd6vg-14247/0b79ca1dc0f7429/rd6vg-12207</a:t>
-            </a:r>
-            <a:r>
+              <a:rPr b="1" dirty="0" err="1">
+                <a:solidFill>
+                  <a:schemeClr val="tx1"/>
+                </a:solidFill>
+                <a:highlight>
+                  <a:srgbClr val="000000"/>
+                </a:highlight>
+                <a:latin typeface="+mn-lt"/>
+                <a:ea typeface="+mn-ea"/>
+                <a:cs typeface="+mn-cs"/>
+                <a:sym typeface="Helvetica"/>
+              </a:rPr>
+              <a:t>Verifique</a:t>
+            </a:r>
+            <a:r>
+              <a:rPr b="1" dirty="0">
+                <a:solidFill>
+                  <a:schemeClr val="tx1"/>
+                </a:solidFill>
+                <a:highlight>
+                  <a:srgbClr val="000000"/>
+                </a:highlight>
+                <a:latin typeface="+mn-lt"/>
+                <a:ea typeface="+mn-ea"/>
+                <a:cs typeface="+mn-cs"/>
+                <a:sym typeface="Helvetica"/>
+              </a:rPr>
+              <a:t> la </a:t>
+            </a:r>
+            <a:r>
+              <a:rPr b="1" dirty="0" err="1">
+                <a:solidFill>
+                  <a:schemeClr val="tx1"/>
+                </a:solidFill>
+                <a:highlight>
+                  <a:srgbClr val="000000"/>
+                </a:highlight>
+                <a:latin typeface="+mn-lt"/>
+                <a:ea typeface="+mn-ea"/>
+                <a:cs typeface="+mn-cs"/>
+                <a:sym typeface="Helvetica"/>
+              </a:rPr>
+              <a:t>precisión</a:t>
+            </a:r>
+            <a:endParaRPr dirty="0">
+              <a:solidFill>
+                <a:schemeClr val="tx1"/>
+              </a:solidFill>
+              <a:highlight>
+                <a:srgbClr val="000000"/>
+              </a:highlight>
+              <a:latin typeface="+mn-lt"/>
+              <a:ea typeface="+mn-ea"/>
+              <a:cs typeface="+mn-cs"/>
+              <a:sym typeface="Helvetica"/>
+            </a:endParaRPr>
+          </a:p>
+          <a:p>
+            <a:pPr marL="457200" indent="-317500" defTabSz="457200">
+              <a:lnSpc>
+                <a:spcPct val="100000"/>
+              </a:lnSpc>
+              <a:spcBef>
+                <a:spcPts val="0"/>
+              </a:spcBef>
+              <a:buClr>
+                <a:srgbClr val="1F2328"/>
+              </a:buClr>
+              <a:buFont typeface="TimesNewRomanPSMT"/>
+              <a:buAutoNum type="arabicPeriod"/>
+              <a:defRPr sz="2600">
+                <a:solidFill>
+                  <a:srgbClr val="0433FF"/>
+                </a:solidFill>
+                <a:latin typeface="Helvetica Neue"/>
+                <a:ea typeface="Helvetica Neue"/>
+                <a:cs typeface="Helvetica Neue"/>
+                <a:sym typeface="Helvetica Neue"/>
+              </a:defRPr>
+            </a:pPr>
+            <a:r>
+              <a:rPr b="1" dirty="0">
+                <a:solidFill>
+                  <a:schemeClr val="tx1"/>
+                </a:solidFill>
+                <a:highlight>
+                  <a:srgbClr val="000000"/>
+                </a:highlight>
+                <a:latin typeface="+mn-lt"/>
+                <a:ea typeface="+mn-ea"/>
+                <a:cs typeface="+mn-cs"/>
+                <a:sym typeface="Helvetica"/>
+              </a:rPr>
+              <a:t>Sea </a:t>
+            </a:r>
+            <a:r>
+              <a:rPr b="1" dirty="0" err="1">
+                <a:solidFill>
+                  <a:schemeClr val="tx1"/>
+                </a:solidFill>
+                <a:highlight>
+                  <a:srgbClr val="000000"/>
+                </a:highlight>
+                <a:latin typeface="+mn-lt"/>
+                <a:ea typeface="+mn-ea"/>
+                <a:cs typeface="+mn-cs"/>
+                <a:sym typeface="Helvetica"/>
+              </a:rPr>
+              <a:t>específico</a:t>
+            </a:r>
+            <a:endParaRPr b="1" dirty="0">
+              <a:solidFill>
+                <a:schemeClr val="tx1"/>
+              </a:solidFill>
+              <a:highlight>
+                <a:srgbClr val="000000"/>
+              </a:highlight>
+              <a:latin typeface="+mn-lt"/>
+              <a:ea typeface="+mn-ea"/>
+              <a:cs typeface="+mn-cs"/>
+              <a:sym typeface="Helvetica"/>
+            </a:endParaRPr>
+          </a:p>
+          <a:p>
+            <a:pPr marL="457200" indent="-317500" defTabSz="457200">
+              <a:lnSpc>
+                <a:spcPct val="100000"/>
+              </a:lnSpc>
+              <a:spcBef>
+                <a:spcPts val="0"/>
+              </a:spcBef>
+              <a:buClr>
+                <a:srgbClr val="1F2328"/>
+              </a:buClr>
+              <a:buFont typeface="TimesNewRomanPSMT"/>
+              <a:buAutoNum type="arabicPeriod"/>
+              <a:defRPr sz="2600">
+                <a:solidFill>
+                  <a:srgbClr val="FF9300"/>
+                </a:solidFill>
+                <a:latin typeface="Helvetica Neue"/>
+                <a:ea typeface="Helvetica Neue"/>
+                <a:cs typeface="Helvetica Neue"/>
+                <a:sym typeface="Helvetica Neue"/>
+              </a:defRPr>
+            </a:pPr>
+            <a:r>
+              <a:rPr b="1" dirty="0" err="1">
+                <a:solidFill>
+                  <a:schemeClr val="tx1"/>
+                </a:solidFill>
+                <a:highlight>
+                  <a:srgbClr val="000000"/>
+                </a:highlight>
+                <a:latin typeface="+mn-lt"/>
+                <a:ea typeface="+mn-ea"/>
+                <a:cs typeface="+mn-cs"/>
+                <a:sym typeface="Helvetica"/>
+              </a:rPr>
+              <a:t>Iterar</a:t>
+            </a:r>
+            <a:r>
+              <a:rPr b="1" dirty="0">
+                <a:solidFill>
+                  <a:schemeClr val="tx1"/>
+                </a:solidFill>
+                <a:highlight>
+                  <a:srgbClr val="000000"/>
+                </a:highlight>
+                <a:latin typeface="+mn-lt"/>
+                <a:ea typeface="+mn-ea"/>
+                <a:cs typeface="+mn-cs"/>
+                <a:sym typeface="Helvetica"/>
+              </a:rPr>
+              <a:t> y </a:t>
+            </a:r>
+            <a:r>
+              <a:rPr b="1" dirty="0" err="1">
+                <a:solidFill>
+                  <a:schemeClr val="tx1"/>
+                </a:solidFill>
+                <a:highlight>
+                  <a:srgbClr val="000000"/>
+                </a:highlight>
+                <a:latin typeface="+mn-lt"/>
+                <a:ea typeface="+mn-ea"/>
+                <a:cs typeface="+mn-cs"/>
+                <a:sym typeface="Helvetica"/>
+              </a:rPr>
+              <a:t>refinar</a:t>
+            </a:r>
+            <a:endParaRPr b="1" dirty="0">
+              <a:solidFill>
+                <a:schemeClr val="tx1"/>
+              </a:solidFill>
+              <a:highlight>
+                <a:srgbClr val="000000"/>
+              </a:highlight>
+              <a:latin typeface="+mn-lt"/>
+              <a:ea typeface="+mn-ea"/>
+              <a:cs typeface="+mn-cs"/>
+              <a:sym typeface="Helvetica"/>
+            </a:endParaRPr>
+          </a:p>
+          <a:p>
+            <a:pPr marL="457200" indent="-317500" defTabSz="457200">
+              <a:lnSpc>
+                <a:spcPct val="100000"/>
+              </a:lnSpc>
+              <a:spcBef>
+                <a:spcPts val="0"/>
+              </a:spcBef>
+              <a:buClr>
+                <a:srgbClr val="1F2328"/>
+              </a:buClr>
+              <a:buFont typeface="TimesNewRomanPSMT"/>
+              <a:buAutoNum type="arabicPeriod"/>
+              <a:defRPr sz="2600">
+                <a:solidFill>
+                  <a:srgbClr val="FF40FF"/>
+                </a:solidFill>
+                <a:latin typeface="Helvetica Neue"/>
+                <a:ea typeface="Helvetica Neue"/>
+                <a:cs typeface="Helvetica Neue"/>
+                <a:sym typeface="Helvetica Neue"/>
+              </a:defRPr>
+            </a:pPr>
+            <a:r>
+              <a:rPr b="1" dirty="0" err="1">
+                <a:solidFill>
+                  <a:schemeClr val="tx1"/>
+                </a:solidFill>
+                <a:highlight>
+                  <a:srgbClr val="000000"/>
+                </a:highlight>
+                <a:latin typeface="+mn-lt"/>
+                <a:ea typeface="+mn-ea"/>
+                <a:cs typeface="+mn-cs"/>
+                <a:sym typeface="Helvetica"/>
+              </a:rPr>
+              <a:t>Proporcionar</a:t>
+            </a:r>
+            <a:r>
+              <a:rPr b="1" dirty="0">
+                <a:solidFill>
+                  <a:schemeClr val="tx1"/>
+                </a:solidFill>
+                <a:highlight>
+                  <a:srgbClr val="000000"/>
+                </a:highlight>
+                <a:latin typeface="+mn-lt"/>
+                <a:ea typeface="+mn-ea"/>
+                <a:cs typeface="+mn-cs"/>
+                <a:sym typeface="Helvetica"/>
+              </a:rPr>
               <a:t> </a:t>
             </a:r>
-          </a:p>
-          <a:p>
-            <a:r>
-              <a:t>Repositorio de catálogos de IA - </a:t>
-            </a:r>
-            <a:r>
-              <a:rPr u="sng">
-                <a:solidFill>
-                  <a:srgbClr val="0563C1"/>
-                </a:solidFill>
-                <a:uFill>
-                  <a:solidFill>
-                    <a:srgbClr val="0563C1"/>
-                  </a:solidFill>
-                </a:uFill>
-                <a:hlinkClick r:id="rId3"/>
-              </a:rPr>
-              <a:t>https://github.com/mehmetkahya0/ai-catalog</a:t>
-            </a:r>
-            <a:r>
+            <a:r>
+              <a:rPr b="1" dirty="0" err="1">
+                <a:solidFill>
+                  <a:schemeClr val="tx1"/>
+                </a:solidFill>
+                <a:highlight>
+                  <a:srgbClr val="000000"/>
+                </a:highlight>
+                <a:latin typeface="+mn-lt"/>
+                <a:ea typeface="+mn-ea"/>
+                <a:cs typeface="+mn-cs"/>
+                <a:sym typeface="Helvetica"/>
+              </a:rPr>
+              <a:t>contexto</a:t>
+            </a:r>
+            <a:endParaRPr b="1" dirty="0">
+              <a:solidFill>
+                <a:schemeClr val="tx1"/>
+              </a:solidFill>
+              <a:highlight>
+                <a:srgbClr val="000000"/>
+              </a:highlight>
+              <a:latin typeface="+mn-lt"/>
+              <a:ea typeface="+mn-ea"/>
+              <a:cs typeface="+mn-cs"/>
+              <a:sym typeface="Helvetica"/>
+            </a:endParaRPr>
+          </a:p>
+          <a:p>
+            <a:pPr marL="457200" indent="-317500" defTabSz="457200">
+              <a:lnSpc>
+                <a:spcPct val="100000"/>
+              </a:lnSpc>
+              <a:spcBef>
+                <a:spcPts val="0"/>
+              </a:spcBef>
+              <a:buClr>
+                <a:srgbClr val="1F2328"/>
+              </a:buClr>
+              <a:buFont typeface="TimesNewRomanPSMT"/>
+              <a:buAutoNum type="arabicPeriod"/>
+              <a:defRPr sz="2600">
+                <a:solidFill>
+                  <a:srgbClr val="1F2328"/>
+                </a:solidFill>
+                <a:latin typeface="Helvetica Neue"/>
+                <a:ea typeface="Helvetica Neue"/>
+                <a:cs typeface="Helvetica Neue"/>
+                <a:sym typeface="Helvetica Neue"/>
+              </a:defRPr>
+            </a:pPr>
+            <a:r>
+              <a:rPr b="1" dirty="0" err="1">
+                <a:solidFill>
+                  <a:schemeClr val="tx1"/>
+                </a:solidFill>
+                <a:highlight>
+                  <a:srgbClr val="000000"/>
+                </a:highlight>
+                <a:latin typeface="+mn-lt"/>
+                <a:ea typeface="+mn-ea"/>
+                <a:cs typeface="+mn-cs"/>
+                <a:sym typeface="Helvetica"/>
+              </a:rPr>
+              <a:t>Utilice</a:t>
+            </a:r>
+            <a:r>
+              <a:rPr b="1" dirty="0">
+                <a:solidFill>
+                  <a:schemeClr val="tx1"/>
+                </a:solidFill>
+                <a:highlight>
+                  <a:srgbClr val="000000"/>
+                </a:highlight>
+                <a:latin typeface="+mn-lt"/>
+                <a:ea typeface="+mn-ea"/>
+                <a:cs typeface="+mn-cs"/>
+                <a:sym typeface="Helvetica"/>
+              </a:rPr>
               <a:t> </a:t>
             </a:r>
-          </a:p>
-          <a:p>
-            <a:r>
-              <a:t>Impresionante IA generativa - </a:t>
-            </a:r>
-            <a:r>
-              <a:rPr u="sng">
-                <a:solidFill>
-                  <a:srgbClr val="0563C1"/>
-                </a:solidFill>
-                <a:uFill>
-                  <a:solidFill>
-                    <a:srgbClr val="0563C1"/>
-                  </a:solidFill>
-                </a:uFill>
-                <a:hlinkClick r:id="rId4"/>
-              </a:rPr>
-              <a:t>https://github.com/amusi/awesome-ai-awesomeness</a:t>
-            </a:r>
-            <a:r>
+            <a:r>
+              <a:rPr b="1" dirty="0" err="1">
+                <a:solidFill>
+                  <a:schemeClr val="tx1"/>
+                </a:solidFill>
+                <a:highlight>
+                  <a:srgbClr val="000000"/>
+                </a:highlight>
+                <a:latin typeface="+mn-lt"/>
+                <a:ea typeface="+mn-ea"/>
+                <a:cs typeface="+mn-cs"/>
+                <a:sym typeface="Helvetica"/>
+              </a:rPr>
+              <a:t>múltiples</a:t>
+            </a:r>
+            <a:r>
+              <a:rPr b="1" dirty="0">
+                <a:solidFill>
+                  <a:schemeClr val="tx1"/>
+                </a:solidFill>
+                <a:highlight>
+                  <a:srgbClr val="000000"/>
+                </a:highlight>
+                <a:latin typeface="+mn-lt"/>
+                <a:ea typeface="+mn-ea"/>
+                <a:cs typeface="+mn-cs"/>
+                <a:sym typeface="Helvetica"/>
+              </a:rPr>
               <a:t> </a:t>
             </a:r>
-          </a:p>
-          <a:p>
-            <a:r>
-              <a:t>FutureTools - </a:t>
-            </a:r>
-            <a:r>
-              <a:rPr u="sng">
-                <a:solidFill>
-                  <a:srgbClr val="0563C1"/>
-                </a:solidFill>
-                <a:uFill>
-                  <a:solidFill>
-                    <a:srgbClr val="0563C1"/>
-                  </a:solidFill>
-                </a:uFill>
-                <a:hlinkClick r:id="rId5"/>
-              </a:rPr>
-              <a:t>https://futuretools.io</a:t>
-            </a:r>
-            <a:r>
+            <a:r>
+              <a:rPr b="1" dirty="0" err="1">
+                <a:solidFill>
+                  <a:schemeClr val="tx1"/>
+                </a:solidFill>
+                <a:highlight>
+                  <a:srgbClr val="000000"/>
+                </a:highlight>
+                <a:latin typeface="+mn-lt"/>
+                <a:ea typeface="+mn-ea"/>
+                <a:cs typeface="+mn-cs"/>
+                <a:sym typeface="Helvetica"/>
+              </a:rPr>
+              <a:t>servicios</a:t>
+            </a:r>
+            <a:endParaRPr b="1" dirty="0">
+              <a:solidFill>
+                <a:schemeClr val="tx1"/>
+              </a:solidFill>
+              <a:highlight>
+                <a:srgbClr val="000000"/>
+              </a:highlight>
+              <a:latin typeface="+mn-lt"/>
+              <a:ea typeface="+mn-ea"/>
+              <a:cs typeface="+mn-cs"/>
+              <a:sym typeface="Helvetica"/>
+            </a:endParaRPr>
+          </a:p>
+          <a:p>
+            <a:pPr marL="457200" indent="-317500" defTabSz="457200">
+              <a:lnSpc>
+                <a:spcPct val="100000"/>
+              </a:lnSpc>
+              <a:spcBef>
+                <a:spcPts val="0"/>
+              </a:spcBef>
+              <a:buClr>
+                <a:srgbClr val="1F2328"/>
+              </a:buClr>
+              <a:buFont typeface="TimesNewRomanPSMT"/>
+              <a:buAutoNum type="arabicPeriod"/>
+              <a:defRPr sz="2600">
+                <a:solidFill>
+                  <a:srgbClr val="942192"/>
+                </a:solidFill>
+                <a:latin typeface="Helvetica Neue"/>
+                <a:ea typeface="Helvetica Neue"/>
+                <a:cs typeface="Helvetica Neue"/>
+                <a:sym typeface="Helvetica Neue"/>
+              </a:defRPr>
+            </a:pPr>
+            <a:r>
+              <a:rPr b="1" dirty="0" err="1">
+                <a:solidFill>
+                  <a:schemeClr val="tx1"/>
+                </a:solidFill>
+                <a:highlight>
+                  <a:srgbClr val="000000"/>
+                </a:highlight>
+                <a:latin typeface="+mn-lt"/>
+                <a:ea typeface="+mn-ea"/>
+                <a:cs typeface="+mn-cs"/>
+                <a:sym typeface="Helvetica"/>
+              </a:rPr>
+              <a:t>Recuerde</a:t>
+            </a:r>
+            <a:r>
+              <a:rPr b="1" dirty="0">
+                <a:solidFill>
+                  <a:schemeClr val="tx1"/>
+                </a:solidFill>
+                <a:highlight>
+                  <a:srgbClr val="000000"/>
+                </a:highlight>
+                <a:latin typeface="+mn-lt"/>
+                <a:ea typeface="+mn-ea"/>
+                <a:cs typeface="+mn-cs"/>
+                <a:sym typeface="Helvetica"/>
+              </a:rPr>
+              <a:t> de las </a:t>
+            </a:r>
+            <a:r>
+              <a:rPr b="1" dirty="0" err="1">
+                <a:solidFill>
+                  <a:schemeClr val="tx1"/>
+                </a:solidFill>
+                <a:highlight>
+                  <a:srgbClr val="000000"/>
+                </a:highlight>
+                <a:latin typeface="+mn-lt"/>
+                <a:ea typeface="+mn-ea"/>
+                <a:cs typeface="+mn-cs"/>
+                <a:sym typeface="Helvetica"/>
+              </a:rPr>
+              <a:t>restricciones</a:t>
+            </a:r>
+            <a:endParaRPr b="1" dirty="0">
+              <a:solidFill>
+                <a:schemeClr val="tx1"/>
+              </a:solidFill>
+              <a:highlight>
+                <a:srgbClr val="000000"/>
+              </a:highlight>
+              <a:latin typeface="+mn-lt"/>
+              <a:ea typeface="+mn-ea"/>
+              <a:cs typeface="+mn-cs"/>
+              <a:sym typeface="Helvetica"/>
+            </a:endParaRPr>
+          </a:p>
+          <a:p>
+            <a:pPr marL="457200" indent="-317500" defTabSz="457200">
+              <a:lnSpc>
+                <a:spcPct val="100000"/>
+              </a:lnSpc>
+              <a:spcBef>
+                <a:spcPts val="0"/>
+              </a:spcBef>
+              <a:buClr>
+                <a:srgbClr val="1F2328"/>
+              </a:buClr>
+              <a:buFont typeface="TimesNewRomanPSMT"/>
+              <a:buAutoNum type="arabicPeriod"/>
+              <a:defRPr sz="2600">
+                <a:solidFill>
+                  <a:srgbClr val="1F2328"/>
+                </a:solidFill>
+                <a:latin typeface="Helvetica Neue"/>
+                <a:ea typeface="Helvetica Neue"/>
+                <a:cs typeface="Helvetica Neue"/>
+                <a:sym typeface="Helvetica Neue"/>
+              </a:defRPr>
+            </a:pPr>
+            <a:r>
+              <a:rPr b="1" dirty="0" err="1">
+                <a:solidFill>
+                  <a:schemeClr val="tx1"/>
+                </a:solidFill>
+                <a:highlight>
+                  <a:srgbClr val="000000"/>
+                </a:highlight>
+                <a:latin typeface="+mn-lt"/>
+                <a:ea typeface="+mn-ea"/>
+                <a:cs typeface="+mn-cs"/>
+                <a:sym typeface="Helvetica"/>
+              </a:rPr>
+              <a:t>Crear</a:t>
+            </a:r>
+            <a:r>
+              <a:rPr b="1" dirty="0">
+                <a:solidFill>
+                  <a:schemeClr val="tx1"/>
+                </a:solidFill>
+                <a:highlight>
+                  <a:srgbClr val="000000"/>
+                </a:highlight>
+                <a:latin typeface="+mn-lt"/>
+                <a:ea typeface="+mn-ea"/>
+                <a:cs typeface="+mn-cs"/>
+                <a:sym typeface="Helvetica"/>
+              </a:rPr>
               <a:t> </a:t>
             </a:r>
+            <a:r>
+              <a:rPr b="1" dirty="0" err="1">
+                <a:solidFill>
+                  <a:schemeClr val="tx1"/>
+                </a:solidFill>
+                <a:highlight>
+                  <a:srgbClr val="000000"/>
+                </a:highlight>
+                <a:latin typeface="+mn-lt"/>
+                <a:ea typeface="+mn-ea"/>
+                <a:cs typeface="+mn-cs"/>
+                <a:sym typeface="Helvetica"/>
+              </a:rPr>
+              <a:t>plantillas</a:t>
+            </a:r>
+            <a:endParaRPr b="1" dirty="0">
+              <a:solidFill>
+                <a:schemeClr val="tx1"/>
+              </a:solidFill>
+              <a:highlight>
+                <a:srgbClr val="000000"/>
+              </a:highlight>
+              <a:latin typeface="+mn-lt"/>
+              <a:ea typeface="+mn-ea"/>
+              <a:cs typeface="+mn-cs"/>
+              <a:sym typeface="Helvetica"/>
+            </a:endParaRPr>
           </a:p>
         </p:txBody>
       </p:sp>
       <p:sp>
         <p:nvSpPr>
-          <p:cNvPr id="183" name="Slide Number"/>
+          <p:cNvPr id="150" name="Content Placeholder 2"/>
+          <p:cNvSpPr txBox="1"/>
+          <p:nvPr/>
+        </p:nvSpPr>
+        <p:spPr>
+          <a:xfrm>
+            <a:off x="19327" y="2028522"/>
+            <a:ext cx="4609515" cy="4351339"/>
+          </a:xfrm>
+          <a:prstGeom prst="rect">
+            <a:avLst/>
+          </a:prstGeom>
+          <a:ln w="12700">
+            <a:miter lim="400000"/>
+          </a:ln>
+          <a:extLst>
+            <a:ext uri="{C572A759-6A51-4108-AA02-DFA0A04FC94B}">
+              <ma14:wrappingTextBoxFlag xmlns="" xmlns:m="http://schemas.openxmlformats.org/officeDocument/2006/math" xmlns:a14="http://schemas.microsoft.com/office/drawing/2010/main" xmlns:ma14="http://schemas.microsoft.com/office/mac/drawingml/2011/main" val="1"/>
+            </a:ext>
+          </a:extLst>
+        </p:spPr>
+        <p:txBody>
+          <a:bodyPr lIns="45719" rIns="45719">
+            <a:normAutofit/>
+          </a:bodyPr>
+          <a:lstStyle/>
+          <a:p>
+            <a:pPr marL="457200" indent="-317500" defTabSz="457200">
+              <a:buClr>
+                <a:srgbClr val="1F2328"/>
+              </a:buClr>
+              <a:buSzPct val="100000"/>
+              <a:buFont typeface="TimesNewRomanPSMT"/>
+              <a:buAutoNum type="arabicPeriod"/>
+              <a:defRPr sz="2600">
+                <a:solidFill>
+                  <a:srgbClr val="1F2328"/>
+                </a:solidFill>
+                <a:latin typeface="Helvetica Neue"/>
+                <a:ea typeface="Helvetica Neue"/>
+                <a:cs typeface="Helvetica Neue"/>
+                <a:sym typeface="Helvetica Neue"/>
+              </a:defRPr>
+            </a:pPr>
+            <a:r>
+              <a:rPr b="1" dirty="0">
+                <a:solidFill>
+                  <a:schemeClr val="tx1"/>
+                </a:solidFill>
+                <a:highlight>
+                  <a:srgbClr val="000000"/>
+                </a:highlight>
+                <a:latin typeface="+mn-lt"/>
+                <a:ea typeface="+mn-ea"/>
+                <a:cs typeface="+mn-cs"/>
+                <a:sym typeface="Helvetica"/>
+              </a:rPr>
+              <a:t>Check for Accuracy</a:t>
+            </a:r>
+          </a:p>
+          <a:p>
+            <a:pPr marL="457200" indent="-317500" defTabSz="457200">
+              <a:buClr>
+                <a:srgbClr val="1F2328"/>
+              </a:buClr>
+              <a:buSzPct val="100000"/>
+              <a:buFont typeface="TimesNewRomanPSMT"/>
+              <a:buAutoNum type="arabicPeriod"/>
+              <a:defRPr sz="2600">
+                <a:solidFill>
+                  <a:srgbClr val="0433FF"/>
+                </a:solidFill>
+                <a:latin typeface="Helvetica Neue"/>
+                <a:ea typeface="Helvetica Neue"/>
+                <a:cs typeface="Helvetica Neue"/>
+                <a:sym typeface="Helvetica Neue"/>
+              </a:defRPr>
+            </a:pPr>
+            <a:r>
+              <a:rPr b="1" dirty="0">
+                <a:solidFill>
+                  <a:schemeClr val="tx1"/>
+                </a:solidFill>
+                <a:highlight>
+                  <a:srgbClr val="000000"/>
+                </a:highlight>
+                <a:latin typeface="+mn-lt"/>
+                <a:ea typeface="+mn-ea"/>
+                <a:cs typeface="+mn-cs"/>
+                <a:sym typeface="Helvetica"/>
+              </a:rPr>
+              <a:t>Be Specific</a:t>
+            </a:r>
+            <a:r>
+              <a:rPr dirty="0">
+                <a:solidFill>
+                  <a:schemeClr val="tx1"/>
+                </a:solidFill>
+                <a:highlight>
+                  <a:srgbClr val="000000"/>
+                </a:highlight>
+              </a:rPr>
+              <a:t>: </a:t>
+            </a:r>
+          </a:p>
+          <a:p>
+            <a:pPr marL="457200" indent="-317500" defTabSz="457200">
+              <a:buClr>
+                <a:srgbClr val="1F2328"/>
+              </a:buClr>
+              <a:buSzPct val="100000"/>
+              <a:buFont typeface="TimesNewRomanPSMT"/>
+              <a:buAutoNum type="arabicPeriod"/>
+              <a:defRPr sz="2600">
+                <a:solidFill>
+                  <a:srgbClr val="FF9300"/>
+                </a:solidFill>
+                <a:latin typeface="Helvetica Neue"/>
+                <a:ea typeface="Helvetica Neue"/>
+                <a:cs typeface="Helvetica Neue"/>
+                <a:sym typeface="Helvetica Neue"/>
+              </a:defRPr>
+            </a:pPr>
+            <a:r>
+              <a:rPr b="1" dirty="0">
+                <a:solidFill>
+                  <a:schemeClr val="tx1"/>
+                </a:solidFill>
+                <a:highlight>
+                  <a:srgbClr val="000000"/>
+                </a:highlight>
+                <a:latin typeface="+mn-lt"/>
+                <a:ea typeface="+mn-ea"/>
+                <a:cs typeface="+mn-cs"/>
+                <a:sym typeface="Helvetica"/>
+              </a:rPr>
+              <a:t>Iterate and Refine</a:t>
+            </a:r>
+            <a:r>
+              <a:rPr dirty="0">
+                <a:solidFill>
+                  <a:schemeClr val="tx1"/>
+                </a:solidFill>
+                <a:highlight>
+                  <a:srgbClr val="000000"/>
+                </a:highlight>
+              </a:rPr>
+              <a:t>: </a:t>
+            </a:r>
+          </a:p>
+          <a:p>
+            <a:pPr marL="457200" indent="-317500" defTabSz="457200">
+              <a:buClr>
+                <a:srgbClr val="1F2328"/>
+              </a:buClr>
+              <a:buSzPct val="100000"/>
+              <a:buFont typeface="TimesNewRomanPSMT"/>
+              <a:buAutoNum type="arabicPeriod"/>
+              <a:defRPr sz="2600">
+                <a:solidFill>
+                  <a:srgbClr val="FF40FF"/>
+                </a:solidFill>
+                <a:latin typeface="Helvetica Neue"/>
+                <a:ea typeface="Helvetica Neue"/>
+                <a:cs typeface="Helvetica Neue"/>
+                <a:sym typeface="Helvetica Neue"/>
+              </a:defRPr>
+            </a:pPr>
+            <a:r>
+              <a:rPr b="1" dirty="0">
+                <a:solidFill>
+                  <a:schemeClr val="tx1"/>
+                </a:solidFill>
+                <a:highlight>
+                  <a:srgbClr val="000000"/>
+                </a:highlight>
+                <a:latin typeface="+mn-lt"/>
+                <a:ea typeface="+mn-ea"/>
+                <a:cs typeface="+mn-cs"/>
+                <a:sym typeface="Helvetica"/>
+              </a:rPr>
+              <a:t>Provide Context</a:t>
+            </a:r>
+            <a:r>
+              <a:rPr dirty="0">
+                <a:solidFill>
+                  <a:schemeClr val="tx1"/>
+                </a:solidFill>
+                <a:highlight>
+                  <a:srgbClr val="000000"/>
+                </a:highlight>
+              </a:rPr>
+              <a:t>:</a:t>
+            </a:r>
+          </a:p>
+          <a:p>
+            <a:pPr marL="457200" indent="-317500" defTabSz="457200">
+              <a:buClr>
+                <a:srgbClr val="1F2328"/>
+              </a:buClr>
+              <a:buSzPct val="100000"/>
+              <a:buFont typeface="TimesNewRomanPSMT"/>
+              <a:buAutoNum type="arabicPeriod"/>
+              <a:defRPr sz="2600">
+                <a:solidFill>
+                  <a:srgbClr val="1F2328"/>
+                </a:solidFill>
+                <a:latin typeface="Helvetica Neue"/>
+                <a:ea typeface="Helvetica Neue"/>
+                <a:cs typeface="Helvetica Neue"/>
+                <a:sym typeface="Helvetica Neue"/>
+              </a:defRPr>
+            </a:pPr>
+            <a:r>
+              <a:rPr b="1" dirty="0">
+                <a:solidFill>
+                  <a:schemeClr val="tx1"/>
+                </a:solidFill>
+                <a:highlight>
+                  <a:srgbClr val="000000"/>
+                </a:highlight>
+                <a:latin typeface="+mn-lt"/>
+                <a:ea typeface="+mn-ea"/>
+                <a:cs typeface="+mn-cs"/>
+                <a:sym typeface="Helvetica"/>
+              </a:rPr>
+              <a:t>Use Multiple Services</a:t>
+            </a:r>
+            <a:r>
+              <a:rPr dirty="0">
+                <a:solidFill>
+                  <a:schemeClr val="tx1"/>
+                </a:solidFill>
+                <a:highlight>
+                  <a:srgbClr val="000000"/>
+                </a:highlight>
+              </a:rPr>
+              <a:t>:</a:t>
+            </a:r>
+          </a:p>
+          <a:p>
+            <a:pPr marL="457200" indent="-317500" defTabSz="457200">
+              <a:buClr>
+                <a:srgbClr val="1F2328"/>
+              </a:buClr>
+              <a:buSzPct val="100000"/>
+              <a:buFont typeface="TimesNewRomanPSMT"/>
+              <a:buAutoNum type="arabicPeriod"/>
+              <a:defRPr sz="2600">
+                <a:solidFill>
+                  <a:srgbClr val="942192"/>
+                </a:solidFill>
+                <a:latin typeface="Helvetica Neue"/>
+                <a:ea typeface="Helvetica Neue"/>
+                <a:cs typeface="Helvetica Neue"/>
+                <a:sym typeface="Helvetica Neue"/>
+              </a:defRPr>
+            </a:pPr>
+            <a:r>
+              <a:rPr b="1" dirty="0">
+                <a:solidFill>
+                  <a:schemeClr val="tx1"/>
+                </a:solidFill>
+                <a:highlight>
+                  <a:srgbClr val="000000"/>
+                </a:highlight>
+                <a:latin typeface="+mn-lt"/>
+                <a:ea typeface="+mn-ea"/>
+                <a:cs typeface="+mn-cs"/>
+                <a:sym typeface="Helvetica"/>
+              </a:rPr>
+              <a:t>Remind AI of Constraints</a:t>
+            </a:r>
+            <a:r>
+              <a:rPr dirty="0">
+                <a:solidFill>
+                  <a:schemeClr val="tx1"/>
+                </a:solidFill>
+                <a:highlight>
+                  <a:srgbClr val="000000"/>
+                </a:highlight>
+              </a:rPr>
+              <a:t>:</a:t>
+            </a:r>
+          </a:p>
+          <a:p>
+            <a:pPr marL="457200" indent="-317500" defTabSz="457200">
+              <a:buClr>
+                <a:srgbClr val="1F2328"/>
+              </a:buClr>
+              <a:buSzPct val="100000"/>
+              <a:buFont typeface="TimesNewRomanPSMT"/>
+              <a:buAutoNum type="arabicPeriod"/>
+              <a:defRPr sz="2600">
+                <a:solidFill>
+                  <a:srgbClr val="1F2328"/>
+                </a:solidFill>
+                <a:latin typeface="Helvetica Neue"/>
+                <a:ea typeface="Helvetica Neue"/>
+                <a:cs typeface="Helvetica Neue"/>
+                <a:sym typeface="Helvetica Neue"/>
+              </a:defRPr>
+            </a:pPr>
+            <a:r>
+              <a:rPr b="1" dirty="0">
+                <a:solidFill>
+                  <a:schemeClr val="tx1"/>
+                </a:solidFill>
+                <a:highlight>
+                  <a:srgbClr val="000000"/>
+                </a:highlight>
+                <a:latin typeface="+mn-lt"/>
+                <a:ea typeface="+mn-ea"/>
+                <a:cs typeface="+mn-cs"/>
+                <a:sym typeface="Helvetica"/>
+              </a:rPr>
+              <a:t>Make Templates</a:t>
+            </a:r>
+            <a:r>
+              <a:rPr dirty="0">
+                <a:solidFill>
+                  <a:schemeClr val="tx1"/>
+                </a:solidFill>
+                <a:highlight>
+                  <a:srgbClr val="000000"/>
+                </a:highlight>
+              </a:rPr>
+              <a:t>:</a:t>
+            </a:r>
+          </a:p>
+        </p:txBody>
+      </p:sp>
+      <p:sp>
+        <p:nvSpPr>
+          <p:cNvPr id="151" name="Text"/>
+          <p:cNvSpPr txBox="1"/>
+          <p:nvPr/>
+        </p:nvSpPr>
+        <p:spPr>
+          <a:xfrm>
+            <a:off x="11172418" y="6414760"/>
+            <a:ext cx="181382" cy="248305"/>
+          </a:xfrm>
+          <a:prstGeom prst="rect">
+            <a:avLst/>
+          </a:prstGeom>
+          <a:ln w="12700">
+            <a:miter lim="400000"/>
+          </a:ln>
+          <a:extLst>
+            <a:ext uri="{C572A759-6A51-4108-AA02-DFA0A04FC94B}">
+              <ma14:wrappingTextBoxFlag xmlns="" xmlns:m="http://schemas.openxmlformats.org/officeDocument/2006/math" xmlns:a14="http://schemas.microsoft.com/office/drawing/2010/main" xmlns:ma14="http://schemas.microsoft.com/office/mac/drawingml/2011/main" val="1"/>
+            </a:ext>
+          </a:extLst>
+        </p:spPr>
+        <p:txBody>
+          <a:bodyPr wrap="none" lIns="45719" rIns="45719" anchor="ctr">
+            <a:spAutoFit/>
+          </a:bodyPr>
+          <a:lstStyle>
+            <a:lvl1pPr algn="r">
+              <a:defRPr sz="1200">
+                <a:solidFill>
+                  <a:srgbClr val="888888"/>
+                </a:solidFill>
+              </a:defRPr>
+            </a:lvl1pPr>
+          </a:lstStyle>
+          <a:p>
+            <a:fld id="{86CB4B4D-7CA3-9044-876B-883B54F8677D}" type="slidenum">
+              <a:t>13</a:t>
+            </a:fld>
+            <a:endParaRPr/>
+          </a:p>
+        </p:txBody>
+      </p:sp>
+    </p:spTree>
+    <p:extLst>
+      <p:ext uri="{BB962C8B-B14F-4D97-AF65-F5344CB8AC3E}">
+        <p14:creationId xmlns:p14="http://schemas.microsoft.com/office/powerpoint/2010/main" val="4005661179"/>
+      </p:ext>
+    </p:extLst>
+  </p:cSld>
+  <p:clrMapOvr>
+    <a:masterClrMapping/>
+  </p:clrMapOvr>
+  <p:transition spd="med"/>
+</p:sld>
+</file>
+
+<file path=ppt/slides/slide14.xml><?xml version="1.0" encoding="utf-8"?>
+<p:sld xmlns:a="http://schemas.openxmlformats.org/drawingml/2006/main" xmlns:r="http://schemas.openxmlformats.org/officeDocument/2006/relationships" xmlns:p="http://schemas.openxmlformats.org/presentationml/2006/main">
+  <p:cSld>
+    <p:bg>
+      <p:bgPr>
+        <a:solidFill>
+          <a:srgbClr val="FFFF00"/>
+        </a:solidFill>
+        <a:effectLst/>
+      </p:bgPr>
+    </p:bg>
+    <p:spTree>
+      <p:nvGrpSpPr>
+        <p:cNvPr id="1" name=""/>
+        <p:cNvGrpSpPr/>
+        <p:nvPr/>
+      </p:nvGrpSpPr>
+      <p:grpSpPr>
+        <a:xfrm>
+          <a:off x="0" y="0"/>
+          <a:ext cx="0" cy="0"/>
+          <a:chOff x="0" y="0"/>
+          <a:chExt cx="0" cy="0"/>
+        </a:xfrm>
+      </p:grpSpPr>
+      <p:sp>
+        <p:nvSpPr>
+          <p:cNvPr id="147" name="Slide Number"/>
           <p:cNvSpPr txBox="1">
             <a:spLocks noGrp="1"/>
           </p:cNvSpPr>
@@ -4233,6 +6049,10 @@
           </p:nvPr>
         </p:nvSpPr>
         <p:spPr>
+          <a:xfrm>
+            <a:off x="11172418" y="6414760"/>
+            <a:ext cx="181382" cy="248305"/>
+          </a:xfrm>
           <a:prstGeom prst="rect">
             <a:avLst/>
           </a:prstGeom>
@@ -4247,13 +6067,594 @@
           <a:lstStyle/>
           <a:p>
             <a:fld id="{86CB4B4D-7CA3-9044-876B-883B54F8677D}" type="slidenum">
-              <a:t>13</a:t>
+              <a:t>14</a:t>
+            </a:fld>
+            <a:endParaRPr/>
+          </a:p>
+        </p:txBody>
+      </p:sp>
+      <p:sp>
+        <p:nvSpPr>
+          <p:cNvPr id="148" name="Mejores prácticas para generar contenido de inteligencia artificial"/>
+          <p:cNvSpPr txBox="1">
+            <a:spLocks noGrp="1"/>
+          </p:cNvSpPr>
+          <p:nvPr>
+            <p:ph type="title"/>
+          </p:nvPr>
+        </p:nvSpPr>
+        <p:spPr>
+          <a:prstGeom prst="rect">
+            <a:avLst/>
+          </a:prstGeom>
+        </p:spPr>
+        <p:txBody>
+          <a:bodyPr/>
+          <a:lstStyle/>
+          <a:p>
+            <a:r>
+              <a:rPr lang="en-US" dirty="0"/>
+              <a:t>Best Practices for Generating AI Content</a:t>
+            </a:r>
+            <a:endParaRPr dirty="0"/>
+          </a:p>
+        </p:txBody>
+      </p:sp>
+      <p:sp>
+        <p:nvSpPr>
+          <p:cNvPr id="149" name="Verifique la precisión…"/>
+          <p:cNvSpPr txBox="1">
+            <a:spLocks noGrp="1"/>
+          </p:cNvSpPr>
+          <p:nvPr>
+            <p:ph type="body" sz="half" idx="1"/>
+          </p:nvPr>
+        </p:nvSpPr>
+        <p:spPr>
+          <a:xfrm>
+            <a:off x="6791676" y="2028522"/>
+            <a:ext cx="5264183" cy="4048404"/>
+          </a:xfrm>
+          <a:prstGeom prst="rect">
+            <a:avLst/>
+          </a:prstGeom>
+        </p:spPr>
+        <p:txBody>
+          <a:bodyPr/>
+          <a:lstStyle/>
+          <a:p>
+            <a:pPr marL="457200" indent="-317500" defTabSz="457200">
+              <a:lnSpc>
+                <a:spcPct val="100000"/>
+              </a:lnSpc>
+              <a:spcBef>
+                <a:spcPts val="0"/>
+              </a:spcBef>
+              <a:buClr>
+                <a:srgbClr val="1F2328"/>
+              </a:buClr>
+              <a:buFont typeface="TimesNewRomanPSMT"/>
+              <a:buAutoNum type="arabicPeriod"/>
+              <a:defRPr sz="2600">
+                <a:solidFill>
+                  <a:srgbClr val="1F2328"/>
+                </a:solidFill>
+                <a:latin typeface="Helvetica Neue"/>
+                <a:ea typeface="Helvetica Neue"/>
+                <a:cs typeface="Helvetica Neue"/>
+                <a:sym typeface="Helvetica Neue"/>
+              </a:defRPr>
+            </a:pPr>
+            <a:r>
+              <a:rPr b="1">
+                <a:latin typeface="+mn-lt"/>
+                <a:ea typeface="+mn-ea"/>
+                <a:cs typeface="+mn-cs"/>
+                <a:sym typeface="Helvetica"/>
+              </a:rPr>
+              <a:t>Verifique la precisión</a:t>
+            </a:r>
+            <a:endParaRPr>
+              <a:latin typeface="+mn-lt"/>
+              <a:ea typeface="+mn-ea"/>
+              <a:cs typeface="+mn-cs"/>
+              <a:sym typeface="Helvetica"/>
+            </a:endParaRPr>
+          </a:p>
+          <a:p>
+            <a:pPr marL="457200" indent="-317500" defTabSz="457200">
+              <a:lnSpc>
+                <a:spcPct val="100000"/>
+              </a:lnSpc>
+              <a:spcBef>
+                <a:spcPts val="0"/>
+              </a:spcBef>
+              <a:buClr>
+                <a:srgbClr val="1F2328"/>
+              </a:buClr>
+              <a:buFont typeface="TimesNewRomanPSMT"/>
+              <a:buAutoNum type="arabicPeriod"/>
+              <a:defRPr sz="2600">
+                <a:solidFill>
+                  <a:srgbClr val="0433FF"/>
+                </a:solidFill>
+                <a:latin typeface="Helvetica Neue"/>
+                <a:ea typeface="Helvetica Neue"/>
+                <a:cs typeface="Helvetica Neue"/>
+                <a:sym typeface="Helvetica Neue"/>
+              </a:defRPr>
+            </a:pPr>
+            <a:r>
+              <a:rPr b="1">
+                <a:latin typeface="+mn-lt"/>
+                <a:ea typeface="+mn-ea"/>
+                <a:cs typeface="+mn-cs"/>
+                <a:sym typeface="Helvetica"/>
+              </a:rPr>
+              <a:t>Sea específico</a:t>
+            </a:r>
+          </a:p>
+          <a:p>
+            <a:pPr marL="457200" indent="-317500" defTabSz="457200">
+              <a:lnSpc>
+                <a:spcPct val="100000"/>
+              </a:lnSpc>
+              <a:spcBef>
+                <a:spcPts val="0"/>
+              </a:spcBef>
+              <a:buClr>
+                <a:srgbClr val="1F2328"/>
+              </a:buClr>
+              <a:buFont typeface="TimesNewRomanPSMT"/>
+              <a:buAutoNum type="arabicPeriod"/>
+              <a:defRPr sz="2600">
+                <a:solidFill>
+                  <a:srgbClr val="FF9300"/>
+                </a:solidFill>
+                <a:latin typeface="Helvetica Neue"/>
+                <a:ea typeface="Helvetica Neue"/>
+                <a:cs typeface="Helvetica Neue"/>
+                <a:sym typeface="Helvetica Neue"/>
+              </a:defRPr>
+            </a:pPr>
+            <a:r>
+              <a:rPr b="1">
+                <a:latin typeface="+mn-lt"/>
+                <a:ea typeface="+mn-ea"/>
+                <a:cs typeface="+mn-cs"/>
+                <a:sym typeface="Helvetica"/>
+              </a:rPr>
+              <a:t>Iterar y refinar</a:t>
+            </a:r>
+          </a:p>
+          <a:p>
+            <a:pPr marL="457200" indent="-317500" defTabSz="457200">
+              <a:lnSpc>
+                <a:spcPct val="100000"/>
+              </a:lnSpc>
+              <a:spcBef>
+                <a:spcPts val="0"/>
+              </a:spcBef>
+              <a:buClr>
+                <a:srgbClr val="1F2328"/>
+              </a:buClr>
+              <a:buFont typeface="TimesNewRomanPSMT"/>
+              <a:buAutoNum type="arabicPeriod"/>
+              <a:defRPr sz="2600">
+                <a:solidFill>
+                  <a:srgbClr val="FF40FF"/>
+                </a:solidFill>
+                <a:latin typeface="Helvetica Neue"/>
+                <a:ea typeface="Helvetica Neue"/>
+                <a:cs typeface="Helvetica Neue"/>
+                <a:sym typeface="Helvetica Neue"/>
+              </a:defRPr>
+            </a:pPr>
+            <a:r>
+              <a:rPr b="1">
+                <a:latin typeface="+mn-lt"/>
+                <a:ea typeface="+mn-ea"/>
+                <a:cs typeface="+mn-cs"/>
+                <a:sym typeface="Helvetica"/>
+              </a:rPr>
+              <a:t>Proporcionar contexto</a:t>
+            </a:r>
+          </a:p>
+          <a:p>
+            <a:pPr marL="457200" indent="-317500" defTabSz="457200">
+              <a:lnSpc>
+                <a:spcPct val="100000"/>
+              </a:lnSpc>
+              <a:spcBef>
+                <a:spcPts val="0"/>
+              </a:spcBef>
+              <a:buClr>
+                <a:srgbClr val="1F2328"/>
+              </a:buClr>
+              <a:buFont typeface="TimesNewRomanPSMT"/>
+              <a:buAutoNum type="arabicPeriod"/>
+              <a:defRPr sz="2600">
+                <a:solidFill>
+                  <a:srgbClr val="1F2328"/>
+                </a:solidFill>
+                <a:latin typeface="Helvetica Neue"/>
+                <a:ea typeface="Helvetica Neue"/>
+                <a:cs typeface="Helvetica Neue"/>
+                <a:sym typeface="Helvetica Neue"/>
+              </a:defRPr>
+            </a:pPr>
+            <a:r>
+              <a:rPr b="1">
+                <a:latin typeface="+mn-lt"/>
+                <a:ea typeface="+mn-ea"/>
+                <a:cs typeface="+mn-cs"/>
+                <a:sym typeface="Helvetica"/>
+              </a:rPr>
+              <a:t>Utilice múltiples servicios</a:t>
+            </a:r>
+          </a:p>
+          <a:p>
+            <a:pPr marL="457200" indent="-317500" defTabSz="457200">
+              <a:lnSpc>
+                <a:spcPct val="100000"/>
+              </a:lnSpc>
+              <a:spcBef>
+                <a:spcPts val="0"/>
+              </a:spcBef>
+              <a:buClr>
+                <a:srgbClr val="1F2328"/>
+              </a:buClr>
+              <a:buFont typeface="TimesNewRomanPSMT"/>
+              <a:buAutoNum type="arabicPeriod"/>
+              <a:defRPr sz="2600">
+                <a:solidFill>
+                  <a:srgbClr val="942192"/>
+                </a:solidFill>
+                <a:latin typeface="Helvetica Neue"/>
+                <a:ea typeface="Helvetica Neue"/>
+                <a:cs typeface="Helvetica Neue"/>
+                <a:sym typeface="Helvetica Neue"/>
+              </a:defRPr>
+            </a:pPr>
+            <a:r>
+              <a:rPr b="1">
+                <a:latin typeface="+mn-lt"/>
+                <a:ea typeface="+mn-ea"/>
+                <a:cs typeface="+mn-cs"/>
+                <a:sym typeface="Helvetica"/>
+              </a:rPr>
+              <a:t>Recuerde de las restricciones</a:t>
+            </a:r>
+          </a:p>
+          <a:p>
+            <a:pPr marL="457200" indent="-317500" defTabSz="457200">
+              <a:lnSpc>
+                <a:spcPct val="100000"/>
+              </a:lnSpc>
+              <a:spcBef>
+                <a:spcPts val="0"/>
+              </a:spcBef>
+              <a:buClr>
+                <a:srgbClr val="1F2328"/>
+              </a:buClr>
+              <a:buFont typeface="TimesNewRomanPSMT"/>
+              <a:buAutoNum type="arabicPeriod"/>
+              <a:defRPr sz="2600">
+                <a:solidFill>
+                  <a:srgbClr val="1F2328"/>
+                </a:solidFill>
+                <a:latin typeface="Helvetica Neue"/>
+                <a:ea typeface="Helvetica Neue"/>
+                <a:cs typeface="Helvetica Neue"/>
+                <a:sym typeface="Helvetica Neue"/>
+              </a:defRPr>
+            </a:pPr>
+            <a:r>
+              <a:rPr b="1">
+                <a:latin typeface="+mn-lt"/>
+                <a:ea typeface="+mn-ea"/>
+                <a:cs typeface="+mn-cs"/>
+                <a:sym typeface="Helvetica"/>
+              </a:rPr>
+              <a:t>Crear plantillas</a:t>
+            </a:r>
+          </a:p>
+        </p:txBody>
+      </p:sp>
+      <p:sp>
+        <p:nvSpPr>
+          <p:cNvPr id="150" name="Content Placeholder 2"/>
+          <p:cNvSpPr txBox="1"/>
+          <p:nvPr/>
+        </p:nvSpPr>
+        <p:spPr>
+          <a:xfrm>
+            <a:off x="19327" y="2028522"/>
+            <a:ext cx="4609515" cy="4351339"/>
+          </a:xfrm>
+          <a:prstGeom prst="rect">
+            <a:avLst/>
+          </a:prstGeom>
+          <a:ln w="12700">
+            <a:miter lim="400000"/>
+          </a:ln>
+          <a:extLst>
+            <a:ext uri="{C572A759-6A51-4108-AA02-DFA0A04FC94B}">
+              <ma14:wrappingTextBoxFlag xmlns:ma14="http://schemas.microsoft.com/office/mac/drawingml/2011/main" xmlns:a14="http://schemas.microsoft.com/office/drawing/2010/main" xmlns:m="http://schemas.openxmlformats.org/officeDocument/2006/math" xmlns="" val="1"/>
+            </a:ext>
+          </a:extLst>
+        </p:spPr>
+        <p:txBody>
+          <a:bodyPr lIns="45719" rIns="45719">
+            <a:normAutofit/>
+          </a:bodyPr>
+          <a:lstStyle/>
+          <a:p>
+            <a:pPr marL="457200" indent="-317500" defTabSz="457200">
+              <a:buClr>
+                <a:srgbClr val="1F2328"/>
+              </a:buClr>
+              <a:buSzPct val="100000"/>
+              <a:buFont typeface="TimesNewRomanPSMT"/>
+              <a:buAutoNum type="arabicPeriod"/>
+              <a:defRPr sz="2600">
+                <a:solidFill>
+                  <a:srgbClr val="1F2328"/>
+                </a:solidFill>
+                <a:latin typeface="Helvetica Neue"/>
+                <a:ea typeface="Helvetica Neue"/>
+                <a:cs typeface="Helvetica Neue"/>
+                <a:sym typeface="Helvetica Neue"/>
+              </a:defRPr>
+            </a:pPr>
+            <a:r>
+              <a:rPr b="1">
+                <a:latin typeface="+mn-lt"/>
+                <a:ea typeface="+mn-ea"/>
+                <a:cs typeface="+mn-cs"/>
+                <a:sym typeface="Helvetica"/>
+              </a:rPr>
+              <a:t>Check for Accuracy</a:t>
+            </a:r>
+          </a:p>
+          <a:p>
+            <a:pPr marL="457200" indent="-317500" defTabSz="457200">
+              <a:buClr>
+                <a:srgbClr val="1F2328"/>
+              </a:buClr>
+              <a:buSzPct val="100000"/>
+              <a:buFont typeface="TimesNewRomanPSMT"/>
+              <a:buAutoNum type="arabicPeriod"/>
+              <a:defRPr sz="2600">
+                <a:solidFill>
+                  <a:srgbClr val="0433FF"/>
+                </a:solidFill>
+                <a:latin typeface="Helvetica Neue"/>
+                <a:ea typeface="Helvetica Neue"/>
+                <a:cs typeface="Helvetica Neue"/>
+                <a:sym typeface="Helvetica Neue"/>
+              </a:defRPr>
+            </a:pPr>
+            <a:r>
+              <a:rPr b="1">
+                <a:latin typeface="+mn-lt"/>
+                <a:ea typeface="+mn-ea"/>
+                <a:cs typeface="+mn-cs"/>
+                <a:sym typeface="Helvetica"/>
+              </a:rPr>
+              <a:t>Be Specific</a:t>
+            </a:r>
+            <a:r>
+              <a:t>: </a:t>
+            </a:r>
+          </a:p>
+          <a:p>
+            <a:pPr marL="457200" indent="-317500" defTabSz="457200">
+              <a:buClr>
+                <a:srgbClr val="1F2328"/>
+              </a:buClr>
+              <a:buSzPct val="100000"/>
+              <a:buFont typeface="TimesNewRomanPSMT"/>
+              <a:buAutoNum type="arabicPeriod"/>
+              <a:defRPr sz="2600">
+                <a:solidFill>
+                  <a:srgbClr val="FF9300"/>
+                </a:solidFill>
+                <a:latin typeface="Helvetica Neue"/>
+                <a:ea typeface="Helvetica Neue"/>
+                <a:cs typeface="Helvetica Neue"/>
+                <a:sym typeface="Helvetica Neue"/>
+              </a:defRPr>
+            </a:pPr>
+            <a:r>
+              <a:rPr b="1">
+                <a:latin typeface="+mn-lt"/>
+                <a:ea typeface="+mn-ea"/>
+                <a:cs typeface="+mn-cs"/>
+                <a:sym typeface="Helvetica"/>
+              </a:rPr>
+              <a:t>Iterate and Refine</a:t>
+            </a:r>
+            <a:r>
+              <a:t>: </a:t>
+            </a:r>
+          </a:p>
+          <a:p>
+            <a:pPr marL="457200" indent="-317500" defTabSz="457200">
+              <a:buClr>
+                <a:srgbClr val="1F2328"/>
+              </a:buClr>
+              <a:buSzPct val="100000"/>
+              <a:buFont typeface="TimesNewRomanPSMT"/>
+              <a:buAutoNum type="arabicPeriod"/>
+              <a:defRPr sz="2600">
+                <a:solidFill>
+                  <a:srgbClr val="FF40FF"/>
+                </a:solidFill>
+                <a:latin typeface="Helvetica Neue"/>
+                <a:ea typeface="Helvetica Neue"/>
+                <a:cs typeface="Helvetica Neue"/>
+                <a:sym typeface="Helvetica Neue"/>
+              </a:defRPr>
+            </a:pPr>
+            <a:r>
+              <a:rPr b="1">
+                <a:latin typeface="+mn-lt"/>
+                <a:ea typeface="+mn-ea"/>
+                <a:cs typeface="+mn-cs"/>
+                <a:sym typeface="Helvetica"/>
+              </a:rPr>
+              <a:t>Provide Context</a:t>
+            </a:r>
+            <a:r>
+              <a:t>:</a:t>
+            </a:r>
+          </a:p>
+          <a:p>
+            <a:pPr marL="457200" indent="-317500" defTabSz="457200">
+              <a:buClr>
+                <a:srgbClr val="1F2328"/>
+              </a:buClr>
+              <a:buSzPct val="100000"/>
+              <a:buFont typeface="TimesNewRomanPSMT"/>
+              <a:buAutoNum type="arabicPeriod"/>
+              <a:defRPr sz="2600">
+                <a:solidFill>
+                  <a:srgbClr val="1F2328"/>
+                </a:solidFill>
+                <a:latin typeface="Helvetica Neue"/>
+                <a:ea typeface="Helvetica Neue"/>
+                <a:cs typeface="Helvetica Neue"/>
+                <a:sym typeface="Helvetica Neue"/>
+              </a:defRPr>
+            </a:pPr>
+            <a:r>
+              <a:rPr b="1">
+                <a:latin typeface="+mn-lt"/>
+                <a:ea typeface="+mn-ea"/>
+                <a:cs typeface="+mn-cs"/>
+                <a:sym typeface="Helvetica"/>
+              </a:rPr>
+              <a:t>Use Multiple Services</a:t>
+            </a:r>
+            <a:r>
+              <a:t>:</a:t>
+            </a:r>
+          </a:p>
+          <a:p>
+            <a:pPr marL="457200" indent="-317500" defTabSz="457200">
+              <a:buClr>
+                <a:srgbClr val="1F2328"/>
+              </a:buClr>
+              <a:buSzPct val="100000"/>
+              <a:buFont typeface="TimesNewRomanPSMT"/>
+              <a:buAutoNum type="arabicPeriod"/>
+              <a:defRPr sz="2600">
+                <a:solidFill>
+                  <a:srgbClr val="942192"/>
+                </a:solidFill>
+                <a:latin typeface="Helvetica Neue"/>
+                <a:ea typeface="Helvetica Neue"/>
+                <a:cs typeface="Helvetica Neue"/>
+                <a:sym typeface="Helvetica Neue"/>
+              </a:defRPr>
+            </a:pPr>
+            <a:r>
+              <a:rPr b="1">
+                <a:latin typeface="+mn-lt"/>
+                <a:ea typeface="+mn-ea"/>
+                <a:cs typeface="+mn-cs"/>
+                <a:sym typeface="Helvetica"/>
+              </a:rPr>
+              <a:t>Remind AI of Constraints</a:t>
+            </a:r>
+            <a:r>
+              <a:t>:</a:t>
+            </a:r>
+          </a:p>
+          <a:p>
+            <a:pPr marL="457200" indent="-317500" defTabSz="457200">
+              <a:buClr>
+                <a:srgbClr val="1F2328"/>
+              </a:buClr>
+              <a:buSzPct val="100000"/>
+              <a:buFont typeface="TimesNewRomanPSMT"/>
+              <a:buAutoNum type="arabicPeriod"/>
+              <a:defRPr sz="2600">
+                <a:solidFill>
+                  <a:srgbClr val="1F2328"/>
+                </a:solidFill>
+                <a:latin typeface="Helvetica Neue"/>
+                <a:ea typeface="Helvetica Neue"/>
+                <a:cs typeface="Helvetica Neue"/>
+                <a:sym typeface="Helvetica Neue"/>
+              </a:defRPr>
+            </a:pPr>
+            <a:r>
+              <a:rPr b="1">
+                <a:latin typeface="+mn-lt"/>
+                <a:ea typeface="+mn-ea"/>
+                <a:cs typeface="+mn-cs"/>
+                <a:sym typeface="Helvetica"/>
+              </a:rPr>
+              <a:t>Make Templates</a:t>
+            </a:r>
+            <a:r>
+              <a:t>:</a:t>
+            </a:r>
+          </a:p>
+        </p:txBody>
+      </p:sp>
+      <p:sp>
+        <p:nvSpPr>
+          <p:cNvPr id="151" name="Text"/>
+          <p:cNvSpPr txBox="1"/>
+          <p:nvPr/>
+        </p:nvSpPr>
+        <p:spPr>
+          <a:xfrm>
+            <a:off x="11172418" y="6414760"/>
+            <a:ext cx="181382" cy="248305"/>
+          </a:xfrm>
+          <a:prstGeom prst="rect">
+            <a:avLst/>
+          </a:prstGeom>
+          <a:ln w="12700">
+            <a:miter lim="400000"/>
+          </a:ln>
+          <a:extLst>
+            <a:ext uri="{C572A759-6A51-4108-AA02-DFA0A04FC94B}">
+              <ma14:wrappingTextBoxFlag xmlns:ma14="http://schemas.microsoft.com/office/mac/drawingml/2011/main" xmlns:a14="http://schemas.microsoft.com/office/drawing/2010/main" xmlns:m="http://schemas.openxmlformats.org/officeDocument/2006/math" xmlns="" val="1"/>
+            </a:ext>
+          </a:extLst>
+        </p:spPr>
+        <p:txBody>
+          <a:bodyPr wrap="none" lIns="45719" rIns="45719" anchor="ctr">
+            <a:spAutoFit/>
+          </a:bodyPr>
+          <a:lstStyle>
+            <a:lvl1pPr algn="r">
+              <a:defRPr sz="1200">
+                <a:solidFill>
+                  <a:srgbClr val="888888"/>
+                </a:solidFill>
+              </a:defRPr>
+            </a:lvl1pPr>
+          </a:lstStyle>
+          <a:p>
+            <a:fld id="{86CB4B4D-7CA3-9044-876B-883B54F8677D}" type="slidenum">
+              <a:t>14</a:t>
             </a:fld>
             <a:endParaRPr/>
           </a:p>
         </p:txBody>
       </p:sp>
     </p:spTree>
+    <p:extLst>
+      <p:ext uri="{BB962C8B-B14F-4D97-AF65-F5344CB8AC3E}">
+        <p14:creationId xmlns:p14="http://schemas.microsoft.com/office/powerpoint/2010/main" val="1860612879"/>
+      </p:ext>
+    </p:extLst>
   </p:cSld>
   <p:clrMapOvr>
     <a:masterClrMapping/>
@@ -4262,7 +6663,647 @@
 </p:sld>
 </file>
 
-<file path=ppt/slides/slide14.xml><?xml version="1.0" encoding="utf-8"?>
+<file path=ppt/slides/slide15.xml><?xml version="1.0" encoding="utf-8"?>
+<p:sld xmlns:a="http://schemas.openxmlformats.org/drawingml/2006/main" xmlns:r="http://schemas.openxmlformats.org/officeDocument/2006/relationships" xmlns:p="http://schemas.openxmlformats.org/presentationml/2006/main">
+  <p:cSld>
+    <p:spTree>
+      <p:nvGrpSpPr>
+        <p:cNvPr id="1" name=""/>
+        <p:cNvGrpSpPr/>
+        <p:nvPr/>
+      </p:nvGrpSpPr>
+      <p:grpSpPr>
+        <a:xfrm>
+          <a:off x="0" y="0"/>
+          <a:ext cx="0" cy="0"/>
+          <a:chOff x="0" y="0"/>
+          <a:chExt cx="0" cy="0"/>
+        </a:xfrm>
+      </p:grpSpPr>
+      <p:sp>
+        <p:nvSpPr>
+          <p:cNvPr id="147" name="Slide Number"/>
+          <p:cNvSpPr txBox="1">
+            <a:spLocks noGrp="1"/>
+          </p:cNvSpPr>
+          <p:nvPr>
+            <p:ph type="sldNum" sz="quarter" idx="2"/>
+          </p:nvPr>
+        </p:nvSpPr>
+        <p:spPr>
+          <a:xfrm>
+            <a:off x="11172418" y="6414760"/>
+            <a:ext cx="181382" cy="248305"/>
+          </a:xfrm>
+          <a:prstGeom prst="rect">
+            <a:avLst/>
+          </a:prstGeom>
+          <a:extLst>
+            <a:ext uri="{C572A759-6A51-4108-AA02-DFA0A04FC94B}">
+              <ma14:wrappingTextBoxFlag xmlns="" xmlns:m="http://schemas.openxmlformats.org/officeDocument/2006/math" xmlns:a14="http://schemas.microsoft.com/office/drawing/2010/main" xmlns:ma14="http://schemas.microsoft.com/office/mac/drawingml/2011/main" val="1"/>
+            </a:ext>
+          </a:extLst>
+        </p:spPr>
+        <p:txBody>
+          <a:bodyPr/>
+          <a:lstStyle/>
+          <a:p>
+            <a:fld id="{86CB4B4D-7CA3-9044-876B-883B54F8677D}" type="slidenum">
+              <a:t>15</a:t>
+            </a:fld>
+            <a:endParaRPr/>
+          </a:p>
+        </p:txBody>
+      </p:sp>
+      <p:sp>
+        <p:nvSpPr>
+          <p:cNvPr id="148" name="Mejores prácticas para generar contenido de inteligencia artificial"/>
+          <p:cNvSpPr txBox="1">
+            <a:spLocks noGrp="1"/>
+          </p:cNvSpPr>
+          <p:nvPr>
+            <p:ph type="title"/>
+          </p:nvPr>
+        </p:nvSpPr>
+        <p:spPr>
+          <a:prstGeom prst="rect">
+            <a:avLst/>
+          </a:prstGeom>
+        </p:spPr>
+        <p:txBody>
+          <a:bodyPr/>
+          <a:lstStyle/>
+          <a:p>
+            <a:r>
+              <a:t>Mejores prácticas para generar contenido de inteligencia artificial</a:t>
+            </a:r>
+          </a:p>
+        </p:txBody>
+      </p:sp>
+      <p:sp>
+        <p:nvSpPr>
+          <p:cNvPr id="149" name="Verifique la precisión…"/>
+          <p:cNvSpPr txBox="1">
+            <a:spLocks noGrp="1"/>
+          </p:cNvSpPr>
+          <p:nvPr>
+            <p:ph type="body" sz="half" idx="1"/>
+          </p:nvPr>
+        </p:nvSpPr>
+        <p:spPr>
+          <a:xfrm>
+            <a:off x="6791676" y="2028522"/>
+            <a:ext cx="5264183" cy="4048404"/>
+          </a:xfrm>
+          <a:prstGeom prst="rect">
+            <a:avLst/>
+          </a:prstGeom>
+        </p:spPr>
+        <p:txBody>
+          <a:bodyPr/>
+          <a:lstStyle/>
+          <a:p>
+            <a:pPr marL="457200" indent="-317500" defTabSz="457200">
+              <a:lnSpc>
+                <a:spcPct val="100000"/>
+              </a:lnSpc>
+              <a:spcBef>
+                <a:spcPts val="0"/>
+              </a:spcBef>
+              <a:buClr>
+                <a:srgbClr val="1F2328"/>
+              </a:buClr>
+              <a:buFont typeface="TimesNewRomanPSMT"/>
+              <a:buAutoNum type="arabicPeriod"/>
+              <a:defRPr sz="2600">
+                <a:solidFill>
+                  <a:srgbClr val="1F2328"/>
+                </a:solidFill>
+                <a:latin typeface="Helvetica Neue"/>
+                <a:ea typeface="Helvetica Neue"/>
+                <a:cs typeface="Helvetica Neue"/>
+                <a:sym typeface="Helvetica Neue"/>
+              </a:defRPr>
+            </a:pPr>
+            <a:r>
+              <a:rPr b="1">
+                <a:latin typeface="+mn-lt"/>
+                <a:ea typeface="+mn-ea"/>
+                <a:cs typeface="+mn-cs"/>
+                <a:sym typeface="Helvetica"/>
+              </a:rPr>
+              <a:t>Verifique la precisión</a:t>
+            </a:r>
+            <a:endParaRPr>
+              <a:latin typeface="+mn-lt"/>
+              <a:ea typeface="+mn-ea"/>
+              <a:cs typeface="+mn-cs"/>
+              <a:sym typeface="Helvetica"/>
+            </a:endParaRPr>
+          </a:p>
+          <a:p>
+            <a:pPr marL="457200" indent="-317500" defTabSz="457200">
+              <a:lnSpc>
+                <a:spcPct val="100000"/>
+              </a:lnSpc>
+              <a:spcBef>
+                <a:spcPts val="0"/>
+              </a:spcBef>
+              <a:buClr>
+                <a:srgbClr val="1F2328"/>
+              </a:buClr>
+              <a:buFont typeface="TimesNewRomanPSMT"/>
+              <a:buAutoNum type="arabicPeriod"/>
+              <a:defRPr sz="2600">
+                <a:solidFill>
+                  <a:srgbClr val="0433FF"/>
+                </a:solidFill>
+                <a:latin typeface="Helvetica Neue"/>
+                <a:ea typeface="Helvetica Neue"/>
+                <a:cs typeface="Helvetica Neue"/>
+                <a:sym typeface="Helvetica Neue"/>
+              </a:defRPr>
+            </a:pPr>
+            <a:r>
+              <a:rPr b="1">
+                <a:latin typeface="+mn-lt"/>
+                <a:ea typeface="+mn-ea"/>
+                <a:cs typeface="+mn-cs"/>
+                <a:sym typeface="Helvetica"/>
+              </a:rPr>
+              <a:t>Sea específico</a:t>
+            </a:r>
+          </a:p>
+          <a:p>
+            <a:pPr marL="457200" indent="-317500" defTabSz="457200">
+              <a:lnSpc>
+                <a:spcPct val="100000"/>
+              </a:lnSpc>
+              <a:spcBef>
+                <a:spcPts val="0"/>
+              </a:spcBef>
+              <a:buClr>
+                <a:srgbClr val="1F2328"/>
+              </a:buClr>
+              <a:buFont typeface="TimesNewRomanPSMT"/>
+              <a:buAutoNum type="arabicPeriod"/>
+              <a:defRPr sz="2600">
+                <a:solidFill>
+                  <a:srgbClr val="FF9300"/>
+                </a:solidFill>
+                <a:latin typeface="Helvetica Neue"/>
+                <a:ea typeface="Helvetica Neue"/>
+                <a:cs typeface="Helvetica Neue"/>
+                <a:sym typeface="Helvetica Neue"/>
+              </a:defRPr>
+            </a:pPr>
+            <a:r>
+              <a:rPr b="1">
+                <a:latin typeface="+mn-lt"/>
+                <a:ea typeface="+mn-ea"/>
+                <a:cs typeface="+mn-cs"/>
+                <a:sym typeface="Helvetica"/>
+              </a:rPr>
+              <a:t>Iterar y refinar</a:t>
+            </a:r>
+          </a:p>
+          <a:p>
+            <a:pPr marL="457200" indent="-317500" defTabSz="457200">
+              <a:lnSpc>
+                <a:spcPct val="100000"/>
+              </a:lnSpc>
+              <a:spcBef>
+                <a:spcPts val="0"/>
+              </a:spcBef>
+              <a:buClr>
+                <a:srgbClr val="1F2328"/>
+              </a:buClr>
+              <a:buFont typeface="TimesNewRomanPSMT"/>
+              <a:buAutoNum type="arabicPeriod"/>
+              <a:defRPr sz="2600">
+                <a:solidFill>
+                  <a:srgbClr val="FF40FF"/>
+                </a:solidFill>
+                <a:latin typeface="Helvetica Neue"/>
+                <a:ea typeface="Helvetica Neue"/>
+                <a:cs typeface="Helvetica Neue"/>
+                <a:sym typeface="Helvetica Neue"/>
+              </a:defRPr>
+            </a:pPr>
+            <a:r>
+              <a:rPr b="1">
+                <a:latin typeface="+mn-lt"/>
+                <a:ea typeface="+mn-ea"/>
+                <a:cs typeface="+mn-cs"/>
+                <a:sym typeface="Helvetica"/>
+              </a:rPr>
+              <a:t>Proporcionar contexto</a:t>
+            </a:r>
+          </a:p>
+          <a:p>
+            <a:pPr marL="457200" indent="-317500" defTabSz="457200">
+              <a:lnSpc>
+                <a:spcPct val="100000"/>
+              </a:lnSpc>
+              <a:spcBef>
+                <a:spcPts val="0"/>
+              </a:spcBef>
+              <a:buClr>
+                <a:srgbClr val="1F2328"/>
+              </a:buClr>
+              <a:buFont typeface="TimesNewRomanPSMT"/>
+              <a:buAutoNum type="arabicPeriod"/>
+              <a:defRPr sz="2600">
+                <a:solidFill>
+                  <a:srgbClr val="1F2328"/>
+                </a:solidFill>
+                <a:latin typeface="Helvetica Neue"/>
+                <a:ea typeface="Helvetica Neue"/>
+                <a:cs typeface="Helvetica Neue"/>
+                <a:sym typeface="Helvetica Neue"/>
+              </a:defRPr>
+            </a:pPr>
+            <a:r>
+              <a:rPr b="1">
+                <a:latin typeface="+mn-lt"/>
+                <a:ea typeface="+mn-ea"/>
+                <a:cs typeface="+mn-cs"/>
+                <a:sym typeface="Helvetica"/>
+              </a:rPr>
+              <a:t>Utilice múltiples servicios</a:t>
+            </a:r>
+          </a:p>
+          <a:p>
+            <a:pPr marL="457200" indent="-317500" defTabSz="457200">
+              <a:lnSpc>
+                <a:spcPct val="100000"/>
+              </a:lnSpc>
+              <a:spcBef>
+                <a:spcPts val="0"/>
+              </a:spcBef>
+              <a:buClr>
+                <a:srgbClr val="1F2328"/>
+              </a:buClr>
+              <a:buFont typeface="TimesNewRomanPSMT"/>
+              <a:buAutoNum type="arabicPeriod"/>
+              <a:defRPr sz="2600">
+                <a:solidFill>
+                  <a:srgbClr val="942192"/>
+                </a:solidFill>
+                <a:latin typeface="Helvetica Neue"/>
+                <a:ea typeface="Helvetica Neue"/>
+                <a:cs typeface="Helvetica Neue"/>
+                <a:sym typeface="Helvetica Neue"/>
+              </a:defRPr>
+            </a:pPr>
+            <a:r>
+              <a:rPr b="1">
+                <a:latin typeface="+mn-lt"/>
+                <a:ea typeface="+mn-ea"/>
+                <a:cs typeface="+mn-cs"/>
+                <a:sym typeface="Helvetica"/>
+              </a:rPr>
+              <a:t>Recuerde de las restricciones</a:t>
+            </a:r>
+          </a:p>
+          <a:p>
+            <a:pPr marL="457200" indent="-317500" defTabSz="457200">
+              <a:lnSpc>
+                <a:spcPct val="100000"/>
+              </a:lnSpc>
+              <a:spcBef>
+                <a:spcPts val="0"/>
+              </a:spcBef>
+              <a:buClr>
+                <a:srgbClr val="1F2328"/>
+              </a:buClr>
+              <a:buFont typeface="TimesNewRomanPSMT"/>
+              <a:buAutoNum type="arabicPeriod"/>
+              <a:defRPr sz="2600">
+                <a:solidFill>
+                  <a:srgbClr val="1F2328"/>
+                </a:solidFill>
+                <a:latin typeface="Helvetica Neue"/>
+                <a:ea typeface="Helvetica Neue"/>
+                <a:cs typeface="Helvetica Neue"/>
+                <a:sym typeface="Helvetica Neue"/>
+              </a:defRPr>
+            </a:pPr>
+            <a:r>
+              <a:rPr b="1">
+                <a:latin typeface="+mn-lt"/>
+                <a:ea typeface="+mn-ea"/>
+                <a:cs typeface="+mn-cs"/>
+                <a:sym typeface="Helvetica"/>
+              </a:rPr>
+              <a:t>Crear plantillas</a:t>
+            </a:r>
+          </a:p>
+        </p:txBody>
+      </p:sp>
+      <p:sp>
+        <p:nvSpPr>
+          <p:cNvPr id="150" name="Content Placeholder 2"/>
+          <p:cNvSpPr txBox="1"/>
+          <p:nvPr/>
+        </p:nvSpPr>
+        <p:spPr>
+          <a:xfrm>
+            <a:off x="19327" y="2028522"/>
+            <a:ext cx="4609515" cy="4351339"/>
+          </a:xfrm>
+          <a:prstGeom prst="rect">
+            <a:avLst/>
+          </a:prstGeom>
+          <a:ln w="12700">
+            <a:miter lim="400000"/>
+          </a:ln>
+          <a:extLst>
+            <a:ext uri="{C572A759-6A51-4108-AA02-DFA0A04FC94B}">
+              <ma14:wrappingTextBoxFlag xmlns="" xmlns:m="http://schemas.openxmlformats.org/officeDocument/2006/math" xmlns:a14="http://schemas.microsoft.com/office/drawing/2010/main" xmlns:ma14="http://schemas.microsoft.com/office/mac/drawingml/2011/main" val="1"/>
+            </a:ext>
+          </a:extLst>
+        </p:spPr>
+        <p:txBody>
+          <a:bodyPr lIns="45719" rIns="45719">
+            <a:normAutofit/>
+          </a:bodyPr>
+          <a:lstStyle/>
+          <a:p>
+            <a:pPr marL="457200" indent="-317500" defTabSz="457200">
+              <a:buClr>
+                <a:srgbClr val="1F2328"/>
+              </a:buClr>
+              <a:buSzPct val="100000"/>
+              <a:buFont typeface="TimesNewRomanPSMT"/>
+              <a:buAutoNum type="arabicPeriod"/>
+              <a:defRPr sz="2600">
+                <a:solidFill>
+                  <a:srgbClr val="1F2328"/>
+                </a:solidFill>
+                <a:latin typeface="Helvetica Neue"/>
+                <a:ea typeface="Helvetica Neue"/>
+                <a:cs typeface="Helvetica Neue"/>
+                <a:sym typeface="Helvetica Neue"/>
+              </a:defRPr>
+            </a:pPr>
+            <a:r>
+              <a:rPr b="1">
+                <a:latin typeface="+mn-lt"/>
+                <a:ea typeface="+mn-ea"/>
+                <a:cs typeface="+mn-cs"/>
+                <a:sym typeface="Helvetica"/>
+              </a:rPr>
+              <a:t>Check for Accuracy</a:t>
+            </a:r>
+          </a:p>
+          <a:p>
+            <a:pPr marL="457200" indent="-317500" defTabSz="457200">
+              <a:buClr>
+                <a:srgbClr val="1F2328"/>
+              </a:buClr>
+              <a:buSzPct val="100000"/>
+              <a:buFont typeface="TimesNewRomanPSMT"/>
+              <a:buAutoNum type="arabicPeriod"/>
+              <a:defRPr sz="2600">
+                <a:solidFill>
+                  <a:srgbClr val="0433FF"/>
+                </a:solidFill>
+                <a:latin typeface="Helvetica Neue"/>
+                <a:ea typeface="Helvetica Neue"/>
+                <a:cs typeface="Helvetica Neue"/>
+                <a:sym typeface="Helvetica Neue"/>
+              </a:defRPr>
+            </a:pPr>
+            <a:r>
+              <a:rPr b="1">
+                <a:latin typeface="+mn-lt"/>
+                <a:ea typeface="+mn-ea"/>
+                <a:cs typeface="+mn-cs"/>
+                <a:sym typeface="Helvetica"/>
+              </a:rPr>
+              <a:t>Be Specific</a:t>
+            </a:r>
+            <a:r>
+              <a:t>: </a:t>
+            </a:r>
+          </a:p>
+          <a:p>
+            <a:pPr marL="457200" indent="-317500" defTabSz="457200">
+              <a:buClr>
+                <a:srgbClr val="1F2328"/>
+              </a:buClr>
+              <a:buSzPct val="100000"/>
+              <a:buFont typeface="TimesNewRomanPSMT"/>
+              <a:buAutoNum type="arabicPeriod"/>
+              <a:defRPr sz="2600">
+                <a:solidFill>
+                  <a:srgbClr val="FF9300"/>
+                </a:solidFill>
+                <a:latin typeface="Helvetica Neue"/>
+                <a:ea typeface="Helvetica Neue"/>
+                <a:cs typeface="Helvetica Neue"/>
+                <a:sym typeface="Helvetica Neue"/>
+              </a:defRPr>
+            </a:pPr>
+            <a:r>
+              <a:rPr b="1">
+                <a:latin typeface="+mn-lt"/>
+                <a:ea typeface="+mn-ea"/>
+                <a:cs typeface="+mn-cs"/>
+                <a:sym typeface="Helvetica"/>
+              </a:rPr>
+              <a:t>Iterate and Refine</a:t>
+            </a:r>
+            <a:r>
+              <a:t>: </a:t>
+            </a:r>
+          </a:p>
+          <a:p>
+            <a:pPr marL="457200" indent="-317500" defTabSz="457200">
+              <a:buClr>
+                <a:srgbClr val="1F2328"/>
+              </a:buClr>
+              <a:buSzPct val="100000"/>
+              <a:buFont typeface="TimesNewRomanPSMT"/>
+              <a:buAutoNum type="arabicPeriod"/>
+              <a:defRPr sz="2600">
+                <a:solidFill>
+                  <a:srgbClr val="FF40FF"/>
+                </a:solidFill>
+                <a:latin typeface="Helvetica Neue"/>
+                <a:ea typeface="Helvetica Neue"/>
+                <a:cs typeface="Helvetica Neue"/>
+                <a:sym typeface="Helvetica Neue"/>
+              </a:defRPr>
+            </a:pPr>
+            <a:r>
+              <a:rPr b="1">
+                <a:latin typeface="+mn-lt"/>
+                <a:ea typeface="+mn-ea"/>
+                <a:cs typeface="+mn-cs"/>
+                <a:sym typeface="Helvetica"/>
+              </a:rPr>
+              <a:t>Provide Context</a:t>
+            </a:r>
+            <a:r>
+              <a:t>:</a:t>
+            </a:r>
+          </a:p>
+          <a:p>
+            <a:pPr marL="457200" indent="-317500" defTabSz="457200">
+              <a:buClr>
+                <a:srgbClr val="1F2328"/>
+              </a:buClr>
+              <a:buSzPct val="100000"/>
+              <a:buFont typeface="TimesNewRomanPSMT"/>
+              <a:buAutoNum type="arabicPeriod"/>
+              <a:defRPr sz="2600">
+                <a:solidFill>
+                  <a:srgbClr val="1F2328"/>
+                </a:solidFill>
+                <a:latin typeface="Helvetica Neue"/>
+                <a:ea typeface="Helvetica Neue"/>
+                <a:cs typeface="Helvetica Neue"/>
+                <a:sym typeface="Helvetica Neue"/>
+              </a:defRPr>
+            </a:pPr>
+            <a:r>
+              <a:rPr b="1">
+                <a:latin typeface="+mn-lt"/>
+                <a:ea typeface="+mn-ea"/>
+                <a:cs typeface="+mn-cs"/>
+                <a:sym typeface="Helvetica"/>
+              </a:rPr>
+              <a:t>Use Multiple Services</a:t>
+            </a:r>
+            <a:r>
+              <a:t>:</a:t>
+            </a:r>
+          </a:p>
+          <a:p>
+            <a:pPr marL="457200" indent="-317500" defTabSz="457200">
+              <a:buClr>
+                <a:srgbClr val="1F2328"/>
+              </a:buClr>
+              <a:buSzPct val="100000"/>
+              <a:buFont typeface="TimesNewRomanPSMT"/>
+              <a:buAutoNum type="arabicPeriod"/>
+              <a:defRPr sz="2600">
+                <a:solidFill>
+                  <a:srgbClr val="942192"/>
+                </a:solidFill>
+                <a:latin typeface="Helvetica Neue"/>
+                <a:ea typeface="Helvetica Neue"/>
+                <a:cs typeface="Helvetica Neue"/>
+                <a:sym typeface="Helvetica Neue"/>
+              </a:defRPr>
+            </a:pPr>
+            <a:r>
+              <a:rPr b="1">
+                <a:latin typeface="+mn-lt"/>
+                <a:ea typeface="+mn-ea"/>
+                <a:cs typeface="+mn-cs"/>
+                <a:sym typeface="Helvetica"/>
+              </a:rPr>
+              <a:t>Remind AI of Constraints</a:t>
+            </a:r>
+            <a:r>
+              <a:t>:</a:t>
+            </a:r>
+          </a:p>
+          <a:p>
+            <a:pPr marL="457200" indent="-317500" defTabSz="457200">
+              <a:buClr>
+                <a:srgbClr val="1F2328"/>
+              </a:buClr>
+              <a:buSzPct val="100000"/>
+              <a:buFont typeface="TimesNewRomanPSMT"/>
+              <a:buAutoNum type="arabicPeriod"/>
+              <a:defRPr sz="2600">
+                <a:solidFill>
+                  <a:srgbClr val="1F2328"/>
+                </a:solidFill>
+                <a:latin typeface="Helvetica Neue"/>
+                <a:ea typeface="Helvetica Neue"/>
+                <a:cs typeface="Helvetica Neue"/>
+                <a:sym typeface="Helvetica Neue"/>
+              </a:defRPr>
+            </a:pPr>
+            <a:r>
+              <a:rPr b="1">
+                <a:latin typeface="+mn-lt"/>
+                <a:ea typeface="+mn-ea"/>
+                <a:cs typeface="+mn-cs"/>
+                <a:sym typeface="Helvetica"/>
+              </a:rPr>
+              <a:t>Make Templates</a:t>
+            </a:r>
+            <a:r>
+              <a:t>:</a:t>
+            </a:r>
+          </a:p>
+        </p:txBody>
+      </p:sp>
+      <p:sp>
+        <p:nvSpPr>
+          <p:cNvPr id="151" name="Text"/>
+          <p:cNvSpPr txBox="1"/>
+          <p:nvPr/>
+        </p:nvSpPr>
+        <p:spPr>
+          <a:xfrm>
+            <a:off x="11172418" y="6414760"/>
+            <a:ext cx="181382" cy="248305"/>
+          </a:xfrm>
+          <a:prstGeom prst="rect">
+            <a:avLst/>
+          </a:prstGeom>
+          <a:ln w="12700">
+            <a:miter lim="400000"/>
+          </a:ln>
+          <a:extLst>
+            <a:ext uri="{C572A759-6A51-4108-AA02-DFA0A04FC94B}">
+              <ma14:wrappingTextBoxFlag xmlns="" xmlns:m="http://schemas.openxmlformats.org/officeDocument/2006/math" xmlns:a14="http://schemas.microsoft.com/office/drawing/2010/main" xmlns:ma14="http://schemas.microsoft.com/office/mac/drawingml/2011/main" val="1"/>
+            </a:ext>
+          </a:extLst>
+        </p:spPr>
+        <p:txBody>
+          <a:bodyPr wrap="none" lIns="45719" rIns="45719" anchor="ctr">
+            <a:spAutoFit/>
+          </a:bodyPr>
+          <a:lstStyle>
+            <a:lvl1pPr algn="r">
+              <a:defRPr sz="1200">
+                <a:solidFill>
+                  <a:srgbClr val="888888"/>
+                </a:solidFill>
+              </a:defRPr>
+            </a:lvl1pPr>
+          </a:lstStyle>
+          <a:p>
+            <a:fld id="{86CB4B4D-7CA3-9044-876B-883B54F8677D}" type="slidenum">
+              <a:t>15</a:t>
+            </a:fld>
+            <a:endParaRPr/>
+          </a:p>
+        </p:txBody>
+      </p:sp>
+    </p:spTree>
+    <p:extLst>
+      <p:ext uri="{BB962C8B-B14F-4D97-AF65-F5344CB8AC3E}">
+        <p14:creationId xmlns:p14="http://schemas.microsoft.com/office/powerpoint/2010/main" val="1346337655"/>
+      </p:ext>
+    </p:extLst>
+  </p:cSld>
+  <p:clrMapOvr>
+    <a:masterClrMapping/>
+  </p:clrMapOvr>
+  <p:transition spd="med"/>
+</p:sld>
+</file>
+
+<file path=ppt/slides/slide16.xml><?xml version="1.0" encoding="utf-8"?>
 <p:sld xmlns:a="http://schemas.openxmlformats.org/drawingml/2006/main" xmlns:r="http://schemas.openxmlformats.org/officeDocument/2006/relationships" xmlns:p="http://schemas.openxmlformats.org/presentationml/2006/main">
   <p:cSld>
     <p:bg>
@@ -4359,7 +7400,7 @@
           </a:prstGeom>
           <a:extLst>
             <a:ext uri="{C572A759-6A51-4108-AA02-DFA0A04FC94B}">
-              <ma14:wrappingTextBoxFlag xmlns:ma14="http://schemas.microsoft.com/office/mac/drawingml/2011/main" xmlns:a14="http://schemas.microsoft.com/office/drawing/2010/main" xmlns:m="http://schemas.openxmlformats.org/officeDocument/2006/math" xmlns="" val="1"/>
+              <ma14:wrappingTextBoxFlag xmlns="" xmlns:m="http://schemas.openxmlformats.org/officeDocument/2006/math" xmlns:a14="http://schemas.microsoft.com/office/drawing/2010/main" xmlns:ma14="http://schemas.microsoft.com/office/mac/drawingml/2011/main" val="1"/>
             </a:ext>
           </a:extLst>
         </p:spPr>
@@ -4368,7 +7409,7 @@
           <a:lstStyle/>
           <a:p>
             <a:fld id="{86CB4B4D-7CA3-9044-876B-883B54F8677D}" type="slidenum">
-              <a:t>14</a:t>
+              <a:t>16</a:t>
             </a:fld>
             <a:endParaRPr/>
           </a:p>
@@ -4383,7 +7424,7 @@
 </p:sld>
 </file>
 
-<file path=ppt/slides/slide15.xml><?xml version="1.0" encoding="utf-8"?>
+<file path=ppt/slides/slide17.xml><?xml version="1.0" encoding="utf-8"?>
 <p:sld xmlns:a="http://schemas.openxmlformats.org/drawingml/2006/main" xmlns:r="http://schemas.openxmlformats.org/officeDocument/2006/relationships" xmlns:p="http://schemas.openxmlformats.org/presentationml/2006/main">
   <p:cSld>
     <p:spTree>
@@ -4472,7 +7513,7 @@
           </a:prstGeom>
           <a:extLst>
             <a:ext uri="{C572A759-6A51-4108-AA02-DFA0A04FC94B}">
-              <ma14:wrappingTextBoxFlag xmlns:ma14="http://schemas.microsoft.com/office/mac/drawingml/2011/main" xmlns:a14="http://schemas.microsoft.com/office/drawing/2010/main" xmlns:m="http://schemas.openxmlformats.org/officeDocument/2006/math" xmlns="" val="1"/>
+              <ma14:wrappingTextBoxFlag xmlns="" xmlns:m="http://schemas.openxmlformats.org/officeDocument/2006/math" xmlns:a14="http://schemas.microsoft.com/office/drawing/2010/main" xmlns:ma14="http://schemas.microsoft.com/office/mac/drawingml/2011/main" val="1"/>
             </a:ext>
           </a:extLst>
         </p:spPr>
@@ -4481,7 +7522,7 @@
           <a:lstStyle/>
           <a:p>
             <a:fld id="{86CB4B4D-7CA3-9044-876B-883B54F8677D}" type="slidenum">
-              <a:t>15</a:t>
+              <a:t>17</a:t>
             </a:fld>
             <a:endParaRPr/>
           </a:p>
@@ -4498,7 +7539,7 @@
         <p:push dir="u"/>
       </p:transition>
     </mc:Choice>
-    <mc:Fallback xmlns:a14="http://schemas.microsoft.com/office/drawing/2010/main" xmlns:m="http://schemas.openxmlformats.org/officeDocument/2006/math" xmlns="">
+    <mc:Fallback xmlns="" xmlns:m="http://schemas.openxmlformats.org/officeDocument/2006/math" xmlns:a14="http://schemas.microsoft.com/office/drawing/2010/main">
       <p:transition spd="slow">
         <p:fade/>
       </p:transition>
@@ -4507,7 +7548,7 @@
 </p:sld>
 </file>
 
-<file path=ppt/slides/slide16.xml><?xml version="1.0" encoding="utf-8"?>
+<file path=ppt/slides/slide18.xml><?xml version="1.0" encoding="utf-8"?>
 <p:sld xmlns:a="http://schemas.openxmlformats.org/drawingml/2006/main" xmlns:r="http://schemas.openxmlformats.org/officeDocument/2006/relationships" xmlns:p="http://schemas.openxmlformats.org/presentationml/2006/main">
   <p:cSld>
     <p:bg>
@@ -4534,114 +7575,154 @@
       </p:grpSpPr>
       <p:sp>
         <p:nvSpPr>
-          <p:cNvPr id="193" name="Title 2"/>
+          <p:cNvPr id="177" name="AI Tool Master Lists"/>
           <p:cNvSpPr txBox="1">
             <a:spLocks noGrp="1"/>
           </p:cNvSpPr>
           <p:nvPr>
-            <p:ph type="title" idx="4294967295"/>
+            <p:ph type="title"/>
           </p:nvPr>
         </p:nvSpPr>
         <p:spPr>
-          <a:xfrm>
-            <a:off x="2154607" y="2531859"/>
-            <a:ext cx="3658054" cy="1786516"/>
-          </a:xfrm>
           <a:prstGeom prst="rect">
             <a:avLst/>
           </a:prstGeom>
         </p:spPr>
         <p:txBody>
-          <a:bodyPr anchor="t"/>
-          <a:lstStyle>
-            <a:lvl1pPr>
-              <a:defRPr sz="4800" b="0">
-                <a:solidFill>
-                  <a:srgbClr val="44546A"/>
-                </a:solidFill>
-                <a:latin typeface="Calibri Light"/>
-                <a:ea typeface="Calibri Light"/>
-                <a:cs typeface="Calibri Light"/>
-                <a:sym typeface="Calibri Light"/>
-              </a:defRPr>
-            </a:lvl1pPr>
-          </a:lstStyle>
-          <a:p>
-            <a:r>
-              <a:t>TAKE A BREAK</a:t>
-            </a:r>
-          </a:p>
-        </p:txBody>
-      </p:sp>
-      <p:pic>
-        <p:nvPicPr>
-          <p:cNvPr id="194" name="Graphic 13" descr="Graphic 13"/>
-          <p:cNvPicPr>
-            <a:picLocks noChangeAspect="1"/>
-          </p:cNvPicPr>
-          <p:nvPr/>
-        </p:nvPicPr>
-        <p:blipFill>
-          <a:blip r:embed="rId2"/>
-          <a:stretch>
-            <a:fillRect/>
-          </a:stretch>
-        </p:blipFill>
-        <p:spPr>
-          <a:xfrm>
-            <a:off x="6379342" y="-259377"/>
-            <a:ext cx="5029201" cy="5029201"/>
-          </a:xfrm>
-          <a:prstGeom prst="rect">
-            <a:avLst/>
-          </a:prstGeom>
-          <a:ln w="12700">
-            <a:miter lim="400000"/>
-          </a:ln>
-        </p:spPr>
-      </p:pic>
-      <p:sp>
-        <p:nvSpPr>
-          <p:cNvPr id="195" name="TextBox 1"/>
-          <p:cNvSpPr txBox="1"/>
-          <p:nvPr/>
-        </p:nvSpPr>
-        <p:spPr>
-          <a:xfrm>
-            <a:off x="3715415" y="5405718"/>
-            <a:ext cx="3986136" cy="634118"/>
-          </a:xfrm>
-          <a:prstGeom prst="rect">
-            <a:avLst/>
-          </a:prstGeom>
-          <a:ln w="12700">
-            <a:miter lim="400000"/>
-          </a:ln>
-          <a:extLst>
-            <a:ext uri="{C572A759-6A51-4108-AA02-DFA0A04FC94B}">
-              <ma14:wrappingTextBoxFlag xmlns:ma14="http://schemas.microsoft.com/office/mac/drawingml/2011/main" xmlns:a14="http://schemas.microsoft.com/office/drawing/2010/main" xmlns:m="http://schemas.openxmlformats.org/officeDocument/2006/math" xmlns="" val="1"/>
-            </a:ext>
-          </a:extLst>
-        </p:spPr>
-        <p:txBody>
-          <a:bodyPr wrap="none" lIns="45719" rIns="45719">
-            <a:spAutoFit/>
-          </a:bodyPr>
-          <a:lstStyle>
-            <a:lvl1pPr>
-              <a:defRPr sz="4200" b="1"/>
-            </a:lvl1pPr>
-          </a:lstStyle>
-          <a:p>
-            <a:r>
-              <a:t>Return By: XX:XX </a:t>
+          <a:bodyPr/>
+          <a:lstStyle/>
+          <a:p>
+            <a:r>
+              <a:t>AI Tool Master Lists</a:t>
             </a:r>
           </a:p>
         </p:txBody>
       </p:sp>
       <p:sp>
         <p:nvSpPr>
-          <p:cNvPr id="196" name="Slide Number"/>
+          <p:cNvPr id="178" name="(&quot;AI tools&quot; OR &quot;GPT tools&quot; OR &quot;AI resources&quot; OR &quot;AI catalog&quot; OR &quot;AI list&quot; OR &quot;AI repository&quot; OR &quot;generative AI&quot;) (&quot;list&quot; OR &quot;collection&quot; OR &quot;catalog&quot; OR &quot;repository&quot; OR &quot;guide&quot;)…"/>
+          <p:cNvSpPr txBox="1">
+            <a:spLocks noGrp="1"/>
+          </p:cNvSpPr>
+          <p:nvPr>
+            <p:ph type="body" idx="1"/>
+          </p:nvPr>
+        </p:nvSpPr>
+        <p:spPr>
+          <a:prstGeom prst="rect">
+            <a:avLst/>
+          </a:prstGeom>
+        </p:spPr>
+        <p:txBody>
+          <a:bodyPr/>
+          <a:lstStyle/>
+          <a:p>
+            <a:pPr>
+              <a:defRPr>
+                <a:solidFill>
+                  <a:schemeClr val="accent3">
+                    <a:lumOff val="-12941"/>
+                  </a:schemeClr>
+                </a:solidFill>
+              </a:defRPr>
+            </a:pPr>
+            <a:r>
+              <a:t>("AI tools" OR "GPT tools" OR "AI resources" OR "AI catalog" OR "AI list" OR "AI repository" OR "generative AI") ("list" OR "collection" OR "catalog" OR "repository" OR "guide") </a:t>
+            </a:r>
+          </a:p>
+          <a:p>
+            <a:r>
+              <a:t>AI Master List Tool - </a:t>
+            </a:r>
+            <a:r>
+              <a:rPr u="sng">
+                <a:solidFill>
+                  <a:srgbClr val="0563C1"/>
+                </a:solidFill>
+                <a:uFill>
+                  <a:solidFill>
+                    <a:srgbClr val="0563C1"/>
+                  </a:solidFill>
+                </a:uFill>
+                <a:hlinkClick r:id="rId2"/>
+              </a:rPr>
+              <a:t>https://doc.clickup.com/25598832/d/h/rd6vg-14247/0b79ca1dc0f7429/rd6vg-12207</a:t>
+            </a:r>
+            <a:r>
+              <a:t> </a:t>
+            </a:r>
+          </a:p>
+          <a:p>
+            <a:r>
+              <a:t>AI Catalog Repo - </a:t>
+            </a:r>
+            <a:r>
+              <a:rPr u="sng">
+                <a:solidFill>
+                  <a:srgbClr val="0563C1"/>
+                </a:solidFill>
+                <a:uFill>
+                  <a:solidFill>
+                    <a:srgbClr val="0563C1"/>
+                  </a:solidFill>
+                </a:uFill>
+                <a:hlinkClick r:id="rId3"/>
+              </a:rPr>
+              <a:t>https://github.com/mehmetkahya0/ai-catalog</a:t>
+            </a:r>
+            <a:r>
+              <a:t> </a:t>
+            </a:r>
+          </a:p>
+          <a:p>
+            <a:r>
+              <a:t>- Awesome Generative AI - </a:t>
+            </a:r>
+            <a:r>
+              <a:rPr u="sng">
+                <a:solidFill>
+                  <a:srgbClr val="0563C1"/>
+                </a:solidFill>
+                <a:uFill>
+                  <a:solidFill>
+                    <a:srgbClr val="0563C1"/>
+                  </a:solidFill>
+                </a:uFill>
+                <a:hlinkClick r:id="rId4"/>
+              </a:rPr>
+              <a:t>https://github.com/amusi/awesome-ai-awesomeness</a:t>
+            </a:r>
+            <a:r>
+              <a:t> </a:t>
+            </a:r>
+          </a:p>
+          <a:p>
+            <a:r>
+              <a:t>FutureTools - </a:t>
+            </a:r>
+            <a:r>
+              <a:rPr u="sng">
+                <a:solidFill>
+                  <a:srgbClr val="0563C1"/>
+                </a:solidFill>
+                <a:uFill>
+                  <a:solidFill>
+                    <a:srgbClr val="0563C1"/>
+                  </a:solidFill>
+                </a:uFill>
+                <a:hlinkClick r:id="rId5"/>
+              </a:rPr>
+              <a:t>https://futuretools.io</a:t>
+            </a:r>
+            <a:r>
+              <a:t> </a:t>
+            </a:r>
+          </a:p>
+        </p:txBody>
+      </p:sp>
+      <p:sp>
+        <p:nvSpPr>
+          <p:cNvPr id="179" name="Slide Number"/>
           <p:cNvSpPr txBox="1">
             <a:spLocks noGrp="1"/>
           </p:cNvSpPr>
@@ -4655,7 +7736,7 @@
           </a:prstGeom>
           <a:extLst>
             <a:ext uri="{C572A759-6A51-4108-AA02-DFA0A04FC94B}">
-              <ma14:wrappingTextBoxFlag xmlns:ma14="http://schemas.microsoft.com/office/mac/drawingml/2011/main" xmlns:a14="http://schemas.microsoft.com/office/drawing/2010/main" xmlns:m="http://schemas.openxmlformats.org/officeDocument/2006/math" xmlns="" val="1"/>
+              <ma14:wrappingTextBoxFlag xmlns="" xmlns:m="http://schemas.openxmlformats.org/officeDocument/2006/math" xmlns:a14="http://schemas.microsoft.com/office/drawing/2010/main" xmlns:ma14="http://schemas.microsoft.com/office/mac/drawingml/2011/main" val="1"/>
             </a:ext>
           </a:extLst>
         </p:spPr>
@@ -4664,7 +7745,7 @@
           <a:lstStyle/>
           <a:p>
             <a:fld id="{86CB4B4D-7CA3-9044-876B-883B54F8677D}" type="slidenum">
-              <a:t>16</a:t>
+              <a:t>18</a:t>
             </a:fld>
             <a:endParaRPr/>
           </a:p>
@@ -4675,22 +7756,11 @@
   <p:clrMapOvr>
     <a:masterClrMapping/>
   </p:clrMapOvr>
-  <mc:AlternateContent xmlns:mc="http://schemas.openxmlformats.org/markup-compatibility/2006" xmlns:p14="http://schemas.microsoft.com/office/powerpoint/2010/main">
-    <mc:Choice Requires="p14">
-      <p:transition spd="slow" p14:dur="1200">
-        <p:push dir="u"/>
-      </p:transition>
-    </mc:Choice>
-    <mc:Fallback xmlns:a14="http://schemas.microsoft.com/office/drawing/2010/main" xmlns:m="http://schemas.openxmlformats.org/officeDocument/2006/math" xmlns="">
-      <p:transition spd="slow">
-        <p:fade/>
-      </p:transition>
-    </mc:Fallback>
-  </mc:AlternateContent>
+  <p:transition spd="med"/>
 </p:sld>
 </file>
 
-<file path=ppt/slides/slide17.xml><?xml version="1.0" encoding="utf-8"?>
+<file path=ppt/slides/slide19.xml><?xml version="1.0" encoding="utf-8"?>
 <p:sld xmlns:a="http://schemas.openxmlformats.org/drawingml/2006/main" xmlns:r="http://schemas.openxmlformats.org/officeDocument/2006/relationships" xmlns:p="http://schemas.openxmlformats.org/presentationml/2006/main">
   <p:cSld>
     <p:spTree>
@@ -4709,114 +7779,158 @@
       </p:grpSpPr>
       <p:sp>
         <p:nvSpPr>
-          <p:cNvPr id="198" name="Title 2"/>
+          <p:cNvPr id="181" name="Listas maestras de herramientas de IA"/>
           <p:cNvSpPr txBox="1">
             <a:spLocks noGrp="1"/>
           </p:cNvSpPr>
           <p:nvPr>
-            <p:ph type="title" idx="4294967295"/>
+            <p:ph type="title"/>
+          </p:nvPr>
+        </p:nvSpPr>
+        <p:spPr>
+          <a:prstGeom prst="rect">
+            <a:avLst/>
+          </a:prstGeom>
+        </p:spPr>
+        <p:txBody>
+          <a:bodyPr/>
+          <a:lstStyle/>
+          <a:p>
+            <a:r>
+              <a:t>Listas maestras de herramientas de IA</a:t>
+            </a:r>
+          </a:p>
+        </p:txBody>
+      </p:sp>
+      <p:sp>
+        <p:nvSpPr>
+          <p:cNvPr id="182" name="(&quot;AI tools&quot; OR &quot;GPT tools&quot; OR &quot;AI resources&quot; OR &quot;AI catalog&quot; OR &quot;AI list&quot; OR &quot;AI repository&quot; OR &quot;generative AI&quot;) (&quot;list&quot; OR &quot;collection&quot; OR &quot;catalog&quot; OR &quot;repository&quot; OR &quot;guide&quot;)…"/>
+          <p:cNvSpPr txBox="1">
+            <a:spLocks noGrp="1"/>
+          </p:cNvSpPr>
+          <p:nvPr>
+            <p:ph type="body" idx="1"/>
           </p:nvPr>
         </p:nvSpPr>
         <p:spPr>
           <a:xfrm>
-            <a:off x="2154607" y="2531859"/>
-            <a:ext cx="3658054" cy="1786516"/>
+            <a:off x="838200" y="1825625"/>
+            <a:ext cx="10515600" cy="4883132"/>
           </a:xfrm>
           <a:prstGeom prst="rect">
             <a:avLst/>
           </a:prstGeom>
         </p:spPr>
         <p:txBody>
-          <a:bodyPr anchor="t"/>
-          <a:lstStyle>
-            <a:lvl1pPr>
-              <a:defRPr sz="4800" b="0">
-                <a:solidFill>
-                  <a:srgbClr val="44546A"/>
-                </a:solidFill>
-                <a:latin typeface="Calibri Light"/>
-                <a:ea typeface="Calibri Light"/>
-                <a:cs typeface="Calibri Light"/>
-                <a:sym typeface="Calibri Light"/>
+          <a:bodyPr/>
+          <a:lstStyle/>
+          <a:p>
+            <a:pPr>
+              <a:defRPr i="1">
+                <a:solidFill>
+                  <a:schemeClr val="accent3">
+                    <a:lumOff val="-12941"/>
+                  </a:schemeClr>
+                </a:solidFill>
               </a:defRPr>
-            </a:lvl1pPr>
-          </a:lstStyle>
-          <a:p>
-            <a:r>
-              <a:t>TOMAR UN DESCANSO</a:t>
-            </a:r>
-          </a:p>
-        </p:txBody>
-      </p:sp>
-      <p:pic>
-        <p:nvPicPr>
-          <p:cNvPr id="199" name="Graphic 13" descr="Graphic 13"/>
-          <p:cNvPicPr>
-            <a:picLocks noChangeAspect="1"/>
-          </p:cNvPicPr>
-          <p:nvPr/>
-        </p:nvPicPr>
-        <p:blipFill>
-          <a:blip r:embed="rId2"/>
-          <a:stretch>
-            <a:fillRect/>
-          </a:stretch>
-        </p:blipFill>
-        <p:spPr>
-          <a:xfrm>
-            <a:off x="6379342" y="-259377"/>
-            <a:ext cx="5029201" cy="5029201"/>
-          </a:xfrm>
-          <a:prstGeom prst="rect">
-            <a:avLst/>
-          </a:prstGeom>
-          <a:ln w="12700">
-            <a:miter lim="400000"/>
-          </a:ln>
-        </p:spPr>
-      </p:pic>
-      <p:sp>
-        <p:nvSpPr>
-          <p:cNvPr id="200" name="TextBox 1"/>
-          <p:cNvSpPr txBox="1"/>
-          <p:nvPr/>
-        </p:nvSpPr>
-        <p:spPr>
-          <a:xfrm>
-            <a:off x="3715415" y="5405718"/>
-            <a:ext cx="4111933" cy="634118"/>
-          </a:xfrm>
-          <a:prstGeom prst="rect">
-            <a:avLst/>
-          </a:prstGeom>
-          <a:ln w="12700">
-            <a:miter lim="400000"/>
-          </a:ln>
-          <a:extLst>
-            <a:ext uri="{C572A759-6A51-4108-AA02-DFA0A04FC94B}">
-              <ma14:wrappingTextBoxFlag xmlns:ma14="http://schemas.microsoft.com/office/mac/drawingml/2011/main" xmlns:a14="http://schemas.microsoft.com/office/drawing/2010/main" xmlns:m="http://schemas.openxmlformats.org/officeDocument/2006/math" xmlns="" val="1"/>
-            </a:ext>
-          </a:extLst>
-        </p:spPr>
-        <p:txBody>
-          <a:bodyPr wrap="none" lIns="45719" rIns="45719">
-            <a:spAutoFit/>
-          </a:bodyPr>
-          <a:lstStyle>
-            <a:lvl1pPr>
-              <a:defRPr sz="4200" b="1"/>
-            </a:lvl1pPr>
-          </a:lstStyle>
-          <a:p>
-            <a:r>
-              <a:t>Volver por: XX:XX </a:t>
+            </a:pPr>
+            <a:r>
+              <a:t>("AI tools" OR "GPT tools" OR "AI resources" OR "AI catalog" OR "AI list" OR "AI repository" OR "generative AI") ("list" OR "collection" OR "catalog" OR "repository" OR "guide") </a:t>
+            </a:r>
+          </a:p>
+          <a:p>
+            <a:r>
+              <a:t>Herramienta de lista maestra de IA - </a:t>
+            </a:r>
+            <a:r>
+              <a:rPr u="sng">
+                <a:solidFill>
+                  <a:srgbClr val="0563C1"/>
+                </a:solidFill>
+                <a:uFill>
+                  <a:solidFill>
+                    <a:srgbClr val="0563C1"/>
+                  </a:solidFill>
+                </a:uFill>
+                <a:hlinkClick r:id="rId2"/>
+              </a:rPr>
+              <a:t>https://doc.clickup.com/25598832/d/h/rd6vg-14247/0b79ca1dc0f7429/rd6vg-12207</a:t>
+            </a:r>
+            <a:r>
+              <a:t> </a:t>
+            </a:r>
+          </a:p>
+          <a:p>
+            <a:r>
+              <a:t>Repositorio de catálogos de IA - </a:t>
+            </a:r>
+            <a:r>
+              <a:rPr u="sng">
+                <a:solidFill>
+                  <a:srgbClr val="0563C1"/>
+                </a:solidFill>
+                <a:uFill>
+                  <a:solidFill>
+                    <a:srgbClr val="0563C1"/>
+                  </a:solidFill>
+                </a:uFill>
+                <a:hlinkClick r:id="rId3"/>
+              </a:rPr>
+              <a:t>https://github.com/mehmetkahya0/ai-catalog</a:t>
+            </a:r>
+            <a:r>
+              <a:t> </a:t>
+            </a:r>
+          </a:p>
+          <a:p>
+            <a:r>
+              <a:t>Impresionante IA generativa - </a:t>
+            </a:r>
+            <a:r>
+              <a:rPr u="sng">
+                <a:solidFill>
+                  <a:srgbClr val="0563C1"/>
+                </a:solidFill>
+                <a:uFill>
+                  <a:solidFill>
+                    <a:srgbClr val="0563C1"/>
+                  </a:solidFill>
+                </a:uFill>
+                <a:hlinkClick r:id="rId4"/>
+              </a:rPr>
+              <a:t>https://github.com/amusi/awesome-ai-awesomeness</a:t>
+            </a:r>
+            <a:r>
+              <a:t> </a:t>
+            </a:r>
+          </a:p>
+          <a:p>
+            <a:r>
+              <a:t>FutureTools - </a:t>
+            </a:r>
+            <a:r>
+              <a:rPr u="sng">
+                <a:solidFill>
+                  <a:srgbClr val="0563C1"/>
+                </a:solidFill>
+                <a:uFill>
+                  <a:solidFill>
+                    <a:srgbClr val="0563C1"/>
+                  </a:solidFill>
+                </a:uFill>
+                <a:hlinkClick r:id="rId5"/>
+              </a:rPr>
+              <a:t>https://futuretools.io</a:t>
+            </a:r>
+            <a:r>
+              <a:t> </a:t>
             </a:r>
           </a:p>
         </p:txBody>
       </p:sp>
       <p:sp>
         <p:nvSpPr>
-          <p:cNvPr id="201" name="Slide Number"/>
+          <p:cNvPr id="183" name="Slide Number"/>
           <p:cNvSpPr txBox="1">
             <a:spLocks noGrp="1"/>
           </p:cNvSpPr>
@@ -4830,7 +7944,7 @@
           </a:prstGeom>
           <a:extLst>
             <a:ext uri="{C572A759-6A51-4108-AA02-DFA0A04FC94B}">
-              <ma14:wrappingTextBoxFlag xmlns:ma14="http://schemas.microsoft.com/office/mac/drawingml/2011/main" xmlns:a14="http://schemas.microsoft.com/office/drawing/2010/main" xmlns:m="http://schemas.openxmlformats.org/officeDocument/2006/math" xmlns="" val="1"/>
+              <ma14:wrappingTextBoxFlag xmlns="" xmlns:m="http://schemas.openxmlformats.org/officeDocument/2006/math" xmlns:a14="http://schemas.microsoft.com/office/drawing/2010/main" xmlns:ma14="http://schemas.microsoft.com/office/mac/drawingml/2011/main" val="1"/>
             </a:ext>
           </a:extLst>
         </p:spPr>
@@ -4839,7 +7953,7 @@
           <a:lstStyle/>
           <a:p>
             <a:fld id="{86CB4B4D-7CA3-9044-876B-883B54F8677D}" type="slidenum">
-              <a:t>17</a:t>
+              <a:t>19</a:t>
             </a:fld>
             <a:endParaRPr/>
           </a:p>
@@ -4954,6 +8068,353 @@
 </p:sld>
 </file>
 
+<file path=ppt/slides/slide20.xml><?xml version="1.0" encoding="utf-8"?>
+<p:sld xmlns:a="http://schemas.openxmlformats.org/drawingml/2006/main" xmlns:r="http://schemas.openxmlformats.org/officeDocument/2006/relationships" xmlns:p="http://schemas.openxmlformats.org/presentationml/2006/main">
+  <p:cSld>
+    <p:bg>
+      <p:bgPr>
+        <a:solidFill>
+          <a:srgbClr val="FFFB00"/>
+        </a:solidFill>
+        <a:effectLst/>
+      </p:bgPr>
+    </p:bg>
+    <p:spTree>
+      <p:nvGrpSpPr>
+        <p:cNvPr id="1" name=""/>
+        <p:cNvGrpSpPr/>
+        <p:nvPr/>
+      </p:nvGrpSpPr>
+      <p:grpSpPr>
+        <a:xfrm>
+          <a:off x="0" y="0"/>
+          <a:ext cx="0" cy="0"/>
+          <a:chOff x="0" y="0"/>
+          <a:chExt cx="0" cy="0"/>
+        </a:xfrm>
+      </p:grpSpPr>
+      <p:sp>
+        <p:nvSpPr>
+          <p:cNvPr id="193" name="Title 2"/>
+          <p:cNvSpPr txBox="1">
+            <a:spLocks noGrp="1"/>
+          </p:cNvSpPr>
+          <p:nvPr>
+            <p:ph type="title" idx="4294967295"/>
+          </p:nvPr>
+        </p:nvSpPr>
+        <p:spPr>
+          <a:xfrm>
+            <a:off x="2154607" y="2531859"/>
+            <a:ext cx="3658054" cy="1786516"/>
+          </a:xfrm>
+          <a:prstGeom prst="rect">
+            <a:avLst/>
+          </a:prstGeom>
+        </p:spPr>
+        <p:txBody>
+          <a:bodyPr anchor="t"/>
+          <a:lstStyle>
+            <a:lvl1pPr>
+              <a:defRPr sz="4800" b="0">
+                <a:solidFill>
+                  <a:srgbClr val="44546A"/>
+                </a:solidFill>
+                <a:latin typeface="Calibri Light"/>
+                <a:ea typeface="Calibri Light"/>
+                <a:cs typeface="Calibri Light"/>
+                <a:sym typeface="Calibri Light"/>
+              </a:defRPr>
+            </a:lvl1pPr>
+          </a:lstStyle>
+          <a:p>
+            <a:r>
+              <a:t>TAKE A BREAK</a:t>
+            </a:r>
+          </a:p>
+        </p:txBody>
+      </p:sp>
+      <p:pic>
+        <p:nvPicPr>
+          <p:cNvPr id="194" name="Graphic 13" descr="Graphic 13"/>
+          <p:cNvPicPr>
+            <a:picLocks noChangeAspect="1"/>
+          </p:cNvPicPr>
+          <p:nvPr/>
+        </p:nvPicPr>
+        <p:blipFill>
+          <a:blip r:embed="rId2"/>
+          <a:stretch>
+            <a:fillRect/>
+          </a:stretch>
+        </p:blipFill>
+        <p:spPr>
+          <a:xfrm>
+            <a:off x="6379342" y="-259377"/>
+            <a:ext cx="5029201" cy="5029201"/>
+          </a:xfrm>
+          <a:prstGeom prst="rect">
+            <a:avLst/>
+          </a:prstGeom>
+          <a:ln w="12700">
+            <a:miter lim="400000"/>
+          </a:ln>
+        </p:spPr>
+      </p:pic>
+      <p:sp>
+        <p:nvSpPr>
+          <p:cNvPr id="195" name="TextBox 1"/>
+          <p:cNvSpPr txBox="1"/>
+          <p:nvPr/>
+        </p:nvSpPr>
+        <p:spPr>
+          <a:xfrm>
+            <a:off x="3715415" y="5405718"/>
+            <a:ext cx="3986136" cy="634118"/>
+          </a:xfrm>
+          <a:prstGeom prst="rect">
+            <a:avLst/>
+          </a:prstGeom>
+          <a:ln w="12700">
+            <a:miter lim="400000"/>
+          </a:ln>
+          <a:extLst>
+            <a:ext uri="{C572A759-6A51-4108-AA02-DFA0A04FC94B}">
+              <ma14:wrappingTextBoxFlag xmlns="" xmlns:m="http://schemas.openxmlformats.org/officeDocument/2006/math" xmlns:a14="http://schemas.microsoft.com/office/drawing/2010/main" xmlns:ma14="http://schemas.microsoft.com/office/mac/drawingml/2011/main" val="1"/>
+            </a:ext>
+          </a:extLst>
+        </p:spPr>
+        <p:txBody>
+          <a:bodyPr wrap="none" lIns="45719" rIns="45719">
+            <a:spAutoFit/>
+          </a:bodyPr>
+          <a:lstStyle>
+            <a:lvl1pPr>
+              <a:defRPr sz="4200" b="1"/>
+            </a:lvl1pPr>
+          </a:lstStyle>
+          <a:p>
+            <a:r>
+              <a:t>Return By: XX:XX </a:t>
+            </a:r>
+          </a:p>
+        </p:txBody>
+      </p:sp>
+      <p:sp>
+        <p:nvSpPr>
+          <p:cNvPr id="196" name="Slide Number"/>
+          <p:cNvSpPr txBox="1">
+            <a:spLocks noGrp="1"/>
+          </p:cNvSpPr>
+          <p:nvPr>
+            <p:ph type="sldNum" sz="quarter" idx="2"/>
+          </p:nvPr>
+        </p:nvSpPr>
+        <p:spPr>
+          <a:prstGeom prst="rect">
+            <a:avLst/>
+          </a:prstGeom>
+          <a:extLst>
+            <a:ext uri="{C572A759-6A51-4108-AA02-DFA0A04FC94B}">
+              <ma14:wrappingTextBoxFlag xmlns="" xmlns:m="http://schemas.openxmlformats.org/officeDocument/2006/math" xmlns:a14="http://schemas.microsoft.com/office/drawing/2010/main" xmlns:ma14="http://schemas.microsoft.com/office/mac/drawingml/2011/main" val="1"/>
+            </a:ext>
+          </a:extLst>
+        </p:spPr>
+        <p:txBody>
+          <a:bodyPr/>
+          <a:lstStyle/>
+          <a:p>
+            <a:fld id="{86CB4B4D-7CA3-9044-876B-883B54F8677D}" type="slidenum">
+              <a:t>20</a:t>
+            </a:fld>
+            <a:endParaRPr/>
+          </a:p>
+        </p:txBody>
+      </p:sp>
+    </p:spTree>
+  </p:cSld>
+  <p:clrMapOvr>
+    <a:masterClrMapping/>
+  </p:clrMapOvr>
+  <mc:AlternateContent xmlns:mc="http://schemas.openxmlformats.org/markup-compatibility/2006" xmlns:p14="http://schemas.microsoft.com/office/powerpoint/2010/main">
+    <mc:Choice Requires="p14">
+      <p:transition spd="slow" p14:dur="1200">
+        <p:push dir="u"/>
+      </p:transition>
+    </mc:Choice>
+    <mc:Fallback xmlns="" xmlns:m="http://schemas.openxmlformats.org/officeDocument/2006/math" xmlns:a14="http://schemas.microsoft.com/office/drawing/2010/main">
+      <p:transition spd="slow">
+        <p:fade/>
+      </p:transition>
+    </mc:Fallback>
+  </mc:AlternateContent>
+</p:sld>
+</file>
+
+<file path=ppt/slides/slide21.xml><?xml version="1.0" encoding="utf-8"?>
+<p:sld xmlns:a="http://schemas.openxmlformats.org/drawingml/2006/main" xmlns:r="http://schemas.openxmlformats.org/officeDocument/2006/relationships" xmlns:p="http://schemas.openxmlformats.org/presentationml/2006/main">
+  <p:cSld>
+    <p:spTree>
+      <p:nvGrpSpPr>
+        <p:cNvPr id="1" name=""/>
+        <p:cNvGrpSpPr/>
+        <p:nvPr/>
+      </p:nvGrpSpPr>
+      <p:grpSpPr>
+        <a:xfrm>
+          <a:off x="0" y="0"/>
+          <a:ext cx="0" cy="0"/>
+          <a:chOff x="0" y="0"/>
+          <a:chExt cx="0" cy="0"/>
+        </a:xfrm>
+      </p:grpSpPr>
+      <p:sp>
+        <p:nvSpPr>
+          <p:cNvPr id="198" name="Title 2"/>
+          <p:cNvSpPr txBox="1">
+            <a:spLocks noGrp="1"/>
+          </p:cNvSpPr>
+          <p:nvPr>
+            <p:ph type="title" idx="4294967295"/>
+          </p:nvPr>
+        </p:nvSpPr>
+        <p:spPr>
+          <a:xfrm>
+            <a:off x="2154607" y="2531859"/>
+            <a:ext cx="3658054" cy="1786516"/>
+          </a:xfrm>
+          <a:prstGeom prst="rect">
+            <a:avLst/>
+          </a:prstGeom>
+        </p:spPr>
+        <p:txBody>
+          <a:bodyPr anchor="t"/>
+          <a:lstStyle>
+            <a:lvl1pPr>
+              <a:defRPr sz="4800" b="0">
+                <a:solidFill>
+                  <a:srgbClr val="44546A"/>
+                </a:solidFill>
+                <a:latin typeface="Calibri Light"/>
+                <a:ea typeface="Calibri Light"/>
+                <a:cs typeface="Calibri Light"/>
+                <a:sym typeface="Calibri Light"/>
+              </a:defRPr>
+            </a:lvl1pPr>
+          </a:lstStyle>
+          <a:p>
+            <a:r>
+              <a:t>TOMAR UN DESCANSO</a:t>
+            </a:r>
+          </a:p>
+        </p:txBody>
+      </p:sp>
+      <p:pic>
+        <p:nvPicPr>
+          <p:cNvPr id="199" name="Graphic 13" descr="Graphic 13"/>
+          <p:cNvPicPr>
+            <a:picLocks noChangeAspect="1"/>
+          </p:cNvPicPr>
+          <p:nvPr/>
+        </p:nvPicPr>
+        <p:blipFill>
+          <a:blip r:embed="rId2"/>
+          <a:stretch>
+            <a:fillRect/>
+          </a:stretch>
+        </p:blipFill>
+        <p:spPr>
+          <a:xfrm>
+            <a:off x="6379342" y="-259377"/>
+            <a:ext cx="5029201" cy="5029201"/>
+          </a:xfrm>
+          <a:prstGeom prst="rect">
+            <a:avLst/>
+          </a:prstGeom>
+          <a:ln w="12700">
+            <a:miter lim="400000"/>
+          </a:ln>
+        </p:spPr>
+      </p:pic>
+      <p:sp>
+        <p:nvSpPr>
+          <p:cNvPr id="200" name="TextBox 1"/>
+          <p:cNvSpPr txBox="1"/>
+          <p:nvPr/>
+        </p:nvSpPr>
+        <p:spPr>
+          <a:xfrm>
+            <a:off x="3715415" y="5405718"/>
+            <a:ext cx="4111933" cy="634118"/>
+          </a:xfrm>
+          <a:prstGeom prst="rect">
+            <a:avLst/>
+          </a:prstGeom>
+          <a:ln w="12700">
+            <a:miter lim="400000"/>
+          </a:ln>
+          <a:extLst>
+            <a:ext uri="{C572A759-6A51-4108-AA02-DFA0A04FC94B}">
+              <ma14:wrappingTextBoxFlag xmlns="" xmlns:m="http://schemas.openxmlformats.org/officeDocument/2006/math" xmlns:a14="http://schemas.microsoft.com/office/drawing/2010/main" xmlns:ma14="http://schemas.microsoft.com/office/mac/drawingml/2011/main" val="1"/>
+            </a:ext>
+          </a:extLst>
+        </p:spPr>
+        <p:txBody>
+          <a:bodyPr wrap="none" lIns="45719" rIns="45719">
+            <a:spAutoFit/>
+          </a:bodyPr>
+          <a:lstStyle>
+            <a:lvl1pPr>
+              <a:defRPr sz="4200" b="1"/>
+            </a:lvl1pPr>
+          </a:lstStyle>
+          <a:p>
+            <a:r>
+              <a:t>Volver por: XX:XX </a:t>
+            </a:r>
+          </a:p>
+        </p:txBody>
+      </p:sp>
+      <p:sp>
+        <p:nvSpPr>
+          <p:cNvPr id="201" name="Slide Number"/>
+          <p:cNvSpPr txBox="1">
+            <a:spLocks noGrp="1"/>
+          </p:cNvSpPr>
+          <p:nvPr>
+            <p:ph type="sldNum" sz="quarter" idx="2"/>
+          </p:nvPr>
+        </p:nvSpPr>
+        <p:spPr>
+          <a:prstGeom prst="rect">
+            <a:avLst/>
+          </a:prstGeom>
+          <a:extLst>
+            <a:ext uri="{C572A759-6A51-4108-AA02-DFA0A04FC94B}">
+              <ma14:wrappingTextBoxFlag xmlns="" xmlns:m="http://schemas.openxmlformats.org/officeDocument/2006/math" xmlns:a14="http://schemas.microsoft.com/office/drawing/2010/main" xmlns:ma14="http://schemas.microsoft.com/office/mac/drawingml/2011/main" val="1"/>
+            </a:ext>
+          </a:extLst>
+        </p:spPr>
+        <p:txBody>
+          <a:bodyPr/>
+          <a:lstStyle/>
+          <a:p>
+            <a:fld id="{86CB4B4D-7CA3-9044-876B-883B54F8677D}" type="slidenum">
+              <a:t>21</a:t>
+            </a:fld>
+            <a:endParaRPr/>
+          </a:p>
+        </p:txBody>
+      </p:sp>
+    </p:spTree>
+  </p:cSld>
+  <p:clrMapOvr>
+    <a:masterClrMapping/>
+  </p:clrMapOvr>
+  <p:transition spd="med"/>
+</p:sld>
+</file>
+
 <file path=ppt/slides/slide3.xml><?xml version="1.0" encoding="utf-8"?>
 <p:sld xmlns:a="http://schemas.openxmlformats.org/drawingml/2006/main" xmlns:r="http://schemas.openxmlformats.org/officeDocument/2006/relationships" xmlns:p="http://schemas.openxmlformats.org/presentationml/2006/main">
   <p:cSld>
@@ -5003,6 +8464,7 @@
           <a:lstStyle/>
           <a:p>
             <a:r>
+              <a:rPr dirty="0"/>
               <a:t>Best Practices for Generating AI Content</a:t>
             </a:r>
           </a:p>
@@ -5303,7 +8765,7 @@
           </a:ln>
           <a:extLst>
             <a:ext uri="{C572A759-6A51-4108-AA02-DFA0A04FC94B}">
-              <ma14:wrappingTextBoxFlag xmlns:ma14="http://schemas.microsoft.com/office/mac/drawingml/2011/main" xmlns:a14="http://schemas.microsoft.com/office/drawing/2010/main" xmlns:m="http://schemas.openxmlformats.org/officeDocument/2006/math" xmlns="" val="1"/>
+              <ma14:wrappingTextBoxFlag xmlns="" xmlns:m="http://schemas.openxmlformats.org/officeDocument/2006/math" xmlns:a14="http://schemas.microsoft.com/office/drawing/2010/main" xmlns:ma14="http://schemas.microsoft.com/office/mac/drawingml/2011/main" val="1"/>
             </a:ext>
           </a:extLst>
         </p:spPr>
@@ -5581,7 +9043,7 @@
           </a:prstGeom>
           <a:extLst>
             <a:ext uri="{C572A759-6A51-4108-AA02-DFA0A04FC94B}">
-              <ma14:wrappingTextBoxFlag xmlns:ma14="http://schemas.microsoft.com/office/mac/drawingml/2011/main" xmlns:a14="http://schemas.microsoft.com/office/drawing/2010/main" xmlns:m="http://schemas.openxmlformats.org/officeDocument/2006/math" xmlns="" val="1"/>
+              <ma14:wrappingTextBoxFlag xmlns="" xmlns:m="http://schemas.openxmlformats.org/officeDocument/2006/math" xmlns:a14="http://schemas.microsoft.com/office/drawing/2010/main" xmlns:ma14="http://schemas.microsoft.com/office/mac/drawingml/2011/main" val="1"/>
             </a:ext>
           </a:extLst>
         </p:spPr>
@@ -5650,7 +9112,7 @@
           </a:prstGeom>
           <a:extLst>
             <a:ext uri="{C572A759-6A51-4108-AA02-DFA0A04FC94B}">
-              <ma14:wrappingTextBoxFlag xmlns:ma14="http://schemas.microsoft.com/office/mac/drawingml/2011/main" xmlns:a14="http://schemas.microsoft.com/office/drawing/2010/main" xmlns:m="http://schemas.openxmlformats.org/officeDocument/2006/math" xmlns="" val="1"/>
+              <ma14:wrappingTextBoxFlag xmlns="" xmlns:m="http://schemas.openxmlformats.org/officeDocument/2006/math" xmlns:a14="http://schemas.microsoft.com/office/drawing/2010/main" xmlns:ma14="http://schemas.microsoft.com/office/mac/drawingml/2011/main" val="1"/>
             </a:ext>
           </a:extLst>
         </p:spPr>
@@ -6027,7 +9489,7 @@
           </a:ln>
           <a:extLst>
             <a:ext uri="{C572A759-6A51-4108-AA02-DFA0A04FC94B}">
-              <ma14:wrappingTextBoxFlag xmlns:ma14="http://schemas.microsoft.com/office/mac/drawingml/2011/main" xmlns:a14="http://schemas.microsoft.com/office/drawing/2010/main" xmlns:m="http://schemas.openxmlformats.org/officeDocument/2006/math" xmlns="" val="1"/>
+              <ma14:wrappingTextBoxFlag xmlns="" xmlns:m="http://schemas.openxmlformats.org/officeDocument/2006/math" xmlns:a14="http://schemas.microsoft.com/office/drawing/2010/main" xmlns:ma14="http://schemas.microsoft.com/office/mac/drawingml/2011/main" val="1"/>
             </a:ext>
           </a:extLst>
         </p:spPr>
@@ -6304,7 +9766,7 @@
           </a:ln>
           <a:extLst>
             <a:ext uri="{C572A759-6A51-4108-AA02-DFA0A04FC94B}">
-              <ma14:wrappingTextBoxFlag xmlns:ma14="http://schemas.microsoft.com/office/mac/drawingml/2011/main" xmlns:a14="http://schemas.microsoft.com/office/drawing/2010/main" xmlns:m="http://schemas.openxmlformats.org/officeDocument/2006/math" xmlns="" val="1"/>
+              <ma14:wrappingTextBoxFlag xmlns="" xmlns:m="http://schemas.openxmlformats.org/officeDocument/2006/math" xmlns:a14="http://schemas.microsoft.com/office/drawing/2010/main" xmlns:ma14="http://schemas.microsoft.com/office/mac/drawingml/2011/main" val="1"/>
             </a:ext>
           </a:extLst>
         </p:spPr>
@@ -6375,7 +9837,7 @@
           </a:prstGeom>
           <a:extLst>
             <a:ext uri="{C572A759-6A51-4108-AA02-DFA0A04FC94B}">
-              <ma14:wrappingTextBoxFlag xmlns:ma14="http://schemas.microsoft.com/office/mac/drawingml/2011/main" xmlns:a14="http://schemas.microsoft.com/office/drawing/2010/main" xmlns:m="http://schemas.openxmlformats.org/officeDocument/2006/math" xmlns="" val="1"/>
+              <ma14:wrappingTextBoxFlag xmlns="" xmlns:m="http://schemas.openxmlformats.org/officeDocument/2006/math" xmlns:a14="http://schemas.microsoft.com/office/drawing/2010/main" xmlns:ma14="http://schemas.microsoft.com/office/mac/drawingml/2011/main" val="1"/>
             </a:ext>
           </a:extLst>
         </p:spPr>
@@ -6695,7 +10157,7 @@
           </a:ln>
           <a:extLst>
             <a:ext uri="{C572A759-6A51-4108-AA02-DFA0A04FC94B}">
-              <ma14:wrappingTextBoxFlag xmlns:ma14="http://schemas.microsoft.com/office/mac/drawingml/2011/main" xmlns:a14="http://schemas.microsoft.com/office/drawing/2010/main" xmlns:m="http://schemas.openxmlformats.org/officeDocument/2006/math" xmlns="" val="1"/>
+              <ma14:wrappingTextBoxFlag xmlns="" xmlns:m="http://schemas.openxmlformats.org/officeDocument/2006/math" xmlns:a14="http://schemas.microsoft.com/office/drawing/2010/main" xmlns:ma14="http://schemas.microsoft.com/office/mac/drawingml/2011/main" val="1"/>
             </a:ext>
           </a:extLst>
         </p:spPr>
@@ -6939,7 +10401,7 @@
           </a:ln>
           <a:extLst>
             <a:ext uri="{C572A759-6A51-4108-AA02-DFA0A04FC94B}">
-              <ma14:wrappingTextBoxFlag xmlns:ma14="http://schemas.microsoft.com/office/mac/drawingml/2011/main" xmlns:a14="http://schemas.microsoft.com/office/drawing/2010/main" xmlns:m="http://schemas.openxmlformats.org/officeDocument/2006/math" xmlns="" val="1"/>
+              <ma14:wrappingTextBoxFlag xmlns="" xmlns:m="http://schemas.openxmlformats.org/officeDocument/2006/math" xmlns:a14="http://schemas.microsoft.com/office/drawing/2010/main" xmlns:ma14="http://schemas.microsoft.com/office/mac/drawingml/2011/main" val="1"/>
             </a:ext>
           </a:extLst>
         </p:spPr>
@@ -7113,7 +10575,7 @@
           </a:prstGeom>
           <a:extLst>
             <a:ext uri="{C572A759-6A51-4108-AA02-DFA0A04FC94B}">
-              <ma14:wrappingTextBoxFlag xmlns:ma14="http://schemas.microsoft.com/office/mac/drawingml/2011/main" xmlns:a14="http://schemas.microsoft.com/office/drawing/2010/main" xmlns:m="http://schemas.openxmlformats.org/officeDocument/2006/math" xmlns="" val="1"/>
+              <ma14:wrappingTextBoxFlag xmlns="" xmlns:m="http://schemas.openxmlformats.org/officeDocument/2006/math" xmlns:a14="http://schemas.microsoft.com/office/drawing/2010/main" xmlns:ma14="http://schemas.microsoft.com/office/mac/drawingml/2011/main" val="1"/>
             </a:ext>
           </a:extLst>
         </p:spPr>
@@ -7269,7 +10731,7 @@
           </a:prstGeom>
           <a:extLst>
             <a:ext uri="{C572A759-6A51-4108-AA02-DFA0A04FC94B}">
-              <ma14:wrappingTextBoxFlag xmlns:ma14="http://schemas.microsoft.com/office/mac/drawingml/2011/main" xmlns:a14="http://schemas.microsoft.com/office/drawing/2010/main" xmlns:m="http://schemas.openxmlformats.org/officeDocument/2006/math" xmlns="" val="1"/>
+              <ma14:wrappingTextBoxFlag xmlns="" xmlns:m="http://schemas.openxmlformats.org/officeDocument/2006/math" xmlns:a14="http://schemas.microsoft.com/office/drawing/2010/main" xmlns:ma14="http://schemas.microsoft.com/office/mac/drawingml/2011/main" val="1"/>
             </a:ext>
           </a:extLst>
         </p:spPr>
@@ -7455,7 +10917,7 @@
           </a:prstGeom>
           <a:extLst>
             <a:ext uri="{C572A759-6A51-4108-AA02-DFA0A04FC94B}">
-              <ma14:wrappingTextBoxFlag xmlns:ma14="http://schemas.microsoft.com/office/mac/drawingml/2011/main" xmlns:a14="http://schemas.microsoft.com/office/drawing/2010/main" xmlns:m="http://schemas.openxmlformats.org/officeDocument/2006/math" xmlns="" val="1"/>
+              <ma14:wrappingTextBoxFlag xmlns="" xmlns:m="http://schemas.openxmlformats.org/officeDocument/2006/math" xmlns:a14="http://schemas.microsoft.com/office/drawing/2010/main" xmlns:ma14="http://schemas.microsoft.com/office/mac/drawingml/2011/main" val="1"/>
             </a:ext>
           </a:extLst>
         </p:spPr>
@@ -7622,7 +11084,7 @@
           </a:prstGeom>
           <a:extLst>
             <a:ext uri="{C572A759-6A51-4108-AA02-DFA0A04FC94B}">
-              <ma14:wrappingTextBoxFlag xmlns:ma14="http://schemas.microsoft.com/office/mac/drawingml/2011/main" xmlns:a14="http://schemas.microsoft.com/office/drawing/2010/main" xmlns:m="http://schemas.openxmlformats.org/officeDocument/2006/math" xmlns="" val="1"/>
+              <ma14:wrappingTextBoxFlag xmlns="" xmlns:m="http://schemas.openxmlformats.org/officeDocument/2006/math" xmlns:a14="http://schemas.microsoft.com/office/drawing/2010/main" xmlns:ma14="http://schemas.microsoft.com/office/mac/drawingml/2011/main" val="1"/>
             </a:ext>
           </a:extLst>
         </p:spPr>

--- a/Counter_Malign_Information/4-Implement-For_Instructors/Lesson_Plans/Lesson_01-Creating_Synthetic_Content/Audio_Visual-Template/MASTER-Lesson_Slide-Create_AI_Content.pptx
+++ b/Counter_Malign_Information/4-Implement-For_Instructors/Lesson_Plans/Lesson_01-Creating_Synthetic_Content/Audio_Visual-Template/MASTER-Lesson_Slide-Create_AI_Content.pptx
@@ -5,7 +5,7 @@
     <p:sldMasterId id="2147483648" r:id="rId1"/>
   </p:sldMasterIdLst>
   <p:notesMasterIdLst>
-    <p:notesMasterId r:id="rId23"/>
+    <p:notesMasterId r:id="rId27"/>
   </p:notesMasterIdLst>
   <p:sldIdLst>
     <p:sldId id="256" r:id="rId2"/>
@@ -15,20 +15,24 @@
     <p:sldId id="260" r:id="rId6"/>
     <p:sldId id="261" r:id="rId7"/>
     <p:sldId id="262" r:id="rId8"/>
-    <p:sldId id="263" r:id="rId9"/>
-    <p:sldId id="264" r:id="rId10"/>
-    <p:sldId id="265" r:id="rId11"/>
-    <p:sldId id="266" r:id="rId12"/>
-    <p:sldId id="273" r:id="rId13"/>
-    <p:sldId id="274" r:id="rId14"/>
-    <p:sldId id="275" r:id="rId15"/>
-    <p:sldId id="276" r:id="rId16"/>
-    <p:sldId id="269" r:id="rId17"/>
-    <p:sldId id="270" r:id="rId18"/>
-    <p:sldId id="267" r:id="rId19"/>
-    <p:sldId id="268" r:id="rId20"/>
-    <p:sldId id="271" r:id="rId21"/>
-    <p:sldId id="272" r:id="rId22"/>
+    <p:sldId id="277" r:id="rId9"/>
+    <p:sldId id="278" r:id="rId10"/>
+    <p:sldId id="263" r:id="rId11"/>
+    <p:sldId id="264" r:id="rId12"/>
+    <p:sldId id="280" r:id="rId13"/>
+    <p:sldId id="279" r:id="rId14"/>
+    <p:sldId id="265" r:id="rId15"/>
+    <p:sldId id="266" r:id="rId16"/>
+    <p:sldId id="273" r:id="rId17"/>
+    <p:sldId id="274" r:id="rId18"/>
+    <p:sldId id="275" r:id="rId19"/>
+    <p:sldId id="276" r:id="rId20"/>
+    <p:sldId id="269" r:id="rId21"/>
+    <p:sldId id="270" r:id="rId22"/>
+    <p:sldId id="267" r:id="rId23"/>
+    <p:sldId id="268" r:id="rId24"/>
+    <p:sldId id="271" r:id="rId25"/>
+    <p:sldId id="272" r:id="rId26"/>
   </p:sldIdLst>
   <p:sldSz cx="12192000" cy="6858000"/>
   <p:notesSz cx="6858000" cy="9144000"/>
@@ -494,6 +498,178 @@
 </p:notesMaster>
 </file>
 
+<file path=ppt/notesSlides/notesSlide1.xml><?xml version="1.0" encoding="utf-8"?>
+<p:notes xmlns:a="http://schemas.openxmlformats.org/drawingml/2006/main" xmlns:r="http://schemas.openxmlformats.org/officeDocument/2006/relationships" xmlns:p="http://schemas.openxmlformats.org/presentationml/2006/main">
+  <p:cSld>
+    <p:spTree>
+      <p:nvGrpSpPr>
+        <p:cNvPr id="1" name=""/>
+        <p:cNvGrpSpPr/>
+        <p:nvPr/>
+      </p:nvGrpSpPr>
+      <p:grpSpPr>
+        <a:xfrm>
+          <a:off x="0" y="0"/>
+          <a:ext cx="0" cy="0"/>
+          <a:chOff x="0" y="0"/>
+          <a:chExt cx="0" cy="0"/>
+        </a:xfrm>
+      </p:grpSpPr>
+      <p:sp>
+        <p:nvSpPr>
+          <p:cNvPr id="2" name="Slide Image Placeholder 1"/>
+          <p:cNvSpPr>
+            <a:spLocks noGrp="1" noRot="1" noChangeAspect="1"/>
+          </p:cNvSpPr>
+          <p:nvPr>
+            <p:ph type="sldImg"/>
+          </p:nvPr>
+        </p:nvSpPr>
+        <p:spPr>
+          <a:xfrm>
+            <a:off x="381000" y="685800"/>
+            <a:ext cx="6096000" cy="3429000"/>
+          </a:xfrm>
+        </p:spPr>
+      </p:sp>
+      <p:sp>
+        <p:nvSpPr>
+          <p:cNvPr id="3" name="Notes Placeholder 2"/>
+          <p:cNvSpPr>
+            <a:spLocks noGrp="1"/>
+          </p:cNvSpPr>
+          <p:nvPr>
+            <p:ph type="body" idx="1"/>
+          </p:nvPr>
+        </p:nvSpPr>
+        <p:spPr/>
+        <p:txBody>
+          <a:bodyPr/>
+          <a:lstStyle/>
+          <a:p>
+            <a:r>
+              <a:rPr lang="en-US" dirty="0"/>
+              <a:t>References:</a:t>
+            </a:r>
+          </a:p>
+          <a:p>
+            <a:r>
+              <a:rPr lang="en-US" dirty="0"/>
+              <a:t>AI Master List Tool - </a:t>
+            </a:r>
+            <a:r>
+              <a:rPr lang="en-US" u="sng" dirty="0">
+                <a:solidFill>
+                  <a:srgbClr val="0563C1"/>
+                </a:solidFill>
+                <a:uFill>
+                  <a:solidFill>
+                    <a:srgbClr val="0563C1"/>
+                  </a:solidFill>
+                </a:uFill>
+                <a:hlinkClick r:id="rId3"/>
+              </a:rPr>
+              <a:t>https://doc.clickup.com/25598832/d/h/rd6vg-14247/0b79ca1dc0f7429/rd6vg-12207</a:t>
+            </a:r>
+            <a:r>
+              <a:rPr lang="en-US" dirty="0"/>
+              <a:t> </a:t>
+            </a:r>
+          </a:p>
+          <a:p>
+            <a:r>
+              <a:rPr lang="en-US" dirty="0"/>
+              <a:t>AI Catalog Repo - </a:t>
+            </a:r>
+            <a:r>
+              <a:rPr lang="en-US" u="sng" dirty="0">
+                <a:solidFill>
+                  <a:srgbClr val="0563C1"/>
+                </a:solidFill>
+                <a:uFill>
+                  <a:solidFill>
+                    <a:srgbClr val="0563C1"/>
+                  </a:solidFill>
+                </a:uFill>
+                <a:hlinkClick r:id="rId4"/>
+              </a:rPr>
+              <a:t>https://github.com/mehmetkahya0/ai-catalog</a:t>
+            </a:r>
+            <a:r>
+              <a:rPr lang="en-US" dirty="0"/>
+              <a:t> </a:t>
+            </a:r>
+          </a:p>
+          <a:p>
+            <a:r>
+              <a:rPr lang="en-US" dirty="0"/>
+              <a:t>- Awesome Generative AI - </a:t>
+            </a:r>
+            <a:r>
+              <a:rPr lang="en-US" u="sng" dirty="0">
+                <a:solidFill>
+                  <a:srgbClr val="0563C1"/>
+                </a:solidFill>
+                <a:uFill>
+                  <a:solidFill>
+                    <a:srgbClr val="0563C1"/>
+                  </a:solidFill>
+                </a:uFill>
+                <a:hlinkClick r:id="rId5"/>
+              </a:rPr>
+              <a:t>https://github.com/amusi/awesome-ai-awesomeness</a:t>
+            </a:r>
+            <a:r>
+              <a:rPr lang="en-US" dirty="0"/>
+              <a:t> </a:t>
+            </a:r>
+          </a:p>
+          <a:p>
+            <a:r>
+              <a:rPr lang="en-US" dirty="0" err="1"/>
+              <a:t>FutureTools</a:t>
+            </a:r>
+            <a:r>
+              <a:rPr lang="en-US" dirty="0"/>
+              <a:t> - </a:t>
+            </a:r>
+            <a:r>
+              <a:rPr lang="en-US" u="sng" dirty="0">
+                <a:solidFill>
+                  <a:srgbClr val="0563C1"/>
+                </a:solidFill>
+                <a:uFill>
+                  <a:solidFill>
+                    <a:srgbClr val="0563C1"/>
+                  </a:solidFill>
+                </a:uFill>
+                <a:hlinkClick r:id="rId6"/>
+              </a:rPr>
+              <a:t>https://futuretools.io</a:t>
+            </a:r>
+            <a:r>
+              <a:rPr lang="en-US" dirty="0"/>
+              <a:t> </a:t>
+            </a:r>
+          </a:p>
+          <a:p>
+            <a:endParaRPr lang="en-US" dirty="0"/>
+          </a:p>
+        </p:txBody>
+      </p:sp>
+    </p:spTree>
+    <p:extLst>
+      <p:ext uri="{BB962C8B-B14F-4D97-AF65-F5344CB8AC3E}">
+        <p14:creationId xmlns:p14="http://schemas.microsoft.com/office/powerpoint/2010/main" val="307931429"/>
+      </p:ext>
+    </p:extLst>
+  </p:cSld>
+  <p:clrMapOvr>
+    <a:masterClrMapping/>
+  </p:clrMapOvr>
+</p:notes>
+</file>
+
 <file path=ppt/slideLayouts/slideLayout1.xml><?xml version="1.0" encoding="utf-8"?>
 <p:sldLayout xmlns:a="http://schemas.openxmlformats.org/drawingml/2006/main" xmlns:r="http://schemas.openxmlformats.org/officeDocument/2006/relationships" xmlns:p="http://schemas.openxmlformats.org/presentationml/2006/main" type="title">
   <p:cSld name="Title Slide">
@@ -2279,7 +2455,7 @@
           </a:ln>
           <a:extLst>
             <a:ext uri="{C572A759-6A51-4108-AA02-DFA0A04FC94B}">
-              <ma14:wrappingTextBoxFlag xmlns="" xmlns:m="http://schemas.openxmlformats.org/officeDocument/2006/math" xmlns:a14="http://schemas.microsoft.com/office/drawing/2010/main" xmlns:ma14="http://schemas.microsoft.com/office/mac/drawingml/2011/main" val="1"/>
+              <ma14:wrappingTextBoxFlag xmlns:ma14="http://schemas.microsoft.com/office/mac/drawingml/2011/main" xmlns:a14="http://schemas.microsoft.com/office/drawing/2010/main" xmlns:m="http://schemas.openxmlformats.org/officeDocument/2006/math" xmlns="" val="1"/>
             </a:ext>
           </a:extLst>
         </p:spPr>
@@ -2318,7 +2494,7 @@
           </a:ln>
           <a:extLst>
             <a:ext uri="{C572A759-6A51-4108-AA02-DFA0A04FC94B}">
-              <ma14:wrappingTextBoxFlag xmlns="" xmlns:m="http://schemas.openxmlformats.org/officeDocument/2006/math" xmlns:a14="http://schemas.microsoft.com/office/drawing/2010/main" xmlns:ma14="http://schemas.microsoft.com/office/mac/drawingml/2011/main" val="1"/>
+              <ma14:wrappingTextBoxFlag xmlns:ma14="http://schemas.microsoft.com/office/mac/drawingml/2011/main" xmlns:a14="http://schemas.microsoft.com/office/drawing/2010/main" xmlns:m="http://schemas.openxmlformats.org/officeDocument/2006/math" xmlns="" val="1"/>
             </a:ext>
           </a:extLst>
         </p:spPr>
@@ -3264,7 +3440,7 @@
           </a:prstGeom>
           <a:extLst>
             <a:ext uri="{C572A759-6A51-4108-AA02-DFA0A04FC94B}">
-              <ma14:wrappingTextBoxFlag xmlns="" xmlns:m="http://schemas.openxmlformats.org/officeDocument/2006/math" xmlns:a14="http://schemas.microsoft.com/office/drawing/2010/main" xmlns:ma14="http://schemas.microsoft.com/office/mac/drawingml/2011/main" val="1"/>
+              <ma14:wrappingTextBoxFlag xmlns:ma14="http://schemas.microsoft.com/office/mac/drawingml/2011/main" xmlns:a14="http://schemas.microsoft.com/office/drawing/2010/main" xmlns:m="http://schemas.openxmlformats.org/officeDocument/2006/math" xmlns="" val="1"/>
             </a:ext>
           </a:extLst>
         </p:spPr>
@@ -3305,7 +3481,7 @@
           </a:ln>
           <a:extLst>
             <a:ext uri="{C572A759-6A51-4108-AA02-DFA0A04FC94B}">
-              <ma14:wrappingTextBoxFlag xmlns="" xmlns:m="http://schemas.openxmlformats.org/officeDocument/2006/math" xmlns:a14="http://schemas.microsoft.com/office/drawing/2010/main" xmlns:ma14="http://schemas.microsoft.com/office/mac/drawingml/2011/main" val="1"/>
+              <ma14:wrappingTextBoxFlag xmlns:ma14="http://schemas.microsoft.com/office/mac/drawingml/2011/main" xmlns:a14="http://schemas.microsoft.com/office/drawing/2010/main" xmlns:m="http://schemas.openxmlformats.org/officeDocument/2006/math" xmlns="" val="1"/>
             </a:ext>
           </a:extLst>
         </p:spPr>
@@ -3346,7 +3522,7 @@
           </a:ln>
           <a:extLst>
             <a:ext uri="{C572A759-6A51-4108-AA02-DFA0A04FC94B}">
-              <ma14:wrappingTextBoxFlag xmlns="" xmlns:m="http://schemas.openxmlformats.org/officeDocument/2006/math" xmlns:a14="http://schemas.microsoft.com/office/drawing/2010/main" xmlns:ma14="http://schemas.microsoft.com/office/mac/drawingml/2011/main" val="1"/>
+              <ma14:wrappingTextBoxFlag xmlns:ma14="http://schemas.microsoft.com/office/mac/drawingml/2011/main" xmlns:a14="http://schemas.microsoft.com/office/drawing/2010/main" xmlns:m="http://schemas.openxmlformats.org/officeDocument/2006/math" xmlns="" val="1"/>
             </a:ext>
           </a:extLst>
         </p:spPr>
@@ -3387,7 +3563,7 @@
           </a:ln>
           <a:extLst>
             <a:ext uri="{C572A759-6A51-4108-AA02-DFA0A04FC94B}">
-              <ma14:wrappingTextBoxFlag xmlns="" xmlns:m="http://schemas.openxmlformats.org/officeDocument/2006/math" xmlns:a14="http://schemas.microsoft.com/office/drawing/2010/main" xmlns:ma14="http://schemas.microsoft.com/office/mac/drawingml/2011/main" val="1"/>
+              <ma14:wrappingTextBoxFlag xmlns:ma14="http://schemas.microsoft.com/office/mac/drawingml/2011/main" xmlns:a14="http://schemas.microsoft.com/office/drawing/2010/main" xmlns:m="http://schemas.openxmlformats.org/officeDocument/2006/math" xmlns="" val="1"/>
             </a:ext>
           </a:extLst>
         </p:spPr>
@@ -3434,7 +3610,7 @@
           </a:ln>
           <a:extLst>
             <a:ext uri="{C572A759-6A51-4108-AA02-DFA0A04FC94B}">
-              <ma14:wrappingTextBoxFlag xmlns="" xmlns:m="http://schemas.openxmlformats.org/officeDocument/2006/math" xmlns:a14="http://schemas.microsoft.com/office/drawing/2010/main" xmlns:ma14="http://schemas.microsoft.com/office/mac/drawingml/2011/main" val="1"/>
+              <ma14:wrappingTextBoxFlag xmlns:ma14="http://schemas.microsoft.com/office/mac/drawingml/2011/main" xmlns:a14="http://schemas.microsoft.com/office/drawing/2010/main" xmlns:m="http://schemas.openxmlformats.org/officeDocument/2006/math" xmlns="" val="1"/>
             </a:ext>
           </a:extLst>
         </p:spPr>
@@ -3462,6 +3638,3026 @@
 </file>
 
 <file path=ppt/slides/slide10.xml><?xml version="1.0" encoding="utf-8"?>
+<p:sld xmlns:a="http://schemas.openxmlformats.org/drawingml/2006/main" xmlns:r="http://schemas.openxmlformats.org/officeDocument/2006/relationships" xmlns:p="http://schemas.openxmlformats.org/presentationml/2006/main">
+  <p:cSld>
+    <p:bg>
+      <p:bgPr>
+        <a:solidFill>
+          <a:srgbClr val="FFFB00"/>
+        </a:solidFill>
+        <a:effectLst/>
+      </p:bgPr>
+    </p:bg>
+    <p:spTree>
+      <p:nvGrpSpPr>
+        <p:cNvPr id="1" name=""/>
+        <p:cNvGrpSpPr/>
+        <p:nvPr/>
+      </p:nvGrpSpPr>
+      <p:grpSpPr>
+        <a:xfrm>
+          <a:off x="0" y="0"/>
+          <a:ext cx="0" cy="0"/>
+          <a:chOff x="0" y="0"/>
+          <a:chExt cx="0" cy="0"/>
+        </a:xfrm>
+      </p:grpSpPr>
+      <p:sp>
+        <p:nvSpPr>
+          <p:cNvPr id="161" name="Example Prompt: Image Content"/>
+          <p:cNvSpPr txBox="1">
+            <a:spLocks noGrp="1"/>
+          </p:cNvSpPr>
+          <p:nvPr>
+            <p:ph type="title"/>
+          </p:nvPr>
+        </p:nvSpPr>
+        <p:spPr>
+          <a:prstGeom prst="rect">
+            <a:avLst/>
+          </a:prstGeom>
+        </p:spPr>
+        <p:txBody>
+          <a:bodyPr/>
+          <a:lstStyle/>
+          <a:p>
+            <a:r>
+              <a:rPr b="0"/>
+              <a:t>Example Prompt</a:t>
+            </a:r>
+            <a:r>
+              <a:t>: Image Content</a:t>
+            </a:r>
+          </a:p>
+        </p:txBody>
+      </p:sp>
+      <p:sp>
+        <p:nvSpPr>
+          <p:cNvPr id="162" name="Bad: &quot;Design a logo for a nonprofit organization.&quot;…"/>
+          <p:cNvSpPr txBox="1">
+            <a:spLocks noGrp="1"/>
+          </p:cNvSpPr>
+          <p:nvPr>
+            <p:ph type="body" idx="1"/>
+          </p:nvPr>
+        </p:nvSpPr>
+        <p:spPr>
+          <a:prstGeom prst="rect">
+            <a:avLst/>
+          </a:prstGeom>
+        </p:spPr>
+        <p:txBody>
+          <a:bodyPr>
+            <a:normAutofit lnSpcReduction="10000"/>
+          </a:bodyPr>
+          <a:lstStyle/>
+          <a:p>
+            <a:pPr marL="205739" indent="-205739" defTabSz="822959">
+              <a:spcBef>
+                <a:spcPts val="900"/>
+              </a:spcBef>
+              <a:defRPr sz="2520" i="1" strike="sngStrike"/>
+            </a:pPr>
+            <a:r>
+              <a:rPr dirty="0"/>
+              <a:t>Bad: "Design a logo for a nonprofit organization"</a:t>
+            </a:r>
+          </a:p>
+          <a:p>
+            <a:pPr marL="205739" indent="-205739" defTabSz="822959">
+              <a:spcBef>
+                <a:spcPts val="900"/>
+              </a:spcBef>
+              <a:defRPr sz="2520"/>
+            </a:pPr>
+            <a:r>
+              <a:rPr dirty="0"/>
+              <a:t>Better: "</a:t>
+            </a:r>
+            <a:r>
+              <a:rPr dirty="0">
+                <a:solidFill>
+                  <a:srgbClr val="942192"/>
+                </a:solidFill>
+              </a:rPr>
+              <a:t>Don't be lazy, take it step by step</a:t>
+            </a:r>
+            <a:r>
+              <a:rPr dirty="0"/>
+              <a:t>. </a:t>
+            </a:r>
+            <a:r>
+              <a:rPr dirty="0">
+                <a:solidFill>
+                  <a:srgbClr val="FF40FF"/>
+                </a:solidFill>
+              </a:rPr>
+              <a:t>Imagine you are a seasoned graphic designer tasked with creating a logo for a nonprofit organization dedicated to environmental conservation.</a:t>
+            </a:r>
+            <a:r>
+              <a:rPr dirty="0"/>
+              <a:t> </a:t>
+            </a:r>
+            <a:r>
+              <a:rPr dirty="0">
+                <a:solidFill>
+                  <a:srgbClr val="0433FF"/>
+                </a:solidFill>
+              </a:rPr>
+              <a:t>The logo must represent the organization’s core mission and values, which emphasize sustainability, community involvement, and nature preservation.</a:t>
+            </a:r>
+            <a:r>
+              <a:rPr dirty="0"/>
+              <a:t> </a:t>
+            </a:r>
+            <a:r>
+              <a:rPr dirty="0">
+                <a:solidFill>
+                  <a:srgbClr val="0433FF"/>
+                </a:solidFill>
+              </a:rPr>
+              <a:t>Adhere strictly to the organization’s branding guidelines, using a color scheme of earthy greens and blues. Incorporate elements that symbolize nature (like leaves or the Earth), sustainability (such as a recycle symbol), and community (represented by interlinked hands or a network). The design should be simple but powerful, clearly conveying the organization’s commitment to environmental stewardship</a:t>
+            </a:r>
+            <a:r>
+              <a:rPr dirty="0"/>
+              <a:t>"</a:t>
+            </a:r>
+          </a:p>
+        </p:txBody>
+      </p:sp>
+      <p:sp>
+        <p:nvSpPr>
+          <p:cNvPr id="163" name="Slide Number"/>
+          <p:cNvSpPr txBox="1">
+            <a:spLocks noGrp="1"/>
+          </p:cNvSpPr>
+          <p:nvPr>
+            <p:ph type="sldNum" sz="quarter" idx="2"/>
+          </p:nvPr>
+        </p:nvSpPr>
+        <p:spPr>
+          <a:xfrm>
+            <a:off x="11172418" y="6414760"/>
+            <a:ext cx="181382" cy="248305"/>
+          </a:xfrm>
+          <a:prstGeom prst="rect">
+            <a:avLst/>
+          </a:prstGeom>
+          <a:extLst>
+            <a:ext uri="{C572A759-6A51-4108-AA02-DFA0A04FC94B}">
+              <ma14:wrappingTextBoxFlag xmlns:ma14="http://schemas.microsoft.com/office/mac/drawingml/2011/main" xmlns:a14="http://schemas.microsoft.com/office/drawing/2010/main" xmlns:m="http://schemas.openxmlformats.org/officeDocument/2006/math" xmlns="" val="1"/>
+            </a:ext>
+          </a:extLst>
+        </p:spPr>
+        <p:txBody>
+          <a:bodyPr/>
+          <a:lstStyle/>
+          <a:p>
+            <a:fld id="{86CB4B4D-7CA3-9044-876B-883B54F8677D}" type="slidenum">
+              <a:rPr/>
+              <a:t>10</a:t>
+            </a:fld>
+            <a:endParaRPr/>
+          </a:p>
+        </p:txBody>
+      </p:sp>
+      <p:sp>
+        <p:nvSpPr>
+          <p:cNvPr id="5" name="English">
+            <a:extLst>
+              <a:ext uri="{FF2B5EF4-FFF2-40B4-BE49-F238E27FC236}">
+                <a16:creationId xmlns:a16="http://schemas.microsoft.com/office/drawing/2014/main" id="{F95DA643-2EC4-590E-5043-887C3F69D487}"/>
+              </a:ext>
+            </a:extLst>
+          </p:cNvPr>
+          <p:cNvSpPr/>
+          <p:nvPr/>
+        </p:nvSpPr>
+        <p:spPr>
+          <a:xfrm>
+            <a:off x="5133143" y="5997604"/>
+            <a:ext cx="1925714" cy="703748"/>
+          </a:xfrm>
+          <a:prstGeom prst="rect">
+            <a:avLst/>
+          </a:prstGeom>
+          <a:solidFill>
+            <a:schemeClr val="bg1"/>
+          </a:solidFill>
+          <a:ln w="12700">
+            <a:solidFill>
+              <a:schemeClr val="accent1"/>
+            </a:solidFill>
+            <a:miter/>
+          </a:ln>
+          <a:extLst>
+            <a:ext uri="{C572A759-6A51-4108-AA02-DFA0A04FC94B}">
+              <ma14:wrappingTextBoxFlag xmlns:ma14="http://schemas.microsoft.com/office/mac/drawingml/2011/main" xmlns:a14="http://schemas.microsoft.com/office/drawing/2010/main" xmlns:m="http://schemas.openxmlformats.org/officeDocument/2006/math" xmlns="" val="1"/>
+            </a:ext>
+          </a:extLst>
+        </p:spPr>
+        <p:txBody>
+          <a:bodyPr lIns="45719" rIns="45719" anchor="ctr"/>
+          <a:lstStyle>
+            <a:lvl1pPr algn="ctr"/>
+          </a:lstStyle>
+          <a:p>
+            <a:pPr marL="139700" defTabSz="457200">
+              <a:lnSpc>
+                <a:spcPct val="100000"/>
+              </a:lnSpc>
+              <a:spcBef>
+                <a:spcPts val="0"/>
+              </a:spcBef>
+              <a:buClr>
+                <a:srgbClr val="1F2328"/>
+              </a:buClr>
+              <a:defRPr sz="2600">
+                <a:solidFill>
+                  <a:srgbClr val="FF40FF"/>
+                </a:solidFill>
+                <a:latin typeface="Helvetica Neue"/>
+                <a:ea typeface="Helvetica Neue"/>
+                <a:cs typeface="Helvetica Neue"/>
+                <a:sym typeface="Helvetica Neue"/>
+              </a:defRPr>
+            </a:pPr>
+            <a:r>
+              <a:rPr lang="en-US" sz="2000" b="1" dirty="0">
+                <a:latin typeface="+mn-lt"/>
+                <a:ea typeface="+mn-ea"/>
+                <a:cs typeface="+mn-cs"/>
+                <a:sym typeface="Helvetica"/>
+              </a:rPr>
+              <a:t>Provide Context</a:t>
+            </a:r>
+          </a:p>
+        </p:txBody>
+      </p:sp>
+      <p:sp>
+        <p:nvSpPr>
+          <p:cNvPr id="6" name="Spanish">
+            <a:extLst>
+              <a:ext uri="{FF2B5EF4-FFF2-40B4-BE49-F238E27FC236}">
+                <a16:creationId xmlns:a16="http://schemas.microsoft.com/office/drawing/2014/main" id="{78FECBD6-87AD-D600-E2CB-EEAAE8DEC3A1}"/>
+              </a:ext>
+            </a:extLst>
+          </p:cNvPr>
+          <p:cNvSpPr/>
+          <p:nvPr/>
+        </p:nvSpPr>
+        <p:spPr>
+          <a:xfrm>
+            <a:off x="7671549" y="5993635"/>
+            <a:ext cx="2280484" cy="703748"/>
+          </a:xfrm>
+          <a:prstGeom prst="rect">
+            <a:avLst/>
+          </a:prstGeom>
+          <a:solidFill>
+            <a:schemeClr val="bg1"/>
+          </a:solidFill>
+          <a:ln w="12700">
+            <a:solidFill>
+              <a:schemeClr val="accent1"/>
+            </a:solidFill>
+            <a:miter/>
+          </a:ln>
+          <a:extLst>
+            <a:ext uri="{C572A759-6A51-4108-AA02-DFA0A04FC94B}">
+              <ma14:wrappingTextBoxFlag xmlns:ma14="http://schemas.microsoft.com/office/mac/drawingml/2011/main" xmlns:a14="http://schemas.microsoft.com/office/drawing/2010/main" xmlns:m="http://schemas.openxmlformats.org/officeDocument/2006/math" xmlns="" val="1"/>
+            </a:ext>
+          </a:extLst>
+        </p:spPr>
+        <p:txBody>
+          <a:bodyPr lIns="45719" rIns="45719" anchor="ctr"/>
+          <a:lstStyle>
+            <a:lvl1pPr algn="ctr"/>
+          </a:lstStyle>
+          <a:p>
+            <a:pPr marL="139700" defTabSz="457200">
+              <a:buClr>
+                <a:srgbClr val="1F2328"/>
+              </a:buClr>
+              <a:buSzPct val="100000"/>
+              <a:defRPr sz="2600">
+                <a:solidFill>
+                  <a:srgbClr val="942192"/>
+                </a:solidFill>
+                <a:latin typeface="Helvetica Neue"/>
+                <a:ea typeface="Helvetica Neue"/>
+                <a:cs typeface="Helvetica Neue"/>
+                <a:sym typeface="Helvetica Neue"/>
+              </a:defRPr>
+            </a:pPr>
+            <a:r>
+              <a:rPr lang="en-US" sz="2000" b="1" dirty="0">
+                <a:latin typeface="+mn-lt"/>
+                <a:ea typeface="+mn-ea"/>
+                <a:cs typeface="+mn-cs"/>
+                <a:sym typeface="Helvetica"/>
+              </a:rPr>
+              <a:t>Remind AI of Constraints</a:t>
+            </a:r>
+            <a:endParaRPr lang="en-US" sz="2000" dirty="0"/>
+          </a:p>
+        </p:txBody>
+      </p:sp>
+      <p:sp>
+        <p:nvSpPr>
+          <p:cNvPr id="7" name="English">
+            <a:extLst>
+              <a:ext uri="{FF2B5EF4-FFF2-40B4-BE49-F238E27FC236}">
+                <a16:creationId xmlns:a16="http://schemas.microsoft.com/office/drawing/2014/main" id="{43058294-A18D-1754-330C-C705D9DD52B7}"/>
+              </a:ext>
+            </a:extLst>
+          </p:cNvPr>
+          <p:cNvSpPr/>
+          <p:nvPr/>
+        </p:nvSpPr>
+        <p:spPr>
+          <a:xfrm>
+            <a:off x="2717850" y="5993635"/>
+            <a:ext cx="1802601" cy="703748"/>
+          </a:xfrm>
+          <a:prstGeom prst="rect">
+            <a:avLst/>
+          </a:prstGeom>
+          <a:solidFill>
+            <a:schemeClr val="bg1"/>
+          </a:solidFill>
+          <a:ln w="12700">
+            <a:solidFill>
+              <a:schemeClr val="accent1"/>
+            </a:solidFill>
+            <a:miter/>
+          </a:ln>
+          <a:extLst>
+            <a:ext uri="{C572A759-6A51-4108-AA02-DFA0A04FC94B}">
+              <ma14:wrappingTextBoxFlag xmlns:ma14="http://schemas.microsoft.com/office/mac/drawingml/2011/main" xmlns:a14="http://schemas.microsoft.com/office/drawing/2010/main" xmlns:m="http://schemas.openxmlformats.org/officeDocument/2006/math" xmlns="" val="1"/>
+            </a:ext>
+          </a:extLst>
+        </p:spPr>
+        <p:txBody>
+          <a:bodyPr lIns="45719" rIns="45719" anchor="ctr"/>
+          <a:lstStyle>
+            <a:lvl1pPr algn="ctr"/>
+          </a:lstStyle>
+          <a:p>
+            <a:pPr marL="139700" defTabSz="457200">
+              <a:lnSpc>
+                <a:spcPct val="100000"/>
+              </a:lnSpc>
+              <a:spcBef>
+                <a:spcPts val="0"/>
+              </a:spcBef>
+              <a:buClr>
+                <a:srgbClr val="1F2328"/>
+              </a:buClr>
+              <a:defRPr sz="2600">
+                <a:solidFill>
+                  <a:srgbClr val="0433FF"/>
+                </a:solidFill>
+                <a:latin typeface="Helvetica Neue"/>
+                <a:ea typeface="Helvetica Neue"/>
+                <a:cs typeface="Helvetica Neue"/>
+                <a:sym typeface="Helvetica Neue"/>
+              </a:defRPr>
+            </a:pPr>
+            <a:r>
+              <a:rPr lang="en-US" sz="2000" b="1" dirty="0">
+                <a:latin typeface="+mn-lt"/>
+                <a:ea typeface="+mn-ea"/>
+                <a:cs typeface="+mn-cs"/>
+                <a:sym typeface="Helvetica"/>
+              </a:rPr>
+              <a:t>Be Specific</a:t>
+            </a:r>
+          </a:p>
+        </p:txBody>
+      </p:sp>
+    </p:spTree>
+  </p:cSld>
+  <p:clrMapOvr>
+    <a:masterClrMapping/>
+  </p:clrMapOvr>
+  <p:transition spd="med"/>
+</p:sld>
+</file>
+
+<file path=ppt/slides/slide11.xml><?xml version="1.0" encoding="utf-8"?>
+<p:sld xmlns:a="http://schemas.openxmlformats.org/drawingml/2006/main" xmlns:r="http://schemas.openxmlformats.org/officeDocument/2006/relationships" xmlns:p="http://schemas.openxmlformats.org/presentationml/2006/main">
+  <p:cSld>
+    <p:spTree>
+      <p:nvGrpSpPr>
+        <p:cNvPr id="1" name=""/>
+        <p:cNvGrpSpPr/>
+        <p:nvPr/>
+      </p:nvGrpSpPr>
+      <p:grpSpPr>
+        <a:xfrm>
+          <a:off x="0" y="0"/>
+          <a:ext cx="0" cy="0"/>
+          <a:chOff x="0" y="0"/>
+          <a:chExt cx="0" cy="0"/>
+        </a:xfrm>
+      </p:grpSpPr>
+      <p:sp>
+        <p:nvSpPr>
+          <p:cNvPr id="165" name="Ejemplo de mensaje: Image Content"/>
+          <p:cNvSpPr txBox="1">
+            <a:spLocks noGrp="1"/>
+          </p:cNvSpPr>
+          <p:nvPr>
+            <p:ph type="title"/>
+          </p:nvPr>
+        </p:nvSpPr>
+        <p:spPr>
+          <a:prstGeom prst="rect">
+            <a:avLst/>
+          </a:prstGeom>
+        </p:spPr>
+        <p:txBody>
+          <a:bodyPr/>
+          <a:lstStyle/>
+          <a:p>
+            <a:r>
+              <a:rPr b="0" dirty="0" err="1"/>
+              <a:t>Ejemplo</a:t>
+            </a:r>
+            <a:r>
+              <a:rPr b="0" dirty="0"/>
+              <a:t> de </a:t>
+            </a:r>
+            <a:r>
+              <a:rPr b="0" dirty="0" err="1"/>
+              <a:t>mensaje</a:t>
+            </a:r>
+            <a:r>
+              <a:rPr b="0" dirty="0"/>
+              <a:t>: </a:t>
+            </a:r>
+            <a:r>
+              <a:rPr lang="en-US" dirty="0" err="1"/>
+              <a:t>Imagenes</a:t>
+            </a:r>
+            <a:endParaRPr dirty="0"/>
+          </a:p>
+        </p:txBody>
+      </p:sp>
+      <p:sp>
+        <p:nvSpPr>
+          <p:cNvPr id="167" name="Slide Number"/>
+          <p:cNvSpPr txBox="1">
+            <a:spLocks noGrp="1"/>
+          </p:cNvSpPr>
+          <p:nvPr>
+            <p:ph type="sldNum" sz="quarter" idx="2"/>
+          </p:nvPr>
+        </p:nvSpPr>
+        <p:spPr>
+          <a:xfrm>
+            <a:off x="11172418" y="6414760"/>
+            <a:ext cx="181382" cy="248305"/>
+          </a:xfrm>
+          <a:prstGeom prst="rect">
+            <a:avLst/>
+          </a:prstGeom>
+          <a:extLst>
+            <a:ext uri="{C572A759-6A51-4108-AA02-DFA0A04FC94B}">
+              <ma14:wrappingTextBoxFlag xmlns:ma14="http://schemas.microsoft.com/office/mac/drawingml/2011/main" xmlns:a14="http://schemas.microsoft.com/office/drawing/2010/main" xmlns:m="http://schemas.openxmlformats.org/officeDocument/2006/math" xmlns="" val="1"/>
+            </a:ext>
+          </a:extLst>
+        </p:spPr>
+        <p:txBody>
+          <a:bodyPr/>
+          <a:lstStyle/>
+          <a:p>
+            <a:fld id="{86CB4B4D-7CA3-9044-876B-883B54F8677D}" type="slidenum">
+              <a:rPr/>
+              <a:t>11</a:t>
+            </a:fld>
+            <a:endParaRPr/>
+          </a:p>
+        </p:txBody>
+      </p:sp>
+      <p:sp>
+        <p:nvSpPr>
+          <p:cNvPr id="2" name="English">
+            <a:extLst>
+              <a:ext uri="{FF2B5EF4-FFF2-40B4-BE49-F238E27FC236}">
+                <a16:creationId xmlns:a16="http://schemas.microsoft.com/office/drawing/2014/main" id="{2C643708-42DD-DE17-154F-6DA80A3E03D5}"/>
+              </a:ext>
+            </a:extLst>
+          </p:cNvPr>
+          <p:cNvSpPr/>
+          <p:nvPr/>
+        </p:nvSpPr>
+        <p:spPr>
+          <a:xfrm>
+            <a:off x="5097284" y="5963286"/>
+            <a:ext cx="1925714" cy="703748"/>
+          </a:xfrm>
+          <a:prstGeom prst="rect">
+            <a:avLst/>
+          </a:prstGeom>
+          <a:solidFill>
+            <a:schemeClr val="bg1"/>
+          </a:solidFill>
+          <a:ln w="12700">
+            <a:solidFill>
+              <a:schemeClr val="accent1"/>
+            </a:solidFill>
+            <a:miter/>
+          </a:ln>
+          <a:extLst>
+            <a:ext uri="{C572A759-6A51-4108-AA02-DFA0A04FC94B}">
+              <ma14:wrappingTextBoxFlag xmlns:ma14="http://schemas.microsoft.com/office/mac/drawingml/2011/main" xmlns:a14="http://schemas.microsoft.com/office/drawing/2010/main" xmlns:m="http://schemas.openxmlformats.org/officeDocument/2006/math" xmlns="" val="1"/>
+            </a:ext>
+          </a:extLst>
+        </p:spPr>
+        <p:txBody>
+          <a:bodyPr lIns="45719" rIns="45719" anchor="ctr"/>
+          <a:lstStyle>
+            <a:lvl1pPr algn="ctr"/>
+          </a:lstStyle>
+          <a:p>
+            <a:pPr marL="139700" defTabSz="457200">
+              <a:lnSpc>
+                <a:spcPct val="100000"/>
+              </a:lnSpc>
+              <a:spcBef>
+                <a:spcPts val="0"/>
+              </a:spcBef>
+              <a:buClr>
+                <a:srgbClr val="1F2328"/>
+              </a:buClr>
+              <a:defRPr sz="2600">
+                <a:solidFill>
+                  <a:srgbClr val="FF40FF"/>
+                </a:solidFill>
+                <a:latin typeface="Helvetica Neue"/>
+                <a:ea typeface="Helvetica Neue"/>
+                <a:cs typeface="Helvetica Neue"/>
+                <a:sym typeface="Helvetica Neue"/>
+              </a:defRPr>
+            </a:pPr>
+            <a:r>
+              <a:rPr lang="en-US" sz="2000" b="1" dirty="0" err="1">
+                <a:latin typeface="+mn-lt"/>
+                <a:ea typeface="+mn-ea"/>
+                <a:cs typeface="+mn-cs"/>
+                <a:sym typeface="Helvetica"/>
+              </a:rPr>
+              <a:t>Proporcionar</a:t>
+            </a:r>
+            <a:r>
+              <a:rPr lang="en-US" sz="2000" b="1" dirty="0">
+                <a:latin typeface="+mn-lt"/>
+                <a:ea typeface="+mn-ea"/>
+                <a:cs typeface="+mn-cs"/>
+                <a:sym typeface="Helvetica"/>
+              </a:rPr>
+              <a:t> </a:t>
+            </a:r>
+            <a:r>
+              <a:rPr lang="en-US" sz="2000" b="1" dirty="0" err="1">
+                <a:latin typeface="+mn-lt"/>
+                <a:ea typeface="+mn-ea"/>
+                <a:cs typeface="+mn-cs"/>
+                <a:sym typeface="Helvetica"/>
+              </a:rPr>
+              <a:t>contexto</a:t>
+            </a:r>
+            <a:endParaRPr lang="en-US" sz="2000" b="1" dirty="0">
+              <a:latin typeface="+mn-lt"/>
+              <a:ea typeface="+mn-ea"/>
+              <a:cs typeface="+mn-cs"/>
+              <a:sym typeface="Helvetica"/>
+            </a:endParaRPr>
+          </a:p>
+        </p:txBody>
+      </p:sp>
+      <p:sp>
+        <p:nvSpPr>
+          <p:cNvPr id="3" name="Spanish">
+            <a:extLst>
+              <a:ext uri="{FF2B5EF4-FFF2-40B4-BE49-F238E27FC236}">
+                <a16:creationId xmlns:a16="http://schemas.microsoft.com/office/drawing/2014/main" id="{B0273EDD-9965-A50D-983B-158E5858C74A}"/>
+              </a:ext>
+            </a:extLst>
+          </p:cNvPr>
+          <p:cNvSpPr/>
+          <p:nvPr/>
+        </p:nvSpPr>
+        <p:spPr>
+          <a:xfrm>
+            <a:off x="7635690" y="5959317"/>
+            <a:ext cx="2280484" cy="703748"/>
+          </a:xfrm>
+          <a:prstGeom prst="rect">
+            <a:avLst/>
+          </a:prstGeom>
+          <a:solidFill>
+            <a:schemeClr val="bg1"/>
+          </a:solidFill>
+          <a:ln w="12700">
+            <a:solidFill>
+              <a:schemeClr val="accent1"/>
+            </a:solidFill>
+            <a:miter/>
+          </a:ln>
+          <a:extLst>
+            <a:ext uri="{C572A759-6A51-4108-AA02-DFA0A04FC94B}">
+              <ma14:wrappingTextBoxFlag xmlns:ma14="http://schemas.microsoft.com/office/mac/drawingml/2011/main" xmlns:a14="http://schemas.microsoft.com/office/drawing/2010/main" xmlns:m="http://schemas.openxmlformats.org/officeDocument/2006/math" xmlns="" val="1"/>
+            </a:ext>
+          </a:extLst>
+        </p:spPr>
+        <p:txBody>
+          <a:bodyPr lIns="45719" rIns="45719" anchor="ctr"/>
+          <a:lstStyle>
+            <a:lvl1pPr algn="ctr"/>
+          </a:lstStyle>
+          <a:p>
+            <a:pPr marL="139700" defTabSz="457200">
+              <a:lnSpc>
+                <a:spcPct val="100000"/>
+              </a:lnSpc>
+              <a:spcBef>
+                <a:spcPts val="0"/>
+              </a:spcBef>
+              <a:buClr>
+                <a:srgbClr val="1F2328"/>
+              </a:buClr>
+              <a:defRPr sz="2600">
+                <a:solidFill>
+                  <a:srgbClr val="942192"/>
+                </a:solidFill>
+                <a:latin typeface="Helvetica Neue"/>
+                <a:ea typeface="Helvetica Neue"/>
+                <a:cs typeface="Helvetica Neue"/>
+                <a:sym typeface="Helvetica Neue"/>
+              </a:defRPr>
+            </a:pPr>
+            <a:r>
+              <a:rPr lang="en-US" sz="2000" b="1" dirty="0" err="1">
+                <a:latin typeface="+mn-lt"/>
+                <a:ea typeface="+mn-ea"/>
+                <a:cs typeface="+mn-cs"/>
+                <a:sym typeface="Helvetica"/>
+              </a:rPr>
+              <a:t>Recuerde</a:t>
+            </a:r>
+            <a:r>
+              <a:rPr lang="en-US" sz="2000" b="1" dirty="0">
+                <a:latin typeface="+mn-lt"/>
+                <a:ea typeface="+mn-ea"/>
+                <a:cs typeface="+mn-cs"/>
+                <a:sym typeface="Helvetica"/>
+              </a:rPr>
+              <a:t> de las </a:t>
+            </a:r>
+            <a:r>
+              <a:rPr lang="en-US" sz="2000" b="1" dirty="0" err="1">
+                <a:latin typeface="+mn-lt"/>
+                <a:ea typeface="+mn-ea"/>
+                <a:cs typeface="+mn-cs"/>
+                <a:sym typeface="Helvetica"/>
+              </a:rPr>
+              <a:t>restricciones</a:t>
+            </a:r>
+            <a:endParaRPr lang="en-US" sz="2000" b="1" dirty="0">
+              <a:latin typeface="+mn-lt"/>
+              <a:ea typeface="+mn-ea"/>
+              <a:cs typeface="+mn-cs"/>
+              <a:sym typeface="Helvetica"/>
+            </a:endParaRPr>
+          </a:p>
+        </p:txBody>
+      </p:sp>
+      <p:sp>
+        <p:nvSpPr>
+          <p:cNvPr id="4" name="English">
+            <a:extLst>
+              <a:ext uri="{FF2B5EF4-FFF2-40B4-BE49-F238E27FC236}">
+                <a16:creationId xmlns:a16="http://schemas.microsoft.com/office/drawing/2014/main" id="{7A52AF9D-31D9-229D-E3A0-E74B3042257C}"/>
+              </a:ext>
+            </a:extLst>
+          </p:cNvPr>
+          <p:cNvSpPr/>
+          <p:nvPr/>
+        </p:nvSpPr>
+        <p:spPr>
+          <a:xfrm>
+            <a:off x="2681991" y="5959317"/>
+            <a:ext cx="1802601" cy="703748"/>
+          </a:xfrm>
+          <a:prstGeom prst="rect">
+            <a:avLst/>
+          </a:prstGeom>
+          <a:solidFill>
+            <a:schemeClr val="bg1"/>
+          </a:solidFill>
+          <a:ln w="12700">
+            <a:solidFill>
+              <a:schemeClr val="accent1"/>
+            </a:solidFill>
+            <a:miter/>
+          </a:ln>
+          <a:extLst>
+            <a:ext uri="{C572A759-6A51-4108-AA02-DFA0A04FC94B}">
+              <ma14:wrappingTextBoxFlag xmlns:ma14="http://schemas.microsoft.com/office/mac/drawingml/2011/main" xmlns:a14="http://schemas.microsoft.com/office/drawing/2010/main" xmlns:m="http://schemas.openxmlformats.org/officeDocument/2006/math" xmlns="" val="1"/>
+            </a:ext>
+          </a:extLst>
+        </p:spPr>
+        <p:txBody>
+          <a:bodyPr lIns="45719" rIns="45719" anchor="ctr"/>
+          <a:lstStyle>
+            <a:lvl1pPr algn="ctr"/>
+          </a:lstStyle>
+          <a:p>
+            <a:pPr marL="139700" defTabSz="457200">
+              <a:lnSpc>
+                <a:spcPct val="100000"/>
+              </a:lnSpc>
+              <a:spcBef>
+                <a:spcPts val="0"/>
+              </a:spcBef>
+              <a:buClr>
+                <a:srgbClr val="1F2328"/>
+              </a:buClr>
+              <a:defRPr sz="2600">
+                <a:solidFill>
+                  <a:srgbClr val="0433FF"/>
+                </a:solidFill>
+                <a:latin typeface="Helvetica Neue"/>
+                <a:ea typeface="Helvetica Neue"/>
+                <a:cs typeface="Helvetica Neue"/>
+                <a:sym typeface="Helvetica Neue"/>
+              </a:defRPr>
+            </a:pPr>
+            <a:r>
+              <a:rPr lang="en-US" sz="2000" b="1" dirty="0">
+                <a:latin typeface="+mn-lt"/>
+                <a:ea typeface="+mn-ea"/>
+                <a:cs typeface="+mn-cs"/>
+                <a:sym typeface="Helvetica"/>
+              </a:rPr>
+              <a:t>Sea </a:t>
+            </a:r>
+            <a:r>
+              <a:rPr lang="en-US" sz="2000" b="1" dirty="0" err="1">
+                <a:latin typeface="+mn-lt"/>
+                <a:ea typeface="+mn-ea"/>
+                <a:cs typeface="+mn-cs"/>
+                <a:sym typeface="Helvetica"/>
+              </a:rPr>
+              <a:t>específico</a:t>
+            </a:r>
+            <a:endParaRPr lang="en-US" sz="2000" b="1" dirty="0">
+              <a:latin typeface="+mn-lt"/>
+              <a:ea typeface="+mn-ea"/>
+              <a:cs typeface="+mn-cs"/>
+              <a:sym typeface="Helvetica"/>
+            </a:endParaRPr>
+          </a:p>
+        </p:txBody>
+      </p:sp>
+      <p:sp>
+        <p:nvSpPr>
+          <p:cNvPr id="10" name="TextBox 9">
+            <a:extLst>
+              <a:ext uri="{FF2B5EF4-FFF2-40B4-BE49-F238E27FC236}">
+                <a16:creationId xmlns:a16="http://schemas.microsoft.com/office/drawing/2014/main" id="{BD61BE96-6E23-12AB-BADA-01356928E999}"/>
+              </a:ext>
+            </a:extLst>
+          </p:cNvPr>
+          <p:cNvSpPr txBox="1"/>
+          <p:nvPr/>
+        </p:nvSpPr>
+        <p:spPr>
+          <a:xfrm>
+            <a:off x="143435" y="1593122"/>
+            <a:ext cx="11905129" cy="4366195"/>
+          </a:xfrm>
+          <a:prstGeom prst="rect">
+            <a:avLst/>
+          </a:prstGeom>
+          <a:noFill/>
+          <a:ln w="12700" cap="flat">
+            <a:noFill/>
+            <a:miter lim="400000"/>
+          </a:ln>
+          <a:effectLst/>
+          <a:sp3d/>
+        </p:spPr>
+        <p:style>
+          <a:lnRef idx="0">
+            <a:scrgbClr r="0" g="0" b="0"/>
+          </a:lnRef>
+          <a:fillRef idx="0">
+            <a:scrgbClr r="0" g="0" b="0"/>
+          </a:fillRef>
+          <a:effectRef idx="0">
+            <a:scrgbClr r="0" g="0" b="0"/>
+          </a:effectRef>
+          <a:fontRef idx="none"/>
+        </p:style>
+        <p:txBody>
+          <a:bodyPr wrap="square">
+            <a:spAutoFit/>
+          </a:bodyPr>
+          <a:lstStyle/>
+          <a:p>
+            <a:pPr marL="201168" indent="-201168" defTabSz="804672">
+              <a:spcBef>
+                <a:spcPts val="800"/>
+              </a:spcBef>
+              <a:defRPr sz="2464" i="1" strike="sngStrike"/>
+            </a:pPr>
+            <a:r>
+              <a:rPr lang="en-US" dirty="0"/>
+              <a:t>Malo: "</a:t>
+            </a:r>
+            <a:r>
+              <a:rPr lang="en-US" dirty="0" err="1"/>
+              <a:t>Diseñar</a:t>
+            </a:r>
+            <a:r>
+              <a:rPr lang="en-US" dirty="0"/>
+              <a:t> un </a:t>
+            </a:r>
+            <a:r>
+              <a:rPr lang="en-US" dirty="0" err="1"/>
+              <a:t>logotipo</a:t>
+            </a:r>
+            <a:r>
+              <a:rPr lang="en-US" dirty="0"/>
+              <a:t> para </a:t>
+            </a:r>
+            <a:r>
+              <a:rPr lang="en-US" dirty="0" err="1"/>
+              <a:t>una</a:t>
+            </a:r>
+            <a:r>
+              <a:rPr lang="en-US" dirty="0"/>
+              <a:t> </a:t>
+            </a:r>
+            <a:r>
+              <a:rPr lang="en-US" dirty="0" err="1"/>
+              <a:t>organización</a:t>
+            </a:r>
+            <a:r>
+              <a:rPr lang="en-US" dirty="0"/>
+              <a:t> sin fines de </a:t>
+            </a:r>
+            <a:r>
+              <a:rPr lang="en-US" dirty="0" err="1"/>
+              <a:t>lucro</a:t>
+            </a:r>
+            <a:r>
+              <a:rPr lang="en-US" dirty="0"/>
+              <a:t>"</a:t>
+            </a:r>
+          </a:p>
+          <a:p>
+            <a:pPr marL="201168" indent="-201168" defTabSz="804672">
+              <a:spcBef>
+                <a:spcPts val="800"/>
+              </a:spcBef>
+              <a:defRPr sz="2464"/>
+            </a:pPr>
+            <a:r>
+              <a:rPr lang="en-US" dirty="0" err="1"/>
+              <a:t>Mejor</a:t>
+            </a:r>
+            <a:r>
+              <a:rPr lang="en-US" dirty="0"/>
+              <a:t>: "</a:t>
+            </a:r>
+            <a:r>
+              <a:rPr lang="en-US" dirty="0">
+                <a:solidFill>
+                  <a:srgbClr val="942192"/>
+                </a:solidFill>
+              </a:rPr>
+              <a:t>No seas </a:t>
+            </a:r>
+            <a:r>
+              <a:rPr lang="en-US" dirty="0" err="1">
+                <a:solidFill>
+                  <a:srgbClr val="942192"/>
+                </a:solidFill>
+              </a:rPr>
+              <a:t>perezoso</a:t>
+            </a:r>
+            <a:r>
+              <a:rPr lang="en-US" dirty="0">
+                <a:solidFill>
+                  <a:srgbClr val="942192"/>
+                </a:solidFill>
+              </a:rPr>
+              <a:t>, </a:t>
+            </a:r>
+            <a:r>
+              <a:rPr lang="en-US" dirty="0" err="1">
+                <a:solidFill>
+                  <a:srgbClr val="942192"/>
+                </a:solidFill>
+              </a:rPr>
+              <a:t>tómalo</a:t>
+            </a:r>
+            <a:r>
+              <a:rPr lang="en-US" dirty="0">
+                <a:solidFill>
+                  <a:srgbClr val="942192"/>
+                </a:solidFill>
+              </a:rPr>
+              <a:t> paso a paso.</a:t>
+            </a:r>
+            <a:r>
+              <a:rPr lang="en-US" dirty="0"/>
+              <a:t> </a:t>
+            </a:r>
+            <a:r>
+              <a:rPr lang="en-US" dirty="0">
+                <a:solidFill>
+                  <a:srgbClr val="FF40FF"/>
+                </a:solidFill>
+              </a:rPr>
+              <a:t>Imagine que es un </a:t>
+            </a:r>
+            <a:r>
+              <a:rPr lang="en-US" dirty="0" err="1">
+                <a:solidFill>
+                  <a:srgbClr val="FF40FF"/>
+                </a:solidFill>
+              </a:rPr>
+              <a:t>diseñador</a:t>
+            </a:r>
+            <a:r>
+              <a:rPr lang="en-US" dirty="0">
+                <a:solidFill>
+                  <a:srgbClr val="FF40FF"/>
+                </a:solidFill>
+              </a:rPr>
+              <a:t> </a:t>
+            </a:r>
+            <a:r>
+              <a:rPr lang="en-US" dirty="0" err="1">
+                <a:solidFill>
+                  <a:srgbClr val="FF40FF"/>
+                </a:solidFill>
+              </a:rPr>
+              <a:t>gráfico</a:t>
+            </a:r>
+            <a:r>
+              <a:rPr lang="en-US" dirty="0">
+                <a:solidFill>
+                  <a:srgbClr val="FF40FF"/>
+                </a:solidFill>
+              </a:rPr>
+              <a:t> </a:t>
+            </a:r>
+            <a:r>
+              <a:rPr lang="en-US" dirty="0" err="1">
+                <a:solidFill>
+                  <a:srgbClr val="FF40FF"/>
+                </a:solidFill>
+              </a:rPr>
+              <a:t>experimentado</a:t>
+            </a:r>
+            <a:r>
+              <a:rPr lang="en-US" dirty="0">
+                <a:solidFill>
+                  <a:srgbClr val="FF40FF"/>
+                </a:solidFill>
+              </a:rPr>
+              <a:t>, </a:t>
+            </a:r>
+            <a:r>
+              <a:rPr lang="en-US" dirty="0" err="1">
+                <a:solidFill>
+                  <a:srgbClr val="FF40FF"/>
+                </a:solidFill>
+              </a:rPr>
+              <a:t>encargado</a:t>
+            </a:r>
+            <a:r>
+              <a:rPr lang="en-US" dirty="0">
+                <a:solidFill>
+                  <a:srgbClr val="FF40FF"/>
+                </a:solidFill>
+              </a:rPr>
+              <a:t> de </a:t>
+            </a:r>
+            <a:r>
+              <a:rPr lang="en-US" dirty="0" err="1">
+                <a:solidFill>
+                  <a:srgbClr val="FF40FF"/>
+                </a:solidFill>
+              </a:rPr>
+              <a:t>crear</a:t>
+            </a:r>
+            <a:r>
+              <a:rPr lang="en-US" dirty="0">
+                <a:solidFill>
+                  <a:srgbClr val="FF40FF"/>
+                </a:solidFill>
+              </a:rPr>
+              <a:t> un </a:t>
+            </a:r>
+            <a:r>
+              <a:rPr lang="en-US" dirty="0" err="1">
+                <a:solidFill>
+                  <a:srgbClr val="FF40FF"/>
+                </a:solidFill>
+              </a:rPr>
+              <a:t>logotipo</a:t>
+            </a:r>
+            <a:r>
+              <a:rPr lang="en-US" dirty="0">
+                <a:solidFill>
+                  <a:srgbClr val="FF40FF"/>
+                </a:solidFill>
+              </a:rPr>
+              <a:t> para </a:t>
+            </a:r>
+            <a:r>
+              <a:rPr lang="en-US" dirty="0" err="1">
+                <a:solidFill>
+                  <a:srgbClr val="FF40FF"/>
+                </a:solidFill>
+              </a:rPr>
+              <a:t>una</a:t>
+            </a:r>
+            <a:r>
+              <a:rPr lang="en-US" dirty="0">
+                <a:solidFill>
+                  <a:srgbClr val="FF40FF"/>
+                </a:solidFill>
+              </a:rPr>
+              <a:t> </a:t>
+            </a:r>
+            <a:r>
+              <a:rPr lang="en-US" dirty="0" err="1">
+                <a:solidFill>
+                  <a:srgbClr val="FF40FF"/>
+                </a:solidFill>
+              </a:rPr>
+              <a:t>organización</a:t>
+            </a:r>
+            <a:r>
+              <a:rPr lang="en-US" dirty="0">
+                <a:solidFill>
+                  <a:srgbClr val="FF40FF"/>
+                </a:solidFill>
+              </a:rPr>
+              <a:t> sin fines de </a:t>
+            </a:r>
+            <a:r>
+              <a:rPr lang="en-US" dirty="0" err="1">
+                <a:solidFill>
+                  <a:srgbClr val="FF40FF"/>
+                </a:solidFill>
+              </a:rPr>
+              <a:t>lucro</a:t>
+            </a:r>
+            <a:r>
+              <a:rPr lang="en-US" dirty="0">
+                <a:solidFill>
+                  <a:srgbClr val="FF40FF"/>
+                </a:solidFill>
+              </a:rPr>
+              <a:t>, </a:t>
+            </a:r>
+            <a:r>
+              <a:rPr lang="en-US" dirty="0" err="1">
+                <a:solidFill>
+                  <a:srgbClr val="FF40FF"/>
+                </a:solidFill>
+              </a:rPr>
+              <a:t>dedicada</a:t>
+            </a:r>
+            <a:r>
+              <a:rPr lang="en-US" dirty="0">
+                <a:solidFill>
+                  <a:srgbClr val="FF40FF"/>
+                </a:solidFill>
+              </a:rPr>
+              <a:t> a la </a:t>
+            </a:r>
+            <a:r>
+              <a:rPr lang="en-US" dirty="0" err="1">
+                <a:solidFill>
+                  <a:srgbClr val="FF40FF"/>
+                </a:solidFill>
+              </a:rPr>
+              <a:t>conservación</a:t>
+            </a:r>
+            <a:r>
+              <a:rPr lang="en-US" dirty="0">
+                <a:solidFill>
+                  <a:srgbClr val="FF40FF"/>
+                </a:solidFill>
+              </a:rPr>
+              <a:t> del medio </a:t>
+            </a:r>
+            <a:r>
+              <a:rPr lang="en-US" dirty="0" err="1">
+                <a:solidFill>
+                  <a:srgbClr val="FF40FF"/>
+                </a:solidFill>
+              </a:rPr>
+              <a:t>ambiente</a:t>
+            </a:r>
+            <a:r>
+              <a:rPr lang="en-US" dirty="0">
+                <a:solidFill>
+                  <a:srgbClr val="FF40FF"/>
+                </a:solidFill>
+              </a:rPr>
+              <a:t>.</a:t>
+            </a:r>
+            <a:r>
+              <a:rPr lang="en-US" dirty="0"/>
+              <a:t> </a:t>
+            </a:r>
+            <a:r>
+              <a:rPr lang="en-US" dirty="0">
+                <a:solidFill>
+                  <a:srgbClr val="0433FF"/>
+                </a:solidFill>
+              </a:rPr>
+              <a:t>El </a:t>
+            </a:r>
+            <a:r>
+              <a:rPr lang="en-US" dirty="0" err="1">
+                <a:solidFill>
+                  <a:srgbClr val="0433FF"/>
+                </a:solidFill>
+              </a:rPr>
+              <a:t>logotipo</a:t>
+            </a:r>
+            <a:r>
+              <a:rPr lang="en-US" dirty="0">
+                <a:solidFill>
+                  <a:srgbClr val="0433FF"/>
+                </a:solidFill>
+              </a:rPr>
+              <a:t> </a:t>
+            </a:r>
+            <a:r>
+              <a:rPr lang="en-US" dirty="0" err="1">
+                <a:solidFill>
+                  <a:srgbClr val="0433FF"/>
+                </a:solidFill>
+              </a:rPr>
+              <a:t>debe</a:t>
+            </a:r>
+            <a:r>
+              <a:rPr lang="en-US" dirty="0">
+                <a:solidFill>
+                  <a:srgbClr val="0433FF"/>
+                </a:solidFill>
+              </a:rPr>
+              <a:t> </a:t>
+            </a:r>
+            <a:r>
+              <a:rPr lang="en-US" dirty="0" err="1">
+                <a:solidFill>
+                  <a:srgbClr val="0433FF"/>
+                </a:solidFill>
+              </a:rPr>
+              <a:t>representar</a:t>
+            </a:r>
+            <a:r>
+              <a:rPr lang="en-US" dirty="0">
+                <a:solidFill>
+                  <a:srgbClr val="0433FF"/>
+                </a:solidFill>
+              </a:rPr>
+              <a:t> la </a:t>
+            </a:r>
+            <a:r>
+              <a:rPr lang="en-US" dirty="0" err="1">
+                <a:solidFill>
+                  <a:srgbClr val="0433FF"/>
+                </a:solidFill>
+              </a:rPr>
+              <a:t>misión</a:t>
+            </a:r>
+            <a:r>
+              <a:rPr lang="en-US" dirty="0">
+                <a:solidFill>
+                  <a:srgbClr val="0433FF"/>
+                </a:solidFill>
+              </a:rPr>
+              <a:t> y </a:t>
+            </a:r>
+            <a:r>
+              <a:rPr lang="en-US" dirty="0" err="1">
+                <a:solidFill>
+                  <a:srgbClr val="0433FF"/>
+                </a:solidFill>
+              </a:rPr>
+              <a:t>los</a:t>
+            </a:r>
+            <a:r>
+              <a:rPr lang="en-US" dirty="0">
+                <a:solidFill>
+                  <a:srgbClr val="0433FF"/>
+                </a:solidFill>
+              </a:rPr>
+              <a:t> </a:t>
+            </a:r>
+            <a:r>
+              <a:rPr lang="en-US" dirty="0" err="1">
+                <a:solidFill>
+                  <a:srgbClr val="0433FF"/>
+                </a:solidFill>
+              </a:rPr>
+              <a:t>valores</a:t>
+            </a:r>
+            <a:r>
+              <a:rPr lang="en-US" dirty="0">
+                <a:solidFill>
+                  <a:srgbClr val="0433FF"/>
+                </a:solidFill>
+              </a:rPr>
+              <a:t> </a:t>
+            </a:r>
+            <a:r>
+              <a:rPr lang="en-US" dirty="0" err="1">
+                <a:solidFill>
+                  <a:srgbClr val="0433FF"/>
+                </a:solidFill>
+              </a:rPr>
+              <a:t>centrales</a:t>
+            </a:r>
+            <a:r>
+              <a:rPr lang="en-US" dirty="0">
+                <a:solidFill>
+                  <a:srgbClr val="0433FF"/>
+                </a:solidFill>
+              </a:rPr>
+              <a:t> de la </a:t>
+            </a:r>
+            <a:r>
+              <a:rPr lang="en-US" dirty="0" err="1">
+                <a:solidFill>
+                  <a:srgbClr val="0433FF"/>
+                </a:solidFill>
+              </a:rPr>
+              <a:t>organización</a:t>
+            </a:r>
+            <a:r>
+              <a:rPr lang="en-US" dirty="0">
+                <a:solidFill>
+                  <a:srgbClr val="0433FF"/>
+                </a:solidFill>
+              </a:rPr>
+              <a:t>, que </a:t>
+            </a:r>
+            <a:r>
+              <a:rPr lang="en-US" dirty="0" err="1">
+                <a:solidFill>
+                  <a:srgbClr val="0433FF"/>
+                </a:solidFill>
+              </a:rPr>
+              <a:t>enfatizan</a:t>
+            </a:r>
+            <a:r>
+              <a:rPr lang="en-US" dirty="0">
+                <a:solidFill>
+                  <a:srgbClr val="0433FF"/>
+                </a:solidFill>
+              </a:rPr>
+              <a:t> la </a:t>
+            </a:r>
+            <a:r>
+              <a:rPr lang="en-US" dirty="0" err="1">
+                <a:solidFill>
+                  <a:srgbClr val="0433FF"/>
+                </a:solidFill>
+              </a:rPr>
+              <a:t>sostenibilidad</a:t>
+            </a:r>
+            <a:r>
+              <a:rPr lang="en-US" dirty="0">
+                <a:solidFill>
+                  <a:srgbClr val="0433FF"/>
+                </a:solidFill>
+              </a:rPr>
+              <a:t>, la </a:t>
+            </a:r>
+            <a:r>
+              <a:rPr lang="en-US" dirty="0" err="1">
+                <a:solidFill>
+                  <a:srgbClr val="0433FF"/>
+                </a:solidFill>
+              </a:rPr>
+              <a:t>participación</a:t>
+            </a:r>
+            <a:r>
+              <a:rPr lang="en-US" dirty="0">
+                <a:solidFill>
+                  <a:srgbClr val="0433FF"/>
+                </a:solidFill>
+              </a:rPr>
+              <a:t> </a:t>
+            </a:r>
+            <a:r>
+              <a:rPr lang="en-US" dirty="0" err="1">
+                <a:solidFill>
+                  <a:srgbClr val="0433FF"/>
+                </a:solidFill>
+              </a:rPr>
+              <a:t>comunitaria</a:t>
+            </a:r>
+            <a:r>
+              <a:rPr lang="en-US" dirty="0">
+                <a:solidFill>
+                  <a:srgbClr val="0433FF"/>
+                </a:solidFill>
+              </a:rPr>
+              <a:t> y la </a:t>
+            </a:r>
+            <a:r>
+              <a:rPr lang="en-US" dirty="0" err="1">
+                <a:solidFill>
+                  <a:srgbClr val="0433FF"/>
+                </a:solidFill>
+              </a:rPr>
+              <a:t>preservación</a:t>
+            </a:r>
+            <a:r>
+              <a:rPr lang="en-US" dirty="0">
+                <a:solidFill>
+                  <a:srgbClr val="0433FF"/>
+                </a:solidFill>
+              </a:rPr>
+              <a:t> de la </a:t>
+            </a:r>
+            <a:r>
+              <a:rPr lang="en-US" dirty="0" err="1">
+                <a:solidFill>
+                  <a:srgbClr val="0433FF"/>
+                </a:solidFill>
+              </a:rPr>
+              <a:t>naturaleza</a:t>
+            </a:r>
+            <a:r>
+              <a:rPr lang="en-US" dirty="0">
+                <a:solidFill>
+                  <a:srgbClr val="0433FF"/>
+                </a:solidFill>
+              </a:rPr>
+              <a:t>. </a:t>
+            </a:r>
+            <a:r>
+              <a:rPr lang="en-US" dirty="0" err="1">
+                <a:solidFill>
+                  <a:srgbClr val="0433FF"/>
+                </a:solidFill>
+              </a:rPr>
+              <a:t>Cumpla</a:t>
+            </a:r>
+            <a:r>
+              <a:rPr lang="en-US" dirty="0">
+                <a:solidFill>
+                  <a:srgbClr val="0433FF"/>
+                </a:solidFill>
+              </a:rPr>
+              <a:t> </a:t>
+            </a:r>
+            <a:r>
+              <a:rPr lang="en-US" dirty="0" err="1">
+                <a:solidFill>
+                  <a:srgbClr val="0433FF"/>
+                </a:solidFill>
+              </a:rPr>
+              <a:t>estrictamente</a:t>
+            </a:r>
+            <a:r>
+              <a:rPr lang="en-US" dirty="0">
+                <a:solidFill>
+                  <a:srgbClr val="0433FF"/>
+                </a:solidFill>
+              </a:rPr>
+              <a:t> con las </a:t>
+            </a:r>
+            <a:r>
+              <a:rPr lang="en-US" dirty="0" err="1">
+                <a:solidFill>
+                  <a:srgbClr val="0433FF"/>
+                </a:solidFill>
+              </a:rPr>
+              <a:t>pautas</a:t>
+            </a:r>
+            <a:r>
+              <a:rPr lang="en-US" dirty="0">
+                <a:solidFill>
+                  <a:srgbClr val="0433FF"/>
+                </a:solidFill>
+              </a:rPr>
+              <a:t> de </a:t>
+            </a:r>
+            <a:r>
+              <a:rPr lang="en-US" dirty="0" err="1">
+                <a:solidFill>
+                  <a:srgbClr val="0433FF"/>
+                </a:solidFill>
+              </a:rPr>
+              <a:t>marca</a:t>
+            </a:r>
+            <a:r>
+              <a:rPr lang="en-US" dirty="0">
+                <a:solidFill>
+                  <a:srgbClr val="0433FF"/>
+                </a:solidFill>
+              </a:rPr>
+              <a:t> de la </a:t>
+            </a:r>
+            <a:r>
+              <a:rPr lang="en-US" dirty="0" err="1">
+                <a:solidFill>
+                  <a:srgbClr val="0433FF"/>
+                </a:solidFill>
+              </a:rPr>
+              <a:t>organización</a:t>
+            </a:r>
+            <a:r>
+              <a:rPr lang="en-US" dirty="0">
+                <a:solidFill>
+                  <a:srgbClr val="0433FF"/>
+                </a:solidFill>
+              </a:rPr>
+              <a:t>, </a:t>
+            </a:r>
+            <a:r>
+              <a:rPr lang="en-US" dirty="0" err="1">
+                <a:solidFill>
+                  <a:srgbClr val="0433FF"/>
+                </a:solidFill>
+              </a:rPr>
+              <a:t>utilizando</a:t>
+            </a:r>
+            <a:r>
+              <a:rPr lang="en-US" dirty="0">
+                <a:solidFill>
+                  <a:srgbClr val="0433FF"/>
+                </a:solidFill>
+              </a:rPr>
+              <a:t> </a:t>
+            </a:r>
+            <a:r>
+              <a:rPr lang="en-US" dirty="0" err="1">
+                <a:solidFill>
+                  <a:srgbClr val="0433FF"/>
+                </a:solidFill>
+              </a:rPr>
+              <a:t>una</a:t>
+            </a:r>
+            <a:r>
+              <a:rPr lang="en-US" dirty="0">
+                <a:solidFill>
+                  <a:srgbClr val="0433FF"/>
+                </a:solidFill>
+              </a:rPr>
+              <a:t> </a:t>
+            </a:r>
+            <a:r>
+              <a:rPr lang="en-US" dirty="0" err="1">
+                <a:solidFill>
+                  <a:srgbClr val="0433FF"/>
+                </a:solidFill>
+              </a:rPr>
+              <a:t>combinación</a:t>
+            </a:r>
+            <a:r>
+              <a:rPr lang="en-US" dirty="0">
+                <a:solidFill>
+                  <a:srgbClr val="0433FF"/>
+                </a:solidFill>
+              </a:rPr>
+              <a:t> de </a:t>
+            </a:r>
+            <a:r>
+              <a:rPr lang="en-US" dirty="0" err="1">
+                <a:solidFill>
+                  <a:srgbClr val="0433FF"/>
+                </a:solidFill>
+              </a:rPr>
+              <a:t>colores</a:t>
+            </a:r>
+            <a:r>
+              <a:rPr lang="en-US" dirty="0">
+                <a:solidFill>
+                  <a:srgbClr val="0433FF"/>
+                </a:solidFill>
+              </a:rPr>
+              <a:t> de </a:t>
+            </a:r>
+            <a:r>
+              <a:rPr lang="en-US" dirty="0" err="1">
+                <a:solidFill>
+                  <a:srgbClr val="0433FF"/>
+                </a:solidFill>
+              </a:rPr>
+              <a:t>verdes</a:t>
+            </a:r>
+            <a:r>
+              <a:rPr lang="en-US" dirty="0">
+                <a:solidFill>
+                  <a:srgbClr val="0433FF"/>
+                </a:solidFill>
+              </a:rPr>
+              <a:t> y </a:t>
+            </a:r>
+            <a:r>
+              <a:rPr lang="en-US" dirty="0" err="1">
+                <a:solidFill>
+                  <a:srgbClr val="0433FF"/>
+                </a:solidFill>
+              </a:rPr>
+              <a:t>azules</a:t>
+            </a:r>
+            <a:r>
+              <a:rPr lang="en-US" dirty="0">
+                <a:solidFill>
+                  <a:srgbClr val="0433FF"/>
+                </a:solidFill>
+              </a:rPr>
+              <a:t> </a:t>
+            </a:r>
+            <a:r>
+              <a:rPr lang="en-US" dirty="0" err="1">
+                <a:solidFill>
+                  <a:srgbClr val="0433FF"/>
+                </a:solidFill>
+              </a:rPr>
+              <a:t>terrosos</a:t>
+            </a:r>
+            <a:r>
+              <a:rPr lang="en-US" dirty="0">
+                <a:solidFill>
+                  <a:srgbClr val="0433FF"/>
+                </a:solidFill>
+              </a:rPr>
+              <a:t>. </a:t>
+            </a:r>
+            <a:r>
+              <a:rPr lang="en-US" dirty="0" err="1">
+                <a:solidFill>
+                  <a:srgbClr val="0433FF"/>
+                </a:solidFill>
+              </a:rPr>
+              <a:t>Incorpora</a:t>
+            </a:r>
+            <a:r>
+              <a:rPr lang="en-US" dirty="0">
+                <a:solidFill>
+                  <a:srgbClr val="0433FF"/>
+                </a:solidFill>
+              </a:rPr>
+              <a:t> </a:t>
+            </a:r>
+            <a:r>
+              <a:rPr lang="en-US" dirty="0" err="1">
+                <a:solidFill>
+                  <a:srgbClr val="0433FF"/>
+                </a:solidFill>
+              </a:rPr>
+              <a:t>elementos</a:t>
+            </a:r>
+            <a:r>
+              <a:rPr lang="en-US" dirty="0">
+                <a:solidFill>
+                  <a:srgbClr val="0433FF"/>
+                </a:solidFill>
+              </a:rPr>
+              <a:t> que </a:t>
+            </a:r>
+            <a:r>
+              <a:rPr lang="en-US" dirty="0" err="1">
+                <a:solidFill>
+                  <a:srgbClr val="0433FF"/>
+                </a:solidFill>
+              </a:rPr>
+              <a:t>simbolicen</a:t>
+            </a:r>
+            <a:r>
+              <a:rPr lang="en-US" dirty="0">
+                <a:solidFill>
+                  <a:srgbClr val="0433FF"/>
+                </a:solidFill>
+              </a:rPr>
+              <a:t> la </a:t>
+            </a:r>
+            <a:r>
+              <a:rPr lang="en-US" dirty="0" err="1">
+                <a:solidFill>
+                  <a:srgbClr val="0433FF"/>
+                </a:solidFill>
+              </a:rPr>
+              <a:t>naturaleza</a:t>
+            </a:r>
+            <a:r>
+              <a:rPr lang="en-US" dirty="0">
+                <a:solidFill>
+                  <a:srgbClr val="0433FF"/>
+                </a:solidFill>
+              </a:rPr>
+              <a:t> (</a:t>
+            </a:r>
+            <a:r>
+              <a:rPr lang="en-US" dirty="0" err="1">
+                <a:solidFill>
+                  <a:srgbClr val="0433FF"/>
+                </a:solidFill>
+              </a:rPr>
+              <a:t>como</a:t>
+            </a:r>
+            <a:r>
+              <a:rPr lang="en-US" dirty="0">
+                <a:solidFill>
+                  <a:srgbClr val="0433FF"/>
+                </a:solidFill>
+              </a:rPr>
+              <a:t> las hojas o la Tierra), la </a:t>
+            </a:r>
+            <a:r>
+              <a:rPr lang="en-US" dirty="0" err="1">
+                <a:solidFill>
+                  <a:srgbClr val="0433FF"/>
+                </a:solidFill>
+              </a:rPr>
+              <a:t>sostenibilidad</a:t>
+            </a:r>
+            <a:r>
+              <a:rPr lang="en-US" dirty="0">
+                <a:solidFill>
+                  <a:srgbClr val="0433FF"/>
+                </a:solidFill>
+              </a:rPr>
+              <a:t> (</a:t>
+            </a:r>
+            <a:r>
+              <a:rPr lang="en-US" dirty="0" err="1">
+                <a:solidFill>
+                  <a:srgbClr val="0433FF"/>
+                </a:solidFill>
+              </a:rPr>
+              <a:t>como</a:t>
+            </a:r>
+            <a:r>
+              <a:rPr lang="en-US" dirty="0">
+                <a:solidFill>
+                  <a:srgbClr val="0433FF"/>
+                </a:solidFill>
+              </a:rPr>
+              <a:t> un </a:t>
+            </a:r>
+            <a:r>
+              <a:rPr lang="en-US" dirty="0" err="1">
+                <a:solidFill>
+                  <a:srgbClr val="0433FF"/>
+                </a:solidFill>
+              </a:rPr>
+              <a:t>símbolo</a:t>
+            </a:r>
+            <a:r>
+              <a:rPr lang="en-US" dirty="0">
+                <a:solidFill>
+                  <a:srgbClr val="0433FF"/>
+                </a:solidFill>
+              </a:rPr>
+              <a:t> de </a:t>
+            </a:r>
+            <a:r>
+              <a:rPr lang="en-US" dirty="0" err="1">
+                <a:solidFill>
+                  <a:srgbClr val="0433FF"/>
+                </a:solidFill>
+              </a:rPr>
+              <a:t>reciclaje</a:t>
+            </a:r>
+            <a:r>
+              <a:rPr lang="en-US" dirty="0">
+                <a:solidFill>
+                  <a:srgbClr val="0433FF"/>
+                </a:solidFill>
+              </a:rPr>
+              <a:t>) y la </a:t>
+            </a:r>
+            <a:r>
+              <a:rPr lang="en-US" dirty="0" err="1">
+                <a:solidFill>
+                  <a:srgbClr val="0433FF"/>
+                </a:solidFill>
+              </a:rPr>
+              <a:t>comunidad</a:t>
+            </a:r>
+            <a:r>
+              <a:rPr lang="en-US" dirty="0">
+                <a:solidFill>
+                  <a:srgbClr val="0433FF"/>
+                </a:solidFill>
+              </a:rPr>
+              <a:t> (</a:t>
+            </a:r>
+            <a:r>
+              <a:rPr lang="en-US" dirty="0" err="1">
+                <a:solidFill>
+                  <a:srgbClr val="0433FF"/>
+                </a:solidFill>
+              </a:rPr>
+              <a:t>representada</a:t>
+            </a:r>
+            <a:r>
+              <a:rPr lang="en-US" dirty="0">
+                <a:solidFill>
+                  <a:srgbClr val="0433FF"/>
+                </a:solidFill>
+              </a:rPr>
+              <a:t> </a:t>
+            </a:r>
+            <a:r>
+              <a:rPr lang="en-US" dirty="0" err="1">
+                <a:solidFill>
+                  <a:srgbClr val="0433FF"/>
+                </a:solidFill>
+              </a:rPr>
+              <a:t>por</a:t>
+            </a:r>
+            <a:r>
+              <a:rPr lang="en-US" dirty="0">
+                <a:solidFill>
+                  <a:srgbClr val="0433FF"/>
+                </a:solidFill>
+              </a:rPr>
+              <a:t> manos </a:t>
+            </a:r>
+            <a:r>
+              <a:rPr lang="en-US" dirty="0" err="1">
+                <a:solidFill>
+                  <a:srgbClr val="0433FF"/>
+                </a:solidFill>
+              </a:rPr>
+              <a:t>entrelazadas</a:t>
+            </a:r>
+            <a:r>
+              <a:rPr lang="en-US" dirty="0">
+                <a:solidFill>
+                  <a:srgbClr val="0433FF"/>
+                </a:solidFill>
+              </a:rPr>
+              <a:t> o </a:t>
+            </a:r>
+            <a:r>
+              <a:rPr lang="en-US" dirty="0" err="1">
+                <a:solidFill>
+                  <a:srgbClr val="0433FF"/>
+                </a:solidFill>
+              </a:rPr>
+              <a:t>una</a:t>
+            </a:r>
+            <a:r>
+              <a:rPr lang="en-US" dirty="0">
+                <a:solidFill>
+                  <a:srgbClr val="0433FF"/>
+                </a:solidFill>
+              </a:rPr>
+              <a:t> red). El </a:t>
+            </a:r>
+            <a:r>
+              <a:rPr lang="en-US" dirty="0" err="1">
+                <a:solidFill>
+                  <a:srgbClr val="0433FF"/>
+                </a:solidFill>
+              </a:rPr>
+              <a:t>diseño</a:t>
+            </a:r>
+            <a:r>
+              <a:rPr lang="en-US" dirty="0">
+                <a:solidFill>
+                  <a:srgbClr val="0433FF"/>
+                </a:solidFill>
+              </a:rPr>
+              <a:t> </a:t>
+            </a:r>
+            <a:r>
+              <a:rPr lang="en-US" dirty="0" err="1">
+                <a:solidFill>
+                  <a:srgbClr val="0433FF"/>
+                </a:solidFill>
+              </a:rPr>
+              <a:t>debe</a:t>
+            </a:r>
+            <a:r>
+              <a:rPr lang="en-US" dirty="0">
+                <a:solidFill>
+                  <a:srgbClr val="0433FF"/>
+                </a:solidFill>
+              </a:rPr>
+              <a:t> ser simple </a:t>
+            </a:r>
+            <a:r>
+              <a:rPr lang="en-US" dirty="0" err="1">
+                <a:solidFill>
+                  <a:srgbClr val="0433FF"/>
+                </a:solidFill>
+              </a:rPr>
+              <a:t>pero</a:t>
+            </a:r>
+            <a:r>
+              <a:rPr lang="en-US" dirty="0">
+                <a:solidFill>
+                  <a:srgbClr val="0433FF"/>
+                </a:solidFill>
+              </a:rPr>
+              <a:t> </a:t>
+            </a:r>
+            <a:r>
+              <a:rPr lang="en-US" dirty="0" err="1">
+                <a:solidFill>
+                  <a:srgbClr val="0433FF"/>
+                </a:solidFill>
+              </a:rPr>
+              <a:t>poderoso</a:t>
+            </a:r>
+            <a:r>
+              <a:rPr lang="en-US" dirty="0">
+                <a:solidFill>
+                  <a:srgbClr val="0433FF"/>
+                </a:solidFill>
+              </a:rPr>
+              <a:t> y </a:t>
+            </a:r>
+            <a:r>
+              <a:rPr lang="en-US" dirty="0" err="1">
+                <a:solidFill>
+                  <a:srgbClr val="0433FF"/>
+                </a:solidFill>
+              </a:rPr>
+              <a:t>transmitir</a:t>
+            </a:r>
+            <a:r>
+              <a:rPr lang="en-US" dirty="0">
+                <a:solidFill>
+                  <a:srgbClr val="0433FF"/>
+                </a:solidFill>
+              </a:rPr>
+              <a:t> </a:t>
+            </a:r>
+            <a:r>
+              <a:rPr lang="en-US" dirty="0" err="1">
+                <a:solidFill>
+                  <a:srgbClr val="0433FF"/>
+                </a:solidFill>
+              </a:rPr>
+              <a:t>claramente</a:t>
+            </a:r>
+            <a:r>
+              <a:rPr lang="en-US" dirty="0">
+                <a:solidFill>
+                  <a:srgbClr val="0433FF"/>
+                </a:solidFill>
+              </a:rPr>
+              <a:t> </a:t>
+            </a:r>
+            <a:r>
+              <a:rPr lang="en-US" dirty="0" err="1">
+                <a:solidFill>
+                  <a:srgbClr val="0433FF"/>
+                </a:solidFill>
+              </a:rPr>
+              <a:t>el</a:t>
+            </a:r>
+            <a:r>
+              <a:rPr lang="en-US" dirty="0">
+                <a:solidFill>
+                  <a:srgbClr val="0433FF"/>
+                </a:solidFill>
+              </a:rPr>
+              <a:t> </a:t>
+            </a:r>
+            <a:r>
+              <a:rPr lang="en-US" dirty="0" err="1">
+                <a:solidFill>
+                  <a:srgbClr val="0433FF"/>
+                </a:solidFill>
+              </a:rPr>
+              <a:t>compromiso</a:t>
+            </a:r>
+            <a:r>
+              <a:rPr lang="en-US" dirty="0">
+                <a:solidFill>
+                  <a:srgbClr val="0433FF"/>
+                </a:solidFill>
+              </a:rPr>
+              <a:t> de la </a:t>
+            </a:r>
+            <a:r>
+              <a:rPr lang="en-US" dirty="0" err="1">
+                <a:solidFill>
+                  <a:srgbClr val="0433FF"/>
+                </a:solidFill>
+              </a:rPr>
+              <a:t>organización</a:t>
+            </a:r>
+            <a:r>
+              <a:rPr lang="en-US" dirty="0">
+                <a:solidFill>
+                  <a:srgbClr val="0433FF"/>
+                </a:solidFill>
+              </a:rPr>
+              <a:t> con la </a:t>
+            </a:r>
+            <a:r>
+              <a:rPr lang="en-US" dirty="0" err="1">
+                <a:solidFill>
+                  <a:srgbClr val="0433FF"/>
+                </a:solidFill>
+              </a:rPr>
+              <a:t>gestión</a:t>
+            </a:r>
+            <a:r>
+              <a:rPr lang="en-US" dirty="0">
+                <a:solidFill>
+                  <a:srgbClr val="0433FF"/>
+                </a:solidFill>
+              </a:rPr>
+              <a:t> </a:t>
+            </a:r>
+            <a:r>
+              <a:rPr lang="en-US" dirty="0" err="1">
+                <a:solidFill>
+                  <a:srgbClr val="0433FF"/>
+                </a:solidFill>
+              </a:rPr>
+              <a:t>ambiental</a:t>
+            </a:r>
+            <a:r>
+              <a:rPr lang="en-US" dirty="0"/>
+              <a:t>"</a:t>
+            </a:r>
+          </a:p>
+        </p:txBody>
+      </p:sp>
+    </p:spTree>
+  </p:cSld>
+  <p:clrMapOvr>
+    <a:masterClrMapping/>
+  </p:clrMapOvr>
+  <p:transition spd="med"/>
+</p:sld>
+</file>
+
+<file path=ppt/slides/slide12.xml><?xml version="1.0" encoding="utf-8"?>
+<p:sld xmlns:a="http://schemas.openxmlformats.org/drawingml/2006/main" xmlns:r="http://schemas.openxmlformats.org/officeDocument/2006/relationships" xmlns:p="http://schemas.openxmlformats.org/presentationml/2006/main">
+  <p:cSld>
+    <p:bg>
+      <p:bgPr>
+        <a:solidFill>
+          <a:srgbClr val="FFFB00"/>
+        </a:solidFill>
+        <a:effectLst/>
+      </p:bgPr>
+    </p:bg>
+    <p:spTree>
+      <p:nvGrpSpPr>
+        <p:cNvPr id="1" name=""/>
+        <p:cNvGrpSpPr/>
+        <p:nvPr/>
+      </p:nvGrpSpPr>
+      <p:grpSpPr>
+        <a:xfrm>
+          <a:off x="0" y="0"/>
+          <a:ext cx="0" cy="0"/>
+          <a:chOff x="0" y="0"/>
+          <a:chExt cx="0" cy="0"/>
+        </a:xfrm>
+      </p:grpSpPr>
+      <p:sp>
+        <p:nvSpPr>
+          <p:cNvPr id="153" name="Example Prompt: Text Content"/>
+          <p:cNvSpPr txBox="1">
+            <a:spLocks noGrp="1"/>
+          </p:cNvSpPr>
+          <p:nvPr>
+            <p:ph type="title"/>
+          </p:nvPr>
+        </p:nvSpPr>
+        <p:spPr>
+          <a:prstGeom prst="rect">
+            <a:avLst/>
+          </a:prstGeom>
+        </p:spPr>
+        <p:txBody>
+          <a:bodyPr/>
+          <a:lstStyle/>
+          <a:p>
+            <a:r>
+              <a:rPr lang="en-US" b="0" dirty="0"/>
+              <a:t>Practice</a:t>
+            </a:r>
+            <a:r>
+              <a:rPr b="0" dirty="0"/>
+              <a:t> Prompt</a:t>
+            </a:r>
+            <a:r>
+              <a:rPr dirty="0"/>
+              <a:t>: </a:t>
+            </a:r>
+            <a:r>
+              <a:rPr lang="en-US" dirty="0"/>
+              <a:t>Image</a:t>
+            </a:r>
+            <a:r>
+              <a:rPr dirty="0"/>
+              <a:t> Content</a:t>
+            </a:r>
+          </a:p>
+        </p:txBody>
+      </p:sp>
+      <p:sp>
+        <p:nvSpPr>
+          <p:cNvPr id="154" name="Bad: &quot;Write an article about data privacy.&quot;…"/>
+          <p:cNvSpPr txBox="1">
+            <a:spLocks noGrp="1"/>
+          </p:cNvSpPr>
+          <p:nvPr>
+            <p:ph type="body" idx="1"/>
+          </p:nvPr>
+        </p:nvSpPr>
+        <p:spPr>
+          <a:prstGeom prst="rect">
+            <a:avLst/>
+          </a:prstGeom>
+        </p:spPr>
+        <p:txBody>
+          <a:bodyPr/>
+          <a:lstStyle/>
+          <a:p>
+            <a:pPr>
+              <a:defRPr i="1" strike="sngStrike"/>
+            </a:pPr>
+            <a:r>
+              <a:rPr dirty="0"/>
+              <a:t>Bad: "</a:t>
+            </a:r>
+            <a:r>
+              <a:rPr lang="en-US" dirty="0"/>
+              <a:t>Create a picture of Partners from all the American Countries together </a:t>
+            </a:r>
+            <a:r>
+              <a:rPr dirty="0"/>
+              <a:t>."</a:t>
+            </a:r>
+          </a:p>
+          <a:p>
+            <a:r>
+              <a:rPr dirty="0"/>
+              <a:t>Better: "</a:t>
+            </a:r>
+            <a:r>
+              <a:rPr lang="en-US" dirty="0">
+                <a:solidFill>
+                  <a:srgbClr val="FF40FF"/>
+                </a:solidFill>
+              </a:rPr>
+              <a:t>Context Text HERE</a:t>
+            </a:r>
+            <a:r>
+              <a:rPr dirty="0"/>
+              <a:t>, </a:t>
+            </a:r>
+            <a:r>
+              <a:rPr lang="en-US" dirty="0">
+                <a:solidFill>
+                  <a:srgbClr val="942192"/>
+                </a:solidFill>
+              </a:rPr>
+              <a:t>Constraints and Limitations HERE </a:t>
+            </a:r>
+            <a:r>
+              <a:rPr dirty="0"/>
+              <a:t>: </a:t>
+            </a:r>
+            <a:r>
+              <a:rPr lang="en-US" dirty="0">
+                <a:solidFill>
+                  <a:srgbClr val="0433FF"/>
+                </a:solidFill>
+              </a:rPr>
+              <a:t>Specific Request HERE</a:t>
+            </a:r>
+            <a:r>
+              <a:rPr dirty="0">
+                <a:solidFill>
+                  <a:srgbClr val="0433FF"/>
+                </a:solidFill>
+              </a:rPr>
+              <a:t>.</a:t>
+            </a:r>
+            <a:r>
+              <a:rPr dirty="0"/>
+              <a:t>"</a:t>
+            </a:r>
+          </a:p>
+        </p:txBody>
+      </p:sp>
+      <p:sp>
+        <p:nvSpPr>
+          <p:cNvPr id="155" name="Slide Number"/>
+          <p:cNvSpPr txBox="1">
+            <a:spLocks noGrp="1"/>
+          </p:cNvSpPr>
+          <p:nvPr>
+            <p:ph type="sldNum" sz="quarter" idx="2"/>
+          </p:nvPr>
+        </p:nvSpPr>
+        <p:spPr>
+          <a:xfrm>
+            <a:off x="11172418" y="6414760"/>
+            <a:ext cx="181382" cy="248305"/>
+          </a:xfrm>
+          <a:prstGeom prst="rect">
+            <a:avLst/>
+          </a:prstGeom>
+          <a:extLst>
+            <a:ext uri="{C572A759-6A51-4108-AA02-DFA0A04FC94B}">
+              <ma14:wrappingTextBoxFlag xmlns:ma14="http://schemas.microsoft.com/office/mac/drawingml/2011/main" xmlns:a14="http://schemas.microsoft.com/office/drawing/2010/main" xmlns:m="http://schemas.openxmlformats.org/officeDocument/2006/math" xmlns="" val="1"/>
+            </a:ext>
+          </a:extLst>
+        </p:spPr>
+        <p:txBody>
+          <a:bodyPr/>
+          <a:lstStyle/>
+          <a:p>
+            <a:fld id="{86CB4B4D-7CA3-9044-876B-883B54F8677D}" type="slidenum">
+              <a:rPr/>
+              <a:t>12</a:t>
+            </a:fld>
+            <a:endParaRPr/>
+          </a:p>
+        </p:txBody>
+      </p:sp>
+      <p:sp>
+        <p:nvSpPr>
+          <p:cNvPr id="2" name="English">
+            <a:extLst>
+              <a:ext uri="{FF2B5EF4-FFF2-40B4-BE49-F238E27FC236}">
+                <a16:creationId xmlns:a16="http://schemas.microsoft.com/office/drawing/2014/main" id="{21E64AAC-DA8B-8641-C91B-8402ABF89DB1}"/>
+              </a:ext>
+            </a:extLst>
+          </p:cNvPr>
+          <p:cNvSpPr/>
+          <p:nvPr/>
+        </p:nvSpPr>
+        <p:spPr>
+          <a:xfrm>
+            <a:off x="5133143" y="5997604"/>
+            <a:ext cx="1925714" cy="703748"/>
+          </a:xfrm>
+          <a:prstGeom prst="rect">
+            <a:avLst/>
+          </a:prstGeom>
+          <a:solidFill>
+            <a:schemeClr val="bg1"/>
+          </a:solidFill>
+          <a:ln w="12700">
+            <a:solidFill>
+              <a:schemeClr val="accent1"/>
+            </a:solidFill>
+            <a:miter/>
+          </a:ln>
+          <a:extLst>
+            <a:ext uri="{C572A759-6A51-4108-AA02-DFA0A04FC94B}">
+              <ma14:wrappingTextBoxFlag xmlns:ma14="http://schemas.microsoft.com/office/mac/drawingml/2011/main" xmlns:a14="http://schemas.microsoft.com/office/drawing/2010/main" xmlns:m="http://schemas.openxmlformats.org/officeDocument/2006/math" xmlns="" val="1"/>
+            </a:ext>
+          </a:extLst>
+        </p:spPr>
+        <p:txBody>
+          <a:bodyPr lIns="45719" rIns="45719" anchor="ctr"/>
+          <a:lstStyle>
+            <a:lvl1pPr algn="ctr"/>
+          </a:lstStyle>
+          <a:p>
+            <a:pPr marL="139700" defTabSz="457200">
+              <a:lnSpc>
+                <a:spcPct val="100000"/>
+              </a:lnSpc>
+              <a:spcBef>
+                <a:spcPts val="0"/>
+              </a:spcBef>
+              <a:buClr>
+                <a:srgbClr val="1F2328"/>
+              </a:buClr>
+              <a:defRPr sz="2600">
+                <a:solidFill>
+                  <a:srgbClr val="FF40FF"/>
+                </a:solidFill>
+                <a:latin typeface="Helvetica Neue"/>
+                <a:ea typeface="Helvetica Neue"/>
+                <a:cs typeface="Helvetica Neue"/>
+                <a:sym typeface="Helvetica Neue"/>
+              </a:defRPr>
+            </a:pPr>
+            <a:r>
+              <a:rPr lang="en-US" sz="2000" b="1" dirty="0">
+                <a:latin typeface="+mn-lt"/>
+                <a:ea typeface="+mn-ea"/>
+                <a:cs typeface="+mn-cs"/>
+                <a:sym typeface="Helvetica"/>
+              </a:rPr>
+              <a:t>Provide Context</a:t>
+            </a:r>
+          </a:p>
+        </p:txBody>
+      </p:sp>
+      <p:sp>
+        <p:nvSpPr>
+          <p:cNvPr id="3" name="Spanish">
+            <a:extLst>
+              <a:ext uri="{FF2B5EF4-FFF2-40B4-BE49-F238E27FC236}">
+                <a16:creationId xmlns:a16="http://schemas.microsoft.com/office/drawing/2014/main" id="{CCCC1547-F807-3A6E-F116-CDBE91DE53E1}"/>
+              </a:ext>
+            </a:extLst>
+          </p:cNvPr>
+          <p:cNvSpPr/>
+          <p:nvPr/>
+        </p:nvSpPr>
+        <p:spPr>
+          <a:xfrm>
+            <a:off x="7671549" y="5993635"/>
+            <a:ext cx="2280484" cy="703748"/>
+          </a:xfrm>
+          <a:prstGeom prst="rect">
+            <a:avLst/>
+          </a:prstGeom>
+          <a:solidFill>
+            <a:schemeClr val="bg1"/>
+          </a:solidFill>
+          <a:ln w="12700">
+            <a:solidFill>
+              <a:schemeClr val="accent1"/>
+            </a:solidFill>
+            <a:miter/>
+          </a:ln>
+          <a:extLst>
+            <a:ext uri="{C572A759-6A51-4108-AA02-DFA0A04FC94B}">
+              <ma14:wrappingTextBoxFlag xmlns:ma14="http://schemas.microsoft.com/office/mac/drawingml/2011/main" xmlns:a14="http://schemas.microsoft.com/office/drawing/2010/main" xmlns:m="http://schemas.openxmlformats.org/officeDocument/2006/math" xmlns="" val="1"/>
+            </a:ext>
+          </a:extLst>
+        </p:spPr>
+        <p:txBody>
+          <a:bodyPr lIns="45719" rIns="45719" anchor="ctr"/>
+          <a:lstStyle>
+            <a:lvl1pPr algn="ctr"/>
+          </a:lstStyle>
+          <a:p>
+            <a:pPr marL="139700" defTabSz="457200">
+              <a:buClr>
+                <a:srgbClr val="1F2328"/>
+              </a:buClr>
+              <a:buSzPct val="100000"/>
+              <a:defRPr sz="2600">
+                <a:solidFill>
+                  <a:srgbClr val="942192"/>
+                </a:solidFill>
+                <a:latin typeface="Helvetica Neue"/>
+                <a:ea typeface="Helvetica Neue"/>
+                <a:cs typeface="Helvetica Neue"/>
+                <a:sym typeface="Helvetica Neue"/>
+              </a:defRPr>
+            </a:pPr>
+            <a:r>
+              <a:rPr lang="en-US" sz="2000" b="1" dirty="0">
+                <a:latin typeface="+mn-lt"/>
+                <a:ea typeface="+mn-ea"/>
+                <a:cs typeface="+mn-cs"/>
+                <a:sym typeface="Helvetica"/>
+              </a:rPr>
+              <a:t>Remind AI of Constraints</a:t>
+            </a:r>
+            <a:endParaRPr lang="en-US" sz="2000" dirty="0"/>
+          </a:p>
+        </p:txBody>
+      </p:sp>
+      <p:sp>
+        <p:nvSpPr>
+          <p:cNvPr id="4" name="English">
+            <a:extLst>
+              <a:ext uri="{FF2B5EF4-FFF2-40B4-BE49-F238E27FC236}">
+                <a16:creationId xmlns:a16="http://schemas.microsoft.com/office/drawing/2014/main" id="{17202D50-46FD-ACC4-EEDF-D44E402833E2}"/>
+              </a:ext>
+            </a:extLst>
+          </p:cNvPr>
+          <p:cNvSpPr/>
+          <p:nvPr/>
+        </p:nvSpPr>
+        <p:spPr>
+          <a:xfrm>
+            <a:off x="2717850" y="5993635"/>
+            <a:ext cx="1802601" cy="703748"/>
+          </a:xfrm>
+          <a:prstGeom prst="rect">
+            <a:avLst/>
+          </a:prstGeom>
+          <a:solidFill>
+            <a:schemeClr val="bg1"/>
+          </a:solidFill>
+          <a:ln w="12700">
+            <a:solidFill>
+              <a:schemeClr val="accent1"/>
+            </a:solidFill>
+            <a:miter/>
+          </a:ln>
+          <a:extLst>
+            <a:ext uri="{C572A759-6A51-4108-AA02-DFA0A04FC94B}">
+              <ma14:wrappingTextBoxFlag xmlns:ma14="http://schemas.microsoft.com/office/mac/drawingml/2011/main" xmlns:a14="http://schemas.microsoft.com/office/drawing/2010/main" xmlns:m="http://schemas.openxmlformats.org/officeDocument/2006/math" xmlns="" val="1"/>
+            </a:ext>
+          </a:extLst>
+        </p:spPr>
+        <p:txBody>
+          <a:bodyPr lIns="45719" rIns="45719" anchor="ctr"/>
+          <a:lstStyle>
+            <a:lvl1pPr algn="ctr"/>
+          </a:lstStyle>
+          <a:p>
+            <a:pPr marL="139700" defTabSz="457200">
+              <a:lnSpc>
+                <a:spcPct val="100000"/>
+              </a:lnSpc>
+              <a:spcBef>
+                <a:spcPts val="0"/>
+              </a:spcBef>
+              <a:buClr>
+                <a:srgbClr val="1F2328"/>
+              </a:buClr>
+              <a:defRPr sz="2600">
+                <a:solidFill>
+                  <a:srgbClr val="0433FF"/>
+                </a:solidFill>
+                <a:latin typeface="Helvetica Neue"/>
+                <a:ea typeface="Helvetica Neue"/>
+                <a:cs typeface="Helvetica Neue"/>
+                <a:sym typeface="Helvetica Neue"/>
+              </a:defRPr>
+            </a:pPr>
+            <a:r>
+              <a:rPr lang="en-US" sz="2000" b="1" dirty="0">
+                <a:latin typeface="+mn-lt"/>
+                <a:ea typeface="+mn-ea"/>
+                <a:cs typeface="+mn-cs"/>
+                <a:sym typeface="Helvetica"/>
+              </a:rPr>
+              <a:t>Be Specific</a:t>
+            </a:r>
+          </a:p>
+        </p:txBody>
+      </p:sp>
+    </p:spTree>
+    <p:extLst>
+      <p:ext uri="{BB962C8B-B14F-4D97-AF65-F5344CB8AC3E}">
+        <p14:creationId xmlns:p14="http://schemas.microsoft.com/office/powerpoint/2010/main" val="3208992625"/>
+      </p:ext>
+    </p:extLst>
+  </p:cSld>
+  <p:clrMapOvr>
+    <a:masterClrMapping/>
+  </p:clrMapOvr>
+  <p:transition spd="med"/>
+</p:sld>
+</file>
+
+<file path=ppt/slides/slide13.xml><?xml version="1.0" encoding="utf-8"?>
+<p:sld xmlns:a="http://schemas.openxmlformats.org/drawingml/2006/main" xmlns:r="http://schemas.openxmlformats.org/officeDocument/2006/relationships" xmlns:p="http://schemas.openxmlformats.org/presentationml/2006/main">
+  <p:cSld>
+    <p:bg>
+      <p:bgPr>
+        <a:solidFill>
+          <a:schemeClr val="bg1"/>
+        </a:solidFill>
+        <a:effectLst/>
+      </p:bgPr>
+    </p:bg>
+    <p:spTree>
+      <p:nvGrpSpPr>
+        <p:cNvPr id="1" name=""/>
+        <p:cNvGrpSpPr/>
+        <p:nvPr/>
+      </p:nvGrpSpPr>
+      <p:grpSpPr>
+        <a:xfrm>
+          <a:off x="0" y="0"/>
+          <a:ext cx="0" cy="0"/>
+          <a:chOff x="0" y="0"/>
+          <a:chExt cx="0" cy="0"/>
+        </a:xfrm>
+      </p:grpSpPr>
+      <p:sp>
+        <p:nvSpPr>
+          <p:cNvPr id="153" name="Example Prompt: Text Content"/>
+          <p:cNvSpPr txBox="1">
+            <a:spLocks noGrp="1"/>
+          </p:cNvSpPr>
+          <p:nvPr>
+            <p:ph type="title"/>
+          </p:nvPr>
+        </p:nvSpPr>
+        <p:spPr>
+          <a:prstGeom prst="rect">
+            <a:avLst/>
+          </a:prstGeom>
+        </p:spPr>
+        <p:txBody>
+          <a:bodyPr/>
+          <a:lstStyle/>
+          <a:p>
+            <a:r>
+              <a:rPr lang="en-US" b="0" dirty="0" err="1"/>
+              <a:t>Mensaje</a:t>
+            </a:r>
+            <a:r>
+              <a:rPr lang="en-US" b="0" dirty="0"/>
+              <a:t> de </a:t>
+            </a:r>
+            <a:r>
+              <a:rPr lang="en-US" b="0" dirty="0" err="1"/>
+              <a:t>Practica</a:t>
+            </a:r>
+            <a:r>
+              <a:rPr lang="en-US" b="0" dirty="0"/>
+              <a:t> </a:t>
+            </a:r>
+            <a:r>
+              <a:rPr dirty="0"/>
+              <a:t>: </a:t>
+            </a:r>
+            <a:r>
+              <a:rPr lang="en-US" dirty="0" err="1"/>
+              <a:t>Imagenes</a:t>
+            </a:r>
+            <a:endParaRPr dirty="0"/>
+          </a:p>
+        </p:txBody>
+      </p:sp>
+      <p:sp>
+        <p:nvSpPr>
+          <p:cNvPr id="154" name="Bad: &quot;Write an article about data privacy.&quot;…"/>
+          <p:cNvSpPr txBox="1">
+            <a:spLocks noGrp="1"/>
+          </p:cNvSpPr>
+          <p:nvPr>
+            <p:ph type="body" idx="1"/>
+          </p:nvPr>
+        </p:nvSpPr>
+        <p:spPr>
+          <a:prstGeom prst="rect">
+            <a:avLst/>
+          </a:prstGeom>
+        </p:spPr>
+        <p:txBody>
+          <a:bodyPr/>
+          <a:lstStyle/>
+          <a:p>
+            <a:pPr>
+              <a:defRPr i="1" strike="sngStrike"/>
+            </a:pPr>
+            <a:r>
+              <a:rPr lang="en-US" dirty="0"/>
+              <a:t>Malo: " </a:t>
+            </a:r>
+            <a:r>
+              <a:rPr lang="en-US" dirty="0" err="1"/>
+              <a:t>Crea</a:t>
+            </a:r>
+            <a:r>
+              <a:rPr lang="en-US" dirty="0"/>
+              <a:t> </a:t>
+            </a:r>
+            <a:r>
+              <a:rPr lang="en-US" dirty="0" err="1"/>
+              <a:t>una</a:t>
+            </a:r>
+            <a:r>
+              <a:rPr lang="en-US" dirty="0"/>
+              <a:t> imagen de </a:t>
+            </a:r>
+            <a:r>
+              <a:rPr lang="en-US" dirty="0" err="1"/>
+              <a:t>Socios</a:t>
+            </a:r>
+            <a:r>
+              <a:rPr lang="en-US" dirty="0"/>
+              <a:t> </a:t>
+            </a:r>
+            <a:r>
+              <a:rPr lang="en-US" dirty="0" err="1"/>
+              <a:t>Militares</a:t>
+            </a:r>
+            <a:r>
+              <a:rPr lang="en-US" dirty="0"/>
+              <a:t> de </a:t>
+            </a:r>
+            <a:r>
+              <a:rPr lang="en-US" dirty="0" err="1"/>
+              <a:t>todos</a:t>
+            </a:r>
+            <a:r>
+              <a:rPr lang="en-US" dirty="0"/>
+              <a:t> </a:t>
+            </a:r>
+            <a:r>
+              <a:rPr lang="en-US" dirty="0" err="1"/>
+              <a:t>los</a:t>
+            </a:r>
+            <a:r>
+              <a:rPr lang="en-US" dirty="0"/>
+              <a:t> </a:t>
+            </a:r>
+            <a:r>
+              <a:rPr lang="en-US" dirty="0" err="1"/>
+              <a:t>Países</a:t>
+            </a:r>
+            <a:r>
+              <a:rPr lang="en-US" dirty="0"/>
+              <a:t> Americanos </a:t>
+            </a:r>
+            <a:r>
+              <a:rPr lang="en-US" dirty="0" err="1"/>
+              <a:t>juntos</a:t>
+            </a:r>
+            <a:r>
+              <a:rPr lang="en-US" dirty="0"/>
+              <a:t> </a:t>
+            </a:r>
+            <a:r>
+              <a:rPr lang="en-US" dirty="0" err="1"/>
+              <a:t>unidos</a:t>
+            </a:r>
+            <a:r>
+              <a:rPr lang="en-US" dirty="0"/>
+              <a:t> "</a:t>
+            </a:r>
+          </a:p>
+          <a:p>
+            <a:r>
+              <a:rPr lang="en-US" dirty="0" err="1"/>
+              <a:t>Mejor</a:t>
+            </a:r>
+            <a:r>
+              <a:rPr lang="en-US" dirty="0"/>
+              <a:t>: "</a:t>
+            </a:r>
+            <a:r>
+              <a:rPr lang="en-US" dirty="0" err="1">
+                <a:solidFill>
+                  <a:srgbClr val="FF40FF"/>
+                </a:solidFill>
+              </a:rPr>
+              <a:t>Texto</a:t>
+            </a:r>
+            <a:r>
+              <a:rPr lang="en-US" dirty="0">
+                <a:solidFill>
+                  <a:srgbClr val="FF40FF"/>
+                </a:solidFill>
+              </a:rPr>
+              <a:t> contextual AQUÍ</a:t>
+            </a:r>
+            <a:r>
+              <a:rPr lang="en-US" dirty="0"/>
+              <a:t>, </a:t>
+            </a:r>
+            <a:r>
+              <a:rPr lang="en-US" dirty="0" err="1">
+                <a:solidFill>
+                  <a:srgbClr val="942192"/>
+                </a:solidFill>
+              </a:rPr>
+              <a:t>Restricciones</a:t>
+            </a:r>
+            <a:r>
+              <a:rPr lang="en-US" dirty="0">
+                <a:solidFill>
+                  <a:srgbClr val="942192"/>
+                </a:solidFill>
+              </a:rPr>
+              <a:t> y </a:t>
+            </a:r>
+            <a:r>
+              <a:rPr lang="en-US" dirty="0" err="1">
+                <a:solidFill>
+                  <a:srgbClr val="942192"/>
+                </a:solidFill>
+              </a:rPr>
+              <a:t>limitaciones</a:t>
+            </a:r>
+            <a:r>
+              <a:rPr lang="en-US" dirty="0">
+                <a:solidFill>
+                  <a:srgbClr val="942192"/>
+                </a:solidFill>
+              </a:rPr>
+              <a:t> AQUÍ,</a:t>
+            </a:r>
+            <a:r>
+              <a:rPr lang="en-US" dirty="0"/>
+              <a:t> </a:t>
+            </a:r>
+            <a:r>
+              <a:rPr lang="en-US" dirty="0" err="1">
+                <a:solidFill>
+                  <a:srgbClr val="0433FF"/>
+                </a:solidFill>
+              </a:rPr>
+              <a:t>Solicitud</a:t>
+            </a:r>
+            <a:r>
+              <a:rPr lang="en-US" dirty="0">
+                <a:solidFill>
+                  <a:srgbClr val="0433FF"/>
+                </a:solidFill>
+              </a:rPr>
+              <a:t> </a:t>
+            </a:r>
+            <a:r>
+              <a:rPr lang="en-US" dirty="0" err="1">
+                <a:solidFill>
+                  <a:srgbClr val="0433FF"/>
+                </a:solidFill>
+              </a:rPr>
+              <a:t>rápida</a:t>
+            </a:r>
+            <a:r>
+              <a:rPr lang="en-US" dirty="0">
+                <a:solidFill>
+                  <a:srgbClr val="0433FF"/>
+                </a:solidFill>
+              </a:rPr>
+              <a:t> </a:t>
+            </a:r>
+            <a:r>
+              <a:rPr lang="en-US" dirty="0" err="1">
+                <a:solidFill>
+                  <a:srgbClr val="0433FF"/>
+                </a:solidFill>
+              </a:rPr>
+              <a:t>específica</a:t>
+            </a:r>
+            <a:r>
+              <a:rPr lang="en-US" dirty="0">
+                <a:solidFill>
+                  <a:srgbClr val="0433FF"/>
+                </a:solidFill>
+              </a:rPr>
+              <a:t> para IA AQUÍ.</a:t>
+            </a:r>
+            <a:r>
+              <a:rPr lang="en-US" dirty="0"/>
+              <a:t>"</a:t>
+            </a:r>
+          </a:p>
+        </p:txBody>
+      </p:sp>
+      <p:sp>
+        <p:nvSpPr>
+          <p:cNvPr id="155" name="Slide Number"/>
+          <p:cNvSpPr txBox="1">
+            <a:spLocks noGrp="1"/>
+          </p:cNvSpPr>
+          <p:nvPr>
+            <p:ph type="sldNum" sz="quarter" idx="2"/>
+          </p:nvPr>
+        </p:nvSpPr>
+        <p:spPr>
+          <a:xfrm>
+            <a:off x="11172418" y="6414760"/>
+            <a:ext cx="181382" cy="248305"/>
+          </a:xfrm>
+          <a:prstGeom prst="rect">
+            <a:avLst/>
+          </a:prstGeom>
+          <a:extLst>
+            <a:ext uri="{C572A759-6A51-4108-AA02-DFA0A04FC94B}">
+              <ma14:wrappingTextBoxFlag xmlns="" xmlns:m="http://schemas.openxmlformats.org/officeDocument/2006/math" xmlns:a14="http://schemas.microsoft.com/office/drawing/2010/main" xmlns:ma14="http://schemas.microsoft.com/office/mac/drawingml/2011/main" val="1"/>
+            </a:ext>
+          </a:extLst>
+        </p:spPr>
+        <p:txBody>
+          <a:bodyPr/>
+          <a:lstStyle/>
+          <a:p>
+            <a:fld id="{86CB4B4D-7CA3-9044-876B-883B54F8677D}" type="slidenum">
+              <a:rPr/>
+              <a:t>13</a:t>
+            </a:fld>
+            <a:endParaRPr/>
+          </a:p>
+        </p:txBody>
+      </p:sp>
+      <p:sp>
+        <p:nvSpPr>
+          <p:cNvPr id="5" name="English">
+            <a:extLst>
+              <a:ext uri="{FF2B5EF4-FFF2-40B4-BE49-F238E27FC236}">
+                <a16:creationId xmlns:a16="http://schemas.microsoft.com/office/drawing/2014/main" id="{13922A8C-0E92-C4F2-7DCE-CF0B95BC8CB7}"/>
+              </a:ext>
+            </a:extLst>
+          </p:cNvPr>
+          <p:cNvSpPr/>
+          <p:nvPr/>
+        </p:nvSpPr>
+        <p:spPr>
+          <a:xfrm>
+            <a:off x="5133143" y="5731369"/>
+            <a:ext cx="1925714" cy="703748"/>
+          </a:xfrm>
+          <a:prstGeom prst="rect">
+            <a:avLst/>
+          </a:prstGeom>
+          <a:solidFill>
+            <a:schemeClr val="bg1"/>
+          </a:solidFill>
+          <a:ln w="12700">
+            <a:solidFill>
+              <a:schemeClr val="accent1"/>
+            </a:solidFill>
+            <a:miter/>
+          </a:ln>
+          <a:extLst>
+            <a:ext uri="{C572A759-6A51-4108-AA02-DFA0A04FC94B}">
+              <ma14:wrappingTextBoxFlag xmlns="" xmlns:m="http://schemas.openxmlformats.org/officeDocument/2006/math" xmlns:a14="http://schemas.microsoft.com/office/drawing/2010/main" xmlns:ma14="http://schemas.microsoft.com/office/mac/drawingml/2011/main" val="1"/>
+            </a:ext>
+          </a:extLst>
+        </p:spPr>
+        <p:txBody>
+          <a:bodyPr lIns="45719" rIns="45719" anchor="ctr"/>
+          <a:lstStyle>
+            <a:lvl1pPr algn="ctr"/>
+          </a:lstStyle>
+          <a:p>
+            <a:pPr marL="139700" defTabSz="457200">
+              <a:lnSpc>
+                <a:spcPct val="100000"/>
+              </a:lnSpc>
+              <a:spcBef>
+                <a:spcPts val="0"/>
+              </a:spcBef>
+              <a:buClr>
+                <a:srgbClr val="1F2328"/>
+              </a:buClr>
+              <a:defRPr sz="2600">
+                <a:solidFill>
+                  <a:srgbClr val="FF40FF"/>
+                </a:solidFill>
+                <a:latin typeface="Helvetica Neue"/>
+                <a:ea typeface="Helvetica Neue"/>
+                <a:cs typeface="Helvetica Neue"/>
+                <a:sym typeface="Helvetica Neue"/>
+              </a:defRPr>
+            </a:pPr>
+            <a:r>
+              <a:rPr lang="en-US" sz="2000" b="1" dirty="0" err="1">
+                <a:latin typeface="+mn-lt"/>
+                <a:ea typeface="+mn-ea"/>
+                <a:cs typeface="+mn-cs"/>
+                <a:sym typeface="Helvetica"/>
+              </a:rPr>
+              <a:t>Proporcionar</a:t>
+            </a:r>
+            <a:r>
+              <a:rPr lang="en-US" sz="2000" b="1" dirty="0">
+                <a:latin typeface="+mn-lt"/>
+                <a:ea typeface="+mn-ea"/>
+                <a:cs typeface="+mn-cs"/>
+                <a:sym typeface="Helvetica"/>
+              </a:rPr>
+              <a:t> </a:t>
+            </a:r>
+            <a:r>
+              <a:rPr lang="en-US" sz="2000" b="1" dirty="0" err="1">
+                <a:latin typeface="+mn-lt"/>
+                <a:ea typeface="+mn-ea"/>
+                <a:cs typeface="+mn-cs"/>
+                <a:sym typeface="Helvetica"/>
+              </a:rPr>
+              <a:t>contexto</a:t>
+            </a:r>
+            <a:endParaRPr lang="en-US" sz="2000" b="1" dirty="0">
+              <a:latin typeface="+mn-lt"/>
+              <a:ea typeface="+mn-ea"/>
+              <a:cs typeface="+mn-cs"/>
+              <a:sym typeface="Helvetica"/>
+            </a:endParaRPr>
+          </a:p>
+        </p:txBody>
+      </p:sp>
+      <p:sp>
+        <p:nvSpPr>
+          <p:cNvPr id="6" name="Spanish">
+            <a:extLst>
+              <a:ext uri="{FF2B5EF4-FFF2-40B4-BE49-F238E27FC236}">
+                <a16:creationId xmlns:a16="http://schemas.microsoft.com/office/drawing/2014/main" id="{E43238BD-E856-5E22-6E31-CA6741820940}"/>
+              </a:ext>
+            </a:extLst>
+          </p:cNvPr>
+          <p:cNvSpPr/>
+          <p:nvPr/>
+        </p:nvSpPr>
+        <p:spPr>
+          <a:xfrm>
+            <a:off x="7671549" y="5727400"/>
+            <a:ext cx="2280484" cy="703748"/>
+          </a:xfrm>
+          <a:prstGeom prst="rect">
+            <a:avLst/>
+          </a:prstGeom>
+          <a:solidFill>
+            <a:schemeClr val="bg1"/>
+          </a:solidFill>
+          <a:ln w="12700">
+            <a:solidFill>
+              <a:schemeClr val="accent1"/>
+            </a:solidFill>
+            <a:miter/>
+          </a:ln>
+          <a:extLst>
+            <a:ext uri="{C572A759-6A51-4108-AA02-DFA0A04FC94B}">
+              <ma14:wrappingTextBoxFlag xmlns="" xmlns:m="http://schemas.openxmlformats.org/officeDocument/2006/math" xmlns:a14="http://schemas.microsoft.com/office/drawing/2010/main" xmlns:ma14="http://schemas.microsoft.com/office/mac/drawingml/2011/main" val="1"/>
+            </a:ext>
+          </a:extLst>
+        </p:spPr>
+        <p:txBody>
+          <a:bodyPr lIns="45719" rIns="45719" anchor="ctr"/>
+          <a:lstStyle>
+            <a:lvl1pPr algn="ctr"/>
+          </a:lstStyle>
+          <a:p>
+            <a:pPr marL="139700" defTabSz="457200">
+              <a:lnSpc>
+                <a:spcPct val="100000"/>
+              </a:lnSpc>
+              <a:spcBef>
+                <a:spcPts val="0"/>
+              </a:spcBef>
+              <a:buClr>
+                <a:srgbClr val="1F2328"/>
+              </a:buClr>
+              <a:defRPr sz="2600">
+                <a:solidFill>
+                  <a:srgbClr val="942192"/>
+                </a:solidFill>
+                <a:latin typeface="Helvetica Neue"/>
+                <a:ea typeface="Helvetica Neue"/>
+                <a:cs typeface="Helvetica Neue"/>
+                <a:sym typeface="Helvetica Neue"/>
+              </a:defRPr>
+            </a:pPr>
+            <a:r>
+              <a:rPr lang="en-US" sz="2000" b="1" dirty="0" err="1">
+                <a:latin typeface="+mn-lt"/>
+                <a:ea typeface="+mn-ea"/>
+                <a:cs typeface="+mn-cs"/>
+                <a:sym typeface="Helvetica"/>
+              </a:rPr>
+              <a:t>Recuerde</a:t>
+            </a:r>
+            <a:r>
+              <a:rPr lang="en-US" sz="2000" b="1" dirty="0">
+                <a:latin typeface="+mn-lt"/>
+                <a:ea typeface="+mn-ea"/>
+                <a:cs typeface="+mn-cs"/>
+                <a:sym typeface="Helvetica"/>
+              </a:rPr>
+              <a:t> de las </a:t>
+            </a:r>
+            <a:r>
+              <a:rPr lang="en-US" sz="2000" b="1" dirty="0" err="1">
+                <a:latin typeface="+mn-lt"/>
+                <a:ea typeface="+mn-ea"/>
+                <a:cs typeface="+mn-cs"/>
+                <a:sym typeface="Helvetica"/>
+              </a:rPr>
+              <a:t>restricciones</a:t>
+            </a:r>
+            <a:endParaRPr lang="en-US" sz="2000" b="1" dirty="0">
+              <a:latin typeface="+mn-lt"/>
+              <a:ea typeface="+mn-ea"/>
+              <a:cs typeface="+mn-cs"/>
+              <a:sym typeface="Helvetica"/>
+            </a:endParaRPr>
+          </a:p>
+        </p:txBody>
+      </p:sp>
+      <p:sp>
+        <p:nvSpPr>
+          <p:cNvPr id="7" name="English">
+            <a:extLst>
+              <a:ext uri="{FF2B5EF4-FFF2-40B4-BE49-F238E27FC236}">
+                <a16:creationId xmlns:a16="http://schemas.microsoft.com/office/drawing/2014/main" id="{B907E454-E6B3-1E03-AE70-CBD5ADE95297}"/>
+              </a:ext>
+            </a:extLst>
+          </p:cNvPr>
+          <p:cNvSpPr/>
+          <p:nvPr/>
+        </p:nvSpPr>
+        <p:spPr>
+          <a:xfrm>
+            <a:off x="2717850" y="5727400"/>
+            <a:ext cx="1802601" cy="703748"/>
+          </a:xfrm>
+          <a:prstGeom prst="rect">
+            <a:avLst/>
+          </a:prstGeom>
+          <a:solidFill>
+            <a:schemeClr val="bg1"/>
+          </a:solidFill>
+          <a:ln w="12700">
+            <a:solidFill>
+              <a:schemeClr val="accent1"/>
+            </a:solidFill>
+            <a:miter/>
+          </a:ln>
+          <a:extLst>
+            <a:ext uri="{C572A759-6A51-4108-AA02-DFA0A04FC94B}">
+              <ma14:wrappingTextBoxFlag xmlns="" xmlns:m="http://schemas.openxmlformats.org/officeDocument/2006/math" xmlns:a14="http://schemas.microsoft.com/office/drawing/2010/main" xmlns:ma14="http://schemas.microsoft.com/office/mac/drawingml/2011/main" val="1"/>
+            </a:ext>
+          </a:extLst>
+        </p:spPr>
+        <p:txBody>
+          <a:bodyPr lIns="45719" rIns="45719" anchor="ctr"/>
+          <a:lstStyle>
+            <a:lvl1pPr algn="ctr"/>
+          </a:lstStyle>
+          <a:p>
+            <a:pPr marL="139700" defTabSz="457200">
+              <a:lnSpc>
+                <a:spcPct val="100000"/>
+              </a:lnSpc>
+              <a:spcBef>
+                <a:spcPts val="0"/>
+              </a:spcBef>
+              <a:buClr>
+                <a:srgbClr val="1F2328"/>
+              </a:buClr>
+              <a:defRPr sz="2600">
+                <a:solidFill>
+                  <a:srgbClr val="0433FF"/>
+                </a:solidFill>
+                <a:latin typeface="Helvetica Neue"/>
+                <a:ea typeface="Helvetica Neue"/>
+                <a:cs typeface="Helvetica Neue"/>
+                <a:sym typeface="Helvetica Neue"/>
+              </a:defRPr>
+            </a:pPr>
+            <a:r>
+              <a:rPr lang="en-US" sz="2000" b="1" dirty="0">
+                <a:latin typeface="+mn-lt"/>
+                <a:ea typeface="+mn-ea"/>
+                <a:cs typeface="+mn-cs"/>
+                <a:sym typeface="Helvetica"/>
+              </a:rPr>
+              <a:t>Sea </a:t>
+            </a:r>
+            <a:r>
+              <a:rPr lang="en-US" sz="2000" b="1" dirty="0" err="1">
+                <a:latin typeface="+mn-lt"/>
+                <a:ea typeface="+mn-ea"/>
+                <a:cs typeface="+mn-cs"/>
+                <a:sym typeface="Helvetica"/>
+              </a:rPr>
+              <a:t>específico</a:t>
+            </a:r>
+            <a:endParaRPr lang="en-US" sz="2000" b="1" dirty="0">
+              <a:latin typeface="+mn-lt"/>
+              <a:ea typeface="+mn-ea"/>
+              <a:cs typeface="+mn-cs"/>
+              <a:sym typeface="Helvetica"/>
+            </a:endParaRPr>
+          </a:p>
+        </p:txBody>
+      </p:sp>
+    </p:spTree>
+    <p:extLst>
+      <p:ext uri="{BB962C8B-B14F-4D97-AF65-F5344CB8AC3E}">
+        <p14:creationId xmlns:p14="http://schemas.microsoft.com/office/powerpoint/2010/main" val="134108855"/>
+      </p:ext>
+    </p:extLst>
+  </p:cSld>
+  <p:clrMapOvr>
+    <a:masterClrMapping/>
+  </p:clrMapOvr>
+  <p:transition spd="med"/>
+</p:sld>
+</file>
+
+<file path=ppt/slides/slide14.xml><?xml version="1.0" encoding="utf-8"?>
 <p:sld xmlns:a="http://schemas.openxmlformats.org/drawingml/2006/main" xmlns:r="http://schemas.openxmlformats.org/officeDocument/2006/relationships" xmlns:p="http://schemas.openxmlformats.org/presentationml/2006/main">
   <p:cSld>
     <p:bg>
@@ -3636,7 +6832,7 @@
           </a:prstGeom>
           <a:extLst>
             <a:ext uri="{C572A759-6A51-4108-AA02-DFA0A04FC94B}">
-              <ma14:wrappingTextBoxFlag xmlns="" xmlns:m="http://schemas.openxmlformats.org/officeDocument/2006/math" xmlns:a14="http://schemas.microsoft.com/office/drawing/2010/main" xmlns:ma14="http://schemas.microsoft.com/office/mac/drawingml/2011/main" val="1"/>
+              <ma14:wrappingTextBoxFlag xmlns:ma14="http://schemas.microsoft.com/office/mac/drawingml/2011/main" xmlns:a14="http://schemas.microsoft.com/office/drawing/2010/main" xmlns:m="http://schemas.openxmlformats.org/officeDocument/2006/math" xmlns="" val="1"/>
             </a:ext>
           </a:extLst>
         </p:spPr>
@@ -3645,9 +6841,225 @@
           <a:lstStyle/>
           <a:p>
             <a:fld id="{86CB4B4D-7CA3-9044-876B-883B54F8677D}" type="slidenum">
-              <a:t>10</a:t>
+              <a:rPr/>
+              <a:t>14</a:t>
             </a:fld>
             <a:endParaRPr/>
+          </a:p>
+        </p:txBody>
+      </p:sp>
+      <p:sp>
+        <p:nvSpPr>
+          <p:cNvPr id="5" name="English">
+            <a:extLst>
+              <a:ext uri="{FF2B5EF4-FFF2-40B4-BE49-F238E27FC236}">
+                <a16:creationId xmlns:a16="http://schemas.microsoft.com/office/drawing/2014/main" id="{0E5BF6E6-6D84-8935-29AE-A3E2211DC8E1}"/>
+              </a:ext>
+            </a:extLst>
+          </p:cNvPr>
+          <p:cNvSpPr/>
+          <p:nvPr/>
+        </p:nvSpPr>
+        <p:spPr>
+          <a:xfrm>
+            <a:off x="5133143" y="5997604"/>
+            <a:ext cx="1925714" cy="703748"/>
+          </a:xfrm>
+          <a:prstGeom prst="rect">
+            <a:avLst/>
+          </a:prstGeom>
+          <a:solidFill>
+            <a:schemeClr val="bg1"/>
+          </a:solidFill>
+          <a:ln w="12700">
+            <a:solidFill>
+              <a:schemeClr val="accent1"/>
+            </a:solidFill>
+            <a:miter/>
+          </a:ln>
+          <a:extLst>
+            <a:ext uri="{C572A759-6A51-4108-AA02-DFA0A04FC94B}">
+              <ma14:wrappingTextBoxFlag xmlns:ma14="http://schemas.microsoft.com/office/mac/drawingml/2011/main" xmlns:a14="http://schemas.microsoft.com/office/drawing/2010/main" xmlns:m="http://schemas.openxmlformats.org/officeDocument/2006/math" xmlns="" val="1"/>
+            </a:ext>
+          </a:extLst>
+        </p:spPr>
+        <p:txBody>
+          <a:bodyPr lIns="45719" rIns="45719" anchor="ctr"/>
+          <a:lstStyle>
+            <a:lvl1pPr algn="ctr"/>
+          </a:lstStyle>
+          <a:p>
+            <a:pPr marL="139700" defTabSz="457200">
+              <a:lnSpc>
+                <a:spcPct val="100000"/>
+              </a:lnSpc>
+              <a:spcBef>
+                <a:spcPts val="0"/>
+              </a:spcBef>
+              <a:buClr>
+                <a:srgbClr val="1F2328"/>
+              </a:buClr>
+              <a:defRPr sz="2600">
+                <a:solidFill>
+                  <a:srgbClr val="FF40FF"/>
+                </a:solidFill>
+                <a:latin typeface="Helvetica Neue"/>
+                <a:ea typeface="Helvetica Neue"/>
+                <a:cs typeface="Helvetica Neue"/>
+                <a:sym typeface="Helvetica Neue"/>
+              </a:defRPr>
+            </a:pPr>
+            <a:r>
+              <a:rPr lang="en-US" sz="2000" b="1" dirty="0">
+                <a:latin typeface="+mn-lt"/>
+                <a:ea typeface="+mn-ea"/>
+                <a:cs typeface="+mn-cs"/>
+                <a:sym typeface="Helvetica"/>
+              </a:rPr>
+              <a:t>Provide Context</a:t>
+            </a:r>
+          </a:p>
+        </p:txBody>
+      </p:sp>
+      <p:sp>
+        <p:nvSpPr>
+          <p:cNvPr id="6" name="Spanish">
+            <a:extLst>
+              <a:ext uri="{FF2B5EF4-FFF2-40B4-BE49-F238E27FC236}">
+                <a16:creationId xmlns:a16="http://schemas.microsoft.com/office/drawing/2014/main" id="{DD51AF91-AAAD-98CC-FAA2-0D819B5E4C56}"/>
+              </a:ext>
+            </a:extLst>
+          </p:cNvPr>
+          <p:cNvSpPr/>
+          <p:nvPr/>
+        </p:nvSpPr>
+        <p:spPr>
+          <a:xfrm>
+            <a:off x="7671549" y="5993635"/>
+            <a:ext cx="2280484" cy="703748"/>
+          </a:xfrm>
+          <a:prstGeom prst="rect">
+            <a:avLst/>
+          </a:prstGeom>
+          <a:solidFill>
+            <a:schemeClr val="bg1"/>
+          </a:solidFill>
+          <a:ln w="12700">
+            <a:solidFill>
+              <a:schemeClr val="accent1"/>
+            </a:solidFill>
+            <a:miter/>
+          </a:ln>
+          <a:extLst>
+            <a:ext uri="{C572A759-6A51-4108-AA02-DFA0A04FC94B}">
+              <ma14:wrappingTextBoxFlag xmlns:ma14="http://schemas.microsoft.com/office/mac/drawingml/2011/main" xmlns:a14="http://schemas.microsoft.com/office/drawing/2010/main" xmlns:m="http://schemas.openxmlformats.org/officeDocument/2006/math" xmlns="" val="1"/>
+            </a:ext>
+          </a:extLst>
+        </p:spPr>
+        <p:txBody>
+          <a:bodyPr lIns="45719" rIns="45719" anchor="ctr"/>
+          <a:lstStyle>
+            <a:lvl1pPr algn="ctr"/>
+          </a:lstStyle>
+          <a:p>
+            <a:pPr marL="139700" defTabSz="457200">
+              <a:buClr>
+                <a:srgbClr val="1F2328"/>
+              </a:buClr>
+              <a:buSzPct val="100000"/>
+              <a:defRPr sz="2600">
+                <a:solidFill>
+                  <a:srgbClr val="942192"/>
+                </a:solidFill>
+                <a:latin typeface="Helvetica Neue"/>
+                <a:ea typeface="Helvetica Neue"/>
+                <a:cs typeface="Helvetica Neue"/>
+                <a:sym typeface="Helvetica Neue"/>
+              </a:defRPr>
+            </a:pPr>
+            <a:r>
+              <a:rPr lang="en-US" sz="2000" b="1" dirty="0">
+                <a:latin typeface="+mn-lt"/>
+                <a:ea typeface="+mn-ea"/>
+                <a:cs typeface="+mn-cs"/>
+                <a:sym typeface="Helvetica"/>
+              </a:rPr>
+              <a:t>Remind AI of Constraints</a:t>
+            </a:r>
+            <a:endParaRPr lang="en-US" sz="2000" dirty="0"/>
+          </a:p>
+        </p:txBody>
+      </p:sp>
+      <p:sp>
+        <p:nvSpPr>
+          <p:cNvPr id="7" name="English">
+            <a:extLst>
+              <a:ext uri="{FF2B5EF4-FFF2-40B4-BE49-F238E27FC236}">
+                <a16:creationId xmlns:a16="http://schemas.microsoft.com/office/drawing/2014/main" id="{1847DD8B-6BB1-361E-26E0-E7278165506D}"/>
+              </a:ext>
+            </a:extLst>
+          </p:cNvPr>
+          <p:cNvSpPr/>
+          <p:nvPr/>
+        </p:nvSpPr>
+        <p:spPr>
+          <a:xfrm>
+            <a:off x="2717850" y="5993635"/>
+            <a:ext cx="1802601" cy="703748"/>
+          </a:xfrm>
+          <a:prstGeom prst="rect">
+            <a:avLst/>
+          </a:prstGeom>
+          <a:solidFill>
+            <a:schemeClr val="bg1"/>
+          </a:solidFill>
+          <a:ln w="12700">
+            <a:solidFill>
+              <a:schemeClr val="accent1"/>
+            </a:solidFill>
+            <a:miter/>
+          </a:ln>
+          <a:extLst>
+            <a:ext uri="{C572A759-6A51-4108-AA02-DFA0A04FC94B}">
+              <ma14:wrappingTextBoxFlag xmlns:ma14="http://schemas.microsoft.com/office/mac/drawingml/2011/main" xmlns:a14="http://schemas.microsoft.com/office/drawing/2010/main" xmlns:m="http://schemas.openxmlformats.org/officeDocument/2006/math" xmlns="" val="1"/>
+            </a:ext>
+          </a:extLst>
+        </p:spPr>
+        <p:txBody>
+          <a:bodyPr lIns="45719" rIns="45719" anchor="ctr"/>
+          <a:lstStyle>
+            <a:lvl1pPr algn="ctr"/>
+          </a:lstStyle>
+          <a:p>
+            <a:pPr marL="139700" defTabSz="457200">
+              <a:lnSpc>
+                <a:spcPct val="100000"/>
+              </a:lnSpc>
+              <a:spcBef>
+                <a:spcPts val="0"/>
+              </a:spcBef>
+              <a:buClr>
+                <a:srgbClr val="1F2328"/>
+              </a:buClr>
+              <a:defRPr sz="2600">
+                <a:solidFill>
+                  <a:srgbClr val="0433FF"/>
+                </a:solidFill>
+                <a:latin typeface="Helvetica Neue"/>
+                <a:ea typeface="Helvetica Neue"/>
+                <a:cs typeface="Helvetica Neue"/>
+                <a:sym typeface="Helvetica Neue"/>
+              </a:defRPr>
+            </a:pPr>
+            <a:r>
+              <a:rPr lang="en-US" sz="2000" b="1" dirty="0">
+                <a:latin typeface="+mn-lt"/>
+                <a:ea typeface="+mn-ea"/>
+                <a:cs typeface="+mn-cs"/>
+                <a:sym typeface="Helvetica"/>
+              </a:rPr>
+              <a:t>Be Specific</a:t>
+            </a:r>
           </a:p>
         </p:txBody>
       </p:sp>
@@ -3660,7 +7072,7 @@
 </p:sld>
 </file>
 
-<file path=ppt/slides/slide11.xml><?xml version="1.0" encoding="utf-8"?>
+<file path=ppt/slides/slide15.xml><?xml version="1.0" encoding="utf-8"?>
 <p:sld xmlns:a="http://schemas.openxmlformats.org/drawingml/2006/main" xmlns:r="http://schemas.openxmlformats.org/officeDocument/2006/relationships" xmlns:p="http://schemas.openxmlformats.org/presentationml/2006/main">
   <p:cSld>
     <p:spTree>
@@ -3697,12 +7109,30 @@
           <a:lstStyle/>
           <a:p>
             <a:r>
-              <a:rPr b="0"/>
-              <a:t>Ejemplo de mensaje:</a:t>
-            </a:r>
-            <a:r>
-              <a:t> Code Content</a:t>
-            </a:r>
+              <a:rPr b="0" dirty="0" err="1"/>
+              <a:t>Ejemplo</a:t>
+            </a:r>
+            <a:r>
+              <a:rPr b="0" dirty="0"/>
+              <a:t> de </a:t>
+            </a:r>
+            <a:r>
+              <a:rPr b="0" dirty="0" err="1"/>
+              <a:t>mensaje</a:t>
+            </a:r>
+            <a:r>
+              <a:rPr b="0" dirty="0"/>
+              <a:t>:</a:t>
+            </a:r>
+            <a:r>
+              <a:rPr dirty="0"/>
+              <a:t> </a:t>
+            </a:r>
+            <a:r>
+              <a:rPr lang="en-US" dirty="0" err="1"/>
+              <a:t>Codigo</a:t>
+            </a:r>
+            <a:endParaRPr dirty="0"/>
           </a:p>
         </p:txBody>
       </p:sp>
@@ -3732,7 +7162,16 @@
               <a:defRPr sz="2324" i="1" strike="sngStrike"/>
             </a:pPr>
             <a:r>
-              <a:t>Bad: "Write a function to download instagram images."</a:t>
+              <a:rPr dirty="0"/>
+              <a:t>Bad: "Write a function to download </a:t>
+            </a:r>
+            <a:r>
+              <a:rPr dirty="0" err="1"/>
+              <a:t>instagram</a:t>
+            </a:r>
+            <a:r>
+              <a:rPr dirty="0"/>
+              <a:t> images."</a:t>
             </a:r>
           </a:p>
           <a:p>
@@ -3743,6 +7182,7 @@
               <a:defRPr sz="2324"/>
             </a:pPr>
             <a:r>
+              <a:rPr dirty="0"/>
               <a:t>Better: </a:t>
             </a:r>
           </a:p>
@@ -3754,15 +7194,208 @@
               <a:defRPr sz="2324"/>
             </a:pPr>
             <a:r>
-              <a:t>    - 1. </a:t>
-            </a:r>
-            <a:r>
-              <a:rPr>
+              <a:rPr dirty="0"/>
+              <a:t>    1. </a:t>
+            </a:r>
+            <a:r>
+              <a:rPr dirty="0">
                 <a:solidFill>
                   <a:srgbClr val="FF9300"/>
                 </a:solidFill>
               </a:rPr>
-              <a:t>Cree una búsqueda avanzada en Google para un script o repositorio centrado en descargar contenido de Instagram" [Búsquelo manualmente o mediante GPT]</a:t>
+              <a:t>Cree </a:t>
+            </a:r>
+            <a:r>
+              <a:rPr dirty="0" err="1">
+                <a:solidFill>
+                  <a:srgbClr val="FF9300"/>
+                </a:solidFill>
+              </a:rPr>
+              <a:t>una</a:t>
+            </a:r>
+            <a:r>
+              <a:rPr dirty="0">
+                <a:solidFill>
+                  <a:srgbClr val="FF9300"/>
+                </a:solidFill>
+              </a:rPr>
+              <a:t> </a:t>
+            </a:r>
+            <a:r>
+              <a:rPr dirty="0" err="1">
+                <a:solidFill>
+                  <a:srgbClr val="FF9300"/>
+                </a:solidFill>
+              </a:rPr>
+              <a:t>búsqueda</a:t>
+            </a:r>
+            <a:r>
+              <a:rPr dirty="0">
+                <a:solidFill>
+                  <a:srgbClr val="FF9300"/>
+                </a:solidFill>
+              </a:rPr>
+              <a:t> </a:t>
+            </a:r>
+            <a:r>
+              <a:rPr dirty="0" err="1">
+                <a:solidFill>
+                  <a:srgbClr val="FF9300"/>
+                </a:solidFill>
+              </a:rPr>
+              <a:t>avanzada</a:t>
+            </a:r>
+            <a:r>
+              <a:rPr dirty="0">
+                <a:solidFill>
+                  <a:srgbClr val="FF9300"/>
+                </a:solidFill>
+              </a:rPr>
+              <a:t> </a:t>
+            </a:r>
+            <a:r>
+              <a:rPr dirty="0" err="1">
+                <a:solidFill>
+                  <a:srgbClr val="FF9300"/>
+                </a:solidFill>
+              </a:rPr>
+              <a:t>en</a:t>
+            </a:r>
+            <a:r>
+              <a:rPr dirty="0">
+                <a:solidFill>
+                  <a:srgbClr val="FF9300"/>
+                </a:solidFill>
+              </a:rPr>
+              <a:t> Google para un script o </a:t>
+            </a:r>
+            <a:r>
+              <a:rPr dirty="0" err="1">
+                <a:solidFill>
+                  <a:srgbClr val="FF9300"/>
+                </a:solidFill>
+              </a:rPr>
+              <a:t>repositorio</a:t>
+            </a:r>
+            <a:r>
+              <a:rPr dirty="0">
+                <a:solidFill>
+                  <a:srgbClr val="FF9300"/>
+                </a:solidFill>
+              </a:rPr>
+              <a:t> </a:t>
+            </a:r>
+            <a:r>
+              <a:rPr dirty="0" err="1">
+                <a:solidFill>
+                  <a:srgbClr val="FF9300"/>
+                </a:solidFill>
+              </a:rPr>
+              <a:t>centrado</a:t>
+            </a:r>
+            <a:r>
+              <a:rPr dirty="0">
+                <a:solidFill>
+                  <a:srgbClr val="FF9300"/>
+                </a:solidFill>
+              </a:rPr>
+              <a:t> </a:t>
+            </a:r>
+            <a:r>
+              <a:rPr dirty="0" err="1">
+                <a:solidFill>
+                  <a:srgbClr val="FF9300"/>
+                </a:solidFill>
+              </a:rPr>
+              <a:t>en</a:t>
+            </a:r>
+            <a:r>
+              <a:rPr dirty="0">
+                <a:solidFill>
+                  <a:srgbClr val="FF9300"/>
+                </a:solidFill>
+              </a:rPr>
+              <a:t> </a:t>
+            </a:r>
+            <a:r>
+              <a:rPr dirty="0" err="1">
+                <a:solidFill>
+                  <a:srgbClr val="FF9300"/>
+                </a:solidFill>
+              </a:rPr>
+              <a:t>descargar</a:t>
+            </a:r>
+            <a:r>
+              <a:rPr dirty="0">
+                <a:solidFill>
+                  <a:srgbClr val="FF9300"/>
+                </a:solidFill>
+              </a:rPr>
+              <a:t> </a:t>
+            </a:r>
+            <a:r>
+              <a:rPr dirty="0" err="1">
+                <a:solidFill>
+                  <a:srgbClr val="FF9300"/>
+                </a:solidFill>
+              </a:rPr>
+              <a:t>contenido</a:t>
+            </a:r>
+            <a:r>
+              <a:rPr dirty="0">
+                <a:solidFill>
+                  <a:srgbClr val="FF9300"/>
+                </a:solidFill>
+              </a:rPr>
+              <a:t> de Instagram" [</a:t>
+            </a:r>
+            <a:r>
+              <a:rPr dirty="0" err="1">
+                <a:solidFill>
+                  <a:srgbClr val="FF9300"/>
+                </a:solidFill>
+              </a:rPr>
+              <a:t>Búsquelo</a:t>
+            </a:r>
+            <a:r>
+              <a:rPr dirty="0">
+                <a:solidFill>
+                  <a:srgbClr val="FF9300"/>
+                </a:solidFill>
+              </a:rPr>
+              <a:t> </a:t>
+            </a:r>
+            <a:r>
+              <a:rPr dirty="0" err="1">
+                <a:solidFill>
+                  <a:srgbClr val="FF9300"/>
+                </a:solidFill>
+              </a:rPr>
+              <a:t>manualmente</a:t>
+            </a:r>
+            <a:r>
+              <a:rPr dirty="0">
+                <a:solidFill>
+                  <a:srgbClr val="FF9300"/>
+                </a:solidFill>
+              </a:rPr>
+              <a:t> o </a:t>
+            </a:r>
+            <a:r>
+              <a:rPr dirty="0" err="1">
+                <a:solidFill>
+                  <a:srgbClr val="FF9300"/>
+                </a:solidFill>
+              </a:rPr>
+              <a:t>mediante</a:t>
+            </a:r>
+            <a:r>
+              <a:rPr dirty="0">
+                <a:solidFill>
+                  <a:srgbClr val="FF9300"/>
+                </a:solidFill>
+              </a:rPr>
+              <a:t> GPT]</a:t>
             </a:r>
           </a:p>
           <a:p>
@@ -3773,39 +7406,803 @@
               <a:defRPr sz="2324"/>
             </a:pPr>
             <a:r>
-              <a:t>    - 2. "</a:t>
-            </a:r>
-            <a:r>
-              <a:rPr>
+              <a:rPr dirty="0"/>
+              <a:t>    2. "</a:t>
+            </a:r>
+            <a:r>
+              <a:rPr dirty="0">
                 <a:solidFill>
                   <a:srgbClr val="942192"/>
                 </a:solidFill>
               </a:rPr>
-              <a:t>No seas perezoso, tómalo paso a paso. por favor envíe todo en markdown codeblock.</a:t>
-            </a:r>
-            <a:r>
+              <a:t>No seas </a:t>
+            </a:r>
+            <a:r>
+              <a:rPr dirty="0" err="1">
+                <a:solidFill>
+                  <a:srgbClr val="942192"/>
+                </a:solidFill>
+              </a:rPr>
+              <a:t>perezoso</a:t>
+            </a:r>
+            <a:r>
+              <a:rPr dirty="0">
+                <a:solidFill>
+                  <a:srgbClr val="942192"/>
+                </a:solidFill>
+              </a:rPr>
+              <a:t>, </a:t>
+            </a:r>
+            <a:r>
+              <a:rPr dirty="0" err="1">
+                <a:solidFill>
+                  <a:srgbClr val="942192"/>
+                </a:solidFill>
+              </a:rPr>
+              <a:t>tómalo</a:t>
+            </a:r>
+            <a:r>
+              <a:rPr dirty="0">
+                <a:solidFill>
+                  <a:srgbClr val="942192"/>
+                </a:solidFill>
+              </a:rPr>
+              <a:t> paso a paso. </a:t>
+            </a:r>
+            <a:r>
+              <a:rPr dirty="0" err="1">
+                <a:solidFill>
+                  <a:srgbClr val="942192"/>
+                </a:solidFill>
+              </a:rPr>
+              <a:t>por</a:t>
+            </a:r>
+            <a:r>
+              <a:rPr dirty="0">
+                <a:solidFill>
+                  <a:srgbClr val="942192"/>
+                </a:solidFill>
+              </a:rPr>
+              <a:t> favor </a:t>
+            </a:r>
+            <a:r>
+              <a:rPr dirty="0" err="1">
+                <a:solidFill>
+                  <a:srgbClr val="942192"/>
+                </a:solidFill>
+              </a:rPr>
+              <a:t>envíe</a:t>
+            </a:r>
+            <a:r>
+              <a:rPr dirty="0">
+                <a:solidFill>
+                  <a:srgbClr val="942192"/>
+                </a:solidFill>
+              </a:rPr>
               <a:t> </a:t>
             </a:r>
             <a:r>
-              <a:rPr>
+              <a:rPr dirty="0" err="1">
+                <a:solidFill>
+                  <a:srgbClr val="942192"/>
+                </a:solidFill>
+              </a:rPr>
+              <a:t>todo</a:t>
+            </a:r>
+            <a:r>
+              <a:rPr dirty="0">
+                <a:solidFill>
+                  <a:srgbClr val="942192"/>
+                </a:solidFill>
+              </a:rPr>
+              <a:t> </a:t>
+            </a:r>
+            <a:r>
+              <a:rPr dirty="0" err="1">
+                <a:solidFill>
+                  <a:srgbClr val="942192"/>
+                </a:solidFill>
+              </a:rPr>
+              <a:t>en</a:t>
+            </a:r>
+            <a:r>
+              <a:rPr dirty="0">
+                <a:solidFill>
+                  <a:srgbClr val="942192"/>
+                </a:solidFill>
+              </a:rPr>
+              <a:t> markdown </a:t>
+            </a:r>
+            <a:r>
+              <a:rPr dirty="0" err="1">
+                <a:solidFill>
+                  <a:srgbClr val="942192"/>
+                </a:solidFill>
+              </a:rPr>
+              <a:t>codeblock</a:t>
+            </a:r>
+            <a:r>
+              <a:rPr dirty="0">
+                <a:solidFill>
+                  <a:srgbClr val="942192"/>
+                </a:solidFill>
+              </a:rPr>
+              <a:t>.</a:t>
+            </a:r>
+            <a:r>
+              <a:rPr dirty="0"/>
+              <a:t> </a:t>
+            </a:r>
+            <a:r>
+              <a:rPr dirty="0">
                 <a:solidFill>
                   <a:srgbClr val="FF40FF"/>
                 </a:solidFill>
               </a:rPr>
-              <a:t>Eres un desarrollador de software que trabaja en una herramienta de análisis de redes sociales.</a:t>
-            </a:r>
-            <a:r>
+              <a:t>Eres un </a:t>
+            </a:r>
+            <a:r>
+              <a:rPr dirty="0" err="1">
+                <a:solidFill>
+                  <a:srgbClr val="FF40FF"/>
+                </a:solidFill>
+              </a:rPr>
+              <a:t>desarrollador</a:t>
+            </a:r>
+            <a:r>
+              <a:rPr dirty="0">
+                <a:solidFill>
+                  <a:srgbClr val="FF40FF"/>
+                </a:solidFill>
+              </a:rPr>
+              <a:t> de software que </a:t>
+            </a:r>
+            <a:r>
+              <a:rPr dirty="0" err="1">
+                <a:solidFill>
+                  <a:srgbClr val="FF40FF"/>
+                </a:solidFill>
+              </a:rPr>
+              <a:t>trabaja</a:t>
+            </a:r>
+            <a:r>
+              <a:rPr dirty="0">
+                <a:solidFill>
+                  <a:srgbClr val="FF40FF"/>
+                </a:solidFill>
+              </a:rPr>
               <a:t> </a:t>
             </a:r>
             <a:r>
-              <a:rPr>
-                <a:solidFill>
-                  <a:srgbClr val="0433FF"/>
-                </a:solidFill>
-              </a:rPr>
-              <a:t>Escriba una función de Python que descargue imágenes de Instagram en función de uno o más hashtags, usuarios o palabras clave específicos. La función debe tomar el hashtag como entrada del usuario, extraer las imágenes y almacenarlas en un directorio local. Asegúrese de que la función maneje los errores correctamente y proporcione comentarios al usuario sobre el progreso de la descarga.</a:t>
-            </a:r>
-            <a:r>
+              <a:rPr dirty="0" err="1">
+                <a:solidFill>
+                  <a:srgbClr val="FF40FF"/>
+                </a:solidFill>
+              </a:rPr>
+              <a:t>en</a:t>
+            </a:r>
+            <a:r>
+              <a:rPr dirty="0">
+                <a:solidFill>
+                  <a:srgbClr val="FF40FF"/>
+                </a:solidFill>
+              </a:rPr>
+              <a:t> </a:t>
+            </a:r>
+            <a:r>
+              <a:rPr dirty="0" err="1">
+                <a:solidFill>
+                  <a:srgbClr val="FF40FF"/>
+                </a:solidFill>
+              </a:rPr>
+              <a:t>una</a:t>
+            </a:r>
+            <a:r>
+              <a:rPr dirty="0">
+                <a:solidFill>
+                  <a:srgbClr val="FF40FF"/>
+                </a:solidFill>
+              </a:rPr>
+              <a:t> </a:t>
+            </a:r>
+            <a:r>
+              <a:rPr dirty="0" err="1">
+                <a:solidFill>
+                  <a:srgbClr val="FF40FF"/>
+                </a:solidFill>
+              </a:rPr>
+              <a:t>herramienta</a:t>
+            </a:r>
+            <a:r>
+              <a:rPr dirty="0">
+                <a:solidFill>
+                  <a:srgbClr val="FF40FF"/>
+                </a:solidFill>
+              </a:rPr>
+              <a:t> de </a:t>
+            </a:r>
+            <a:r>
+              <a:rPr dirty="0" err="1">
+                <a:solidFill>
+                  <a:srgbClr val="FF40FF"/>
+                </a:solidFill>
+              </a:rPr>
+              <a:t>análisis</a:t>
+            </a:r>
+            <a:r>
+              <a:rPr dirty="0">
+                <a:solidFill>
+                  <a:srgbClr val="FF40FF"/>
+                </a:solidFill>
+              </a:rPr>
+              <a:t> de redes </a:t>
+            </a:r>
+            <a:r>
+              <a:rPr dirty="0" err="1">
+                <a:solidFill>
+                  <a:srgbClr val="FF40FF"/>
+                </a:solidFill>
+              </a:rPr>
+              <a:t>sociales</a:t>
+            </a:r>
+            <a:r>
+              <a:rPr dirty="0">
+                <a:solidFill>
+                  <a:srgbClr val="FF40FF"/>
+                </a:solidFill>
+              </a:rPr>
+              <a:t>.</a:t>
+            </a:r>
+            <a:r>
+              <a:rPr dirty="0"/>
+              <a:t> </a:t>
+            </a:r>
+            <a:r>
+              <a:rPr dirty="0" err="1">
+                <a:solidFill>
+                  <a:srgbClr val="0433FF"/>
+                </a:solidFill>
+              </a:rPr>
+              <a:t>Escriba</a:t>
+            </a:r>
+            <a:r>
+              <a:rPr dirty="0">
+                <a:solidFill>
+                  <a:srgbClr val="0433FF"/>
+                </a:solidFill>
+              </a:rPr>
+              <a:t> </a:t>
+            </a:r>
+            <a:r>
+              <a:rPr dirty="0" err="1">
+                <a:solidFill>
+                  <a:srgbClr val="0433FF"/>
+                </a:solidFill>
+              </a:rPr>
+              <a:t>una</a:t>
+            </a:r>
+            <a:r>
+              <a:rPr dirty="0">
+                <a:solidFill>
+                  <a:srgbClr val="0433FF"/>
+                </a:solidFill>
+              </a:rPr>
+              <a:t> </a:t>
+            </a:r>
+            <a:r>
+              <a:rPr dirty="0" err="1">
+                <a:solidFill>
+                  <a:srgbClr val="0433FF"/>
+                </a:solidFill>
+              </a:rPr>
+              <a:t>función</a:t>
+            </a:r>
+            <a:r>
+              <a:rPr dirty="0">
+                <a:solidFill>
+                  <a:srgbClr val="0433FF"/>
+                </a:solidFill>
+              </a:rPr>
+              <a:t> de Python que </a:t>
+            </a:r>
+            <a:r>
+              <a:rPr dirty="0" err="1">
+                <a:solidFill>
+                  <a:srgbClr val="0433FF"/>
+                </a:solidFill>
+              </a:rPr>
+              <a:t>descargue</a:t>
+            </a:r>
+            <a:r>
+              <a:rPr dirty="0">
+                <a:solidFill>
+                  <a:srgbClr val="0433FF"/>
+                </a:solidFill>
+              </a:rPr>
+              <a:t> </a:t>
+            </a:r>
+            <a:r>
+              <a:rPr dirty="0" err="1">
+                <a:solidFill>
+                  <a:srgbClr val="0433FF"/>
+                </a:solidFill>
+              </a:rPr>
+              <a:t>imágenes</a:t>
+            </a:r>
+            <a:r>
+              <a:rPr dirty="0">
+                <a:solidFill>
+                  <a:srgbClr val="0433FF"/>
+                </a:solidFill>
+              </a:rPr>
+              <a:t> de Instagram </a:t>
+            </a:r>
+            <a:r>
+              <a:rPr dirty="0" err="1">
+                <a:solidFill>
+                  <a:srgbClr val="0433FF"/>
+                </a:solidFill>
+              </a:rPr>
+              <a:t>en</a:t>
+            </a:r>
+            <a:r>
+              <a:rPr dirty="0">
+                <a:solidFill>
+                  <a:srgbClr val="0433FF"/>
+                </a:solidFill>
+              </a:rPr>
+              <a:t> </a:t>
+            </a:r>
+            <a:r>
+              <a:rPr dirty="0" err="1">
+                <a:solidFill>
+                  <a:srgbClr val="0433FF"/>
+                </a:solidFill>
+              </a:rPr>
+              <a:t>función</a:t>
+            </a:r>
+            <a:r>
+              <a:rPr dirty="0">
+                <a:solidFill>
+                  <a:srgbClr val="0433FF"/>
+                </a:solidFill>
+              </a:rPr>
+              <a:t> de uno o </a:t>
+            </a:r>
+            <a:r>
+              <a:rPr dirty="0" err="1">
+                <a:solidFill>
+                  <a:srgbClr val="0433FF"/>
+                </a:solidFill>
+              </a:rPr>
+              <a:t>más</a:t>
+            </a:r>
+            <a:r>
+              <a:rPr dirty="0">
+                <a:solidFill>
+                  <a:srgbClr val="0433FF"/>
+                </a:solidFill>
+              </a:rPr>
+              <a:t> hashtags, </a:t>
+            </a:r>
+            <a:r>
+              <a:rPr dirty="0" err="1">
+                <a:solidFill>
+                  <a:srgbClr val="0433FF"/>
+                </a:solidFill>
+              </a:rPr>
+              <a:t>usuarios</a:t>
+            </a:r>
+            <a:r>
+              <a:rPr dirty="0">
+                <a:solidFill>
+                  <a:srgbClr val="0433FF"/>
+                </a:solidFill>
+              </a:rPr>
+              <a:t> o palabras clave </a:t>
+            </a:r>
+            <a:r>
+              <a:rPr dirty="0" err="1">
+                <a:solidFill>
+                  <a:srgbClr val="0433FF"/>
+                </a:solidFill>
+              </a:rPr>
+              <a:t>específicos</a:t>
+            </a:r>
+            <a:r>
+              <a:rPr dirty="0">
+                <a:solidFill>
+                  <a:srgbClr val="0433FF"/>
+                </a:solidFill>
+              </a:rPr>
+              <a:t>. La </a:t>
+            </a:r>
+            <a:r>
+              <a:rPr dirty="0" err="1">
+                <a:solidFill>
+                  <a:srgbClr val="0433FF"/>
+                </a:solidFill>
+              </a:rPr>
+              <a:t>función</a:t>
+            </a:r>
+            <a:r>
+              <a:rPr dirty="0">
+                <a:solidFill>
+                  <a:srgbClr val="0433FF"/>
+                </a:solidFill>
+              </a:rPr>
+              <a:t> </a:t>
+            </a:r>
+            <a:r>
+              <a:rPr dirty="0" err="1">
+                <a:solidFill>
+                  <a:srgbClr val="0433FF"/>
+                </a:solidFill>
+              </a:rPr>
+              <a:t>debe</a:t>
+            </a:r>
+            <a:r>
+              <a:rPr dirty="0">
+                <a:solidFill>
+                  <a:srgbClr val="0433FF"/>
+                </a:solidFill>
+              </a:rPr>
+              <a:t> </a:t>
+            </a:r>
+            <a:r>
+              <a:rPr dirty="0" err="1">
+                <a:solidFill>
+                  <a:srgbClr val="0433FF"/>
+                </a:solidFill>
+              </a:rPr>
+              <a:t>tomar</a:t>
+            </a:r>
+            <a:r>
+              <a:rPr dirty="0">
+                <a:solidFill>
+                  <a:srgbClr val="0433FF"/>
+                </a:solidFill>
+              </a:rPr>
+              <a:t> </a:t>
+            </a:r>
+            <a:r>
+              <a:rPr dirty="0" err="1">
+                <a:solidFill>
+                  <a:srgbClr val="0433FF"/>
+                </a:solidFill>
+              </a:rPr>
+              <a:t>el</a:t>
+            </a:r>
+            <a:r>
+              <a:rPr dirty="0">
+                <a:solidFill>
+                  <a:srgbClr val="0433FF"/>
+                </a:solidFill>
+              </a:rPr>
+              <a:t> hashtag </a:t>
+            </a:r>
+            <a:r>
+              <a:rPr dirty="0" err="1">
+                <a:solidFill>
+                  <a:srgbClr val="0433FF"/>
+                </a:solidFill>
+              </a:rPr>
+              <a:t>como</a:t>
+            </a:r>
+            <a:r>
+              <a:rPr dirty="0">
+                <a:solidFill>
+                  <a:srgbClr val="0433FF"/>
+                </a:solidFill>
+              </a:rPr>
+              <a:t> entrada del </a:t>
+            </a:r>
+            <a:r>
+              <a:rPr dirty="0" err="1">
+                <a:solidFill>
+                  <a:srgbClr val="0433FF"/>
+                </a:solidFill>
+              </a:rPr>
+              <a:t>usuario</a:t>
+            </a:r>
+            <a:r>
+              <a:rPr dirty="0">
+                <a:solidFill>
+                  <a:srgbClr val="0433FF"/>
+                </a:solidFill>
+              </a:rPr>
+              <a:t>, </a:t>
+            </a:r>
+            <a:r>
+              <a:rPr dirty="0" err="1">
+                <a:solidFill>
+                  <a:srgbClr val="0433FF"/>
+                </a:solidFill>
+              </a:rPr>
+              <a:t>extraer</a:t>
+            </a:r>
+            <a:r>
+              <a:rPr dirty="0">
+                <a:solidFill>
+                  <a:srgbClr val="0433FF"/>
+                </a:solidFill>
+              </a:rPr>
+              <a:t> las </a:t>
+            </a:r>
+            <a:r>
+              <a:rPr dirty="0" err="1">
+                <a:solidFill>
+                  <a:srgbClr val="0433FF"/>
+                </a:solidFill>
+              </a:rPr>
+              <a:t>imágenes</a:t>
+            </a:r>
+            <a:r>
+              <a:rPr dirty="0">
+                <a:solidFill>
+                  <a:srgbClr val="0433FF"/>
+                </a:solidFill>
+              </a:rPr>
+              <a:t> y </a:t>
+            </a:r>
+            <a:r>
+              <a:rPr dirty="0" err="1">
+                <a:solidFill>
+                  <a:srgbClr val="0433FF"/>
+                </a:solidFill>
+              </a:rPr>
+              <a:t>almacenarlas</a:t>
+            </a:r>
+            <a:r>
+              <a:rPr dirty="0">
+                <a:solidFill>
+                  <a:srgbClr val="0433FF"/>
+                </a:solidFill>
+              </a:rPr>
+              <a:t> </a:t>
+            </a:r>
+            <a:r>
+              <a:rPr dirty="0" err="1">
+                <a:solidFill>
+                  <a:srgbClr val="0433FF"/>
+                </a:solidFill>
+              </a:rPr>
+              <a:t>en</a:t>
+            </a:r>
+            <a:r>
+              <a:rPr dirty="0">
+                <a:solidFill>
+                  <a:srgbClr val="0433FF"/>
+                </a:solidFill>
+              </a:rPr>
+              <a:t> un </a:t>
+            </a:r>
+            <a:r>
+              <a:rPr dirty="0" err="1">
+                <a:solidFill>
+                  <a:srgbClr val="0433FF"/>
+                </a:solidFill>
+              </a:rPr>
+              <a:t>directorio</a:t>
+            </a:r>
+            <a:r>
+              <a:rPr dirty="0">
+                <a:solidFill>
+                  <a:srgbClr val="0433FF"/>
+                </a:solidFill>
+              </a:rPr>
+              <a:t> local. </a:t>
+            </a:r>
+            <a:r>
+              <a:rPr dirty="0" err="1">
+                <a:solidFill>
+                  <a:srgbClr val="0433FF"/>
+                </a:solidFill>
+              </a:rPr>
+              <a:t>Asegúrese</a:t>
+            </a:r>
+            <a:r>
+              <a:rPr dirty="0">
+                <a:solidFill>
+                  <a:srgbClr val="0433FF"/>
+                </a:solidFill>
+              </a:rPr>
+              <a:t> de que la </a:t>
+            </a:r>
+            <a:r>
+              <a:rPr dirty="0" err="1">
+                <a:solidFill>
+                  <a:srgbClr val="0433FF"/>
+                </a:solidFill>
+              </a:rPr>
+              <a:t>función</a:t>
+            </a:r>
+            <a:r>
+              <a:rPr dirty="0">
+                <a:solidFill>
+                  <a:srgbClr val="0433FF"/>
+                </a:solidFill>
+              </a:rPr>
+              <a:t> </a:t>
+            </a:r>
+            <a:r>
+              <a:rPr dirty="0" err="1">
+                <a:solidFill>
+                  <a:srgbClr val="0433FF"/>
+                </a:solidFill>
+              </a:rPr>
+              <a:t>maneje</a:t>
+            </a:r>
+            <a:r>
+              <a:rPr dirty="0">
+                <a:solidFill>
+                  <a:srgbClr val="0433FF"/>
+                </a:solidFill>
+              </a:rPr>
+              <a:t> </a:t>
+            </a:r>
+            <a:r>
+              <a:rPr dirty="0" err="1">
+                <a:solidFill>
+                  <a:srgbClr val="0433FF"/>
+                </a:solidFill>
+              </a:rPr>
+              <a:t>los</a:t>
+            </a:r>
+            <a:r>
+              <a:rPr dirty="0">
+                <a:solidFill>
+                  <a:srgbClr val="0433FF"/>
+                </a:solidFill>
+              </a:rPr>
+              <a:t> </a:t>
+            </a:r>
+            <a:r>
+              <a:rPr dirty="0" err="1">
+                <a:solidFill>
+                  <a:srgbClr val="0433FF"/>
+                </a:solidFill>
+              </a:rPr>
+              <a:t>errores</a:t>
+            </a:r>
+            <a:r>
+              <a:rPr dirty="0">
+                <a:solidFill>
+                  <a:srgbClr val="0433FF"/>
+                </a:solidFill>
+              </a:rPr>
+              <a:t> </a:t>
+            </a:r>
+            <a:r>
+              <a:rPr dirty="0" err="1">
+                <a:solidFill>
+                  <a:srgbClr val="0433FF"/>
+                </a:solidFill>
+              </a:rPr>
+              <a:t>correctamente</a:t>
+            </a:r>
+            <a:r>
+              <a:rPr dirty="0">
+                <a:solidFill>
+                  <a:srgbClr val="0433FF"/>
+                </a:solidFill>
+              </a:rPr>
+              <a:t> y </a:t>
+            </a:r>
+            <a:r>
+              <a:rPr dirty="0" err="1">
+                <a:solidFill>
+                  <a:srgbClr val="0433FF"/>
+                </a:solidFill>
+              </a:rPr>
+              <a:t>proporcione</a:t>
+            </a:r>
+            <a:r>
+              <a:rPr dirty="0">
+                <a:solidFill>
+                  <a:srgbClr val="0433FF"/>
+                </a:solidFill>
+              </a:rPr>
+              <a:t> </a:t>
+            </a:r>
+            <a:r>
+              <a:rPr dirty="0" err="1">
+                <a:solidFill>
+                  <a:srgbClr val="0433FF"/>
+                </a:solidFill>
+              </a:rPr>
+              <a:t>comentarios</a:t>
+            </a:r>
+            <a:r>
+              <a:rPr dirty="0">
+                <a:solidFill>
+                  <a:srgbClr val="0433FF"/>
+                </a:solidFill>
+              </a:rPr>
+              <a:t> al </a:t>
+            </a:r>
+            <a:r>
+              <a:rPr dirty="0" err="1">
+                <a:solidFill>
+                  <a:srgbClr val="0433FF"/>
+                </a:solidFill>
+              </a:rPr>
+              <a:t>usuario</a:t>
+            </a:r>
+            <a:r>
+              <a:rPr dirty="0">
+                <a:solidFill>
+                  <a:srgbClr val="0433FF"/>
+                </a:solidFill>
+              </a:rPr>
+              <a:t> </a:t>
+            </a:r>
+            <a:r>
+              <a:rPr dirty="0" err="1">
+                <a:solidFill>
+                  <a:srgbClr val="0433FF"/>
+                </a:solidFill>
+              </a:rPr>
+              <a:t>sobre</a:t>
+            </a:r>
+            <a:r>
+              <a:rPr dirty="0">
+                <a:solidFill>
+                  <a:srgbClr val="0433FF"/>
+                </a:solidFill>
+              </a:rPr>
+              <a:t> </a:t>
+            </a:r>
+            <a:r>
+              <a:rPr dirty="0" err="1">
+                <a:solidFill>
+                  <a:srgbClr val="0433FF"/>
+                </a:solidFill>
+              </a:rPr>
+              <a:t>el</a:t>
+            </a:r>
+            <a:r>
+              <a:rPr dirty="0">
+                <a:solidFill>
+                  <a:srgbClr val="0433FF"/>
+                </a:solidFill>
+              </a:rPr>
+              <a:t> </a:t>
+            </a:r>
+            <a:r>
+              <a:rPr dirty="0" err="1">
+                <a:solidFill>
+                  <a:srgbClr val="0433FF"/>
+                </a:solidFill>
+              </a:rPr>
+              <a:t>progreso</a:t>
+            </a:r>
+            <a:r>
+              <a:rPr dirty="0">
+                <a:solidFill>
+                  <a:srgbClr val="0433FF"/>
+                </a:solidFill>
+              </a:rPr>
+              <a:t> de la </a:t>
+            </a:r>
+            <a:r>
+              <a:rPr dirty="0" err="1">
+                <a:solidFill>
+                  <a:srgbClr val="0433FF"/>
+                </a:solidFill>
+              </a:rPr>
+              <a:t>descarga</a:t>
+            </a:r>
+            <a:r>
+              <a:rPr dirty="0">
+                <a:solidFill>
+                  <a:srgbClr val="0433FF"/>
+                </a:solidFill>
+              </a:rPr>
+              <a:t>.</a:t>
+            </a:r>
+            <a:r>
+              <a:rPr dirty="0"/>
               <a:t>"</a:t>
             </a:r>
           </a:p>
@@ -3827,7 +8224,7 @@
           </a:prstGeom>
           <a:extLst>
             <a:ext uri="{C572A759-6A51-4108-AA02-DFA0A04FC94B}">
-              <ma14:wrappingTextBoxFlag xmlns="" xmlns:m="http://schemas.openxmlformats.org/officeDocument/2006/math" xmlns:a14="http://schemas.microsoft.com/office/drawing/2010/main" xmlns:ma14="http://schemas.microsoft.com/office/mac/drawingml/2011/main" val="1"/>
+              <ma14:wrappingTextBoxFlag xmlns:ma14="http://schemas.microsoft.com/office/mac/drawingml/2011/main" xmlns:a14="http://schemas.microsoft.com/office/drawing/2010/main" xmlns:m="http://schemas.openxmlformats.org/officeDocument/2006/math" xmlns="" val="1"/>
             </a:ext>
           </a:extLst>
         </p:spPr>
@@ -3836,9 +8233,292 @@
           <a:lstStyle/>
           <a:p>
             <a:fld id="{86CB4B4D-7CA3-9044-876B-883B54F8677D}" type="slidenum">
-              <a:t>11</a:t>
+              <a:rPr/>
+              <a:t>15</a:t>
             </a:fld>
             <a:endParaRPr/>
+          </a:p>
+        </p:txBody>
+      </p:sp>
+      <p:sp>
+        <p:nvSpPr>
+          <p:cNvPr id="2" name="English">
+            <a:extLst>
+              <a:ext uri="{FF2B5EF4-FFF2-40B4-BE49-F238E27FC236}">
+                <a16:creationId xmlns:a16="http://schemas.microsoft.com/office/drawing/2014/main" id="{9C90F422-9D99-469F-E20D-9F26157BCCA7}"/>
+              </a:ext>
+            </a:extLst>
+          </p:cNvPr>
+          <p:cNvSpPr/>
+          <p:nvPr/>
+        </p:nvSpPr>
+        <p:spPr>
+          <a:xfrm>
+            <a:off x="5133143" y="6062886"/>
+            <a:ext cx="1925714" cy="703748"/>
+          </a:xfrm>
+          <a:prstGeom prst="rect">
+            <a:avLst/>
+          </a:prstGeom>
+          <a:solidFill>
+            <a:schemeClr val="bg1"/>
+          </a:solidFill>
+          <a:ln w="12700">
+            <a:solidFill>
+              <a:schemeClr val="accent1"/>
+            </a:solidFill>
+            <a:miter/>
+          </a:ln>
+          <a:extLst>
+            <a:ext uri="{C572A759-6A51-4108-AA02-DFA0A04FC94B}">
+              <ma14:wrappingTextBoxFlag xmlns:ma14="http://schemas.microsoft.com/office/mac/drawingml/2011/main" xmlns:a14="http://schemas.microsoft.com/office/drawing/2010/main" xmlns:m="http://schemas.openxmlformats.org/officeDocument/2006/math" xmlns="" val="1"/>
+            </a:ext>
+          </a:extLst>
+        </p:spPr>
+        <p:txBody>
+          <a:bodyPr lIns="45719" rIns="45719" anchor="ctr"/>
+          <a:lstStyle>
+            <a:lvl1pPr algn="ctr"/>
+          </a:lstStyle>
+          <a:p>
+            <a:pPr marL="139700" defTabSz="457200">
+              <a:lnSpc>
+                <a:spcPct val="100000"/>
+              </a:lnSpc>
+              <a:spcBef>
+                <a:spcPts val="0"/>
+              </a:spcBef>
+              <a:buClr>
+                <a:srgbClr val="1F2328"/>
+              </a:buClr>
+              <a:defRPr sz="2600">
+                <a:solidFill>
+                  <a:srgbClr val="FF40FF"/>
+                </a:solidFill>
+                <a:latin typeface="Helvetica Neue"/>
+                <a:ea typeface="Helvetica Neue"/>
+                <a:cs typeface="Helvetica Neue"/>
+                <a:sym typeface="Helvetica Neue"/>
+              </a:defRPr>
+            </a:pPr>
+            <a:r>
+              <a:rPr lang="en-US" sz="2000" b="1" dirty="0" err="1">
+                <a:latin typeface="+mn-lt"/>
+                <a:ea typeface="+mn-ea"/>
+                <a:cs typeface="+mn-cs"/>
+                <a:sym typeface="Helvetica"/>
+              </a:rPr>
+              <a:t>Proporcionar</a:t>
+            </a:r>
+            <a:r>
+              <a:rPr lang="en-US" sz="2000" b="1" dirty="0">
+                <a:latin typeface="+mn-lt"/>
+                <a:ea typeface="+mn-ea"/>
+                <a:cs typeface="+mn-cs"/>
+                <a:sym typeface="Helvetica"/>
+              </a:rPr>
+              <a:t> </a:t>
+            </a:r>
+            <a:r>
+              <a:rPr lang="en-US" sz="2000" b="1" dirty="0" err="1">
+                <a:latin typeface="+mn-lt"/>
+                <a:ea typeface="+mn-ea"/>
+                <a:cs typeface="+mn-cs"/>
+                <a:sym typeface="Helvetica"/>
+              </a:rPr>
+              <a:t>contexto</a:t>
+            </a:r>
+            <a:endParaRPr lang="en-US" sz="2000" b="1" dirty="0">
+              <a:latin typeface="+mn-lt"/>
+              <a:ea typeface="+mn-ea"/>
+              <a:cs typeface="+mn-cs"/>
+              <a:sym typeface="Helvetica"/>
+            </a:endParaRPr>
+          </a:p>
+        </p:txBody>
+      </p:sp>
+      <p:sp>
+        <p:nvSpPr>
+          <p:cNvPr id="3" name="Spanish">
+            <a:extLst>
+              <a:ext uri="{FF2B5EF4-FFF2-40B4-BE49-F238E27FC236}">
+                <a16:creationId xmlns:a16="http://schemas.microsoft.com/office/drawing/2014/main" id="{752EDC4D-3070-2388-53F6-1A70D27FA78B}"/>
+              </a:ext>
+            </a:extLst>
+          </p:cNvPr>
+          <p:cNvSpPr/>
+          <p:nvPr/>
+        </p:nvSpPr>
+        <p:spPr>
+          <a:xfrm>
+            <a:off x="7671549" y="6058917"/>
+            <a:ext cx="2280484" cy="703748"/>
+          </a:xfrm>
+          <a:prstGeom prst="rect">
+            <a:avLst/>
+          </a:prstGeom>
+          <a:solidFill>
+            <a:schemeClr val="bg1"/>
+          </a:solidFill>
+          <a:ln w="12700">
+            <a:solidFill>
+              <a:schemeClr val="accent1"/>
+            </a:solidFill>
+            <a:miter/>
+          </a:ln>
+          <a:extLst>
+            <a:ext uri="{C572A759-6A51-4108-AA02-DFA0A04FC94B}">
+              <ma14:wrappingTextBoxFlag xmlns:ma14="http://schemas.microsoft.com/office/mac/drawingml/2011/main" xmlns:a14="http://schemas.microsoft.com/office/drawing/2010/main" xmlns:m="http://schemas.openxmlformats.org/officeDocument/2006/math" xmlns="" val="1"/>
+            </a:ext>
+          </a:extLst>
+        </p:spPr>
+        <p:txBody>
+          <a:bodyPr lIns="45719" rIns="45719" anchor="ctr"/>
+          <a:lstStyle>
+            <a:lvl1pPr algn="ctr"/>
+          </a:lstStyle>
+          <a:p>
+            <a:pPr marL="139700" defTabSz="457200">
+              <a:lnSpc>
+                <a:spcPct val="100000"/>
+              </a:lnSpc>
+              <a:spcBef>
+                <a:spcPts val="0"/>
+              </a:spcBef>
+              <a:buClr>
+                <a:srgbClr val="1F2328"/>
+              </a:buClr>
+              <a:defRPr sz="2600">
+                <a:solidFill>
+                  <a:srgbClr val="942192"/>
+                </a:solidFill>
+                <a:latin typeface="Helvetica Neue"/>
+                <a:ea typeface="Helvetica Neue"/>
+                <a:cs typeface="Helvetica Neue"/>
+                <a:sym typeface="Helvetica Neue"/>
+              </a:defRPr>
+            </a:pPr>
+            <a:r>
+              <a:rPr lang="en-US" sz="2000" b="1" dirty="0" err="1">
+                <a:latin typeface="+mn-lt"/>
+                <a:ea typeface="+mn-ea"/>
+                <a:cs typeface="+mn-cs"/>
+                <a:sym typeface="Helvetica"/>
+              </a:rPr>
+              <a:t>Recuerde</a:t>
+            </a:r>
+            <a:r>
+              <a:rPr lang="en-US" sz="2000" b="1" dirty="0">
+                <a:latin typeface="+mn-lt"/>
+                <a:ea typeface="+mn-ea"/>
+                <a:cs typeface="+mn-cs"/>
+                <a:sym typeface="Helvetica"/>
+              </a:rPr>
+              <a:t> de las </a:t>
+            </a:r>
+            <a:r>
+              <a:rPr lang="en-US" sz="2000" b="1" dirty="0" err="1">
+                <a:latin typeface="+mn-lt"/>
+                <a:ea typeface="+mn-ea"/>
+                <a:cs typeface="+mn-cs"/>
+                <a:sym typeface="Helvetica"/>
+              </a:rPr>
+              <a:t>restricciones</a:t>
+            </a:r>
+            <a:endParaRPr lang="en-US" sz="2000" b="1" dirty="0">
+              <a:latin typeface="+mn-lt"/>
+              <a:ea typeface="+mn-ea"/>
+              <a:cs typeface="+mn-cs"/>
+              <a:sym typeface="Helvetica"/>
+            </a:endParaRPr>
+          </a:p>
+        </p:txBody>
+      </p:sp>
+      <p:sp>
+        <p:nvSpPr>
+          <p:cNvPr id="4" name="English">
+            <a:extLst>
+              <a:ext uri="{FF2B5EF4-FFF2-40B4-BE49-F238E27FC236}">
+                <a16:creationId xmlns:a16="http://schemas.microsoft.com/office/drawing/2014/main" id="{3E056D80-23D7-9556-3689-B4275EF3579A}"/>
+              </a:ext>
+            </a:extLst>
+          </p:cNvPr>
+          <p:cNvSpPr/>
+          <p:nvPr/>
+        </p:nvSpPr>
+        <p:spPr>
+          <a:xfrm>
+            <a:off x="2717850" y="6058917"/>
+            <a:ext cx="1802601" cy="703748"/>
+          </a:xfrm>
+          <a:prstGeom prst="rect">
+            <a:avLst/>
+          </a:prstGeom>
+          <a:solidFill>
+            <a:schemeClr val="bg1"/>
+          </a:solidFill>
+          <a:ln w="12700">
+            <a:solidFill>
+              <a:schemeClr val="accent1"/>
+            </a:solidFill>
+            <a:miter/>
+          </a:ln>
+          <a:extLst>
+            <a:ext uri="{C572A759-6A51-4108-AA02-DFA0A04FC94B}">
+              <ma14:wrappingTextBoxFlag xmlns:ma14="http://schemas.microsoft.com/office/mac/drawingml/2011/main" xmlns:a14="http://schemas.microsoft.com/office/drawing/2010/main" xmlns:m="http://schemas.openxmlformats.org/officeDocument/2006/math" xmlns="" val="1"/>
+            </a:ext>
+          </a:extLst>
+        </p:spPr>
+        <p:txBody>
+          <a:bodyPr lIns="45719" rIns="45719" anchor="ctr"/>
+          <a:lstStyle>
+            <a:lvl1pPr algn="ctr"/>
+          </a:lstStyle>
+          <a:p>
+            <a:pPr marL="139700" defTabSz="457200">
+              <a:lnSpc>
+                <a:spcPct val="100000"/>
+              </a:lnSpc>
+              <a:spcBef>
+                <a:spcPts val="0"/>
+              </a:spcBef>
+              <a:buClr>
+                <a:srgbClr val="1F2328"/>
+              </a:buClr>
+              <a:defRPr sz="2600">
+                <a:solidFill>
+                  <a:srgbClr val="0433FF"/>
+                </a:solidFill>
+                <a:latin typeface="Helvetica Neue"/>
+                <a:ea typeface="Helvetica Neue"/>
+                <a:cs typeface="Helvetica Neue"/>
+                <a:sym typeface="Helvetica Neue"/>
+              </a:defRPr>
+            </a:pPr>
+            <a:r>
+              <a:rPr lang="en-US" sz="2000" b="1" dirty="0">
+                <a:latin typeface="+mn-lt"/>
+                <a:ea typeface="+mn-ea"/>
+                <a:cs typeface="+mn-cs"/>
+                <a:sym typeface="Helvetica"/>
+              </a:rPr>
+              <a:t>Sea </a:t>
+            </a:r>
+            <a:r>
+              <a:rPr lang="en-US" sz="2000" b="1" dirty="0" err="1">
+                <a:latin typeface="+mn-lt"/>
+                <a:ea typeface="+mn-ea"/>
+                <a:cs typeface="+mn-cs"/>
+                <a:sym typeface="Helvetica"/>
+              </a:rPr>
+              <a:t>específico</a:t>
+            </a:r>
+            <a:endParaRPr lang="en-US" sz="2000" b="1" dirty="0">
+              <a:latin typeface="+mn-lt"/>
+              <a:ea typeface="+mn-ea"/>
+              <a:cs typeface="+mn-cs"/>
+              <a:sym typeface="Helvetica"/>
+            </a:endParaRPr>
           </a:p>
         </p:txBody>
       </p:sp>
@@ -3851,7 +8531,7 @@
 </p:sld>
 </file>
 
-<file path=ppt/slides/slide12.xml><?xml version="1.0" encoding="utf-8"?>
+<file path=ppt/slides/slide16.xml><?xml version="1.0" encoding="utf-8"?>
 <p:sld xmlns:a="http://schemas.openxmlformats.org/drawingml/2006/main" xmlns:r="http://schemas.openxmlformats.org/officeDocument/2006/relationships" xmlns:p="http://schemas.openxmlformats.org/presentationml/2006/main">
   <p:cSld>
     <p:bg>
@@ -3896,7 +8576,7 @@
           </a:prstGeom>
           <a:extLst>
             <a:ext uri="{C572A759-6A51-4108-AA02-DFA0A04FC94B}">
-              <ma14:wrappingTextBoxFlag xmlns:ma14="http://schemas.microsoft.com/office/mac/drawingml/2011/main" xmlns:a14="http://schemas.microsoft.com/office/drawing/2010/main" xmlns:m="http://schemas.openxmlformats.org/officeDocument/2006/math" xmlns="" val="1"/>
+              <ma14:wrappingTextBoxFlag xmlns="" xmlns:m="http://schemas.openxmlformats.org/officeDocument/2006/math" xmlns:a14="http://schemas.microsoft.com/office/drawing/2010/main" xmlns:ma14="http://schemas.microsoft.com/office/mac/drawingml/2011/main" val="1"/>
             </a:ext>
           </a:extLst>
         </p:spPr>
@@ -3906,7 +8586,7 @@
           <a:p>
             <a:fld id="{86CB4B4D-7CA3-9044-876B-883B54F8677D}" type="slidenum">
               <a:rPr/>
-              <a:t>12</a:t>
+              <a:t>16</a:t>
             </a:fld>
             <a:endParaRPr/>
           </a:p>
@@ -4564,7 +9244,7 @@
           </a:ln>
           <a:extLst>
             <a:ext uri="{C572A759-6A51-4108-AA02-DFA0A04FC94B}">
-              <ma14:wrappingTextBoxFlag xmlns:ma14="http://schemas.microsoft.com/office/mac/drawingml/2011/main" xmlns:a14="http://schemas.microsoft.com/office/drawing/2010/main" xmlns:m="http://schemas.openxmlformats.org/officeDocument/2006/math" xmlns="" val="1"/>
+              <ma14:wrappingTextBoxFlag xmlns="" xmlns:m="http://schemas.openxmlformats.org/officeDocument/2006/math" xmlns:a14="http://schemas.microsoft.com/office/drawing/2010/main" xmlns:ma14="http://schemas.microsoft.com/office/mac/drawingml/2011/main" val="1"/>
             </a:ext>
           </a:extLst>
         </p:spPr>
@@ -4898,7 +9578,7 @@
           </a:ln>
           <a:extLst>
             <a:ext uri="{C572A759-6A51-4108-AA02-DFA0A04FC94B}">
-              <ma14:wrappingTextBoxFlag xmlns:ma14="http://schemas.microsoft.com/office/mac/drawingml/2011/main" xmlns:a14="http://schemas.microsoft.com/office/drawing/2010/main" xmlns:m="http://schemas.openxmlformats.org/officeDocument/2006/math" xmlns="" val="1"/>
+              <ma14:wrappingTextBoxFlag xmlns="" xmlns:m="http://schemas.openxmlformats.org/officeDocument/2006/math" xmlns:a14="http://schemas.microsoft.com/office/drawing/2010/main" xmlns:ma14="http://schemas.microsoft.com/office/mac/drawingml/2011/main" val="1"/>
             </a:ext>
           </a:extLst>
         </p:spPr>
@@ -4918,7 +9598,7 @@
           <a:p>
             <a:fld id="{86CB4B4D-7CA3-9044-876B-883B54F8677D}" type="slidenum">
               <a:rPr/>
-              <a:t>12</a:t>
+              <a:t>16</a:t>
             </a:fld>
             <a:endParaRPr/>
           </a:p>
@@ -4938,7 +9618,7 @@
 </p:sld>
 </file>
 
-<file path=ppt/slides/slide13.xml><?xml version="1.0" encoding="utf-8"?>
+<file path=ppt/slides/slide17.xml><?xml version="1.0" encoding="utf-8"?>
 <p:sld xmlns:a="http://schemas.openxmlformats.org/drawingml/2006/main" xmlns:r="http://schemas.openxmlformats.org/officeDocument/2006/relationships" xmlns:p="http://schemas.openxmlformats.org/presentationml/2006/main">
   <p:cSld>
     <p:spTree>
@@ -4975,7 +9655,7 @@
           </a:prstGeom>
           <a:extLst>
             <a:ext uri="{C572A759-6A51-4108-AA02-DFA0A04FC94B}">
-              <ma14:wrappingTextBoxFlag xmlns="" xmlns:m="http://schemas.openxmlformats.org/officeDocument/2006/math" xmlns:a14="http://schemas.microsoft.com/office/drawing/2010/main" xmlns:ma14="http://schemas.microsoft.com/office/mac/drawingml/2011/main" val="1"/>
+              <ma14:wrappingTextBoxFlag xmlns:ma14="http://schemas.microsoft.com/office/mac/drawingml/2011/main" xmlns:a14="http://schemas.microsoft.com/office/drawing/2010/main" xmlns:m="http://schemas.openxmlformats.org/officeDocument/2006/math" xmlns="" val="1"/>
             </a:ext>
           </a:extLst>
         </p:spPr>
@@ -4984,7 +9664,7 @@
           <a:lstStyle/>
           <a:p>
             <a:fld id="{86CB4B4D-7CA3-9044-876B-883B54F8677D}" type="slidenum">
-              <a:t>13</a:t>
+              <a:t>17</a:t>
             </a:fld>
             <a:endParaRPr/>
           </a:p>
@@ -5640,7 +10320,7 @@
           </a:ln>
           <a:extLst>
             <a:ext uri="{C572A759-6A51-4108-AA02-DFA0A04FC94B}">
-              <ma14:wrappingTextBoxFlag xmlns="" xmlns:m="http://schemas.openxmlformats.org/officeDocument/2006/math" xmlns:a14="http://schemas.microsoft.com/office/drawing/2010/main" xmlns:ma14="http://schemas.microsoft.com/office/mac/drawingml/2011/main" val="1"/>
+              <ma14:wrappingTextBoxFlag xmlns:ma14="http://schemas.microsoft.com/office/mac/drawingml/2011/main" xmlns:a14="http://schemas.microsoft.com/office/drawing/2010/main" xmlns:m="http://schemas.openxmlformats.org/officeDocument/2006/math" xmlns="" val="1"/>
             </a:ext>
           </a:extLst>
         </p:spPr>
@@ -5974,7 +10654,7 @@
           </a:ln>
           <a:extLst>
             <a:ext uri="{C572A759-6A51-4108-AA02-DFA0A04FC94B}">
-              <ma14:wrappingTextBoxFlag xmlns="" xmlns:m="http://schemas.openxmlformats.org/officeDocument/2006/math" xmlns:a14="http://schemas.microsoft.com/office/drawing/2010/main" xmlns:ma14="http://schemas.microsoft.com/office/mac/drawingml/2011/main" val="1"/>
+              <ma14:wrappingTextBoxFlag xmlns:ma14="http://schemas.microsoft.com/office/mac/drawingml/2011/main" xmlns:a14="http://schemas.microsoft.com/office/drawing/2010/main" xmlns:m="http://schemas.openxmlformats.org/officeDocument/2006/math" xmlns="" val="1"/>
             </a:ext>
           </a:extLst>
         </p:spPr>
@@ -5993,7 +10673,7 @@
           </a:lstStyle>
           <a:p>
             <a:fld id="{86CB4B4D-7CA3-9044-876B-883B54F8677D}" type="slidenum">
-              <a:t>13</a:t>
+              <a:t>17</a:t>
             </a:fld>
             <a:endParaRPr/>
           </a:p>
@@ -6013,7 +10693,7 @@
 </p:sld>
 </file>
 
-<file path=ppt/slides/slide14.xml><?xml version="1.0" encoding="utf-8"?>
+<file path=ppt/slides/slide18.xml><?xml version="1.0" encoding="utf-8"?>
 <p:sld xmlns:a="http://schemas.openxmlformats.org/drawingml/2006/main" xmlns:r="http://schemas.openxmlformats.org/officeDocument/2006/relationships" xmlns:p="http://schemas.openxmlformats.org/presentationml/2006/main">
   <p:cSld>
     <p:bg>
@@ -6058,7 +10738,7 @@
           </a:prstGeom>
           <a:extLst>
             <a:ext uri="{C572A759-6A51-4108-AA02-DFA0A04FC94B}">
-              <ma14:wrappingTextBoxFlag xmlns:ma14="http://schemas.microsoft.com/office/mac/drawingml/2011/main" xmlns:a14="http://schemas.microsoft.com/office/drawing/2010/main" xmlns:m="http://schemas.openxmlformats.org/officeDocument/2006/math" xmlns="" val="1"/>
+              <ma14:wrappingTextBoxFlag xmlns="" xmlns:m="http://schemas.openxmlformats.org/officeDocument/2006/math" xmlns:a14="http://schemas.microsoft.com/office/drawing/2010/main" xmlns:ma14="http://schemas.microsoft.com/office/mac/drawingml/2011/main" val="1"/>
             </a:ext>
           </a:extLst>
         </p:spPr>
@@ -6067,7 +10747,7 @@
           <a:lstStyle/>
           <a:p>
             <a:fld id="{86CB4B4D-7CA3-9044-876B-883B54F8677D}" type="slidenum">
-              <a:t>14</a:t>
+              <a:t>18</a:t>
             </a:fld>
             <a:endParaRPr/>
           </a:p>
@@ -6380,7 +11060,7 @@
           </a:ln>
           <a:extLst>
             <a:ext uri="{C572A759-6A51-4108-AA02-DFA0A04FC94B}">
-              <ma14:wrappingTextBoxFlag xmlns:ma14="http://schemas.microsoft.com/office/mac/drawingml/2011/main" xmlns:a14="http://schemas.microsoft.com/office/drawing/2010/main" xmlns:m="http://schemas.openxmlformats.org/officeDocument/2006/math" xmlns="" val="1"/>
+              <ma14:wrappingTextBoxFlag xmlns="" xmlns:m="http://schemas.openxmlformats.org/officeDocument/2006/math" xmlns:a14="http://schemas.microsoft.com/office/drawing/2010/main" xmlns:ma14="http://schemas.microsoft.com/office/mac/drawingml/2011/main" val="1"/>
             </a:ext>
           </a:extLst>
         </p:spPr>
@@ -6624,7 +11304,7 @@
           </a:ln>
           <a:extLst>
             <a:ext uri="{C572A759-6A51-4108-AA02-DFA0A04FC94B}">
-              <ma14:wrappingTextBoxFlag xmlns:ma14="http://schemas.microsoft.com/office/mac/drawingml/2011/main" xmlns:a14="http://schemas.microsoft.com/office/drawing/2010/main" xmlns:m="http://schemas.openxmlformats.org/officeDocument/2006/math" xmlns="" val="1"/>
+              <ma14:wrappingTextBoxFlag xmlns="" xmlns:m="http://schemas.openxmlformats.org/officeDocument/2006/math" xmlns:a14="http://schemas.microsoft.com/office/drawing/2010/main" xmlns:ma14="http://schemas.microsoft.com/office/mac/drawingml/2011/main" val="1"/>
             </a:ext>
           </a:extLst>
         </p:spPr>
@@ -6643,7 +11323,7 @@
           </a:lstStyle>
           <a:p>
             <a:fld id="{86CB4B4D-7CA3-9044-876B-883B54F8677D}" type="slidenum">
-              <a:t>14</a:t>
+              <a:t>18</a:t>
             </a:fld>
             <a:endParaRPr/>
           </a:p>
@@ -6663,7 +11343,7 @@
 </p:sld>
 </file>
 
-<file path=ppt/slides/slide15.xml><?xml version="1.0" encoding="utf-8"?>
+<file path=ppt/slides/slide19.xml><?xml version="1.0" encoding="utf-8"?>
 <p:sld xmlns:a="http://schemas.openxmlformats.org/drawingml/2006/main" xmlns:r="http://schemas.openxmlformats.org/officeDocument/2006/relationships" xmlns:p="http://schemas.openxmlformats.org/presentationml/2006/main">
   <p:cSld>
     <p:spTree>
@@ -6700,7 +11380,7 @@
           </a:prstGeom>
           <a:extLst>
             <a:ext uri="{C572A759-6A51-4108-AA02-DFA0A04FC94B}">
-              <ma14:wrappingTextBoxFlag xmlns="" xmlns:m="http://schemas.openxmlformats.org/officeDocument/2006/math" xmlns:a14="http://schemas.microsoft.com/office/drawing/2010/main" xmlns:ma14="http://schemas.microsoft.com/office/mac/drawingml/2011/main" val="1"/>
+              <ma14:wrappingTextBoxFlag xmlns:ma14="http://schemas.microsoft.com/office/mac/drawingml/2011/main" xmlns:a14="http://schemas.microsoft.com/office/drawing/2010/main" xmlns:m="http://schemas.openxmlformats.org/officeDocument/2006/math" xmlns="" val="1"/>
             </a:ext>
           </a:extLst>
         </p:spPr>
@@ -6709,7 +11389,7 @@
           <a:lstStyle/>
           <a:p>
             <a:fld id="{86CB4B4D-7CA3-9044-876B-883B54F8677D}" type="slidenum">
-              <a:t>15</a:t>
+              <a:t>19</a:t>
             </a:fld>
             <a:endParaRPr/>
           </a:p>
@@ -7020,7 +11700,7 @@
           </a:ln>
           <a:extLst>
             <a:ext uri="{C572A759-6A51-4108-AA02-DFA0A04FC94B}">
-              <ma14:wrappingTextBoxFlag xmlns="" xmlns:m="http://schemas.openxmlformats.org/officeDocument/2006/math" xmlns:a14="http://schemas.microsoft.com/office/drawing/2010/main" xmlns:ma14="http://schemas.microsoft.com/office/mac/drawingml/2011/main" val="1"/>
+              <ma14:wrappingTextBoxFlag xmlns:ma14="http://schemas.microsoft.com/office/mac/drawingml/2011/main" xmlns:a14="http://schemas.microsoft.com/office/drawing/2010/main" xmlns:m="http://schemas.openxmlformats.org/officeDocument/2006/math" xmlns="" val="1"/>
             </a:ext>
           </a:extLst>
         </p:spPr>
@@ -7264,7 +11944,7 @@
           </a:ln>
           <a:extLst>
             <a:ext uri="{C572A759-6A51-4108-AA02-DFA0A04FC94B}">
-              <ma14:wrappingTextBoxFlag xmlns="" xmlns:m="http://schemas.openxmlformats.org/officeDocument/2006/math" xmlns:a14="http://schemas.microsoft.com/office/drawing/2010/main" xmlns:ma14="http://schemas.microsoft.com/office/mac/drawingml/2011/main" val="1"/>
+              <ma14:wrappingTextBoxFlag xmlns:ma14="http://schemas.microsoft.com/office/mac/drawingml/2011/main" xmlns:a14="http://schemas.microsoft.com/office/drawing/2010/main" xmlns:m="http://schemas.openxmlformats.org/officeDocument/2006/math" xmlns="" val="1"/>
             </a:ext>
           </a:extLst>
         </p:spPr>
@@ -7283,7 +11963,7 @@
           </a:lstStyle>
           <a:p>
             <a:fld id="{86CB4B4D-7CA3-9044-876B-883B54F8677D}" type="slidenum">
-              <a:t>15</a:t>
+              <a:t>19</a:t>
             </a:fld>
             <a:endParaRPr/>
           </a:p>
@@ -7303,7 +11983,107 @@
 </p:sld>
 </file>
 
-<file path=ppt/slides/slide16.xml><?xml version="1.0" encoding="utf-8"?>
+<file path=ppt/slides/slide2.xml><?xml version="1.0" encoding="utf-8"?>
+<p:sld xmlns:a="http://schemas.openxmlformats.org/drawingml/2006/main" xmlns:r="http://schemas.openxmlformats.org/officeDocument/2006/relationships" xmlns:p="http://schemas.openxmlformats.org/presentationml/2006/main">
+  <p:cSld>
+    <p:spTree>
+      <p:nvGrpSpPr>
+        <p:cNvPr id="1" name=""/>
+        <p:cNvGrpSpPr/>
+        <p:nvPr/>
+      </p:nvGrpSpPr>
+      <p:grpSpPr>
+        <a:xfrm>
+          <a:off x="0" y="0"/>
+          <a:ext cx="0" cy="0"/>
+          <a:chOff x="0" y="0"/>
+          <a:chExt cx="0" cy="0"/>
+        </a:xfrm>
+      </p:grpSpPr>
+      <p:sp>
+        <p:nvSpPr>
+          <p:cNvPr id="133" name="Content Placeholder 1"/>
+          <p:cNvSpPr txBox="1">
+            <a:spLocks noGrp="1"/>
+          </p:cNvSpPr>
+          <p:nvPr>
+            <p:ph type="body" sz="half" idx="1"/>
+          </p:nvPr>
+        </p:nvSpPr>
+        <p:spPr>
+          <a:xfrm>
+            <a:off x="361949" y="2950685"/>
+            <a:ext cx="11468102" cy="2020340"/>
+          </a:xfrm>
+          <a:prstGeom prst="rect">
+            <a:avLst/>
+          </a:prstGeom>
+        </p:spPr>
+        <p:txBody>
+          <a:bodyPr/>
+          <a:lstStyle>
+            <a:lvl1pPr marL="0" indent="0">
+              <a:buSzTx/>
+              <a:buNone/>
+              <a:defRPr>
+                <a:latin typeface="+mj-lt"/>
+                <a:ea typeface="+mj-ea"/>
+                <a:cs typeface="+mj-cs"/>
+                <a:sym typeface="Arial"/>
+              </a:defRPr>
+            </a:lvl1pPr>
+          </a:lstStyle>
+          <a:p>
+            <a:r>
+              <a:t>Creación de contenido con inteligencia artificial (IA)</a:t>
+            </a:r>
+          </a:p>
+        </p:txBody>
+      </p:sp>
+      <p:sp>
+        <p:nvSpPr>
+          <p:cNvPr id="134" name="Text Placeholder 2"/>
+          <p:cNvSpPr>
+            <a:spLocks noGrp="1"/>
+          </p:cNvSpPr>
+          <p:nvPr>
+            <p:ph type="body" idx="21"/>
+          </p:nvPr>
+        </p:nvSpPr>
+        <p:spPr>
+          <a:prstGeom prst="rect">
+            <a:avLst/>
+          </a:prstGeom>
+        </p:spPr>
+        <p:txBody>
+          <a:bodyPr/>
+          <a:lstStyle/>
+          <a:p>
+            <a:pPr marL="0" indent="0" algn="ctr">
+              <a:buSzTx/>
+              <a:buFontTx/>
+              <a:buNone/>
+              <a:defRPr>
+                <a:latin typeface="+mj-lt"/>
+                <a:ea typeface="+mj-ea"/>
+                <a:cs typeface="+mj-cs"/>
+                <a:sym typeface="Arial"/>
+              </a:defRPr>
+            </a:pPr>
+            <a:endParaRPr/>
+          </a:p>
+        </p:txBody>
+      </p:sp>
+    </p:spTree>
+  </p:cSld>
+  <p:clrMapOvr>
+    <a:masterClrMapping/>
+  </p:clrMapOvr>
+  <p:transition spd="med"/>
+</p:sld>
+</file>
+
+<file path=ppt/slides/slide20.xml><?xml version="1.0" encoding="utf-8"?>
 <p:sld xmlns:a="http://schemas.openxmlformats.org/drawingml/2006/main" xmlns:r="http://schemas.openxmlformats.org/officeDocument/2006/relationships" xmlns:p="http://schemas.openxmlformats.org/presentationml/2006/main">
   <p:cSld>
     <p:bg>
@@ -7400,7 +12180,7 @@
           </a:prstGeom>
           <a:extLst>
             <a:ext uri="{C572A759-6A51-4108-AA02-DFA0A04FC94B}">
-              <ma14:wrappingTextBoxFlag xmlns="" xmlns:m="http://schemas.openxmlformats.org/officeDocument/2006/math" xmlns:a14="http://schemas.microsoft.com/office/drawing/2010/main" xmlns:ma14="http://schemas.microsoft.com/office/mac/drawingml/2011/main" val="1"/>
+              <ma14:wrappingTextBoxFlag xmlns:ma14="http://schemas.microsoft.com/office/mac/drawingml/2011/main" xmlns:a14="http://schemas.microsoft.com/office/drawing/2010/main" xmlns:m="http://schemas.openxmlformats.org/officeDocument/2006/math" xmlns="" val="1"/>
             </a:ext>
           </a:extLst>
         </p:spPr>
@@ -7409,7 +12189,7 @@
           <a:lstStyle/>
           <a:p>
             <a:fld id="{86CB4B4D-7CA3-9044-876B-883B54F8677D}" type="slidenum">
-              <a:t>16</a:t>
+              <a:t>20</a:t>
             </a:fld>
             <a:endParaRPr/>
           </a:p>
@@ -7424,7 +12204,7 @@
 </p:sld>
 </file>
 
-<file path=ppt/slides/slide17.xml><?xml version="1.0" encoding="utf-8"?>
+<file path=ppt/slides/slide21.xml><?xml version="1.0" encoding="utf-8"?>
 <p:sld xmlns:a="http://schemas.openxmlformats.org/drawingml/2006/main" xmlns:r="http://schemas.openxmlformats.org/officeDocument/2006/relationships" xmlns:p="http://schemas.openxmlformats.org/presentationml/2006/main">
   <p:cSld>
     <p:spTree>
@@ -7492,7 +12272,40 @@
           <a:lstStyle/>
           <a:p>
             <a:r>
-              <a:t>¿Por Qué Te Importa?</a:t>
+              <a:rPr dirty="0"/>
+              <a:t>¿Por </a:t>
+            </a:r>
+            <a:r>
+              <a:rPr dirty="0" err="1"/>
+              <a:t>Qué</a:t>
+            </a:r>
+            <a:r>
+              <a:rPr dirty="0"/>
+              <a:t> </a:t>
+            </a:r>
+            <a:r>
+              <a:rPr lang="en-US" dirty="0" err="1"/>
+              <a:t>Esto</a:t>
+            </a:r>
+            <a:r>
+              <a:rPr lang="en-US" dirty="0"/>
+              <a:t> </a:t>
+            </a:r>
+            <a:r>
+              <a:rPr dirty="0" err="1"/>
+              <a:t>Te</a:t>
+            </a:r>
+            <a:r>
+              <a:rPr dirty="0"/>
+              <a:t> </a:t>
+            </a:r>
+            <a:r>
+              <a:rPr dirty="0" err="1"/>
+              <a:t>Importa</a:t>
+            </a:r>
+            <a:r>
+              <a:rPr dirty="0"/>
+              <a:t>?</a:t>
             </a:r>
           </a:p>
         </p:txBody>
@@ -7513,7 +12326,7 @@
           </a:prstGeom>
           <a:extLst>
             <a:ext uri="{C572A759-6A51-4108-AA02-DFA0A04FC94B}">
-              <ma14:wrappingTextBoxFlag xmlns="" xmlns:m="http://schemas.openxmlformats.org/officeDocument/2006/math" xmlns:a14="http://schemas.microsoft.com/office/drawing/2010/main" xmlns:ma14="http://schemas.microsoft.com/office/mac/drawingml/2011/main" val="1"/>
+              <ma14:wrappingTextBoxFlag xmlns:ma14="http://schemas.microsoft.com/office/mac/drawingml/2011/main" xmlns:a14="http://schemas.microsoft.com/office/drawing/2010/main" xmlns:m="http://schemas.openxmlformats.org/officeDocument/2006/math" xmlns="" val="1"/>
             </a:ext>
           </a:extLst>
         </p:spPr>
@@ -7522,7 +12335,7 @@
           <a:lstStyle/>
           <a:p>
             <a:fld id="{86CB4B4D-7CA3-9044-876B-883B54F8677D}" type="slidenum">
-              <a:t>17</a:t>
+              <a:t>21</a:t>
             </a:fld>
             <a:endParaRPr/>
           </a:p>
@@ -7539,7 +12352,7 @@
         <p:push dir="u"/>
       </p:transition>
     </mc:Choice>
-    <mc:Fallback xmlns="" xmlns:m="http://schemas.openxmlformats.org/officeDocument/2006/math" xmlns:a14="http://schemas.microsoft.com/office/drawing/2010/main">
+    <mc:Fallback xmlns:a14="http://schemas.microsoft.com/office/drawing/2010/main" xmlns:m="http://schemas.openxmlformats.org/officeDocument/2006/math" xmlns="">
       <p:transition spd="slow">
         <p:fade/>
       </p:transition>
@@ -7548,7 +12361,7 @@
 </p:sld>
 </file>
 
-<file path=ppt/slides/slide18.xml><?xml version="1.0" encoding="utf-8"?>
+<file path=ppt/slides/slide22.xml><?xml version="1.0" encoding="utf-8"?>
 <p:sld xmlns:a="http://schemas.openxmlformats.org/drawingml/2006/main" xmlns:r="http://schemas.openxmlformats.org/officeDocument/2006/relationships" xmlns:p="http://schemas.openxmlformats.org/presentationml/2006/main">
   <p:cSld>
     <p:bg>
@@ -7627,15 +12440,17 @@
               </a:defRPr>
             </a:pPr>
             <a:r>
+              <a:rPr dirty="0"/>
               <a:t>("AI tools" OR "GPT tools" OR "AI resources" OR "AI catalog" OR "AI list" OR "AI repository" OR "generative AI") ("list" OR "collection" OR "catalog" OR "repository" OR "guide") </a:t>
             </a:r>
           </a:p>
           <a:p>
             <a:r>
+              <a:rPr dirty="0"/>
               <a:t>AI Master List Tool - </a:t>
             </a:r>
             <a:r>
-              <a:rPr u="sng">
+              <a:rPr u="sng" dirty="0">
                 <a:solidFill>
                   <a:srgbClr val="0563C1"/>
                 </a:solidFill>
@@ -7649,15 +12464,17 @@
               <a:t>https://doc.clickup.com/25598832/d/h/rd6vg-14247/0b79ca1dc0f7429/rd6vg-12207</a:t>
             </a:r>
             <a:r>
+              <a:rPr dirty="0"/>
               <a:t> </a:t>
             </a:r>
           </a:p>
           <a:p>
             <a:r>
+              <a:rPr dirty="0"/>
               <a:t>AI Catalog Repo - </a:t>
             </a:r>
             <a:r>
-              <a:rPr u="sng">
+              <a:rPr u="sng" dirty="0">
                 <a:solidFill>
                   <a:srgbClr val="0563C1"/>
                 </a:solidFill>
@@ -7671,15 +12488,17 @@
               <a:t>https://github.com/mehmetkahya0/ai-catalog</a:t>
             </a:r>
             <a:r>
+              <a:rPr dirty="0"/>
               <a:t> </a:t>
             </a:r>
           </a:p>
           <a:p>
             <a:r>
+              <a:rPr dirty="0"/>
               <a:t>- Awesome Generative AI - </a:t>
             </a:r>
             <a:r>
-              <a:rPr u="sng">
+              <a:rPr u="sng" dirty="0">
                 <a:solidFill>
                   <a:srgbClr val="0563C1"/>
                 </a:solidFill>
@@ -7693,15 +12512,21 @@
               <a:t>https://github.com/amusi/awesome-ai-awesomeness</a:t>
             </a:r>
             <a:r>
+              <a:rPr dirty="0"/>
               <a:t> </a:t>
             </a:r>
           </a:p>
           <a:p>
             <a:r>
-              <a:t>FutureTools - </a:t>
-            </a:r>
-            <a:r>
-              <a:rPr u="sng">
+              <a:rPr dirty="0" err="1"/>
+              <a:t>FutureTools</a:t>
+            </a:r>
+            <a:r>
+              <a:rPr dirty="0"/>
+              <a:t> - </a:t>
+            </a:r>
+            <a:r>
+              <a:rPr u="sng" dirty="0">
                 <a:solidFill>
                   <a:srgbClr val="0563C1"/>
                 </a:solidFill>
@@ -7715,6 +12540,7 @@
               <a:t>https://futuretools.io</a:t>
             </a:r>
             <a:r>
+              <a:rPr dirty="0"/>
               <a:t> </a:t>
             </a:r>
           </a:p>
@@ -7736,7 +12562,7 @@
           </a:prstGeom>
           <a:extLst>
             <a:ext uri="{C572A759-6A51-4108-AA02-DFA0A04FC94B}">
-              <ma14:wrappingTextBoxFlag xmlns="" xmlns:m="http://schemas.openxmlformats.org/officeDocument/2006/math" xmlns:a14="http://schemas.microsoft.com/office/drawing/2010/main" xmlns:ma14="http://schemas.microsoft.com/office/mac/drawingml/2011/main" val="1"/>
+              <ma14:wrappingTextBoxFlag xmlns:ma14="http://schemas.microsoft.com/office/mac/drawingml/2011/main" xmlns:a14="http://schemas.microsoft.com/office/drawing/2010/main" xmlns:m="http://schemas.openxmlformats.org/officeDocument/2006/math" xmlns="" val="1"/>
             </a:ext>
           </a:extLst>
         </p:spPr>
@@ -7745,7 +12571,7 @@
           <a:lstStyle/>
           <a:p>
             <a:fld id="{86CB4B4D-7CA3-9044-876B-883B54F8677D}" type="slidenum">
-              <a:t>18</a:t>
+              <a:t>22</a:t>
             </a:fld>
             <a:endParaRPr/>
           </a:p>
@@ -7760,7 +12586,7 @@
 </p:sld>
 </file>
 
-<file path=ppt/slides/slide19.xml><?xml version="1.0" encoding="utf-8"?>
+<file path=ppt/slides/slide23.xml><?xml version="1.0" encoding="utf-8"?>
 <p:sld xmlns:a="http://schemas.openxmlformats.org/drawingml/2006/main" xmlns:r="http://schemas.openxmlformats.org/officeDocument/2006/relationships" xmlns:p="http://schemas.openxmlformats.org/presentationml/2006/main">
   <p:cSld>
     <p:spTree>
@@ -7944,7 +12770,7 @@
           </a:prstGeom>
           <a:extLst>
             <a:ext uri="{C572A759-6A51-4108-AA02-DFA0A04FC94B}">
-              <ma14:wrappingTextBoxFlag xmlns="" xmlns:m="http://schemas.openxmlformats.org/officeDocument/2006/math" xmlns:a14="http://schemas.microsoft.com/office/drawing/2010/main" xmlns:ma14="http://schemas.microsoft.com/office/mac/drawingml/2011/main" val="1"/>
+              <ma14:wrappingTextBoxFlag xmlns:ma14="http://schemas.microsoft.com/office/mac/drawingml/2011/main" xmlns:a14="http://schemas.microsoft.com/office/drawing/2010/main" xmlns:m="http://schemas.openxmlformats.org/officeDocument/2006/math" xmlns="" val="1"/>
             </a:ext>
           </a:extLst>
         </p:spPr>
@@ -7953,7 +12779,7 @@
           <a:lstStyle/>
           <a:p>
             <a:fld id="{86CB4B4D-7CA3-9044-876B-883B54F8677D}" type="slidenum">
-              <a:t>19</a:t>
+              <a:t>23</a:t>
             </a:fld>
             <a:endParaRPr/>
           </a:p>
@@ -7968,107 +12794,7 @@
 </p:sld>
 </file>
 
-<file path=ppt/slides/slide2.xml><?xml version="1.0" encoding="utf-8"?>
-<p:sld xmlns:a="http://schemas.openxmlformats.org/drawingml/2006/main" xmlns:r="http://schemas.openxmlformats.org/officeDocument/2006/relationships" xmlns:p="http://schemas.openxmlformats.org/presentationml/2006/main">
-  <p:cSld>
-    <p:spTree>
-      <p:nvGrpSpPr>
-        <p:cNvPr id="1" name=""/>
-        <p:cNvGrpSpPr/>
-        <p:nvPr/>
-      </p:nvGrpSpPr>
-      <p:grpSpPr>
-        <a:xfrm>
-          <a:off x="0" y="0"/>
-          <a:ext cx="0" cy="0"/>
-          <a:chOff x="0" y="0"/>
-          <a:chExt cx="0" cy="0"/>
-        </a:xfrm>
-      </p:grpSpPr>
-      <p:sp>
-        <p:nvSpPr>
-          <p:cNvPr id="133" name="Content Placeholder 1"/>
-          <p:cNvSpPr txBox="1">
-            <a:spLocks noGrp="1"/>
-          </p:cNvSpPr>
-          <p:nvPr>
-            <p:ph type="body" sz="half" idx="1"/>
-          </p:nvPr>
-        </p:nvSpPr>
-        <p:spPr>
-          <a:xfrm>
-            <a:off x="361949" y="2950685"/>
-            <a:ext cx="11468102" cy="2020340"/>
-          </a:xfrm>
-          <a:prstGeom prst="rect">
-            <a:avLst/>
-          </a:prstGeom>
-        </p:spPr>
-        <p:txBody>
-          <a:bodyPr/>
-          <a:lstStyle>
-            <a:lvl1pPr marL="0" indent="0">
-              <a:buSzTx/>
-              <a:buNone/>
-              <a:defRPr>
-                <a:latin typeface="+mj-lt"/>
-                <a:ea typeface="+mj-ea"/>
-                <a:cs typeface="+mj-cs"/>
-                <a:sym typeface="Arial"/>
-              </a:defRPr>
-            </a:lvl1pPr>
-          </a:lstStyle>
-          <a:p>
-            <a:r>
-              <a:t>Creación de contenido con inteligencia artificial (IA)</a:t>
-            </a:r>
-          </a:p>
-        </p:txBody>
-      </p:sp>
-      <p:sp>
-        <p:nvSpPr>
-          <p:cNvPr id="134" name="Text Placeholder 2"/>
-          <p:cNvSpPr>
-            <a:spLocks noGrp="1"/>
-          </p:cNvSpPr>
-          <p:nvPr>
-            <p:ph type="body" idx="21"/>
-          </p:nvPr>
-        </p:nvSpPr>
-        <p:spPr>
-          <a:prstGeom prst="rect">
-            <a:avLst/>
-          </a:prstGeom>
-        </p:spPr>
-        <p:txBody>
-          <a:bodyPr/>
-          <a:lstStyle/>
-          <a:p>
-            <a:pPr marL="0" indent="0" algn="ctr">
-              <a:buSzTx/>
-              <a:buFontTx/>
-              <a:buNone/>
-              <a:defRPr>
-                <a:latin typeface="+mj-lt"/>
-                <a:ea typeface="+mj-ea"/>
-                <a:cs typeface="+mj-cs"/>
-                <a:sym typeface="Arial"/>
-              </a:defRPr>
-            </a:pPr>
-            <a:endParaRPr/>
-          </a:p>
-        </p:txBody>
-      </p:sp>
-    </p:spTree>
-  </p:cSld>
-  <p:clrMapOvr>
-    <a:masterClrMapping/>
-  </p:clrMapOvr>
-  <p:transition spd="med"/>
-</p:sld>
-</file>
-
-<file path=ppt/slides/slide20.xml><?xml version="1.0" encoding="utf-8"?>
+<file path=ppt/slides/slide24.xml><?xml version="1.0" encoding="utf-8"?>
 <p:sld xmlns:a="http://schemas.openxmlformats.org/drawingml/2006/main" xmlns:r="http://schemas.openxmlformats.org/officeDocument/2006/relationships" xmlns:p="http://schemas.openxmlformats.org/presentationml/2006/main">
   <p:cSld>
     <p:bg>
@@ -8180,7 +12906,7 @@
           </a:ln>
           <a:extLst>
             <a:ext uri="{C572A759-6A51-4108-AA02-DFA0A04FC94B}">
-              <ma14:wrappingTextBoxFlag xmlns="" xmlns:m="http://schemas.openxmlformats.org/officeDocument/2006/math" xmlns:a14="http://schemas.microsoft.com/office/drawing/2010/main" xmlns:ma14="http://schemas.microsoft.com/office/mac/drawingml/2011/main" val="1"/>
+              <ma14:wrappingTextBoxFlag xmlns:ma14="http://schemas.microsoft.com/office/mac/drawingml/2011/main" xmlns:a14="http://schemas.microsoft.com/office/drawing/2010/main" xmlns:m="http://schemas.openxmlformats.org/officeDocument/2006/math" xmlns="" val="1"/>
             </a:ext>
           </a:extLst>
         </p:spPr>
@@ -8216,7 +12942,7 @@
           </a:prstGeom>
           <a:extLst>
             <a:ext uri="{C572A759-6A51-4108-AA02-DFA0A04FC94B}">
-              <ma14:wrappingTextBoxFlag xmlns="" xmlns:m="http://schemas.openxmlformats.org/officeDocument/2006/math" xmlns:a14="http://schemas.microsoft.com/office/drawing/2010/main" xmlns:ma14="http://schemas.microsoft.com/office/mac/drawingml/2011/main" val="1"/>
+              <ma14:wrappingTextBoxFlag xmlns:ma14="http://schemas.microsoft.com/office/mac/drawingml/2011/main" xmlns:a14="http://schemas.microsoft.com/office/drawing/2010/main" xmlns:m="http://schemas.openxmlformats.org/officeDocument/2006/math" xmlns="" val="1"/>
             </a:ext>
           </a:extLst>
         </p:spPr>
@@ -8225,7 +12951,7 @@
           <a:lstStyle/>
           <a:p>
             <a:fld id="{86CB4B4D-7CA3-9044-876B-883B54F8677D}" type="slidenum">
-              <a:t>20</a:t>
+              <a:t>24</a:t>
             </a:fld>
             <a:endParaRPr/>
           </a:p>
@@ -8242,7 +12968,7 @@
         <p:push dir="u"/>
       </p:transition>
     </mc:Choice>
-    <mc:Fallback xmlns="" xmlns:m="http://schemas.openxmlformats.org/officeDocument/2006/math" xmlns:a14="http://schemas.microsoft.com/office/drawing/2010/main">
+    <mc:Fallback xmlns:a14="http://schemas.microsoft.com/office/drawing/2010/main" xmlns:m="http://schemas.openxmlformats.org/officeDocument/2006/math" xmlns="">
       <p:transition spd="slow">
         <p:fade/>
       </p:transition>
@@ -8251,7 +12977,7 @@
 </p:sld>
 </file>
 
-<file path=ppt/slides/slide21.xml><?xml version="1.0" encoding="utf-8"?>
+<file path=ppt/slides/slide25.xml><?xml version="1.0" encoding="utf-8"?>
 <p:sld xmlns:a="http://schemas.openxmlformats.org/drawingml/2006/main" xmlns:r="http://schemas.openxmlformats.org/officeDocument/2006/relationships" xmlns:p="http://schemas.openxmlformats.org/presentationml/2006/main">
   <p:cSld>
     <p:spTree>
@@ -8355,7 +13081,7 @@
           </a:ln>
           <a:extLst>
             <a:ext uri="{C572A759-6A51-4108-AA02-DFA0A04FC94B}">
-              <ma14:wrappingTextBoxFlag xmlns="" xmlns:m="http://schemas.openxmlformats.org/officeDocument/2006/math" xmlns:a14="http://schemas.microsoft.com/office/drawing/2010/main" xmlns:ma14="http://schemas.microsoft.com/office/mac/drawingml/2011/main" val="1"/>
+              <ma14:wrappingTextBoxFlag xmlns:ma14="http://schemas.microsoft.com/office/mac/drawingml/2011/main" xmlns:a14="http://schemas.microsoft.com/office/drawing/2010/main" xmlns:m="http://schemas.openxmlformats.org/officeDocument/2006/math" xmlns="" val="1"/>
             </a:ext>
           </a:extLst>
         </p:spPr>
@@ -8391,7 +13117,7 @@
           </a:prstGeom>
           <a:extLst>
             <a:ext uri="{C572A759-6A51-4108-AA02-DFA0A04FC94B}">
-              <ma14:wrappingTextBoxFlag xmlns="" xmlns:m="http://schemas.openxmlformats.org/officeDocument/2006/math" xmlns:a14="http://schemas.microsoft.com/office/drawing/2010/main" xmlns:ma14="http://schemas.microsoft.com/office/mac/drawingml/2011/main" val="1"/>
+              <ma14:wrappingTextBoxFlag xmlns:ma14="http://schemas.microsoft.com/office/mac/drawingml/2011/main" xmlns:a14="http://schemas.microsoft.com/office/drawing/2010/main" xmlns:m="http://schemas.openxmlformats.org/officeDocument/2006/math" xmlns="" val="1"/>
             </a:ext>
           </a:extLst>
         </p:spPr>
@@ -8400,7 +13126,7 @@
           <a:lstStyle/>
           <a:p>
             <a:fld id="{86CB4B4D-7CA3-9044-876B-883B54F8677D}" type="slidenum">
-              <a:t>21</a:t>
+              <a:t>25</a:t>
             </a:fld>
             <a:endParaRPr/>
           </a:p>
@@ -8748,283 +13474,6 @@
       </p:sp>
       <p:sp>
         <p:nvSpPr>
-          <p:cNvPr id="138" name="Content Placeholder 2"/>
-          <p:cNvSpPr txBox="1"/>
-          <p:nvPr/>
-        </p:nvSpPr>
-        <p:spPr>
-          <a:xfrm>
-            <a:off x="49298" y="2054033"/>
-            <a:ext cx="3348332" cy="4351339"/>
-          </a:xfrm>
-          <a:prstGeom prst="rect">
-            <a:avLst/>
-          </a:prstGeom>
-          <a:ln w="12700">
-            <a:miter lim="400000"/>
-          </a:ln>
-          <a:extLst>
-            <a:ext uri="{C572A759-6A51-4108-AA02-DFA0A04FC94B}">
-              <ma14:wrappingTextBoxFlag xmlns="" xmlns:m="http://schemas.openxmlformats.org/officeDocument/2006/math" xmlns:a14="http://schemas.microsoft.com/office/drawing/2010/main" xmlns:ma14="http://schemas.microsoft.com/office/mac/drawingml/2011/main" val="1"/>
-            </a:ext>
-          </a:extLst>
-        </p:spPr>
-        <p:txBody>
-          <a:bodyPr lIns="45719" rIns="45719">
-            <a:normAutofit/>
-          </a:bodyPr>
-          <a:lstStyle/>
-          <a:p>
-            <a:pPr defTabSz="457200">
-              <a:spcBef>
-                <a:spcPts val="1600"/>
-              </a:spcBef>
-              <a:defRPr sz="2000" b="1">
-                <a:solidFill>
-                  <a:srgbClr val="1F2328"/>
-                </a:solidFill>
-                <a:latin typeface="Helvetica Neue"/>
-                <a:ea typeface="Helvetica Neue"/>
-                <a:cs typeface="Helvetica Neue"/>
-                <a:sym typeface="Helvetica Neue"/>
-              </a:defRPr>
-            </a:pPr>
-            <a:r>
-              <a:t>General Tips</a:t>
-            </a:r>
-          </a:p>
-          <a:p>
-            <a:pPr defTabSz="457200">
-              <a:defRPr sz="1600">
-                <a:solidFill>
-                  <a:srgbClr val="1F2328"/>
-                </a:solidFill>
-                <a:latin typeface="Helvetica Neue"/>
-                <a:ea typeface="Helvetica Neue"/>
-                <a:cs typeface="Helvetica Neue"/>
-                <a:sym typeface="Helvetica Neue"/>
-              </a:defRPr>
-            </a:pPr>
-            <a:endParaRPr/>
-          </a:p>
-          <a:p>
-            <a:pPr marL="457200" indent="-317500" defTabSz="457200">
-              <a:buClr>
-                <a:srgbClr val="1F2328"/>
-              </a:buClr>
-              <a:buSzPct val="100000"/>
-              <a:buFont typeface="TimesNewRomanPSMT"/>
-              <a:buAutoNum type="arabicPeriod"/>
-              <a:defRPr sz="1600">
-                <a:solidFill>
-                  <a:srgbClr val="1F2328"/>
-                </a:solidFill>
-                <a:latin typeface="Helvetica Neue"/>
-                <a:ea typeface="Helvetica Neue"/>
-                <a:cs typeface="Helvetica Neue"/>
-                <a:sym typeface="Helvetica Neue"/>
-              </a:defRPr>
-            </a:pPr>
-            <a:r>
-              <a:rPr b="1">
-                <a:latin typeface="+mn-lt"/>
-                <a:ea typeface="+mn-ea"/>
-                <a:cs typeface="+mn-cs"/>
-                <a:sym typeface="Helvetica"/>
-              </a:rPr>
-              <a:t>Check for Accuracy</a:t>
-            </a:r>
-          </a:p>
-          <a:p>
-            <a:pPr marL="457200" indent="-317500" defTabSz="457200">
-              <a:buClr>
-                <a:srgbClr val="1F2328"/>
-              </a:buClr>
-              <a:buSzPct val="100000"/>
-              <a:buFont typeface="TimesNewRomanPSMT"/>
-              <a:buAutoNum type="arabicPeriod"/>
-              <a:defRPr sz="1600">
-                <a:solidFill>
-                  <a:srgbClr val="0433FF"/>
-                </a:solidFill>
-                <a:latin typeface="Helvetica Neue"/>
-                <a:ea typeface="Helvetica Neue"/>
-                <a:cs typeface="Helvetica Neue"/>
-                <a:sym typeface="Helvetica Neue"/>
-              </a:defRPr>
-            </a:pPr>
-            <a:r>
-              <a:rPr b="1">
-                <a:latin typeface="+mn-lt"/>
-                <a:ea typeface="+mn-ea"/>
-                <a:cs typeface="+mn-cs"/>
-                <a:sym typeface="Helvetica"/>
-              </a:rPr>
-              <a:t>Be Specific</a:t>
-            </a:r>
-            <a:r>
-              <a:t>: </a:t>
-            </a:r>
-          </a:p>
-          <a:p>
-            <a:pPr marL="457200" indent="-317500" defTabSz="457200">
-              <a:buClr>
-                <a:srgbClr val="1F2328"/>
-              </a:buClr>
-              <a:buSzPct val="100000"/>
-              <a:buFont typeface="TimesNewRomanPSMT"/>
-              <a:buAutoNum type="arabicPeriod"/>
-              <a:defRPr sz="1600">
-                <a:solidFill>
-                  <a:srgbClr val="FF9300"/>
-                </a:solidFill>
-                <a:latin typeface="Helvetica Neue"/>
-                <a:ea typeface="Helvetica Neue"/>
-                <a:cs typeface="Helvetica Neue"/>
-                <a:sym typeface="Helvetica Neue"/>
-              </a:defRPr>
-            </a:pPr>
-            <a:r>
-              <a:rPr b="1">
-                <a:latin typeface="+mn-lt"/>
-                <a:ea typeface="+mn-ea"/>
-                <a:cs typeface="+mn-cs"/>
-                <a:sym typeface="Helvetica"/>
-              </a:rPr>
-              <a:t>Iterate and Refine</a:t>
-            </a:r>
-            <a:r>
-              <a:t>: </a:t>
-            </a:r>
-          </a:p>
-          <a:p>
-            <a:pPr marL="457200" indent="-317500" defTabSz="457200">
-              <a:buClr>
-                <a:srgbClr val="1F2328"/>
-              </a:buClr>
-              <a:buSzPct val="100000"/>
-              <a:buFont typeface="TimesNewRomanPSMT"/>
-              <a:buAutoNum type="arabicPeriod"/>
-              <a:defRPr sz="1600">
-                <a:solidFill>
-                  <a:srgbClr val="FF40FF"/>
-                </a:solidFill>
-                <a:latin typeface="Helvetica Neue"/>
-                <a:ea typeface="Helvetica Neue"/>
-                <a:cs typeface="Helvetica Neue"/>
-                <a:sym typeface="Helvetica Neue"/>
-              </a:defRPr>
-            </a:pPr>
-            <a:r>
-              <a:rPr b="1">
-                <a:latin typeface="+mn-lt"/>
-                <a:ea typeface="+mn-ea"/>
-                <a:cs typeface="+mn-cs"/>
-                <a:sym typeface="Helvetica"/>
-              </a:rPr>
-              <a:t>Provide Context</a:t>
-            </a:r>
-            <a:r>
-              <a:t>:</a:t>
-            </a:r>
-          </a:p>
-          <a:p>
-            <a:pPr marL="457200" indent="-317500" defTabSz="457200">
-              <a:buClr>
-                <a:srgbClr val="1F2328"/>
-              </a:buClr>
-              <a:buSzPct val="100000"/>
-              <a:buFont typeface="TimesNewRomanPSMT"/>
-              <a:buAutoNum type="arabicPeriod"/>
-              <a:defRPr sz="1600">
-                <a:solidFill>
-                  <a:srgbClr val="1F2328"/>
-                </a:solidFill>
-                <a:latin typeface="Helvetica Neue"/>
-                <a:ea typeface="Helvetica Neue"/>
-                <a:cs typeface="Helvetica Neue"/>
-                <a:sym typeface="Helvetica Neue"/>
-              </a:defRPr>
-            </a:pPr>
-            <a:r>
-              <a:rPr b="1">
-                <a:latin typeface="+mn-lt"/>
-                <a:ea typeface="+mn-ea"/>
-                <a:cs typeface="+mn-cs"/>
-                <a:sym typeface="Helvetica"/>
-              </a:rPr>
-              <a:t>Use Multiple Services</a:t>
-            </a:r>
-            <a:r>
-              <a:t>:</a:t>
-            </a:r>
-          </a:p>
-          <a:p>
-            <a:pPr marL="457200" indent="-317500" defTabSz="457200">
-              <a:buClr>
-                <a:srgbClr val="1F2328"/>
-              </a:buClr>
-              <a:buSzPct val="100000"/>
-              <a:buFont typeface="TimesNewRomanPSMT"/>
-              <a:buAutoNum type="arabicPeriod"/>
-              <a:defRPr sz="1600">
-                <a:solidFill>
-                  <a:srgbClr val="942192"/>
-                </a:solidFill>
-                <a:latin typeface="Helvetica Neue"/>
-                <a:ea typeface="Helvetica Neue"/>
-                <a:cs typeface="Helvetica Neue"/>
-                <a:sym typeface="Helvetica Neue"/>
-              </a:defRPr>
-            </a:pPr>
-            <a:r>
-              <a:rPr b="1">
-                <a:latin typeface="+mn-lt"/>
-                <a:ea typeface="+mn-ea"/>
-                <a:cs typeface="+mn-cs"/>
-                <a:sym typeface="Helvetica"/>
-              </a:rPr>
-              <a:t>Remind AI of Constraints</a:t>
-            </a:r>
-            <a:r>
-              <a:t>:</a:t>
-            </a:r>
-          </a:p>
-          <a:p>
-            <a:pPr marL="457200" indent="-317500" defTabSz="457200">
-              <a:buClr>
-                <a:srgbClr val="1F2328"/>
-              </a:buClr>
-              <a:buSzPct val="100000"/>
-              <a:buFont typeface="TimesNewRomanPSMT"/>
-              <a:buAutoNum type="arabicPeriod"/>
-              <a:defRPr sz="1600">
-                <a:solidFill>
-                  <a:srgbClr val="1F2328"/>
-                </a:solidFill>
-                <a:latin typeface="Helvetica Neue"/>
-                <a:ea typeface="Helvetica Neue"/>
-                <a:cs typeface="Helvetica Neue"/>
-                <a:sym typeface="Helvetica Neue"/>
-              </a:defRPr>
-            </a:pPr>
-            <a:r>
-              <a:rPr b="1">
-                <a:latin typeface="+mn-lt"/>
-                <a:ea typeface="+mn-ea"/>
-                <a:cs typeface="+mn-cs"/>
-                <a:sym typeface="Helvetica"/>
-              </a:rPr>
-              <a:t>Make Templates</a:t>
-            </a:r>
-            <a:r>
-              <a:t>:</a:t>
-            </a:r>
-          </a:p>
-        </p:txBody>
-      </p:sp>
-      <p:sp>
-        <p:nvSpPr>
           <p:cNvPr id="139" name="Slide Number"/>
           <p:cNvSpPr txBox="1">
             <a:spLocks noGrp="1"/>
@@ -9043,7 +13492,7 @@
           </a:prstGeom>
           <a:extLst>
             <a:ext uri="{C572A759-6A51-4108-AA02-DFA0A04FC94B}">
-              <ma14:wrappingTextBoxFlag xmlns="" xmlns:m="http://schemas.openxmlformats.org/officeDocument/2006/math" xmlns:a14="http://schemas.microsoft.com/office/drawing/2010/main" xmlns:ma14="http://schemas.microsoft.com/office/mac/drawingml/2011/main" val="1"/>
+              <ma14:wrappingTextBoxFlag xmlns:ma14="http://schemas.microsoft.com/office/mac/drawingml/2011/main" xmlns:a14="http://schemas.microsoft.com/office/drawing/2010/main" xmlns:m="http://schemas.openxmlformats.org/officeDocument/2006/math" xmlns="" val="1"/>
             </a:ext>
           </a:extLst>
         </p:spPr>
@@ -9055,6 +13504,281 @@
               <a:t>3</a:t>
             </a:fld>
             <a:endParaRPr/>
+          </a:p>
+        </p:txBody>
+      </p:sp>
+      <p:sp>
+        <p:nvSpPr>
+          <p:cNvPr id="2" name="Content Placeholder 2">
+            <a:extLst>
+              <a:ext uri="{FF2B5EF4-FFF2-40B4-BE49-F238E27FC236}">
+                <a16:creationId xmlns:a16="http://schemas.microsoft.com/office/drawing/2014/main" id="{12164000-FB42-5228-2D2B-EE9960A0429F}"/>
+              </a:ext>
+            </a:extLst>
+          </p:cNvPr>
+          <p:cNvSpPr txBox="1"/>
+          <p:nvPr/>
+        </p:nvSpPr>
+        <p:spPr>
+          <a:xfrm>
+            <a:off x="49298" y="2054033"/>
+            <a:ext cx="3127981" cy="4351339"/>
+          </a:xfrm>
+          <a:prstGeom prst="rect">
+            <a:avLst/>
+          </a:prstGeom>
+          <a:solidFill>
+            <a:schemeClr val="bg1"/>
+          </a:solidFill>
+          <a:ln w="12700">
+            <a:miter lim="400000"/>
+          </a:ln>
+          <a:extLst>
+            <a:ext uri="{C572A759-6A51-4108-AA02-DFA0A04FC94B}">
+              <ma14:wrappingTextBoxFlag xmlns:ma14="http://schemas.microsoft.com/office/mac/drawingml/2011/main" xmlns:a14="http://schemas.microsoft.com/office/drawing/2010/main" xmlns:m="http://schemas.openxmlformats.org/officeDocument/2006/math" xmlns="" val="1"/>
+            </a:ext>
+          </a:extLst>
+        </p:spPr>
+        <p:txBody>
+          <a:bodyPr lIns="45719" rIns="45719">
+            <a:normAutofit/>
+          </a:bodyPr>
+          <a:lstStyle/>
+          <a:p>
+            <a:pPr defTabSz="457200">
+              <a:spcBef>
+                <a:spcPts val="1600"/>
+              </a:spcBef>
+              <a:defRPr sz="2000" b="1">
+                <a:solidFill>
+                  <a:srgbClr val="1F2328"/>
+                </a:solidFill>
+                <a:latin typeface="Helvetica Neue"/>
+                <a:ea typeface="Helvetica Neue"/>
+                <a:cs typeface="Helvetica Neue"/>
+                <a:sym typeface="Helvetica Neue"/>
+              </a:defRPr>
+            </a:pPr>
+            <a:r>
+              <a:rPr dirty="0"/>
+              <a:t>General Tips</a:t>
+            </a:r>
+          </a:p>
+          <a:p>
+            <a:pPr defTabSz="457200">
+              <a:defRPr sz="1600">
+                <a:solidFill>
+                  <a:srgbClr val="1F2328"/>
+                </a:solidFill>
+                <a:latin typeface="Helvetica Neue"/>
+                <a:ea typeface="Helvetica Neue"/>
+                <a:cs typeface="Helvetica Neue"/>
+                <a:sym typeface="Helvetica Neue"/>
+              </a:defRPr>
+            </a:pPr>
+            <a:endParaRPr dirty="0"/>
+          </a:p>
+          <a:p>
+            <a:pPr marL="457200" indent="-317500" defTabSz="457200">
+              <a:buClr>
+                <a:srgbClr val="1F2328"/>
+              </a:buClr>
+              <a:buSzPct val="100000"/>
+              <a:buFont typeface="TimesNewRomanPSMT"/>
+              <a:buAutoNum type="arabicPeriod"/>
+              <a:defRPr sz="1600">
+                <a:solidFill>
+                  <a:srgbClr val="1F2328"/>
+                </a:solidFill>
+                <a:latin typeface="Helvetica Neue"/>
+                <a:ea typeface="Helvetica Neue"/>
+                <a:cs typeface="Helvetica Neue"/>
+                <a:sym typeface="Helvetica Neue"/>
+              </a:defRPr>
+            </a:pPr>
+            <a:r>
+              <a:rPr b="1" dirty="0">
+                <a:latin typeface="+mn-lt"/>
+                <a:ea typeface="+mn-ea"/>
+                <a:cs typeface="+mn-cs"/>
+                <a:sym typeface="Helvetica"/>
+              </a:rPr>
+              <a:t>Check for Accuracy</a:t>
+            </a:r>
+          </a:p>
+          <a:p>
+            <a:pPr marL="457200" indent="-317500" defTabSz="457200">
+              <a:buClr>
+                <a:srgbClr val="1F2328"/>
+              </a:buClr>
+              <a:buSzPct val="100000"/>
+              <a:buFont typeface="TimesNewRomanPSMT"/>
+              <a:buAutoNum type="arabicPeriod"/>
+              <a:defRPr sz="1600">
+                <a:solidFill>
+                  <a:srgbClr val="0433FF"/>
+                </a:solidFill>
+                <a:latin typeface="Helvetica Neue"/>
+                <a:ea typeface="Helvetica Neue"/>
+                <a:cs typeface="Helvetica Neue"/>
+                <a:sym typeface="Helvetica Neue"/>
+              </a:defRPr>
+            </a:pPr>
+            <a:r>
+              <a:rPr b="1" dirty="0">
+                <a:latin typeface="+mn-lt"/>
+                <a:ea typeface="+mn-ea"/>
+                <a:cs typeface="+mn-cs"/>
+                <a:sym typeface="Helvetica"/>
+              </a:rPr>
+              <a:t>Be Specific</a:t>
+            </a:r>
+            <a:endParaRPr dirty="0"/>
+          </a:p>
+          <a:p>
+            <a:pPr marL="457200" indent="-317500" defTabSz="457200">
+              <a:buClr>
+                <a:srgbClr val="1F2328"/>
+              </a:buClr>
+              <a:buSzPct val="100000"/>
+              <a:buFont typeface="TimesNewRomanPSMT"/>
+              <a:buAutoNum type="arabicPeriod"/>
+              <a:defRPr sz="1600">
+                <a:solidFill>
+                  <a:srgbClr val="FF9300"/>
+                </a:solidFill>
+                <a:latin typeface="Helvetica Neue"/>
+                <a:ea typeface="Helvetica Neue"/>
+                <a:cs typeface="Helvetica Neue"/>
+                <a:sym typeface="Helvetica Neue"/>
+              </a:defRPr>
+            </a:pPr>
+            <a:r>
+              <a:rPr b="1" dirty="0">
+                <a:latin typeface="+mn-lt"/>
+                <a:ea typeface="+mn-ea"/>
+                <a:cs typeface="+mn-cs"/>
+                <a:sym typeface="Helvetica"/>
+              </a:rPr>
+              <a:t>Iterate and Refine</a:t>
+            </a:r>
+            <a:endParaRPr dirty="0"/>
+          </a:p>
+          <a:p>
+            <a:pPr marL="457200" indent="-317500" defTabSz="457200">
+              <a:buClr>
+                <a:srgbClr val="1F2328"/>
+              </a:buClr>
+              <a:buSzPct val="100000"/>
+              <a:buFont typeface="TimesNewRomanPSMT"/>
+              <a:buAutoNum type="arabicPeriod"/>
+              <a:defRPr sz="1600">
+                <a:solidFill>
+                  <a:srgbClr val="FF40FF"/>
+                </a:solidFill>
+                <a:latin typeface="Helvetica Neue"/>
+                <a:ea typeface="Helvetica Neue"/>
+                <a:cs typeface="Helvetica Neue"/>
+                <a:sym typeface="Helvetica Neue"/>
+              </a:defRPr>
+            </a:pPr>
+            <a:r>
+              <a:rPr b="1" dirty="0">
+                <a:latin typeface="+mn-lt"/>
+                <a:ea typeface="+mn-ea"/>
+                <a:cs typeface="+mn-cs"/>
+                <a:sym typeface="Helvetica"/>
+              </a:rPr>
+              <a:t>Provide Context</a:t>
+            </a:r>
+            <a:endParaRPr dirty="0"/>
+          </a:p>
+          <a:p>
+            <a:pPr marL="457200" indent="-317500" defTabSz="457200">
+              <a:buClr>
+                <a:srgbClr val="1F2328"/>
+              </a:buClr>
+              <a:buSzPct val="100000"/>
+              <a:buFont typeface="TimesNewRomanPSMT"/>
+              <a:buAutoNum type="arabicPeriod"/>
+              <a:defRPr sz="1600">
+                <a:solidFill>
+                  <a:srgbClr val="1F2328"/>
+                </a:solidFill>
+                <a:latin typeface="Helvetica Neue"/>
+                <a:ea typeface="Helvetica Neue"/>
+                <a:cs typeface="Helvetica Neue"/>
+                <a:sym typeface="Helvetica Neue"/>
+              </a:defRPr>
+            </a:pPr>
+            <a:r>
+              <a:rPr b="1" dirty="0">
+                <a:latin typeface="+mn-lt"/>
+                <a:ea typeface="+mn-ea"/>
+                <a:cs typeface="+mn-cs"/>
+                <a:sym typeface="Helvetica"/>
+              </a:rPr>
+              <a:t>Use Multiple Services</a:t>
+            </a:r>
+            <a:endParaRPr dirty="0"/>
+          </a:p>
+          <a:p>
+            <a:pPr marL="457200" indent="-317500" defTabSz="457200">
+              <a:buClr>
+                <a:srgbClr val="1F2328"/>
+              </a:buClr>
+              <a:buSzPct val="100000"/>
+              <a:buFont typeface="TimesNewRomanPSMT"/>
+              <a:buAutoNum type="arabicPeriod"/>
+              <a:defRPr sz="1600">
+                <a:solidFill>
+                  <a:srgbClr val="942192"/>
+                </a:solidFill>
+                <a:latin typeface="Helvetica Neue"/>
+                <a:ea typeface="Helvetica Neue"/>
+                <a:cs typeface="Helvetica Neue"/>
+                <a:sym typeface="Helvetica Neue"/>
+              </a:defRPr>
+            </a:pPr>
+            <a:r>
+              <a:rPr b="1" dirty="0">
+                <a:latin typeface="+mn-lt"/>
+                <a:ea typeface="+mn-ea"/>
+                <a:cs typeface="+mn-cs"/>
+                <a:sym typeface="Helvetica"/>
+              </a:rPr>
+              <a:t>Remind AI of Constraints</a:t>
+            </a:r>
+            <a:endParaRPr dirty="0"/>
+          </a:p>
+          <a:p>
+            <a:pPr marL="457200" indent="-317500" defTabSz="457200">
+              <a:buClr>
+                <a:srgbClr val="1F2328"/>
+              </a:buClr>
+              <a:buSzPct val="100000"/>
+              <a:buFont typeface="TimesNewRomanPSMT"/>
+              <a:buAutoNum type="arabicPeriod"/>
+              <a:defRPr sz="1600">
+                <a:solidFill>
+                  <a:srgbClr val="1F2328"/>
+                </a:solidFill>
+                <a:latin typeface="Helvetica Neue"/>
+                <a:ea typeface="Helvetica Neue"/>
+                <a:cs typeface="Helvetica Neue"/>
+                <a:sym typeface="Helvetica Neue"/>
+              </a:defRPr>
+            </a:pPr>
+            <a:r>
+              <a:rPr b="1" dirty="0">
+                <a:latin typeface="+mn-lt"/>
+                <a:ea typeface="+mn-ea"/>
+                <a:cs typeface="+mn-cs"/>
+                <a:sym typeface="Helvetica"/>
+              </a:rPr>
+              <a:t>Make Templates</a:t>
+            </a:r>
+            <a:endParaRPr dirty="0"/>
           </a:p>
         </p:txBody>
       </p:sp>
@@ -9112,7 +13836,7 @@
           </a:prstGeom>
           <a:extLst>
             <a:ext uri="{C572A759-6A51-4108-AA02-DFA0A04FC94B}">
-              <ma14:wrappingTextBoxFlag xmlns="" xmlns:m="http://schemas.openxmlformats.org/officeDocument/2006/math" xmlns:a14="http://schemas.microsoft.com/office/drawing/2010/main" xmlns:ma14="http://schemas.microsoft.com/office/mac/drawingml/2011/main" val="1"/>
+              <ma14:wrappingTextBoxFlag xmlns:ma14="http://schemas.microsoft.com/office/mac/drawingml/2011/main" xmlns:a14="http://schemas.microsoft.com/office/drawing/2010/main" xmlns:m="http://schemas.openxmlformats.org/officeDocument/2006/math" xmlns="" val="1"/>
             </a:ext>
           </a:extLst>
         </p:spPr>
@@ -9479,17 +14203,20 @@
         <p:spPr>
           <a:xfrm>
             <a:off x="49298" y="2054033"/>
-            <a:ext cx="3348332" cy="4351339"/>
+            <a:ext cx="3127981" cy="4351339"/>
           </a:xfrm>
           <a:prstGeom prst="rect">
             <a:avLst/>
           </a:prstGeom>
+          <a:solidFill>
+            <a:schemeClr val="bg1"/>
+          </a:solidFill>
           <a:ln w="12700">
             <a:miter lim="400000"/>
           </a:ln>
           <a:extLst>
             <a:ext uri="{C572A759-6A51-4108-AA02-DFA0A04FC94B}">
-              <ma14:wrappingTextBoxFlag xmlns="" xmlns:m="http://schemas.openxmlformats.org/officeDocument/2006/math" xmlns:a14="http://schemas.microsoft.com/office/drawing/2010/main" xmlns:ma14="http://schemas.microsoft.com/office/mac/drawingml/2011/main" val="1"/>
+              <ma14:wrappingTextBoxFlag xmlns:ma14="http://schemas.microsoft.com/office/mac/drawingml/2011/main" xmlns:a14="http://schemas.microsoft.com/office/drawing/2010/main" xmlns:m="http://schemas.openxmlformats.org/officeDocument/2006/math" xmlns="" val="1"/>
             </a:ext>
           </a:extLst>
         </p:spPr>
@@ -9514,6 +14241,7 @@
               </a:defRPr>
             </a:pPr>
             <a:r>
+              <a:rPr dirty="0"/>
               <a:t>General Tips</a:t>
             </a:r>
           </a:p>
@@ -9529,7 +14257,7 @@
                 <a:sym typeface="Helvetica Neue"/>
               </a:defRPr>
             </a:pPr>
-            <a:endParaRPr/>
+            <a:endParaRPr dirty="0"/>
           </a:p>
           <a:p>
             <a:pPr marL="457200" indent="-317500" defTabSz="457200">
@@ -9550,7 +14278,7 @@
               </a:defRPr>
             </a:pPr>
             <a:r>
-              <a:rPr b="1">
+              <a:rPr b="1" dirty="0">
                 <a:latin typeface="+mn-lt"/>
                 <a:ea typeface="+mn-ea"/>
                 <a:cs typeface="+mn-cs"/>
@@ -9578,7 +14306,7 @@
               </a:defRPr>
             </a:pPr>
             <a:r>
-              <a:rPr b="1">
+              <a:rPr b="1" dirty="0">
                 <a:latin typeface="+mn-lt"/>
                 <a:ea typeface="+mn-ea"/>
                 <a:cs typeface="+mn-cs"/>
@@ -9586,9 +14314,7 @@
               </a:rPr>
               <a:t>Be Specific</a:t>
             </a:r>
-            <a:r>
-              <a:t>: </a:t>
-            </a:r>
+            <a:endParaRPr dirty="0"/>
           </a:p>
           <a:p>
             <a:pPr marL="457200" indent="-317500" defTabSz="457200">
@@ -9609,7 +14335,7 @@
               </a:defRPr>
             </a:pPr>
             <a:r>
-              <a:rPr b="1">
+              <a:rPr b="1" dirty="0">
                 <a:latin typeface="+mn-lt"/>
                 <a:ea typeface="+mn-ea"/>
                 <a:cs typeface="+mn-cs"/>
@@ -9617,9 +14343,7 @@
               </a:rPr>
               <a:t>Iterate and Refine</a:t>
             </a:r>
-            <a:r>
-              <a:t>: </a:t>
-            </a:r>
+            <a:endParaRPr dirty="0"/>
           </a:p>
           <a:p>
             <a:pPr marL="457200" indent="-317500" defTabSz="457200">
@@ -9640,7 +14364,7 @@
               </a:defRPr>
             </a:pPr>
             <a:r>
-              <a:rPr b="1">
+              <a:rPr b="1" dirty="0">
                 <a:latin typeface="+mn-lt"/>
                 <a:ea typeface="+mn-ea"/>
                 <a:cs typeface="+mn-cs"/>
@@ -9648,9 +14372,7 @@
               </a:rPr>
               <a:t>Provide Context</a:t>
             </a:r>
-            <a:r>
-              <a:t>:</a:t>
-            </a:r>
+            <a:endParaRPr dirty="0"/>
           </a:p>
           <a:p>
             <a:pPr marL="457200" indent="-317500" defTabSz="457200">
@@ -9671,7 +14393,7 @@
               </a:defRPr>
             </a:pPr>
             <a:r>
-              <a:rPr b="1">
+              <a:rPr b="1" dirty="0">
                 <a:latin typeface="+mn-lt"/>
                 <a:ea typeface="+mn-ea"/>
                 <a:cs typeface="+mn-cs"/>
@@ -9679,9 +14401,7 @@
               </a:rPr>
               <a:t>Use Multiple Services</a:t>
             </a:r>
-            <a:r>
-              <a:t>:</a:t>
-            </a:r>
+            <a:endParaRPr dirty="0"/>
           </a:p>
           <a:p>
             <a:pPr marL="457200" indent="-317500" defTabSz="457200">
@@ -9702,7 +14422,7 @@
               </a:defRPr>
             </a:pPr>
             <a:r>
-              <a:rPr b="1">
+              <a:rPr b="1" dirty="0">
                 <a:latin typeface="+mn-lt"/>
                 <a:ea typeface="+mn-ea"/>
                 <a:cs typeface="+mn-cs"/>
@@ -9710,9 +14430,7 @@
               </a:rPr>
               <a:t>Remind AI of Constraints</a:t>
             </a:r>
-            <a:r>
-              <a:t>:</a:t>
-            </a:r>
+            <a:endParaRPr dirty="0"/>
           </a:p>
           <a:p>
             <a:pPr marL="457200" indent="-317500" defTabSz="457200">
@@ -9733,7 +14451,7 @@
               </a:defRPr>
             </a:pPr>
             <a:r>
-              <a:rPr b="1">
+              <a:rPr b="1" dirty="0">
                 <a:latin typeface="+mn-lt"/>
                 <a:ea typeface="+mn-ea"/>
                 <a:cs typeface="+mn-cs"/>
@@ -9741,9 +14459,7 @@
               </a:rPr>
               <a:t>Make Templates</a:t>
             </a:r>
-            <a:r>
-              <a:t>:</a:t>
-            </a:r>
+            <a:endParaRPr dirty="0"/>
           </a:p>
         </p:txBody>
       </p:sp>
@@ -9766,7 +14482,7 @@
           </a:ln>
           <a:extLst>
             <a:ext uri="{C572A759-6A51-4108-AA02-DFA0A04FC94B}">
-              <ma14:wrappingTextBoxFlag xmlns="" xmlns:m="http://schemas.openxmlformats.org/officeDocument/2006/math" xmlns:a14="http://schemas.microsoft.com/office/drawing/2010/main" xmlns:ma14="http://schemas.microsoft.com/office/mac/drawingml/2011/main" val="1"/>
+              <ma14:wrappingTextBoxFlag xmlns:ma14="http://schemas.microsoft.com/office/mac/drawingml/2011/main" xmlns:a14="http://schemas.microsoft.com/office/drawing/2010/main" xmlns:m="http://schemas.openxmlformats.org/officeDocument/2006/math" xmlns="" val="1"/>
             </a:ext>
           </a:extLst>
         </p:spPr>
@@ -9837,7 +14553,7 @@
           </a:prstGeom>
           <a:extLst>
             <a:ext uri="{C572A759-6A51-4108-AA02-DFA0A04FC94B}">
-              <ma14:wrappingTextBoxFlag xmlns="" xmlns:m="http://schemas.openxmlformats.org/officeDocument/2006/math" xmlns:a14="http://schemas.microsoft.com/office/drawing/2010/main" xmlns:ma14="http://schemas.microsoft.com/office/mac/drawingml/2011/main" val="1"/>
+              <ma14:wrappingTextBoxFlag xmlns:ma14="http://schemas.microsoft.com/office/mac/drawingml/2011/main" xmlns:a14="http://schemas.microsoft.com/office/drawing/2010/main" xmlns:m="http://schemas.openxmlformats.org/officeDocument/2006/math" xmlns="" val="1"/>
             </a:ext>
           </a:extLst>
         </p:spPr>
@@ -9846,6 +14562,7 @@
           <a:lstStyle/>
           <a:p>
             <a:fld id="{86CB4B4D-7CA3-9044-876B-883B54F8677D}" type="slidenum">
+              <a:rPr/>
               <a:t>5</a:t>
             </a:fld>
             <a:endParaRPr/>
@@ -9889,8 +14606,8 @@
         </p:nvSpPr>
         <p:spPr>
           <a:xfrm>
-            <a:off x="6791676" y="2028522"/>
-            <a:ext cx="5264183" cy="4048404"/>
+            <a:off x="5970494" y="2028522"/>
+            <a:ext cx="6085366" cy="4048404"/>
           </a:xfrm>
           <a:prstGeom prst="rect">
             <a:avLst/>
@@ -9923,15 +14640,33 @@
               </a:defRPr>
             </a:pPr>
             <a:r>
-              <a:rPr b="1">
-                <a:latin typeface="+mn-lt"/>
-                <a:ea typeface="+mn-ea"/>
-                <a:cs typeface="+mn-cs"/>
-                <a:sym typeface="Helvetica"/>
-              </a:rPr>
-              <a:t>Verifique la precisión</a:t>
-            </a:r>
-            <a:endParaRPr>
+              <a:rPr b="1" dirty="0" err="1">
+                <a:latin typeface="+mn-lt"/>
+                <a:ea typeface="+mn-ea"/>
+                <a:cs typeface="+mn-cs"/>
+                <a:sym typeface="Helvetica"/>
+              </a:rPr>
+              <a:t>Verifique</a:t>
+            </a:r>
+            <a:r>
+              <a:rPr b="1" dirty="0">
+                <a:latin typeface="+mn-lt"/>
+                <a:ea typeface="+mn-ea"/>
+                <a:cs typeface="+mn-cs"/>
+                <a:sym typeface="Helvetica"/>
+              </a:rPr>
+              <a:t> la </a:t>
+            </a:r>
+            <a:r>
+              <a:rPr b="1" dirty="0" err="1">
+                <a:latin typeface="+mn-lt"/>
+                <a:ea typeface="+mn-ea"/>
+                <a:cs typeface="+mn-cs"/>
+                <a:sym typeface="Helvetica"/>
+              </a:rPr>
+              <a:t>precisión</a:t>
+            </a:r>
+            <a:endParaRPr dirty="0">
               <a:latin typeface="+mn-lt"/>
               <a:ea typeface="+mn-ea"/>
               <a:cs typeface="+mn-cs"/>
@@ -9962,14 +14697,29 @@
               </a:defRPr>
             </a:pPr>
             <a:r>
-              <a:rPr b="1">
-                <a:latin typeface="+mn-lt"/>
-                <a:ea typeface="+mn-ea"/>
-                <a:cs typeface="+mn-cs"/>
-                <a:sym typeface="Helvetica"/>
-              </a:rPr>
-              <a:t>Sea específico</a:t>
-            </a:r>
+              <a:rPr b="1" dirty="0">
+                <a:latin typeface="+mn-lt"/>
+                <a:ea typeface="+mn-ea"/>
+                <a:cs typeface="+mn-cs"/>
+                <a:sym typeface="Helvetica"/>
+              </a:rPr>
+              <a:t>Sea </a:t>
+            </a:r>
+            <a:r>
+              <a:rPr b="1" dirty="0" err="1">
+                <a:latin typeface="+mn-lt"/>
+                <a:ea typeface="+mn-ea"/>
+                <a:cs typeface="+mn-cs"/>
+                <a:sym typeface="Helvetica"/>
+              </a:rPr>
+              <a:t>específico</a:t>
+            </a:r>
+            <a:endParaRPr b="1" dirty="0">
+              <a:latin typeface="+mn-lt"/>
+              <a:ea typeface="+mn-ea"/>
+              <a:cs typeface="+mn-cs"/>
+              <a:sym typeface="Helvetica"/>
+            </a:endParaRPr>
           </a:p>
           <a:p>
             <a:pPr marL="457200" indent="-317500" defTabSz="457200">
@@ -9995,14 +14745,38 @@
               </a:defRPr>
             </a:pPr>
             <a:r>
-              <a:rPr b="1">
-                <a:latin typeface="+mn-lt"/>
-                <a:ea typeface="+mn-ea"/>
-                <a:cs typeface="+mn-cs"/>
-                <a:sym typeface="Helvetica"/>
-              </a:rPr>
-              <a:t>Iterar y refinar</a:t>
-            </a:r>
+              <a:rPr b="1" dirty="0" err="1">
+                <a:latin typeface="+mn-lt"/>
+                <a:ea typeface="+mn-ea"/>
+                <a:cs typeface="+mn-cs"/>
+                <a:sym typeface="Helvetica"/>
+              </a:rPr>
+              <a:t>Iterar</a:t>
+            </a:r>
+            <a:r>
+              <a:rPr b="1" dirty="0">
+                <a:latin typeface="+mn-lt"/>
+                <a:ea typeface="+mn-ea"/>
+                <a:cs typeface="+mn-cs"/>
+                <a:sym typeface="Helvetica"/>
+              </a:rPr>
+              <a:t> y </a:t>
+            </a:r>
+            <a:r>
+              <a:rPr b="1" dirty="0" err="1">
+                <a:latin typeface="+mn-lt"/>
+                <a:ea typeface="+mn-ea"/>
+                <a:cs typeface="+mn-cs"/>
+                <a:sym typeface="Helvetica"/>
+              </a:rPr>
+              <a:t>refinar</a:t>
+            </a:r>
+            <a:endParaRPr b="1" dirty="0">
+              <a:latin typeface="+mn-lt"/>
+              <a:ea typeface="+mn-ea"/>
+              <a:cs typeface="+mn-cs"/>
+              <a:sym typeface="Helvetica"/>
+            </a:endParaRPr>
           </a:p>
           <a:p>
             <a:pPr marL="457200" indent="-317500" defTabSz="457200">
@@ -10028,14 +14802,38 @@
               </a:defRPr>
             </a:pPr>
             <a:r>
-              <a:rPr b="1">
-                <a:latin typeface="+mn-lt"/>
-                <a:ea typeface="+mn-ea"/>
-                <a:cs typeface="+mn-cs"/>
-                <a:sym typeface="Helvetica"/>
-              </a:rPr>
-              <a:t>Proporcionar contexto</a:t>
-            </a:r>
+              <a:rPr b="1" dirty="0" err="1">
+                <a:latin typeface="+mn-lt"/>
+                <a:ea typeface="+mn-ea"/>
+                <a:cs typeface="+mn-cs"/>
+                <a:sym typeface="Helvetica"/>
+              </a:rPr>
+              <a:t>Proporcionar</a:t>
+            </a:r>
+            <a:r>
+              <a:rPr b="1" dirty="0">
+                <a:latin typeface="+mn-lt"/>
+                <a:ea typeface="+mn-ea"/>
+                <a:cs typeface="+mn-cs"/>
+                <a:sym typeface="Helvetica"/>
+              </a:rPr>
+              <a:t> </a:t>
+            </a:r>
+            <a:r>
+              <a:rPr b="1" dirty="0" err="1">
+                <a:latin typeface="+mn-lt"/>
+                <a:ea typeface="+mn-ea"/>
+                <a:cs typeface="+mn-cs"/>
+                <a:sym typeface="Helvetica"/>
+              </a:rPr>
+              <a:t>contexto</a:t>
+            </a:r>
+            <a:endParaRPr b="1" dirty="0">
+              <a:latin typeface="+mn-lt"/>
+              <a:ea typeface="+mn-ea"/>
+              <a:cs typeface="+mn-cs"/>
+              <a:sym typeface="Helvetica"/>
+            </a:endParaRPr>
           </a:p>
           <a:p>
             <a:pPr marL="457200" indent="-317500" defTabSz="457200">
@@ -10061,14 +14859,56 @@
               </a:defRPr>
             </a:pPr>
             <a:r>
-              <a:rPr b="1">
-                <a:latin typeface="+mn-lt"/>
-                <a:ea typeface="+mn-ea"/>
-                <a:cs typeface="+mn-cs"/>
-                <a:sym typeface="Helvetica"/>
-              </a:rPr>
-              <a:t>Utilice múltiples servicios</a:t>
-            </a:r>
+              <a:rPr b="1" dirty="0" err="1">
+                <a:latin typeface="+mn-lt"/>
+                <a:ea typeface="+mn-ea"/>
+                <a:cs typeface="+mn-cs"/>
+                <a:sym typeface="Helvetica"/>
+              </a:rPr>
+              <a:t>Utilice</a:t>
+            </a:r>
+            <a:r>
+              <a:rPr b="1" dirty="0">
+                <a:latin typeface="+mn-lt"/>
+                <a:ea typeface="+mn-ea"/>
+                <a:cs typeface="+mn-cs"/>
+                <a:sym typeface="Helvetica"/>
+              </a:rPr>
+              <a:t> </a:t>
+            </a:r>
+            <a:r>
+              <a:rPr b="1" dirty="0" err="1">
+                <a:latin typeface="+mn-lt"/>
+                <a:ea typeface="+mn-ea"/>
+                <a:cs typeface="+mn-cs"/>
+                <a:sym typeface="Helvetica"/>
+              </a:rPr>
+              <a:t>múltiples</a:t>
+            </a:r>
+            <a:r>
+              <a:rPr b="1" dirty="0">
+                <a:latin typeface="+mn-lt"/>
+                <a:ea typeface="+mn-ea"/>
+                <a:cs typeface="+mn-cs"/>
+                <a:sym typeface="Helvetica"/>
+              </a:rPr>
+              <a:t> </a:t>
+            </a:r>
+            <a:r>
+              <a:rPr b="1" dirty="0" err="1">
+                <a:latin typeface="+mn-lt"/>
+                <a:ea typeface="+mn-ea"/>
+                <a:cs typeface="+mn-cs"/>
+                <a:sym typeface="Helvetica"/>
+              </a:rPr>
+              <a:t>servicios</a:t>
+            </a:r>
+            <a:endParaRPr b="1" dirty="0">
+              <a:latin typeface="+mn-lt"/>
+              <a:ea typeface="+mn-ea"/>
+              <a:cs typeface="+mn-cs"/>
+              <a:sym typeface="Helvetica"/>
+            </a:endParaRPr>
           </a:p>
           <a:p>
             <a:pPr marL="457200" indent="-317500" defTabSz="457200">
@@ -10094,14 +14934,65 @@
               </a:defRPr>
             </a:pPr>
             <a:r>
-              <a:rPr b="1">
-                <a:latin typeface="+mn-lt"/>
-                <a:ea typeface="+mn-ea"/>
-                <a:cs typeface="+mn-cs"/>
-                <a:sym typeface="Helvetica"/>
-              </a:rPr>
-              <a:t>Recuerde de las restricciones</a:t>
-            </a:r>
+              <a:rPr b="1" dirty="0" err="1">
+                <a:latin typeface="+mn-lt"/>
+                <a:ea typeface="+mn-ea"/>
+                <a:cs typeface="+mn-cs"/>
+                <a:sym typeface="Helvetica"/>
+              </a:rPr>
+              <a:t>Recuerde</a:t>
+            </a:r>
+            <a:r>
+              <a:rPr b="1" dirty="0">
+                <a:latin typeface="+mn-lt"/>
+                <a:ea typeface="+mn-ea"/>
+                <a:cs typeface="+mn-cs"/>
+                <a:sym typeface="Helvetica"/>
+              </a:rPr>
+              <a:t> </a:t>
+            </a:r>
+            <a:r>
+              <a:rPr lang="en-US" b="1" dirty="0">
+                <a:latin typeface="+mn-lt"/>
+                <a:ea typeface="+mn-ea"/>
+                <a:cs typeface="+mn-cs"/>
+                <a:sym typeface="Helvetica"/>
+              </a:rPr>
+              <a:t>IA </a:t>
+            </a:r>
+            <a:r>
+              <a:rPr b="1" dirty="0">
+                <a:latin typeface="+mn-lt"/>
+                <a:ea typeface="+mn-ea"/>
+                <a:cs typeface="+mn-cs"/>
+                <a:sym typeface="Helvetica"/>
+              </a:rPr>
+              <a:t>de las</a:t>
+            </a:r>
+            <a:r>
+              <a:rPr lang="en-US" b="1" dirty="0">
+                <a:latin typeface="+mn-lt"/>
+                <a:ea typeface="+mn-ea"/>
+                <a:cs typeface="+mn-cs"/>
+                <a:sym typeface="Helvetica"/>
+              </a:rPr>
+              <a:t> </a:t>
+            </a:r>
+            <a:r>
+              <a:rPr b="1" dirty="0" err="1">
+                <a:latin typeface="+mn-lt"/>
+                <a:ea typeface="+mn-ea"/>
+                <a:cs typeface="+mn-cs"/>
+                <a:sym typeface="Helvetica"/>
+              </a:rPr>
+              <a:t>restricciones</a:t>
+            </a:r>
+            <a:endParaRPr b="1" dirty="0">
+              <a:latin typeface="+mn-lt"/>
+              <a:ea typeface="+mn-ea"/>
+              <a:cs typeface="+mn-cs"/>
+              <a:sym typeface="Helvetica"/>
+            </a:endParaRPr>
           </a:p>
           <a:p>
             <a:pPr marL="457200" indent="-317500" defTabSz="457200">
@@ -10127,14 +15018,38 @@
               </a:defRPr>
             </a:pPr>
             <a:r>
-              <a:rPr b="1">
-                <a:latin typeface="+mn-lt"/>
-                <a:ea typeface="+mn-ea"/>
-                <a:cs typeface="+mn-cs"/>
-                <a:sym typeface="Helvetica"/>
-              </a:rPr>
-              <a:t>Crear plantillas</a:t>
-            </a:r>
+              <a:rPr b="1" dirty="0" err="1">
+                <a:latin typeface="+mn-lt"/>
+                <a:ea typeface="+mn-ea"/>
+                <a:cs typeface="+mn-cs"/>
+                <a:sym typeface="Helvetica"/>
+              </a:rPr>
+              <a:t>Crear</a:t>
+            </a:r>
+            <a:r>
+              <a:rPr b="1" dirty="0">
+                <a:latin typeface="+mn-lt"/>
+                <a:ea typeface="+mn-ea"/>
+                <a:cs typeface="+mn-cs"/>
+                <a:sym typeface="Helvetica"/>
+              </a:rPr>
+              <a:t> </a:t>
+            </a:r>
+            <a:r>
+              <a:rPr b="1" dirty="0" err="1">
+                <a:latin typeface="+mn-lt"/>
+                <a:ea typeface="+mn-ea"/>
+                <a:cs typeface="+mn-cs"/>
+                <a:sym typeface="Helvetica"/>
+              </a:rPr>
+              <a:t>plantillas</a:t>
+            </a:r>
+            <a:endParaRPr b="1" dirty="0">
+              <a:latin typeface="+mn-lt"/>
+              <a:ea typeface="+mn-ea"/>
+              <a:cs typeface="+mn-cs"/>
+              <a:sym typeface="Helvetica"/>
+            </a:endParaRPr>
           </a:p>
         </p:txBody>
       </p:sp>
@@ -10157,7 +15072,7 @@
           </a:ln>
           <a:extLst>
             <a:ext uri="{C572A759-6A51-4108-AA02-DFA0A04FC94B}">
-              <ma14:wrappingTextBoxFlag xmlns="" xmlns:m="http://schemas.openxmlformats.org/officeDocument/2006/math" xmlns:a14="http://schemas.microsoft.com/office/drawing/2010/main" xmlns:ma14="http://schemas.microsoft.com/office/mac/drawingml/2011/main" val="1"/>
+              <ma14:wrappingTextBoxFlag xmlns:ma14="http://schemas.microsoft.com/office/mac/drawingml/2011/main" xmlns:a14="http://schemas.microsoft.com/office/drawing/2010/main" xmlns:m="http://schemas.openxmlformats.org/officeDocument/2006/math" xmlns="" val="1"/>
             </a:ext>
           </a:extLst>
         </p:spPr>
@@ -10185,7 +15100,7 @@
               </a:defRPr>
             </a:pPr>
             <a:r>
-              <a:rPr b="1">
+              <a:rPr b="1" dirty="0">
                 <a:latin typeface="+mn-lt"/>
                 <a:ea typeface="+mn-ea"/>
                 <a:cs typeface="+mn-cs"/>
@@ -10213,7 +15128,7 @@
               </a:defRPr>
             </a:pPr>
             <a:r>
-              <a:rPr b="1">
+              <a:rPr b="1" dirty="0">
                 <a:latin typeface="+mn-lt"/>
                 <a:ea typeface="+mn-ea"/>
                 <a:cs typeface="+mn-cs"/>
@@ -10221,9 +15136,7 @@
               </a:rPr>
               <a:t>Be Specific</a:t>
             </a:r>
-            <a:r>
-              <a:t>: </a:t>
-            </a:r>
+            <a:endParaRPr dirty="0"/>
           </a:p>
           <a:p>
             <a:pPr marL="457200" indent="-317500" defTabSz="457200">
@@ -10244,7 +15157,7 @@
               </a:defRPr>
             </a:pPr>
             <a:r>
-              <a:rPr b="1">
+              <a:rPr b="1" dirty="0">
                 <a:latin typeface="+mn-lt"/>
                 <a:ea typeface="+mn-ea"/>
                 <a:cs typeface="+mn-cs"/>
@@ -10252,9 +15165,7 @@
               </a:rPr>
               <a:t>Iterate and Refine</a:t>
             </a:r>
-            <a:r>
-              <a:t>: </a:t>
-            </a:r>
+            <a:endParaRPr dirty="0"/>
           </a:p>
           <a:p>
             <a:pPr marL="457200" indent="-317500" defTabSz="457200">
@@ -10275,7 +15186,7 @@
               </a:defRPr>
             </a:pPr>
             <a:r>
-              <a:rPr b="1">
+              <a:rPr b="1" dirty="0">
                 <a:latin typeface="+mn-lt"/>
                 <a:ea typeface="+mn-ea"/>
                 <a:cs typeface="+mn-cs"/>
@@ -10283,9 +15194,7 @@
               </a:rPr>
               <a:t>Provide Context</a:t>
             </a:r>
-            <a:r>
-              <a:t>:</a:t>
-            </a:r>
+            <a:endParaRPr dirty="0"/>
           </a:p>
           <a:p>
             <a:pPr marL="457200" indent="-317500" defTabSz="457200">
@@ -10306,7 +15215,7 @@
               </a:defRPr>
             </a:pPr>
             <a:r>
-              <a:rPr b="1">
+              <a:rPr b="1" dirty="0">
                 <a:latin typeface="+mn-lt"/>
                 <a:ea typeface="+mn-ea"/>
                 <a:cs typeface="+mn-cs"/>
@@ -10314,9 +15223,7 @@
               </a:rPr>
               <a:t>Use Multiple Services</a:t>
             </a:r>
-            <a:r>
-              <a:t>:</a:t>
-            </a:r>
+            <a:endParaRPr dirty="0"/>
           </a:p>
           <a:p>
             <a:pPr marL="457200" indent="-317500" defTabSz="457200">
@@ -10337,7 +15244,7 @@
               </a:defRPr>
             </a:pPr>
             <a:r>
-              <a:rPr b="1">
+              <a:rPr b="1" dirty="0">
                 <a:latin typeface="+mn-lt"/>
                 <a:ea typeface="+mn-ea"/>
                 <a:cs typeface="+mn-cs"/>
@@ -10345,9 +15252,7 @@
               </a:rPr>
               <a:t>Remind AI of Constraints</a:t>
             </a:r>
-            <a:r>
-              <a:t>:</a:t>
-            </a:r>
+            <a:endParaRPr dirty="0"/>
           </a:p>
           <a:p>
             <a:pPr marL="457200" indent="-317500" defTabSz="457200">
@@ -10368,7 +15273,7 @@
               </a:defRPr>
             </a:pPr>
             <a:r>
-              <a:rPr b="1">
+              <a:rPr b="1" dirty="0">
                 <a:latin typeface="+mn-lt"/>
                 <a:ea typeface="+mn-ea"/>
                 <a:cs typeface="+mn-cs"/>
@@ -10376,9 +15281,7 @@
               </a:rPr>
               <a:t>Make Templates</a:t>
             </a:r>
-            <a:r>
-              <a:t>:</a:t>
-            </a:r>
+            <a:endParaRPr dirty="0"/>
           </a:p>
         </p:txBody>
       </p:sp>
@@ -10401,7 +15304,7 @@
           </a:ln>
           <a:extLst>
             <a:ext uri="{C572A759-6A51-4108-AA02-DFA0A04FC94B}">
-              <ma14:wrappingTextBoxFlag xmlns="" xmlns:m="http://schemas.openxmlformats.org/officeDocument/2006/math" xmlns:a14="http://schemas.microsoft.com/office/drawing/2010/main" xmlns:ma14="http://schemas.microsoft.com/office/mac/drawingml/2011/main" val="1"/>
+              <ma14:wrappingTextBoxFlag xmlns:ma14="http://schemas.microsoft.com/office/mac/drawingml/2011/main" xmlns:a14="http://schemas.microsoft.com/office/drawing/2010/main" xmlns:m="http://schemas.openxmlformats.org/officeDocument/2006/math" xmlns="" val="1"/>
             </a:ext>
           </a:extLst>
         </p:spPr>
@@ -10420,9 +15323,292 @@
           </a:lstStyle>
           <a:p>
             <a:fld id="{86CB4B4D-7CA3-9044-876B-883B54F8677D}" type="slidenum">
+              <a:rPr/>
               <a:t>5</a:t>
             </a:fld>
             <a:endParaRPr/>
+          </a:p>
+        </p:txBody>
+      </p:sp>
+      <p:sp>
+        <p:nvSpPr>
+          <p:cNvPr id="2" name="English">
+            <a:extLst>
+              <a:ext uri="{FF2B5EF4-FFF2-40B4-BE49-F238E27FC236}">
+                <a16:creationId xmlns:a16="http://schemas.microsoft.com/office/drawing/2014/main" id="{DC321049-F10C-0D14-F748-7424460D4F36}"/>
+              </a:ext>
+            </a:extLst>
+          </p:cNvPr>
+          <p:cNvSpPr/>
+          <p:nvPr/>
+        </p:nvSpPr>
+        <p:spPr>
+          <a:xfrm>
+            <a:off x="5133143" y="5731369"/>
+            <a:ext cx="1925714" cy="703748"/>
+          </a:xfrm>
+          <a:prstGeom prst="rect">
+            <a:avLst/>
+          </a:prstGeom>
+          <a:solidFill>
+            <a:schemeClr val="bg1"/>
+          </a:solidFill>
+          <a:ln w="12700">
+            <a:solidFill>
+              <a:schemeClr val="accent1"/>
+            </a:solidFill>
+            <a:miter/>
+          </a:ln>
+          <a:extLst>
+            <a:ext uri="{C572A759-6A51-4108-AA02-DFA0A04FC94B}">
+              <ma14:wrappingTextBoxFlag xmlns:ma14="http://schemas.microsoft.com/office/mac/drawingml/2011/main" xmlns:a14="http://schemas.microsoft.com/office/drawing/2010/main" xmlns:m="http://schemas.openxmlformats.org/officeDocument/2006/math" xmlns="" val="1"/>
+            </a:ext>
+          </a:extLst>
+        </p:spPr>
+        <p:txBody>
+          <a:bodyPr lIns="45719" rIns="45719" anchor="ctr"/>
+          <a:lstStyle>
+            <a:lvl1pPr algn="ctr"/>
+          </a:lstStyle>
+          <a:p>
+            <a:pPr marL="139700" defTabSz="457200">
+              <a:lnSpc>
+                <a:spcPct val="100000"/>
+              </a:lnSpc>
+              <a:spcBef>
+                <a:spcPts val="0"/>
+              </a:spcBef>
+              <a:buClr>
+                <a:srgbClr val="1F2328"/>
+              </a:buClr>
+              <a:defRPr sz="2600">
+                <a:solidFill>
+                  <a:srgbClr val="FF40FF"/>
+                </a:solidFill>
+                <a:latin typeface="Helvetica Neue"/>
+                <a:ea typeface="Helvetica Neue"/>
+                <a:cs typeface="Helvetica Neue"/>
+                <a:sym typeface="Helvetica Neue"/>
+              </a:defRPr>
+            </a:pPr>
+            <a:r>
+              <a:rPr lang="en-US" sz="2000" b="1" dirty="0" err="1">
+                <a:latin typeface="+mn-lt"/>
+                <a:ea typeface="+mn-ea"/>
+                <a:cs typeface="+mn-cs"/>
+                <a:sym typeface="Helvetica"/>
+              </a:rPr>
+              <a:t>Proporcionar</a:t>
+            </a:r>
+            <a:r>
+              <a:rPr lang="en-US" sz="2000" b="1" dirty="0">
+                <a:latin typeface="+mn-lt"/>
+                <a:ea typeface="+mn-ea"/>
+                <a:cs typeface="+mn-cs"/>
+                <a:sym typeface="Helvetica"/>
+              </a:rPr>
+              <a:t> </a:t>
+            </a:r>
+            <a:r>
+              <a:rPr lang="en-US" sz="2000" b="1" dirty="0" err="1">
+                <a:latin typeface="+mn-lt"/>
+                <a:ea typeface="+mn-ea"/>
+                <a:cs typeface="+mn-cs"/>
+                <a:sym typeface="Helvetica"/>
+              </a:rPr>
+              <a:t>contexto</a:t>
+            </a:r>
+            <a:endParaRPr lang="en-US" sz="2000" b="1" dirty="0">
+              <a:latin typeface="+mn-lt"/>
+              <a:ea typeface="+mn-ea"/>
+              <a:cs typeface="+mn-cs"/>
+              <a:sym typeface="Helvetica"/>
+            </a:endParaRPr>
+          </a:p>
+        </p:txBody>
+      </p:sp>
+      <p:sp>
+        <p:nvSpPr>
+          <p:cNvPr id="3" name="Spanish">
+            <a:extLst>
+              <a:ext uri="{FF2B5EF4-FFF2-40B4-BE49-F238E27FC236}">
+                <a16:creationId xmlns:a16="http://schemas.microsoft.com/office/drawing/2014/main" id="{4596C4FA-5306-8F95-74B3-6847809E5634}"/>
+              </a:ext>
+            </a:extLst>
+          </p:cNvPr>
+          <p:cNvSpPr/>
+          <p:nvPr/>
+        </p:nvSpPr>
+        <p:spPr>
+          <a:xfrm>
+            <a:off x="7671549" y="5727400"/>
+            <a:ext cx="2280484" cy="703748"/>
+          </a:xfrm>
+          <a:prstGeom prst="rect">
+            <a:avLst/>
+          </a:prstGeom>
+          <a:solidFill>
+            <a:schemeClr val="bg1"/>
+          </a:solidFill>
+          <a:ln w="12700">
+            <a:solidFill>
+              <a:schemeClr val="accent1"/>
+            </a:solidFill>
+            <a:miter/>
+          </a:ln>
+          <a:extLst>
+            <a:ext uri="{C572A759-6A51-4108-AA02-DFA0A04FC94B}">
+              <ma14:wrappingTextBoxFlag xmlns:ma14="http://schemas.microsoft.com/office/mac/drawingml/2011/main" xmlns:a14="http://schemas.microsoft.com/office/drawing/2010/main" xmlns:m="http://schemas.openxmlformats.org/officeDocument/2006/math" xmlns="" val="1"/>
+            </a:ext>
+          </a:extLst>
+        </p:spPr>
+        <p:txBody>
+          <a:bodyPr lIns="45719" rIns="45719" anchor="ctr"/>
+          <a:lstStyle>
+            <a:lvl1pPr algn="ctr"/>
+          </a:lstStyle>
+          <a:p>
+            <a:pPr marL="139700" defTabSz="457200">
+              <a:lnSpc>
+                <a:spcPct val="100000"/>
+              </a:lnSpc>
+              <a:spcBef>
+                <a:spcPts val="0"/>
+              </a:spcBef>
+              <a:buClr>
+                <a:srgbClr val="1F2328"/>
+              </a:buClr>
+              <a:defRPr sz="2600">
+                <a:solidFill>
+                  <a:srgbClr val="942192"/>
+                </a:solidFill>
+                <a:latin typeface="Helvetica Neue"/>
+                <a:ea typeface="Helvetica Neue"/>
+                <a:cs typeface="Helvetica Neue"/>
+                <a:sym typeface="Helvetica Neue"/>
+              </a:defRPr>
+            </a:pPr>
+            <a:r>
+              <a:rPr lang="en-US" sz="2000" b="1" dirty="0" err="1">
+                <a:latin typeface="+mn-lt"/>
+                <a:ea typeface="+mn-ea"/>
+                <a:cs typeface="+mn-cs"/>
+                <a:sym typeface="Helvetica"/>
+              </a:rPr>
+              <a:t>Recuerde</a:t>
+            </a:r>
+            <a:r>
+              <a:rPr lang="en-US" sz="2000" b="1" dirty="0">
+                <a:latin typeface="+mn-lt"/>
+                <a:ea typeface="+mn-ea"/>
+                <a:cs typeface="+mn-cs"/>
+                <a:sym typeface="Helvetica"/>
+              </a:rPr>
+              <a:t> de las </a:t>
+            </a:r>
+            <a:r>
+              <a:rPr lang="en-US" sz="2000" b="1" dirty="0" err="1">
+                <a:latin typeface="+mn-lt"/>
+                <a:ea typeface="+mn-ea"/>
+                <a:cs typeface="+mn-cs"/>
+                <a:sym typeface="Helvetica"/>
+              </a:rPr>
+              <a:t>restricciones</a:t>
+            </a:r>
+            <a:endParaRPr lang="en-US" sz="2000" b="1" dirty="0">
+              <a:latin typeface="+mn-lt"/>
+              <a:ea typeface="+mn-ea"/>
+              <a:cs typeface="+mn-cs"/>
+              <a:sym typeface="Helvetica"/>
+            </a:endParaRPr>
+          </a:p>
+        </p:txBody>
+      </p:sp>
+      <p:sp>
+        <p:nvSpPr>
+          <p:cNvPr id="4" name="English">
+            <a:extLst>
+              <a:ext uri="{FF2B5EF4-FFF2-40B4-BE49-F238E27FC236}">
+                <a16:creationId xmlns:a16="http://schemas.microsoft.com/office/drawing/2014/main" id="{7F6FB995-54B3-C061-71FA-60D5A1765547}"/>
+              </a:ext>
+            </a:extLst>
+          </p:cNvPr>
+          <p:cNvSpPr/>
+          <p:nvPr/>
+        </p:nvSpPr>
+        <p:spPr>
+          <a:xfrm>
+            <a:off x="2717850" y="5727400"/>
+            <a:ext cx="1802601" cy="703748"/>
+          </a:xfrm>
+          <a:prstGeom prst="rect">
+            <a:avLst/>
+          </a:prstGeom>
+          <a:solidFill>
+            <a:schemeClr val="bg1"/>
+          </a:solidFill>
+          <a:ln w="12700">
+            <a:solidFill>
+              <a:schemeClr val="accent1"/>
+            </a:solidFill>
+            <a:miter/>
+          </a:ln>
+          <a:extLst>
+            <a:ext uri="{C572A759-6A51-4108-AA02-DFA0A04FC94B}">
+              <ma14:wrappingTextBoxFlag xmlns:ma14="http://schemas.microsoft.com/office/mac/drawingml/2011/main" xmlns:a14="http://schemas.microsoft.com/office/drawing/2010/main" xmlns:m="http://schemas.openxmlformats.org/officeDocument/2006/math" xmlns="" val="1"/>
+            </a:ext>
+          </a:extLst>
+        </p:spPr>
+        <p:txBody>
+          <a:bodyPr lIns="45719" rIns="45719" anchor="ctr"/>
+          <a:lstStyle>
+            <a:lvl1pPr algn="ctr"/>
+          </a:lstStyle>
+          <a:p>
+            <a:pPr marL="139700" defTabSz="457200">
+              <a:lnSpc>
+                <a:spcPct val="100000"/>
+              </a:lnSpc>
+              <a:spcBef>
+                <a:spcPts val="0"/>
+              </a:spcBef>
+              <a:buClr>
+                <a:srgbClr val="1F2328"/>
+              </a:buClr>
+              <a:defRPr sz="2600">
+                <a:solidFill>
+                  <a:srgbClr val="0433FF"/>
+                </a:solidFill>
+                <a:latin typeface="Helvetica Neue"/>
+                <a:ea typeface="Helvetica Neue"/>
+                <a:cs typeface="Helvetica Neue"/>
+                <a:sym typeface="Helvetica Neue"/>
+              </a:defRPr>
+            </a:pPr>
+            <a:r>
+              <a:rPr lang="en-US" sz="2000" b="1" dirty="0">
+                <a:latin typeface="+mn-lt"/>
+                <a:ea typeface="+mn-ea"/>
+                <a:cs typeface="+mn-cs"/>
+                <a:sym typeface="Helvetica"/>
+              </a:rPr>
+              <a:t>Sea </a:t>
+            </a:r>
+            <a:r>
+              <a:rPr lang="en-US" sz="2000" b="1" dirty="0" err="1">
+                <a:latin typeface="+mn-lt"/>
+                <a:ea typeface="+mn-ea"/>
+                <a:cs typeface="+mn-cs"/>
+                <a:sym typeface="Helvetica"/>
+              </a:rPr>
+              <a:t>específico</a:t>
+            </a:r>
+            <a:endParaRPr lang="en-US" sz="2000" b="1" dirty="0">
+              <a:latin typeface="+mn-lt"/>
+              <a:ea typeface="+mn-ea"/>
+              <a:cs typeface="+mn-cs"/>
+              <a:sym typeface="Helvetica"/>
+            </a:endParaRPr>
           </a:p>
         </p:txBody>
       </p:sp>
@@ -10512,15 +15698,17 @@
               <a:defRPr i="1" strike="sngStrike"/>
             </a:pPr>
             <a:r>
-              <a:t>Bad: "Write an article about data privacy."</a:t>
-            </a:r>
-          </a:p>
-          <a:p>
-            <a:r>
+              <a:rPr dirty="0"/>
+              <a:t>Bad: "Write an article about data privacy"</a:t>
+            </a:r>
+          </a:p>
+          <a:p>
+            <a:r>
+              <a:rPr dirty="0"/>
               <a:t>Better: "</a:t>
             </a:r>
             <a:r>
-              <a:rPr>
+              <a:rPr dirty="0">
                 <a:solidFill>
                   <a:srgbClr val="FF40FF"/>
                 </a:solidFill>
@@ -10528,10 +15716,11 @@
               <a:t>You are an expert in cybersecurity, the audience is a new military soldier with minimal higher education</a:t>
             </a:r>
             <a:r>
+              <a:rPr dirty="0"/>
               <a:t>, </a:t>
             </a:r>
             <a:r>
-              <a:rPr>
+              <a:rPr dirty="0">
                 <a:solidFill>
                   <a:srgbClr val="942192"/>
                 </a:solidFill>
@@ -10539,17 +15728,19 @@
               <a:t>don't be lazy with your processing, take it step by step first considering the task, analyzing the result, then writing</a:t>
             </a:r>
             <a:r>
+              <a:rPr dirty="0"/>
               <a:t>: </a:t>
             </a:r>
             <a:r>
-              <a:rPr>
-                <a:solidFill>
-                  <a:srgbClr val="0433FF"/>
-                </a:solidFill>
-              </a:rPr>
-              <a:t>Write a persuasive article that is at between 500 and 650 words about the importance of data privacy in the digital age for military families. Include examples of data breaches and their impact on individuals.</a:t>
-            </a:r>
-            <a:r>
+              <a:rPr dirty="0">
+                <a:solidFill>
+                  <a:srgbClr val="0433FF"/>
+                </a:solidFill>
+              </a:rPr>
+              <a:t>Write a persuasive article that is at between 500 and 650 words about the importance of data privacy in the digital age for military families. Include examples of data breaches and their impact on individuals</a:t>
+            </a:r>
+            <a:r>
+              <a:rPr dirty="0"/>
               <a:t>"</a:t>
             </a:r>
           </a:p>
@@ -10575,7 +15766,7 @@
           </a:prstGeom>
           <a:extLst>
             <a:ext uri="{C572A759-6A51-4108-AA02-DFA0A04FC94B}">
-              <ma14:wrappingTextBoxFlag xmlns="" xmlns:m="http://schemas.openxmlformats.org/officeDocument/2006/math" xmlns:a14="http://schemas.microsoft.com/office/drawing/2010/main" xmlns:ma14="http://schemas.microsoft.com/office/mac/drawingml/2011/main" val="1"/>
+              <ma14:wrappingTextBoxFlag xmlns:ma14="http://schemas.microsoft.com/office/mac/drawingml/2011/main" xmlns:a14="http://schemas.microsoft.com/office/drawing/2010/main" xmlns:m="http://schemas.openxmlformats.org/officeDocument/2006/math" xmlns="" val="1"/>
             </a:ext>
           </a:extLst>
         </p:spPr>
@@ -10584,9 +15775,225 @@
           <a:lstStyle/>
           <a:p>
             <a:fld id="{86CB4B4D-7CA3-9044-876B-883B54F8677D}" type="slidenum">
+              <a:rPr/>
               <a:t>6</a:t>
             </a:fld>
             <a:endParaRPr/>
+          </a:p>
+        </p:txBody>
+      </p:sp>
+      <p:sp>
+        <p:nvSpPr>
+          <p:cNvPr id="2" name="English">
+            <a:extLst>
+              <a:ext uri="{FF2B5EF4-FFF2-40B4-BE49-F238E27FC236}">
+                <a16:creationId xmlns:a16="http://schemas.microsoft.com/office/drawing/2014/main" id="{21E64AAC-DA8B-8641-C91B-8402ABF89DB1}"/>
+              </a:ext>
+            </a:extLst>
+          </p:cNvPr>
+          <p:cNvSpPr/>
+          <p:nvPr/>
+        </p:nvSpPr>
+        <p:spPr>
+          <a:xfrm>
+            <a:off x="5133143" y="5997604"/>
+            <a:ext cx="1925714" cy="703748"/>
+          </a:xfrm>
+          <a:prstGeom prst="rect">
+            <a:avLst/>
+          </a:prstGeom>
+          <a:solidFill>
+            <a:schemeClr val="bg1"/>
+          </a:solidFill>
+          <a:ln w="12700">
+            <a:solidFill>
+              <a:schemeClr val="accent1"/>
+            </a:solidFill>
+            <a:miter/>
+          </a:ln>
+          <a:extLst>
+            <a:ext uri="{C572A759-6A51-4108-AA02-DFA0A04FC94B}">
+              <ma14:wrappingTextBoxFlag xmlns:ma14="http://schemas.microsoft.com/office/mac/drawingml/2011/main" xmlns:a14="http://schemas.microsoft.com/office/drawing/2010/main" xmlns:m="http://schemas.openxmlformats.org/officeDocument/2006/math" xmlns="" val="1"/>
+            </a:ext>
+          </a:extLst>
+        </p:spPr>
+        <p:txBody>
+          <a:bodyPr lIns="45719" rIns="45719" anchor="ctr"/>
+          <a:lstStyle>
+            <a:lvl1pPr algn="ctr"/>
+          </a:lstStyle>
+          <a:p>
+            <a:pPr marL="139700" defTabSz="457200">
+              <a:lnSpc>
+                <a:spcPct val="100000"/>
+              </a:lnSpc>
+              <a:spcBef>
+                <a:spcPts val="0"/>
+              </a:spcBef>
+              <a:buClr>
+                <a:srgbClr val="1F2328"/>
+              </a:buClr>
+              <a:defRPr sz="2600">
+                <a:solidFill>
+                  <a:srgbClr val="FF40FF"/>
+                </a:solidFill>
+                <a:latin typeface="Helvetica Neue"/>
+                <a:ea typeface="Helvetica Neue"/>
+                <a:cs typeface="Helvetica Neue"/>
+                <a:sym typeface="Helvetica Neue"/>
+              </a:defRPr>
+            </a:pPr>
+            <a:r>
+              <a:rPr lang="en-US" sz="2000" b="1" dirty="0">
+                <a:latin typeface="+mn-lt"/>
+                <a:ea typeface="+mn-ea"/>
+                <a:cs typeface="+mn-cs"/>
+                <a:sym typeface="Helvetica"/>
+              </a:rPr>
+              <a:t>Provide Context</a:t>
+            </a:r>
+          </a:p>
+        </p:txBody>
+      </p:sp>
+      <p:sp>
+        <p:nvSpPr>
+          <p:cNvPr id="3" name="Spanish">
+            <a:extLst>
+              <a:ext uri="{FF2B5EF4-FFF2-40B4-BE49-F238E27FC236}">
+                <a16:creationId xmlns:a16="http://schemas.microsoft.com/office/drawing/2014/main" id="{CCCC1547-F807-3A6E-F116-CDBE91DE53E1}"/>
+              </a:ext>
+            </a:extLst>
+          </p:cNvPr>
+          <p:cNvSpPr/>
+          <p:nvPr/>
+        </p:nvSpPr>
+        <p:spPr>
+          <a:xfrm>
+            <a:off x="7671549" y="5993635"/>
+            <a:ext cx="2280484" cy="703748"/>
+          </a:xfrm>
+          <a:prstGeom prst="rect">
+            <a:avLst/>
+          </a:prstGeom>
+          <a:solidFill>
+            <a:schemeClr val="bg1"/>
+          </a:solidFill>
+          <a:ln w="12700">
+            <a:solidFill>
+              <a:schemeClr val="accent1"/>
+            </a:solidFill>
+            <a:miter/>
+          </a:ln>
+          <a:extLst>
+            <a:ext uri="{C572A759-6A51-4108-AA02-DFA0A04FC94B}">
+              <ma14:wrappingTextBoxFlag xmlns:ma14="http://schemas.microsoft.com/office/mac/drawingml/2011/main" xmlns:a14="http://schemas.microsoft.com/office/drawing/2010/main" xmlns:m="http://schemas.openxmlformats.org/officeDocument/2006/math" xmlns="" val="1"/>
+            </a:ext>
+          </a:extLst>
+        </p:spPr>
+        <p:txBody>
+          <a:bodyPr lIns="45719" rIns="45719" anchor="ctr"/>
+          <a:lstStyle>
+            <a:lvl1pPr algn="ctr"/>
+          </a:lstStyle>
+          <a:p>
+            <a:pPr marL="139700" defTabSz="457200">
+              <a:buClr>
+                <a:srgbClr val="1F2328"/>
+              </a:buClr>
+              <a:buSzPct val="100000"/>
+              <a:defRPr sz="2600">
+                <a:solidFill>
+                  <a:srgbClr val="942192"/>
+                </a:solidFill>
+                <a:latin typeface="Helvetica Neue"/>
+                <a:ea typeface="Helvetica Neue"/>
+                <a:cs typeface="Helvetica Neue"/>
+                <a:sym typeface="Helvetica Neue"/>
+              </a:defRPr>
+            </a:pPr>
+            <a:r>
+              <a:rPr lang="en-US" sz="2000" b="1" dirty="0">
+                <a:latin typeface="+mn-lt"/>
+                <a:ea typeface="+mn-ea"/>
+                <a:cs typeface="+mn-cs"/>
+                <a:sym typeface="Helvetica"/>
+              </a:rPr>
+              <a:t>Remind AI of Constraints</a:t>
+            </a:r>
+            <a:endParaRPr lang="en-US" sz="2000" dirty="0"/>
+          </a:p>
+        </p:txBody>
+      </p:sp>
+      <p:sp>
+        <p:nvSpPr>
+          <p:cNvPr id="4" name="English">
+            <a:extLst>
+              <a:ext uri="{FF2B5EF4-FFF2-40B4-BE49-F238E27FC236}">
+                <a16:creationId xmlns:a16="http://schemas.microsoft.com/office/drawing/2014/main" id="{17202D50-46FD-ACC4-EEDF-D44E402833E2}"/>
+              </a:ext>
+            </a:extLst>
+          </p:cNvPr>
+          <p:cNvSpPr/>
+          <p:nvPr/>
+        </p:nvSpPr>
+        <p:spPr>
+          <a:xfrm>
+            <a:off x="2717850" y="5993635"/>
+            <a:ext cx="1802601" cy="703748"/>
+          </a:xfrm>
+          <a:prstGeom prst="rect">
+            <a:avLst/>
+          </a:prstGeom>
+          <a:solidFill>
+            <a:schemeClr val="bg1"/>
+          </a:solidFill>
+          <a:ln w="12700">
+            <a:solidFill>
+              <a:schemeClr val="accent1"/>
+            </a:solidFill>
+            <a:miter/>
+          </a:ln>
+          <a:extLst>
+            <a:ext uri="{C572A759-6A51-4108-AA02-DFA0A04FC94B}">
+              <ma14:wrappingTextBoxFlag xmlns:ma14="http://schemas.microsoft.com/office/mac/drawingml/2011/main" xmlns:a14="http://schemas.microsoft.com/office/drawing/2010/main" xmlns:m="http://schemas.openxmlformats.org/officeDocument/2006/math" xmlns="" val="1"/>
+            </a:ext>
+          </a:extLst>
+        </p:spPr>
+        <p:txBody>
+          <a:bodyPr lIns="45719" rIns="45719" anchor="ctr"/>
+          <a:lstStyle>
+            <a:lvl1pPr algn="ctr"/>
+          </a:lstStyle>
+          <a:p>
+            <a:pPr marL="139700" defTabSz="457200">
+              <a:lnSpc>
+                <a:spcPct val="100000"/>
+              </a:lnSpc>
+              <a:spcBef>
+                <a:spcPts val="0"/>
+              </a:spcBef>
+              <a:buClr>
+                <a:srgbClr val="1F2328"/>
+              </a:buClr>
+              <a:defRPr sz="2600">
+                <a:solidFill>
+                  <a:srgbClr val="0433FF"/>
+                </a:solidFill>
+                <a:latin typeface="Helvetica Neue"/>
+                <a:ea typeface="Helvetica Neue"/>
+                <a:cs typeface="Helvetica Neue"/>
+                <a:sym typeface="Helvetica Neue"/>
+              </a:defRPr>
+            </a:pPr>
+            <a:r>
+              <a:rPr lang="en-US" sz="2000" b="1" dirty="0">
+                <a:latin typeface="+mn-lt"/>
+                <a:ea typeface="+mn-ea"/>
+                <a:cs typeface="+mn-cs"/>
+                <a:sym typeface="Helvetica"/>
+              </a:rPr>
+              <a:t>Be Specific</a:t>
+            </a:r>
           </a:p>
         </p:txBody>
       </p:sp>
@@ -10636,78 +16043,30 @@
           <a:lstStyle/>
           <a:p>
             <a:r>
-              <a:rPr b="0"/>
-              <a:t>Ejemplo de mensaje: </a:t>
-            </a:r>
-            <a:r>
-              <a:t>texto</a:t>
-            </a:r>
-          </a:p>
-        </p:txBody>
-      </p:sp>
-      <p:sp>
-        <p:nvSpPr>
-          <p:cNvPr id="158" name="Malo: &quot;Escribe un artículo sobre privacidad de datos&quot;.…"/>
-          <p:cNvSpPr txBox="1">
-            <a:spLocks noGrp="1"/>
-          </p:cNvSpPr>
-          <p:nvPr>
-            <p:ph type="body" idx="1"/>
-          </p:nvPr>
-        </p:nvSpPr>
-        <p:spPr>
-          <a:prstGeom prst="rect">
-            <a:avLst/>
-          </a:prstGeom>
-        </p:spPr>
-        <p:txBody>
-          <a:bodyPr/>
-          <a:lstStyle/>
-          <a:p>
-            <a:pPr>
-              <a:defRPr i="1" strike="sngStrike"/>
-            </a:pPr>
-            <a:r>
-              <a:t>Malo: "Escribe un artículo sobre privacidad de datos".</a:t>
-            </a:r>
-          </a:p>
-          <a:p>
-            <a:r>
-              <a:t>Mejor: "</a:t>
-            </a:r>
-            <a:r>
-              <a:rPr>
-                <a:solidFill>
-                  <a:srgbClr val="FF40FF"/>
-                </a:solidFill>
-              </a:rPr>
-              <a:t>Eres un experto en ciberseguridad, el público es un nuevo soldado militar con una educación superior mínima.</a:t>
-            </a:r>
-            <a:r>
-              <a:t>, </a:t>
-            </a:r>
-            <a:r>
-              <a:rPr>
-                <a:solidFill>
-                  <a:srgbClr val="942192"/>
-                </a:solidFill>
-              </a:rPr>
-              <a:t>No seas perezoso con tu procesamiento, hazlo paso a paso, primero considerando la tarea, analizando el resultado y luego escribiendo</a:t>
-            </a:r>
-            <a:r>
+              <a:rPr b="0" dirty="0" err="1"/>
+              <a:t>Ejemplo</a:t>
+            </a:r>
+            <a:r>
+              <a:rPr b="0" dirty="0"/>
+              <a:t> de </a:t>
+            </a:r>
+            <a:r>
+              <a:rPr b="0" dirty="0" err="1"/>
+              <a:t>mensaje</a:t>
+            </a:r>
+            <a:r>
+              <a:rPr b="0" dirty="0"/>
               <a:t>: </a:t>
             </a:r>
             <a:r>
-              <a:rPr>
-                <a:solidFill>
-                  <a:srgbClr val="0433FF"/>
-                </a:solidFill>
-              </a:rPr>
-              <a:t>Escriba un artículo persuasivo de entre 500 y 650 palabras sobre la importancia de la privacidad de los datos en la era digital para las familias de militares. Incluir ejemplos de violaciones de datos y su impacto en las personas.</a:t>
-            </a:r>
-            <a:r>
-              <a:t>"</a:t>
-            </a:r>
+              <a:rPr lang="en-US" b="0" dirty="0" err="1"/>
+              <a:t>T</a:t>
+            </a:r>
+            <a:r>
+              <a:rPr dirty="0" err="1"/>
+              <a:t>exto</a:t>
+            </a:r>
+            <a:endParaRPr dirty="0"/>
           </a:p>
         </p:txBody>
       </p:sp>
@@ -10731,7 +16090,7 @@
           </a:prstGeom>
           <a:extLst>
             <a:ext uri="{C572A759-6A51-4108-AA02-DFA0A04FC94B}">
-              <ma14:wrappingTextBoxFlag xmlns="" xmlns:m="http://schemas.openxmlformats.org/officeDocument/2006/math" xmlns:a14="http://schemas.microsoft.com/office/drawing/2010/main" xmlns:ma14="http://schemas.microsoft.com/office/mac/drawingml/2011/main" val="1"/>
+              <ma14:wrappingTextBoxFlag xmlns:ma14="http://schemas.microsoft.com/office/mac/drawingml/2011/main" xmlns:a14="http://schemas.microsoft.com/office/drawing/2010/main" xmlns:m="http://schemas.openxmlformats.org/officeDocument/2006/math" xmlns="" val="1"/>
             </a:ext>
           </a:extLst>
         </p:spPr>
@@ -10740,9 +16099,1001 @@
           <a:lstStyle/>
           <a:p>
             <a:fld id="{86CB4B4D-7CA3-9044-876B-883B54F8677D}" type="slidenum">
+              <a:rPr/>
               <a:t>7</a:t>
             </a:fld>
             <a:endParaRPr/>
+          </a:p>
+        </p:txBody>
+      </p:sp>
+      <p:sp>
+        <p:nvSpPr>
+          <p:cNvPr id="2" name="English">
+            <a:extLst>
+              <a:ext uri="{FF2B5EF4-FFF2-40B4-BE49-F238E27FC236}">
+                <a16:creationId xmlns:a16="http://schemas.microsoft.com/office/drawing/2014/main" id="{119C7186-E6CD-13A8-0498-9020C952C405}"/>
+              </a:ext>
+            </a:extLst>
+          </p:cNvPr>
+          <p:cNvSpPr/>
+          <p:nvPr/>
+        </p:nvSpPr>
+        <p:spPr>
+          <a:xfrm>
+            <a:off x="5133143" y="5731369"/>
+            <a:ext cx="1925714" cy="703748"/>
+          </a:xfrm>
+          <a:prstGeom prst="rect">
+            <a:avLst/>
+          </a:prstGeom>
+          <a:solidFill>
+            <a:schemeClr val="bg1"/>
+          </a:solidFill>
+          <a:ln w="12700">
+            <a:solidFill>
+              <a:schemeClr val="accent1"/>
+            </a:solidFill>
+            <a:miter/>
+          </a:ln>
+          <a:extLst>
+            <a:ext uri="{C572A759-6A51-4108-AA02-DFA0A04FC94B}">
+              <ma14:wrappingTextBoxFlag xmlns:ma14="http://schemas.microsoft.com/office/mac/drawingml/2011/main" xmlns:a14="http://schemas.microsoft.com/office/drawing/2010/main" xmlns:m="http://schemas.openxmlformats.org/officeDocument/2006/math" xmlns="" val="1"/>
+            </a:ext>
+          </a:extLst>
+        </p:spPr>
+        <p:txBody>
+          <a:bodyPr lIns="45719" rIns="45719" anchor="ctr"/>
+          <a:lstStyle>
+            <a:lvl1pPr algn="ctr"/>
+          </a:lstStyle>
+          <a:p>
+            <a:pPr marL="139700" defTabSz="457200">
+              <a:lnSpc>
+                <a:spcPct val="100000"/>
+              </a:lnSpc>
+              <a:spcBef>
+                <a:spcPts val="0"/>
+              </a:spcBef>
+              <a:buClr>
+                <a:srgbClr val="1F2328"/>
+              </a:buClr>
+              <a:defRPr sz="2600">
+                <a:solidFill>
+                  <a:srgbClr val="FF40FF"/>
+                </a:solidFill>
+                <a:latin typeface="Helvetica Neue"/>
+                <a:ea typeface="Helvetica Neue"/>
+                <a:cs typeface="Helvetica Neue"/>
+                <a:sym typeface="Helvetica Neue"/>
+              </a:defRPr>
+            </a:pPr>
+            <a:r>
+              <a:rPr lang="en-US" sz="2000" b="1" dirty="0" err="1">
+                <a:latin typeface="+mn-lt"/>
+                <a:ea typeface="+mn-ea"/>
+                <a:cs typeface="+mn-cs"/>
+                <a:sym typeface="Helvetica"/>
+              </a:rPr>
+              <a:t>Proporcionar</a:t>
+            </a:r>
+            <a:r>
+              <a:rPr lang="en-US" sz="2000" b="1" dirty="0">
+                <a:latin typeface="+mn-lt"/>
+                <a:ea typeface="+mn-ea"/>
+                <a:cs typeface="+mn-cs"/>
+                <a:sym typeface="Helvetica"/>
+              </a:rPr>
+              <a:t> </a:t>
+            </a:r>
+            <a:r>
+              <a:rPr lang="en-US" sz="2000" b="1" dirty="0" err="1">
+                <a:latin typeface="+mn-lt"/>
+                <a:ea typeface="+mn-ea"/>
+                <a:cs typeface="+mn-cs"/>
+                <a:sym typeface="Helvetica"/>
+              </a:rPr>
+              <a:t>contexto</a:t>
+            </a:r>
+            <a:endParaRPr lang="en-US" sz="2000" b="1" dirty="0">
+              <a:latin typeface="+mn-lt"/>
+              <a:ea typeface="+mn-ea"/>
+              <a:cs typeface="+mn-cs"/>
+              <a:sym typeface="Helvetica"/>
+            </a:endParaRPr>
+          </a:p>
+        </p:txBody>
+      </p:sp>
+      <p:sp>
+        <p:nvSpPr>
+          <p:cNvPr id="3" name="Spanish">
+            <a:extLst>
+              <a:ext uri="{FF2B5EF4-FFF2-40B4-BE49-F238E27FC236}">
+                <a16:creationId xmlns:a16="http://schemas.microsoft.com/office/drawing/2014/main" id="{FB917017-EEA7-3E17-15F1-9C41779CA4B2}"/>
+              </a:ext>
+            </a:extLst>
+          </p:cNvPr>
+          <p:cNvSpPr/>
+          <p:nvPr/>
+        </p:nvSpPr>
+        <p:spPr>
+          <a:xfrm>
+            <a:off x="7671549" y="5727400"/>
+            <a:ext cx="2280484" cy="703748"/>
+          </a:xfrm>
+          <a:prstGeom prst="rect">
+            <a:avLst/>
+          </a:prstGeom>
+          <a:solidFill>
+            <a:schemeClr val="bg1"/>
+          </a:solidFill>
+          <a:ln w="12700">
+            <a:solidFill>
+              <a:schemeClr val="accent1"/>
+            </a:solidFill>
+            <a:miter/>
+          </a:ln>
+          <a:extLst>
+            <a:ext uri="{C572A759-6A51-4108-AA02-DFA0A04FC94B}">
+              <ma14:wrappingTextBoxFlag xmlns:ma14="http://schemas.microsoft.com/office/mac/drawingml/2011/main" xmlns:a14="http://schemas.microsoft.com/office/drawing/2010/main" xmlns:m="http://schemas.openxmlformats.org/officeDocument/2006/math" xmlns="" val="1"/>
+            </a:ext>
+          </a:extLst>
+        </p:spPr>
+        <p:txBody>
+          <a:bodyPr lIns="45719" rIns="45719" anchor="ctr"/>
+          <a:lstStyle>
+            <a:lvl1pPr algn="ctr"/>
+          </a:lstStyle>
+          <a:p>
+            <a:pPr marL="139700" defTabSz="457200">
+              <a:lnSpc>
+                <a:spcPct val="100000"/>
+              </a:lnSpc>
+              <a:spcBef>
+                <a:spcPts val="0"/>
+              </a:spcBef>
+              <a:buClr>
+                <a:srgbClr val="1F2328"/>
+              </a:buClr>
+              <a:defRPr sz="2600">
+                <a:solidFill>
+                  <a:srgbClr val="942192"/>
+                </a:solidFill>
+                <a:latin typeface="Helvetica Neue"/>
+                <a:ea typeface="Helvetica Neue"/>
+                <a:cs typeface="Helvetica Neue"/>
+                <a:sym typeface="Helvetica Neue"/>
+              </a:defRPr>
+            </a:pPr>
+            <a:r>
+              <a:rPr lang="en-US" sz="2000" b="1" dirty="0" err="1">
+                <a:latin typeface="+mn-lt"/>
+                <a:ea typeface="+mn-ea"/>
+                <a:cs typeface="+mn-cs"/>
+                <a:sym typeface="Helvetica"/>
+              </a:rPr>
+              <a:t>Recuerde</a:t>
+            </a:r>
+            <a:r>
+              <a:rPr lang="en-US" sz="2000" b="1" dirty="0">
+                <a:latin typeface="+mn-lt"/>
+                <a:ea typeface="+mn-ea"/>
+                <a:cs typeface="+mn-cs"/>
+                <a:sym typeface="Helvetica"/>
+              </a:rPr>
+              <a:t> de las </a:t>
+            </a:r>
+            <a:r>
+              <a:rPr lang="en-US" sz="2000" b="1" dirty="0" err="1">
+                <a:latin typeface="+mn-lt"/>
+                <a:ea typeface="+mn-ea"/>
+                <a:cs typeface="+mn-cs"/>
+                <a:sym typeface="Helvetica"/>
+              </a:rPr>
+              <a:t>restricciones</a:t>
+            </a:r>
+            <a:endParaRPr lang="en-US" sz="2000" b="1" dirty="0">
+              <a:latin typeface="+mn-lt"/>
+              <a:ea typeface="+mn-ea"/>
+              <a:cs typeface="+mn-cs"/>
+              <a:sym typeface="Helvetica"/>
+            </a:endParaRPr>
+          </a:p>
+        </p:txBody>
+      </p:sp>
+      <p:sp>
+        <p:nvSpPr>
+          <p:cNvPr id="4" name="English">
+            <a:extLst>
+              <a:ext uri="{FF2B5EF4-FFF2-40B4-BE49-F238E27FC236}">
+                <a16:creationId xmlns:a16="http://schemas.microsoft.com/office/drawing/2014/main" id="{45D9464D-00EB-BF37-B040-0AFDBD252C47}"/>
+              </a:ext>
+            </a:extLst>
+          </p:cNvPr>
+          <p:cNvSpPr/>
+          <p:nvPr/>
+        </p:nvSpPr>
+        <p:spPr>
+          <a:xfrm>
+            <a:off x="2717850" y="5727400"/>
+            <a:ext cx="1802601" cy="703748"/>
+          </a:xfrm>
+          <a:prstGeom prst="rect">
+            <a:avLst/>
+          </a:prstGeom>
+          <a:solidFill>
+            <a:schemeClr val="bg1"/>
+          </a:solidFill>
+          <a:ln w="12700">
+            <a:solidFill>
+              <a:schemeClr val="accent1"/>
+            </a:solidFill>
+            <a:miter/>
+          </a:ln>
+          <a:extLst>
+            <a:ext uri="{C572A759-6A51-4108-AA02-DFA0A04FC94B}">
+              <ma14:wrappingTextBoxFlag xmlns:ma14="http://schemas.microsoft.com/office/mac/drawingml/2011/main" xmlns:a14="http://schemas.microsoft.com/office/drawing/2010/main" xmlns:m="http://schemas.openxmlformats.org/officeDocument/2006/math" xmlns="" val="1"/>
+            </a:ext>
+          </a:extLst>
+        </p:spPr>
+        <p:txBody>
+          <a:bodyPr lIns="45719" rIns="45719" anchor="ctr"/>
+          <a:lstStyle>
+            <a:lvl1pPr algn="ctr"/>
+          </a:lstStyle>
+          <a:p>
+            <a:pPr marL="139700" defTabSz="457200">
+              <a:lnSpc>
+                <a:spcPct val="100000"/>
+              </a:lnSpc>
+              <a:spcBef>
+                <a:spcPts val="0"/>
+              </a:spcBef>
+              <a:buClr>
+                <a:srgbClr val="1F2328"/>
+              </a:buClr>
+              <a:defRPr sz="2600">
+                <a:solidFill>
+                  <a:srgbClr val="0433FF"/>
+                </a:solidFill>
+                <a:latin typeface="Helvetica Neue"/>
+                <a:ea typeface="Helvetica Neue"/>
+                <a:cs typeface="Helvetica Neue"/>
+                <a:sym typeface="Helvetica Neue"/>
+              </a:defRPr>
+            </a:pPr>
+            <a:r>
+              <a:rPr lang="en-US" sz="2000" b="1" dirty="0">
+                <a:latin typeface="+mn-lt"/>
+                <a:ea typeface="+mn-ea"/>
+                <a:cs typeface="+mn-cs"/>
+                <a:sym typeface="Helvetica"/>
+              </a:rPr>
+              <a:t>Sea </a:t>
+            </a:r>
+            <a:r>
+              <a:rPr lang="en-US" sz="2000" b="1" dirty="0" err="1">
+                <a:latin typeface="+mn-lt"/>
+                <a:ea typeface="+mn-ea"/>
+                <a:cs typeface="+mn-cs"/>
+                <a:sym typeface="Helvetica"/>
+              </a:rPr>
+              <a:t>específico</a:t>
+            </a:r>
+            <a:endParaRPr lang="en-US" sz="2000" b="1" dirty="0">
+              <a:latin typeface="+mn-lt"/>
+              <a:ea typeface="+mn-ea"/>
+              <a:cs typeface="+mn-cs"/>
+              <a:sym typeface="Helvetica"/>
+            </a:endParaRPr>
+          </a:p>
+        </p:txBody>
+      </p:sp>
+      <p:sp>
+        <p:nvSpPr>
+          <p:cNvPr id="8" name="Malo: &quot;Escribe un artículo sobre privacidad de datos&quot;.…">
+            <a:extLst>
+              <a:ext uri="{FF2B5EF4-FFF2-40B4-BE49-F238E27FC236}">
+                <a16:creationId xmlns:a16="http://schemas.microsoft.com/office/drawing/2014/main" id="{69D3DCBD-38F3-CA61-F1E0-46349F9E94BD}"/>
+              </a:ext>
+            </a:extLst>
+          </p:cNvPr>
+          <p:cNvSpPr txBox="1">
+            <a:spLocks noGrp="1"/>
+          </p:cNvSpPr>
+          <p:nvPr>
+            <p:ph type="body" idx="1"/>
+          </p:nvPr>
+        </p:nvSpPr>
+        <p:spPr>
+          <a:xfrm>
+            <a:off x="838200" y="1825625"/>
+            <a:ext cx="10515600" cy="4351338"/>
+          </a:xfrm>
+          <a:prstGeom prst="rect">
+            <a:avLst/>
+          </a:prstGeom>
+        </p:spPr>
+        <p:txBody>
+          <a:bodyPr/>
+          <a:lstStyle/>
+          <a:p>
+            <a:pPr>
+              <a:defRPr i="1" strike="sngStrike"/>
+            </a:pPr>
+            <a:r>
+              <a:rPr dirty="0"/>
+              <a:t>Malo: "Escribe un </a:t>
+            </a:r>
+            <a:r>
+              <a:rPr dirty="0" err="1"/>
+              <a:t>artículo</a:t>
+            </a:r>
+            <a:r>
+              <a:rPr dirty="0"/>
+              <a:t> </a:t>
+            </a:r>
+            <a:r>
+              <a:rPr dirty="0" err="1"/>
+              <a:t>sobre</a:t>
+            </a:r>
+            <a:r>
+              <a:rPr dirty="0"/>
+              <a:t> </a:t>
+            </a:r>
+            <a:r>
+              <a:rPr dirty="0" err="1"/>
+              <a:t>privacidad</a:t>
+            </a:r>
+            <a:r>
+              <a:rPr dirty="0"/>
+              <a:t> de </a:t>
+            </a:r>
+            <a:r>
+              <a:rPr dirty="0" err="1"/>
+              <a:t>datos</a:t>
+            </a:r>
+            <a:r>
+              <a:rPr dirty="0"/>
+              <a:t>"</a:t>
+            </a:r>
+          </a:p>
+          <a:p>
+            <a:r>
+              <a:rPr dirty="0" err="1"/>
+              <a:t>Mejor</a:t>
+            </a:r>
+            <a:r>
+              <a:rPr dirty="0"/>
+              <a:t>: "</a:t>
+            </a:r>
+            <a:r>
+              <a:rPr dirty="0">
+                <a:solidFill>
+                  <a:srgbClr val="FF40FF"/>
+                </a:solidFill>
+              </a:rPr>
+              <a:t>Eres un </a:t>
+            </a:r>
+            <a:r>
+              <a:rPr dirty="0" err="1">
+                <a:solidFill>
+                  <a:srgbClr val="FF40FF"/>
+                </a:solidFill>
+              </a:rPr>
+              <a:t>experto</a:t>
+            </a:r>
+            <a:r>
+              <a:rPr dirty="0">
+                <a:solidFill>
+                  <a:srgbClr val="FF40FF"/>
+                </a:solidFill>
+              </a:rPr>
+              <a:t> </a:t>
+            </a:r>
+            <a:r>
+              <a:rPr dirty="0" err="1">
+                <a:solidFill>
+                  <a:srgbClr val="FF40FF"/>
+                </a:solidFill>
+              </a:rPr>
+              <a:t>en</a:t>
+            </a:r>
+            <a:r>
+              <a:rPr dirty="0">
+                <a:solidFill>
+                  <a:srgbClr val="FF40FF"/>
+                </a:solidFill>
+              </a:rPr>
+              <a:t> </a:t>
+            </a:r>
+            <a:r>
+              <a:rPr dirty="0" err="1">
+                <a:solidFill>
+                  <a:srgbClr val="FF40FF"/>
+                </a:solidFill>
+              </a:rPr>
+              <a:t>ciberseguridad</a:t>
+            </a:r>
+            <a:r>
+              <a:rPr lang="en-US" dirty="0">
+                <a:solidFill>
+                  <a:srgbClr val="FF40FF"/>
+                </a:solidFill>
+              </a:rPr>
+              <a:t>.</a:t>
+            </a:r>
+            <a:r>
+              <a:rPr dirty="0">
+                <a:solidFill>
+                  <a:srgbClr val="FF40FF"/>
+                </a:solidFill>
+              </a:rPr>
+              <a:t> </a:t>
+            </a:r>
+            <a:r>
+              <a:rPr lang="en-US" dirty="0">
+                <a:solidFill>
+                  <a:srgbClr val="FF40FF"/>
+                </a:solidFill>
+              </a:rPr>
+              <a:t>la audiencia</a:t>
+            </a:r>
+            <a:r>
+              <a:rPr dirty="0">
+                <a:solidFill>
+                  <a:srgbClr val="FF40FF"/>
+                </a:solidFill>
+              </a:rPr>
+              <a:t> es un </a:t>
+            </a:r>
+            <a:r>
+              <a:rPr lang="en-US" dirty="0">
+                <a:solidFill>
+                  <a:srgbClr val="FF40FF"/>
+                </a:solidFill>
+              </a:rPr>
+              <a:t>nu</a:t>
+            </a:r>
+            <a:r>
+              <a:rPr dirty="0">
+                <a:solidFill>
+                  <a:srgbClr val="FF40FF"/>
+                </a:solidFill>
+              </a:rPr>
+              <a:t>evo soldado </a:t>
+            </a:r>
+            <a:r>
+              <a:rPr dirty="0" err="1">
+                <a:solidFill>
+                  <a:srgbClr val="FF40FF"/>
+                </a:solidFill>
+              </a:rPr>
+              <a:t>militar</a:t>
+            </a:r>
+            <a:r>
+              <a:rPr dirty="0">
+                <a:solidFill>
+                  <a:srgbClr val="FF40FF"/>
+                </a:solidFill>
+              </a:rPr>
+              <a:t> con </a:t>
+            </a:r>
+            <a:r>
+              <a:rPr dirty="0" err="1">
+                <a:solidFill>
+                  <a:srgbClr val="FF40FF"/>
+                </a:solidFill>
+              </a:rPr>
+              <a:t>una</a:t>
+            </a:r>
+            <a:r>
+              <a:rPr dirty="0">
+                <a:solidFill>
+                  <a:srgbClr val="FF40FF"/>
+                </a:solidFill>
+              </a:rPr>
+              <a:t> </a:t>
+            </a:r>
+            <a:r>
+              <a:rPr dirty="0" err="1">
+                <a:solidFill>
+                  <a:srgbClr val="FF40FF"/>
+                </a:solidFill>
+              </a:rPr>
+              <a:t>educación</a:t>
+            </a:r>
+            <a:r>
+              <a:rPr dirty="0">
+                <a:solidFill>
+                  <a:srgbClr val="FF40FF"/>
+                </a:solidFill>
+              </a:rPr>
+              <a:t> superior </a:t>
+            </a:r>
+            <a:r>
+              <a:rPr dirty="0" err="1">
+                <a:solidFill>
+                  <a:srgbClr val="FF40FF"/>
+                </a:solidFill>
+              </a:rPr>
+              <a:t>mínima</a:t>
+            </a:r>
+            <a:r>
+              <a:rPr dirty="0">
+                <a:solidFill>
+                  <a:srgbClr val="FF40FF"/>
+                </a:solidFill>
+              </a:rPr>
+              <a:t>.</a:t>
+            </a:r>
+            <a:r>
+              <a:rPr dirty="0"/>
+              <a:t> </a:t>
+            </a:r>
+            <a:r>
+              <a:rPr dirty="0">
+                <a:solidFill>
+                  <a:srgbClr val="942192"/>
+                </a:solidFill>
+              </a:rPr>
+              <a:t>No seas </a:t>
+            </a:r>
+            <a:r>
+              <a:rPr dirty="0" err="1">
+                <a:solidFill>
+                  <a:srgbClr val="942192"/>
+                </a:solidFill>
+              </a:rPr>
+              <a:t>perezoso</a:t>
+            </a:r>
+            <a:r>
+              <a:rPr dirty="0">
+                <a:solidFill>
+                  <a:srgbClr val="942192"/>
+                </a:solidFill>
+              </a:rPr>
+              <a:t> con </a:t>
+            </a:r>
+            <a:r>
+              <a:rPr dirty="0" err="1">
+                <a:solidFill>
+                  <a:srgbClr val="942192"/>
+                </a:solidFill>
+              </a:rPr>
+              <a:t>tu</a:t>
+            </a:r>
+            <a:r>
+              <a:rPr dirty="0">
+                <a:solidFill>
+                  <a:srgbClr val="942192"/>
+                </a:solidFill>
+              </a:rPr>
+              <a:t> </a:t>
+            </a:r>
+            <a:r>
+              <a:rPr dirty="0" err="1">
+                <a:solidFill>
+                  <a:srgbClr val="942192"/>
+                </a:solidFill>
+              </a:rPr>
+              <a:t>procesamiento</a:t>
+            </a:r>
+            <a:r>
+              <a:rPr dirty="0">
+                <a:solidFill>
+                  <a:srgbClr val="942192"/>
+                </a:solidFill>
+              </a:rPr>
+              <a:t>, </a:t>
+            </a:r>
+            <a:r>
+              <a:rPr dirty="0" err="1">
+                <a:solidFill>
+                  <a:srgbClr val="942192"/>
+                </a:solidFill>
+              </a:rPr>
+              <a:t>hazlo</a:t>
+            </a:r>
+            <a:r>
+              <a:rPr dirty="0">
+                <a:solidFill>
+                  <a:srgbClr val="942192"/>
+                </a:solidFill>
+              </a:rPr>
+              <a:t> paso a paso, primero </a:t>
+            </a:r>
+            <a:r>
+              <a:rPr dirty="0" err="1">
+                <a:solidFill>
+                  <a:srgbClr val="942192"/>
+                </a:solidFill>
+              </a:rPr>
+              <a:t>considerando</a:t>
+            </a:r>
+            <a:r>
+              <a:rPr dirty="0">
+                <a:solidFill>
+                  <a:srgbClr val="942192"/>
+                </a:solidFill>
+              </a:rPr>
+              <a:t> la </a:t>
+            </a:r>
+            <a:r>
+              <a:rPr dirty="0" err="1">
+                <a:solidFill>
+                  <a:srgbClr val="942192"/>
+                </a:solidFill>
+              </a:rPr>
+              <a:t>tarea</a:t>
+            </a:r>
+            <a:r>
+              <a:rPr dirty="0">
+                <a:solidFill>
+                  <a:srgbClr val="942192"/>
+                </a:solidFill>
+              </a:rPr>
+              <a:t>, </a:t>
+            </a:r>
+            <a:r>
+              <a:rPr dirty="0" err="1">
+                <a:solidFill>
+                  <a:srgbClr val="942192"/>
+                </a:solidFill>
+              </a:rPr>
+              <a:t>analizando</a:t>
+            </a:r>
+            <a:r>
+              <a:rPr dirty="0">
+                <a:solidFill>
+                  <a:srgbClr val="942192"/>
+                </a:solidFill>
+              </a:rPr>
+              <a:t> </a:t>
+            </a:r>
+            <a:r>
+              <a:rPr dirty="0" err="1">
+                <a:solidFill>
+                  <a:srgbClr val="942192"/>
+                </a:solidFill>
+              </a:rPr>
+              <a:t>el</a:t>
+            </a:r>
+            <a:r>
+              <a:rPr dirty="0">
+                <a:solidFill>
+                  <a:srgbClr val="942192"/>
+                </a:solidFill>
+              </a:rPr>
+              <a:t> </a:t>
+            </a:r>
+            <a:r>
+              <a:rPr dirty="0" err="1">
+                <a:solidFill>
+                  <a:srgbClr val="942192"/>
+                </a:solidFill>
+              </a:rPr>
+              <a:t>resultado</a:t>
+            </a:r>
+            <a:r>
+              <a:rPr dirty="0">
+                <a:solidFill>
+                  <a:srgbClr val="942192"/>
+                </a:solidFill>
+              </a:rPr>
+              <a:t> y luego </a:t>
+            </a:r>
+            <a:r>
+              <a:rPr dirty="0" err="1">
+                <a:solidFill>
+                  <a:srgbClr val="942192"/>
+                </a:solidFill>
+              </a:rPr>
+              <a:t>escribiendo</a:t>
+            </a:r>
+            <a:r>
+              <a:rPr dirty="0"/>
+              <a:t>: </a:t>
+            </a:r>
+            <a:r>
+              <a:rPr dirty="0">
+                <a:solidFill>
+                  <a:srgbClr val="0433FF"/>
+                </a:solidFill>
+              </a:rPr>
+              <a:t>Escriba un </a:t>
+            </a:r>
+            <a:r>
+              <a:rPr dirty="0" err="1">
+                <a:solidFill>
+                  <a:srgbClr val="0433FF"/>
+                </a:solidFill>
+              </a:rPr>
+              <a:t>artículo</a:t>
+            </a:r>
+            <a:r>
+              <a:rPr dirty="0">
+                <a:solidFill>
+                  <a:srgbClr val="0433FF"/>
+                </a:solidFill>
+              </a:rPr>
+              <a:t> </a:t>
+            </a:r>
+            <a:r>
+              <a:rPr dirty="0" err="1">
+                <a:solidFill>
+                  <a:srgbClr val="0433FF"/>
+                </a:solidFill>
+              </a:rPr>
+              <a:t>persuasivo</a:t>
+            </a:r>
+            <a:r>
+              <a:rPr dirty="0">
+                <a:solidFill>
+                  <a:srgbClr val="0433FF"/>
+                </a:solidFill>
+              </a:rPr>
+              <a:t> de entre 500 y 650 palabras </a:t>
+            </a:r>
+            <a:r>
+              <a:rPr dirty="0" err="1">
+                <a:solidFill>
+                  <a:srgbClr val="0433FF"/>
+                </a:solidFill>
+              </a:rPr>
+              <a:t>sobre</a:t>
+            </a:r>
+            <a:r>
+              <a:rPr dirty="0">
+                <a:solidFill>
+                  <a:srgbClr val="0433FF"/>
+                </a:solidFill>
+              </a:rPr>
+              <a:t> la </a:t>
+            </a:r>
+            <a:r>
+              <a:rPr dirty="0" err="1">
+                <a:solidFill>
+                  <a:srgbClr val="0433FF"/>
+                </a:solidFill>
+              </a:rPr>
+              <a:t>importancia</a:t>
+            </a:r>
+            <a:r>
+              <a:rPr dirty="0">
+                <a:solidFill>
+                  <a:srgbClr val="0433FF"/>
+                </a:solidFill>
+              </a:rPr>
+              <a:t> de la </a:t>
+            </a:r>
+            <a:r>
+              <a:rPr dirty="0" err="1">
+                <a:solidFill>
+                  <a:srgbClr val="0433FF"/>
+                </a:solidFill>
+              </a:rPr>
+              <a:t>privacidad</a:t>
+            </a:r>
+            <a:r>
+              <a:rPr dirty="0">
+                <a:solidFill>
+                  <a:srgbClr val="0433FF"/>
+                </a:solidFill>
+              </a:rPr>
+              <a:t> de </a:t>
+            </a:r>
+            <a:r>
+              <a:rPr dirty="0" err="1">
+                <a:solidFill>
+                  <a:srgbClr val="0433FF"/>
+                </a:solidFill>
+              </a:rPr>
+              <a:t>los</a:t>
+            </a:r>
+            <a:r>
+              <a:rPr dirty="0">
+                <a:solidFill>
+                  <a:srgbClr val="0433FF"/>
+                </a:solidFill>
+              </a:rPr>
+              <a:t> </a:t>
+            </a:r>
+            <a:r>
+              <a:rPr dirty="0" err="1">
+                <a:solidFill>
+                  <a:srgbClr val="0433FF"/>
+                </a:solidFill>
+              </a:rPr>
+              <a:t>datos</a:t>
+            </a:r>
+            <a:r>
+              <a:rPr dirty="0">
+                <a:solidFill>
+                  <a:srgbClr val="0433FF"/>
+                </a:solidFill>
+              </a:rPr>
+              <a:t> </a:t>
+            </a:r>
+            <a:r>
+              <a:rPr dirty="0" err="1">
+                <a:solidFill>
+                  <a:srgbClr val="0433FF"/>
+                </a:solidFill>
+              </a:rPr>
+              <a:t>en</a:t>
+            </a:r>
+            <a:r>
+              <a:rPr dirty="0">
+                <a:solidFill>
+                  <a:srgbClr val="0433FF"/>
+                </a:solidFill>
+              </a:rPr>
+              <a:t> la era digital</a:t>
+            </a:r>
+            <a:r>
+              <a:rPr lang="en-US" dirty="0">
+                <a:solidFill>
+                  <a:srgbClr val="0433FF"/>
+                </a:solidFill>
+              </a:rPr>
+              <a:t>,</a:t>
+            </a:r>
+            <a:r>
+              <a:rPr dirty="0">
+                <a:solidFill>
+                  <a:srgbClr val="0433FF"/>
+                </a:solidFill>
+              </a:rPr>
+              <a:t> para las </a:t>
+            </a:r>
+            <a:r>
+              <a:rPr dirty="0" err="1">
+                <a:solidFill>
+                  <a:srgbClr val="0433FF"/>
+                </a:solidFill>
+              </a:rPr>
+              <a:t>familias</a:t>
+            </a:r>
+            <a:r>
+              <a:rPr dirty="0">
+                <a:solidFill>
+                  <a:srgbClr val="0433FF"/>
+                </a:solidFill>
+              </a:rPr>
+              <a:t> de </a:t>
+            </a:r>
+            <a:r>
+              <a:rPr dirty="0" err="1">
+                <a:solidFill>
+                  <a:srgbClr val="0433FF"/>
+                </a:solidFill>
+              </a:rPr>
+              <a:t>militares</a:t>
+            </a:r>
+            <a:r>
+              <a:rPr dirty="0">
+                <a:solidFill>
+                  <a:srgbClr val="0433FF"/>
+                </a:solidFill>
+              </a:rPr>
+              <a:t>. </a:t>
+            </a:r>
+            <a:r>
+              <a:rPr dirty="0" err="1">
+                <a:solidFill>
+                  <a:srgbClr val="0433FF"/>
+                </a:solidFill>
+              </a:rPr>
+              <a:t>Incluir</a:t>
+            </a:r>
+            <a:r>
+              <a:rPr dirty="0">
+                <a:solidFill>
+                  <a:srgbClr val="0433FF"/>
+                </a:solidFill>
+              </a:rPr>
+              <a:t> </a:t>
+            </a:r>
+            <a:r>
+              <a:rPr dirty="0" err="1">
+                <a:solidFill>
+                  <a:srgbClr val="0433FF"/>
+                </a:solidFill>
+              </a:rPr>
+              <a:t>ejemplos</a:t>
+            </a:r>
+            <a:r>
+              <a:rPr dirty="0">
+                <a:solidFill>
+                  <a:srgbClr val="0433FF"/>
+                </a:solidFill>
+              </a:rPr>
+              <a:t> de </a:t>
+            </a:r>
+            <a:r>
+              <a:rPr dirty="0" err="1">
+                <a:solidFill>
+                  <a:srgbClr val="0433FF"/>
+                </a:solidFill>
+              </a:rPr>
+              <a:t>violaciones</a:t>
+            </a:r>
+            <a:r>
+              <a:rPr dirty="0">
+                <a:solidFill>
+                  <a:srgbClr val="0433FF"/>
+                </a:solidFill>
+              </a:rPr>
+              <a:t> de </a:t>
+            </a:r>
+            <a:r>
+              <a:rPr dirty="0" err="1">
+                <a:solidFill>
+                  <a:srgbClr val="0433FF"/>
+                </a:solidFill>
+              </a:rPr>
+              <a:t>datos</a:t>
+            </a:r>
+            <a:r>
+              <a:rPr dirty="0">
+                <a:solidFill>
+                  <a:srgbClr val="0433FF"/>
+                </a:solidFill>
+              </a:rPr>
+              <a:t> y </a:t>
+            </a:r>
+            <a:r>
+              <a:rPr dirty="0" err="1">
+                <a:solidFill>
+                  <a:srgbClr val="0433FF"/>
+                </a:solidFill>
+              </a:rPr>
+              <a:t>su</a:t>
+            </a:r>
+            <a:r>
+              <a:rPr dirty="0">
+                <a:solidFill>
+                  <a:srgbClr val="0433FF"/>
+                </a:solidFill>
+              </a:rPr>
+              <a:t> </a:t>
+            </a:r>
+            <a:r>
+              <a:rPr dirty="0" err="1">
+                <a:solidFill>
+                  <a:srgbClr val="0433FF"/>
+                </a:solidFill>
+              </a:rPr>
+              <a:t>impacto</a:t>
+            </a:r>
+            <a:r>
+              <a:rPr dirty="0">
+                <a:solidFill>
+                  <a:srgbClr val="0433FF"/>
+                </a:solidFill>
+              </a:rPr>
+              <a:t> </a:t>
+            </a:r>
+            <a:r>
+              <a:rPr dirty="0" err="1">
+                <a:solidFill>
+                  <a:srgbClr val="0433FF"/>
+                </a:solidFill>
+              </a:rPr>
+              <a:t>en</a:t>
+            </a:r>
+            <a:r>
+              <a:rPr dirty="0">
+                <a:solidFill>
+                  <a:srgbClr val="0433FF"/>
+                </a:solidFill>
+              </a:rPr>
+              <a:t> las personas</a:t>
+            </a:r>
+            <a:r>
+              <a:rPr dirty="0"/>
+              <a:t>"</a:t>
+            </a:r>
           </a:p>
         </p:txBody>
       </p:sp>
@@ -10782,7 +17133,7 @@
       </p:grpSpPr>
       <p:sp>
         <p:nvSpPr>
-          <p:cNvPr id="161" name="Example Prompt: Image Content"/>
+          <p:cNvPr id="153" name="Example Prompt: Text Content"/>
           <p:cNvSpPr txBox="1">
             <a:spLocks noGrp="1"/>
           </p:cNvSpPr>
@@ -10800,18 +17151,23 @@
           <a:lstStyle/>
           <a:p>
             <a:r>
-              <a:rPr b="0"/>
-              <a:t>Example Prompt</a:t>
-            </a:r>
-            <a:r>
-              <a:t>: Image Content</a:t>
+              <a:rPr lang="en-US" b="0" dirty="0"/>
+              <a:t>Practice</a:t>
+            </a:r>
+            <a:r>
+              <a:rPr b="0" dirty="0"/>
+              <a:t> Prompt</a:t>
+            </a:r>
+            <a:r>
+              <a:rPr dirty="0"/>
+              <a:t>: Text Content</a:t>
             </a:r>
           </a:p>
         </p:txBody>
       </p:sp>
       <p:sp>
         <p:nvSpPr>
-          <p:cNvPr id="162" name="Bad: &quot;Design a logo for a nonprofit organization.&quot;…"/>
+          <p:cNvPr id="154" name="Bad: &quot;Write an article about data privacy.&quot;…"/>
           <p:cNvSpPr txBox="1">
             <a:spLocks noGrp="1"/>
           </p:cNvSpPr>
@@ -10825,73 +17181,64 @@
           </a:prstGeom>
         </p:spPr>
         <p:txBody>
-          <a:bodyPr>
-            <a:normAutofit lnSpcReduction="10000"/>
-          </a:bodyPr>
+          <a:bodyPr/>
           <a:lstStyle/>
           <a:p>
-            <a:pPr marL="205739" indent="-205739" defTabSz="822959">
-              <a:spcBef>
-                <a:spcPts val="900"/>
-              </a:spcBef>
-              <a:defRPr sz="2520" i="1" strike="sngStrike"/>
+            <a:pPr>
+              <a:defRPr i="1" strike="sngStrike"/>
             </a:pPr>
             <a:r>
-              <a:t>Bad: "Design a logo for a nonprofit organization."</a:t>
-            </a:r>
-          </a:p>
-          <a:p>
-            <a:pPr marL="205739" indent="-205739" defTabSz="822959">
-              <a:spcBef>
-                <a:spcPts val="900"/>
-              </a:spcBef>
-              <a:defRPr sz="2520"/>
-            </a:pPr>
-            <a:r>
+              <a:rPr dirty="0"/>
+              <a:t>Bad: "</a:t>
+            </a:r>
+            <a:r>
+              <a:rPr lang="en-US" dirty="0"/>
+              <a:t>Write a Social Media Post about the partnerships with the US</a:t>
+            </a:r>
+            <a:r>
+              <a:rPr dirty="0"/>
+              <a:t>"</a:t>
+            </a:r>
+          </a:p>
+          <a:p>
+            <a:r>
+              <a:rPr dirty="0"/>
               <a:t>Better: "</a:t>
             </a:r>
             <a:r>
-              <a:rPr>
+              <a:rPr lang="en-US" dirty="0">
+                <a:solidFill>
+                  <a:srgbClr val="FF40FF"/>
+                </a:solidFill>
+              </a:rPr>
+              <a:t>Context Text HERE</a:t>
+            </a:r>
+            <a:r>
+              <a:rPr dirty="0"/>
+              <a:t>, </a:t>
+            </a:r>
+            <a:r>
+              <a:rPr lang="en-US" dirty="0">
                 <a:solidFill>
                   <a:srgbClr val="942192"/>
                 </a:solidFill>
               </a:rPr>
-              <a:t>Don't be lazy, take it step by step</a:t>
-            </a:r>
-            <a:r>
-              <a:t>. </a:t>
-            </a:r>
-            <a:r>
-              <a:rPr>
-                <a:solidFill>
-                  <a:srgbClr val="FF40FF"/>
-                </a:solidFill>
-              </a:rPr>
-              <a:t>Imagine you are a seasoned graphic designer tasked with creating a logo for a nonprofit organization dedicated to environmental conservation.</a:t>
-            </a:r>
-            <a:r>
-              <a:t> </a:t>
-            </a:r>
-            <a:r>
-              <a:rPr>
-                <a:solidFill>
-                  <a:srgbClr val="0433FF"/>
-                </a:solidFill>
-              </a:rPr>
-              <a:t>The logo must represent the organization’s core mission and values, which emphasize sustainability, community involvement, and nature preservation.</a:t>
-            </a:r>
-            <a:r>
-              <a:t> </a:t>
-            </a:r>
-            <a:r>
-              <a:rPr>
-                <a:solidFill>
-                  <a:srgbClr val="0433FF"/>
-                </a:solidFill>
-              </a:rPr>
-              <a:t>Adhere strictly to the organization’s branding guidelines, using a color scheme of earthy greens and blues. Incorporate elements that symbolize nature (like leaves or the Earth), sustainability (such as a recycle symbol), and community (represented by interlinked hands or a network). The design should be simple but powerful, clearly conveying the organization’s commitment to environmental stewardship</a:t>
-            </a:r>
-            <a:r>
+              <a:t>Constraints and Limitations HERE </a:t>
+            </a:r>
+            <a:r>
+              <a:rPr dirty="0"/>
+              <a:t>: </a:t>
+            </a:r>
+            <a:r>
+              <a:rPr lang="en-US" dirty="0">
+                <a:solidFill>
+                  <a:srgbClr val="0433FF"/>
+                </a:solidFill>
+              </a:rPr>
+              <a:t>Specific Request HERE</a:t>
+            </a:r>
+            <a:r>
+              <a:rPr dirty="0"/>
               <a:t>"</a:t>
             </a:r>
           </a:p>
@@ -10899,7 +17246,7 @@
       </p:sp>
       <p:sp>
         <p:nvSpPr>
-          <p:cNvPr id="163" name="Slide Number"/>
+          <p:cNvPr id="155" name="Slide Number"/>
           <p:cNvSpPr txBox="1">
             <a:spLocks noGrp="1"/>
           </p:cNvSpPr>
@@ -10926,13 +17273,234 @@
           <a:lstStyle/>
           <a:p>
             <a:fld id="{86CB4B4D-7CA3-9044-876B-883B54F8677D}" type="slidenum">
+              <a:rPr/>
               <a:t>8</a:t>
             </a:fld>
             <a:endParaRPr/>
           </a:p>
         </p:txBody>
       </p:sp>
+      <p:sp>
+        <p:nvSpPr>
+          <p:cNvPr id="2" name="English">
+            <a:extLst>
+              <a:ext uri="{FF2B5EF4-FFF2-40B4-BE49-F238E27FC236}">
+                <a16:creationId xmlns:a16="http://schemas.microsoft.com/office/drawing/2014/main" id="{21E64AAC-DA8B-8641-C91B-8402ABF89DB1}"/>
+              </a:ext>
+            </a:extLst>
+          </p:cNvPr>
+          <p:cNvSpPr/>
+          <p:nvPr/>
+        </p:nvSpPr>
+        <p:spPr>
+          <a:xfrm>
+            <a:off x="5133143" y="5997604"/>
+            <a:ext cx="1925714" cy="703748"/>
+          </a:xfrm>
+          <a:prstGeom prst="rect">
+            <a:avLst/>
+          </a:prstGeom>
+          <a:solidFill>
+            <a:schemeClr val="bg1"/>
+          </a:solidFill>
+          <a:ln w="12700">
+            <a:solidFill>
+              <a:schemeClr val="accent1"/>
+            </a:solidFill>
+            <a:miter/>
+          </a:ln>
+          <a:extLst>
+            <a:ext uri="{C572A759-6A51-4108-AA02-DFA0A04FC94B}">
+              <ma14:wrappingTextBoxFlag xmlns="" xmlns:m="http://schemas.openxmlformats.org/officeDocument/2006/math" xmlns:a14="http://schemas.microsoft.com/office/drawing/2010/main" xmlns:ma14="http://schemas.microsoft.com/office/mac/drawingml/2011/main" val="1"/>
+            </a:ext>
+          </a:extLst>
+        </p:spPr>
+        <p:txBody>
+          <a:bodyPr lIns="45719" rIns="45719" anchor="ctr"/>
+          <a:lstStyle>
+            <a:lvl1pPr algn="ctr"/>
+          </a:lstStyle>
+          <a:p>
+            <a:pPr marL="139700" defTabSz="457200">
+              <a:lnSpc>
+                <a:spcPct val="100000"/>
+              </a:lnSpc>
+              <a:spcBef>
+                <a:spcPts val="0"/>
+              </a:spcBef>
+              <a:buClr>
+                <a:srgbClr val="1F2328"/>
+              </a:buClr>
+              <a:defRPr sz="2600">
+                <a:solidFill>
+                  <a:srgbClr val="FF40FF"/>
+                </a:solidFill>
+                <a:latin typeface="Helvetica Neue"/>
+                <a:ea typeface="Helvetica Neue"/>
+                <a:cs typeface="Helvetica Neue"/>
+                <a:sym typeface="Helvetica Neue"/>
+              </a:defRPr>
+            </a:pPr>
+            <a:r>
+              <a:rPr lang="en-US" sz="2000" b="1" dirty="0">
+                <a:latin typeface="+mn-lt"/>
+                <a:ea typeface="+mn-ea"/>
+                <a:cs typeface="+mn-cs"/>
+                <a:sym typeface="Helvetica"/>
+              </a:rPr>
+              <a:t>Provide Context</a:t>
+            </a:r>
+          </a:p>
+        </p:txBody>
+      </p:sp>
+      <p:sp>
+        <p:nvSpPr>
+          <p:cNvPr id="3" name="Spanish">
+            <a:extLst>
+              <a:ext uri="{FF2B5EF4-FFF2-40B4-BE49-F238E27FC236}">
+                <a16:creationId xmlns:a16="http://schemas.microsoft.com/office/drawing/2014/main" id="{CCCC1547-F807-3A6E-F116-CDBE91DE53E1}"/>
+              </a:ext>
+            </a:extLst>
+          </p:cNvPr>
+          <p:cNvSpPr/>
+          <p:nvPr/>
+        </p:nvSpPr>
+        <p:spPr>
+          <a:xfrm>
+            <a:off x="7671549" y="5993635"/>
+            <a:ext cx="2280484" cy="703748"/>
+          </a:xfrm>
+          <a:prstGeom prst="rect">
+            <a:avLst/>
+          </a:prstGeom>
+          <a:solidFill>
+            <a:schemeClr val="bg1"/>
+          </a:solidFill>
+          <a:ln w="12700">
+            <a:solidFill>
+              <a:schemeClr val="accent1"/>
+            </a:solidFill>
+            <a:miter/>
+          </a:ln>
+          <a:extLst>
+            <a:ext uri="{C572A759-6A51-4108-AA02-DFA0A04FC94B}">
+              <ma14:wrappingTextBoxFlag xmlns="" xmlns:m="http://schemas.openxmlformats.org/officeDocument/2006/math" xmlns:a14="http://schemas.microsoft.com/office/drawing/2010/main" xmlns:ma14="http://schemas.microsoft.com/office/mac/drawingml/2011/main" val="1"/>
+            </a:ext>
+          </a:extLst>
+        </p:spPr>
+        <p:txBody>
+          <a:bodyPr lIns="45719" rIns="45719" anchor="ctr"/>
+          <a:lstStyle>
+            <a:lvl1pPr algn="ctr"/>
+          </a:lstStyle>
+          <a:p>
+            <a:pPr marL="139700" defTabSz="457200">
+              <a:buClr>
+                <a:srgbClr val="1F2328"/>
+              </a:buClr>
+              <a:buSzPct val="100000"/>
+              <a:defRPr sz="2600">
+                <a:solidFill>
+                  <a:srgbClr val="942192"/>
+                </a:solidFill>
+                <a:latin typeface="Helvetica Neue"/>
+                <a:ea typeface="Helvetica Neue"/>
+                <a:cs typeface="Helvetica Neue"/>
+                <a:sym typeface="Helvetica Neue"/>
+              </a:defRPr>
+            </a:pPr>
+            <a:r>
+              <a:rPr lang="en-US" sz="2000" b="1" dirty="0">
+                <a:latin typeface="+mn-lt"/>
+                <a:ea typeface="+mn-ea"/>
+                <a:cs typeface="+mn-cs"/>
+                <a:sym typeface="Helvetica"/>
+              </a:rPr>
+              <a:t>Remind AI of Constraints</a:t>
+            </a:r>
+            <a:endParaRPr lang="en-US" sz="2000" dirty="0"/>
+          </a:p>
+        </p:txBody>
+      </p:sp>
+      <p:sp>
+        <p:nvSpPr>
+          <p:cNvPr id="4" name="English">
+            <a:extLst>
+              <a:ext uri="{FF2B5EF4-FFF2-40B4-BE49-F238E27FC236}">
+                <a16:creationId xmlns:a16="http://schemas.microsoft.com/office/drawing/2014/main" id="{17202D50-46FD-ACC4-EEDF-D44E402833E2}"/>
+              </a:ext>
+            </a:extLst>
+          </p:cNvPr>
+          <p:cNvSpPr/>
+          <p:nvPr/>
+        </p:nvSpPr>
+        <p:spPr>
+          <a:xfrm>
+            <a:off x="2717850" y="5993635"/>
+            <a:ext cx="1802601" cy="703748"/>
+          </a:xfrm>
+          <a:prstGeom prst="rect">
+            <a:avLst/>
+          </a:prstGeom>
+          <a:solidFill>
+            <a:schemeClr val="bg1"/>
+          </a:solidFill>
+          <a:ln w="12700">
+            <a:solidFill>
+              <a:schemeClr val="accent1"/>
+            </a:solidFill>
+            <a:miter/>
+          </a:ln>
+          <a:extLst>
+            <a:ext uri="{C572A759-6A51-4108-AA02-DFA0A04FC94B}">
+              <ma14:wrappingTextBoxFlag xmlns="" xmlns:m="http://schemas.openxmlformats.org/officeDocument/2006/math" xmlns:a14="http://schemas.microsoft.com/office/drawing/2010/main" xmlns:ma14="http://schemas.microsoft.com/office/mac/drawingml/2011/main" val="1"/>
+            </a:ext>
+          </a:extLst>
+        </p:spPr>
+        <p:txBody>
+          <a:bodyPr lIns="45719" rIns="45719" anchor="ctr"/>
+          <a:lstStyle>
+            <a:lvl1pPr algn="ctr"/>
+          </a:lstStyle>
+          <a:p>
+            <a:pPr marL="139700" defTabSz="457200">
+              <a:lnSpc>
+                <a:spcPct val="100000"/>
+              </a:lnSpc>
+              <a:spcBef>
+                <a:spcPts val="0"/>
+              </a:spcBef>
+              <a:buClr>
+                <a:srgbClr val="1F2328"/>
+              </a:buClr>
+              <a:defRPr sz="2600">
+                <a:solidFill>
+                  <a:srgbClr val="0433FF"/>
+                </a:solidFill>
+                <a:latin typeface="Helvetica Neue"/>
+                <a:ea typeface="Helvetica Neue"/>
+                <a:cs typeface="Helvetica Neue"/>
+                <a:sym typeface="Helvetica Neue"/>
+              </a:defRPr>
+            </a:pPr>
+            <a:r>
+              <a:rPr lang="en-US" sz="2000" b="1" dirty="0">
+                <a:latin typeface="+mn-lt"/>
+                <a:ea typeface="+mn-ea"/>
+                <a:cs typeface="+mn-cs"/>
+                <a:sym typeface="Helvetica"/>
+              </a:rPr>
+              <a:t>Be Specific</a:t>
+            </a:r>
+          </a:p>
+        </p:txBody>
+      </p:sp>
     </p:spTree>
+    <p:extLst>
+      <p:ext uri="{BB962C8B-B14F-4D97-AF65-F5344CB8AC3E}">
+        <p14:creationId xmlns:p14="http://schemas.microsoft.com/office/powerpoint/2010/main" val="1693946287"/>
+      </p:ext>
+    </p:extLst>
   </p:cSld>
   <p:clrMapOvr>
     <a:masterClrMapping/>
@@ -10944,6 +17512,14 @@
 <file path=ppt/slides/slide9.xml><?xml version="1.0" encoding="utf-8"?>
 <p:sld xmlns:a="http://schemas.openxmlformats.org/drawingml/2006/main" xmlns:r="http://schemas.openxmlformats.org/officeDocument/2006/relationships" xmlns:p="http://schemas.openxmlformats.org/presentationml/2006/main">
   <p:cSld>
+    <p:bg>
+      <p:bgPr>
+        <a:solidFill>
+          <a:schemeClr val="bg1"/>
+        </a:solidFill>
+        <a:effectLst/>
+      </p:bgPr>
+    </p:bg>
     <p:spTree>
       <p:nvGrpSpPr>
         <p:cNvPr id="1" name=""/>
@@ -10960,7 +17536,7 @@
       </p:grpSpPr>
       <p:sp>
         <p:nvSpPr>
-          <p:cNvPr id="165" name="Ejemplo de mensaje: Image Content"/>
+          <p:cNvPr id="153" name="Example Prompt: Text Content"/>
           <p:cNvSpPr txBox="1">
             <a:spLocks noGrp="1"/>
           </p:cNvSpPr>
@@ -10978,18 +17554,36 @@
           <a:lstStyle/>
           <a:p>
             <a:r>
-              <a:rPr b="0"/>
-              <a:t>Ejemplo de mensaje: </a:t>
-            </a:r>
-            <a:r>
-              <a:t>Image Content</a:t>
-            </a:r>
+              <a:rPr lang="en-US" b="0" dirty="0" err="1"/>
+              <a:t>Mensaje</a:t>
+            </a:r>
+            <a:r>
+              <a:rPr lang="en-US" b="0" dirty="0"/>
+              <a:t> de </a:t>
+            </a:r>
+            <a:r>
+              <a:rPr lang="en-US" b="0" dirty="0" err="1"/>
+              <a:t>Practica</a:t>
+            </a:r>
+            <a:r>
+              <a:rPr lang="en-US" b="0" dirty="0"/>
+              <a:t> </a:t>
+            </a:r>
+            <a:r>
+              <a:rPr dirty="0"/>
+              <a:t>: </a:t>
+            </a:r>
+            <a:r>
+              <a:rPr lang="en-US" dirty="0" err="1"/>
+              <a:t>Texto</a:t>
+            </a:r>
+            <a:endParaRPr dirty="0"/>
           </a:p>
         </p:txBody>
       </p:sp>
       <p:sp>
         <p:nvSpPr>
-          <p:cNvPr id="166" name="Malo: &quot;Diseñar un logotipo para una organización sin fines de lucro&quot;.…"/>
+          <p:cNvPr id="154" name="Bad: &quot;Write an article about data privacy.&quot;…"/>
           <p:cNvSpPr txBox="1">
             <a:spLocks noGrp="1"/>
           </p:cNvSpPr>
@@ -11003,62 +17597,188 @@
           </a:prstGeom>
         </p:spPr>
         <p:txBody>
-          <a:bodyPr>
-            <a:normAutofit lnSpcReduction="10000"/>
-          </a:bodyPr>
+          <a:bodyPr/>
           <a:lstStyle/>
           <a:p>
-            <a:pPr marL="201168" indent="-201168" defTabSz="804672">
-              <a:spcBef>
-                <a:spcPts val="800"/>
-              </a:spcBef>
-              <a:defRPr sz="2464" i="1" strike="sngStrike"/>
+            <a:pPr>
+              <a:defRPr i="1" strike="sngStrike"/>
             </a:pPr>
             <a:r>
-              <a:t>Malo: "Diseñar un logotipo para una organización sin fines de lucro".</a:t>
-            </a:r>
-          </a:p>
-          <a:p>
-            <a:pPr marL="201168" indent="-201168" defTabSz="804672">
-              <a:spcBef>
-                <a:spcPts val="800"/>
-              </a:spcBef>
-              <a:defRPr sz="2464"/>
-            </a:pPr>
-            <a:r>
-              <a:t>Mejor: "</a:t>
-            </a:r>
-            <a:r>
-              <a:rPr>
+              <a:rPr lang="en-US" dirty="0"/>
+              <a:t>Malo: "Escribe </a:t>
+            </a:r>
+            <a:r>
+              <a:rPr lang="en-US" dirty="0" err="1"/>
+              <a:t>una</a:t>
+            </a:r>
+            <a:r>
+              <a:rPr lang="en-US" dirty="0"/>
+              <a:t> </a:t>
+            </a:r>
+            <a:r>
+              <a:rPr lang="en-US" dirty="0" err="1"/>
+              <a:t>publicación</a:t>
+            </a:r>
+            <a:r>
+              <a:rPr lang="en-US" dirty="0"/>
+              <a:t> </a:t>
+            </a:r>
+            <a:r>
+              <a:rPr lang="en-US" dirty="0" err="1"/>
+              <a:t>en</a:t>
+            </a:r>
+            <a:r>
+              <a:rPr lang="en-US" dirty="0"/>
+              <a:t> las redes </a:t>
+            </a:r>
+            <a:r>
+              <a:rPr lang="en-US" dirty="0" err="1"/>
+              <a:t>sociales</a:t>
+            </a:r>
+            <a:r>
+              <a:rPr lang="en-US" dirty="0"/>
+              <a:t> </a:t>
+            </a:r>
+            <a:r>
+              <a:rPr lang="en-US" dirty="0" err="1"/>
+              <a:t>sobre</a:t>
+            </a:r>
+            <a:r>
+              <a:rPr lang="en-US" dirty="0"/>
+              <a:t> las </a:t>
+            </a:r>
+            <a:r>
+              <a:rPr lang="en-US" dirty="0" err="1"/>
+              <a:t>asociaciones</a:t>
+            </a:r>
+            <a:r>
+              <a:rPr lang="en-US" dirty="0"/>
+              <a:t> con </a:t>
+            </a:r>
+            <a:r>
+              <a:rPr lang="en-US" dirty="0" err="1"/>
+              <a:t>Estados</a:t>
+            </a:r>
+            <a:r>
+              <a:rPr lang="en-US" dirty="0"/>
+              <a:t> Unidos"</a:t>
+            </a:r>
+          </a:p>
+          <a:p>
+            <a:r>
+              <a:rPr lang="en-US" dirty="0" err="1"/>
+              <a:t>Mejor</a:t>
+            </a:r>
+            <a:r>
+              <a:rPr lang="en-US" dirty="0"/>
+              <a:t>: "</a:t>
+            </a:r>
+            <a:r>
+              <a:rPr lang="en-US" dirty="0" err="1">
+                <a:solidFill>
+                  <a:srgbClr val="FF40FF"/>
+                </a:solidFill>
+              </a:rPr>
+              <a:t>Texto</a:t>
+            </a:r>
+            <a:r>
+              <a:rPr lang="en-US" dirty="0">
+                <a:solidFill>
+                  <a:srgbClr val="FF40FF"/>
+                </a:solidFill>
+              </a:rPr>
+              <a:t> contextual AQUÍ</a:t>
+            </a:r>
+            <a:r>
+              <a:rPr lang="en-US" dirty="0"/>
+              <a:t>, </a:t>
+            </a:r>
+            <a:r>
+              <a:rPr lang="en-US" dirty="0" err="1">
                 <a:solidFill>
                   <a:srgbClr val="942192"/>
                 </a:solidFill>
               </a:rPr>
-              <a:t>No seas perezoso, tómalo paso a paso.</a:t>
-            </a:r>
-            <a:r>
+              <a:t>Restricciones</a:t>
+            </a:r>
+            <a:r>
+              <a:rPr lang="en-US" dirty="0">
+                <a:solidFill>
+                  <a:srgbClr val="942192"/>
+                </a:solidFill>
+              </a:rPr>
+              <a:t> y </a:t>
+            </a:r>
+            <a:r>
+              <a:rPr lang="en-US" dirty="0" err="1">
+                <a:solidFill>
+                  <a:srgbClr val="942192"/>
+                </a:solidFill>
+              </a:rPr>
+              <a:t>limitaciones</a:t>
+            </a:r>
+            <a:r>
+              <a:rPr lang="en-US" dirty="0">
+                <a:solidFill>
+                  <a:srgbClr val="942192"/>
+                </a:solidFill>
+              </a:rPr>
+              <a:t> AQUÍ,</a:t>
+            </a:r>
+            <a:r>
+              <a:rPr lang="en-US" dirty="0"/>
               <a:t> </a:t>
             </a:r>
             <a:r>
-              <a:rPr>
-                <a:solidFill>
-                  <a:srgbClr val="FF40FF"/>
-                </a:solidFill>
-              </a:rPr>
-              <a:t>Imagine que es un diseñador gráfico experimentado encargado de crear un logotipo para una organización sin fines de lucro dedicada a la conservación del medio ambiente.</a:t>
-            </a:r>
-            <a:r>
+              <a:rPr lang="en-US" dirty="0" err="1">
+                <a:solidFill>
+                  <a:srgbClr val="0433FF"/>
+                </a:solidFill>
+              </a:rPr>
+              <a:t>Solicitud</a:t>
+            </a:r>
+            <a:r>
+              <a:rPr lang="en-US" dirty="0">
+                <a:solidFill>
+                  <a:srgbClr val="0433FF"/>
+                </a:solidFill>
+              </a:rPr>
               <a:t> </a:t>
             </a:r>
             <a:r>
-              <a:rPr>
-                <a:solidFill>
-                  <a:srgbClr val="0433FF"/>
-                </a:solidFill>
-              </a:rPr>
-              <a:t>El logotipo debe representar la misión y los valores centrales de la organización, que enfatizan la sostenibilidad, la participación comunitaria y la preservación de la naturaleza. Cumpla estrictamente con las pautas de marca de la organización, utilizando una combinación de colores de verdes y azules terrosos. Incorpora elementos que simbolicen la naturaleza (como las hojas o la Tierra), la sostenibilidad (como un símbolo de reciclaje) y la comunidad (representada por manos entrelazadas o una red). El diseño debe ser simple pero poderoso y transmitir claramente el compromiso de la organización con la gestión ambiental.</a:t>
-            </a:r>
-            <a:r>
+              <a:rPr lang="en-US" dirty="0" err="1">
+                <a:solidFill>
+                  <a:srgbClr val="0433FF"/>
+                </a:solidFill>
+              </a:rPr>
+              <a:t>rápida</a:t>
+            </a:r>
+            <a:r>
+              <a:rPr lang="en-US" dirty="0">
+                <a:solidFill>
+                  <a:srgbClr val="0433FF"/>
+                </a:solidFill>
+              </a:rPr>
+              <a:t> </a:t>
+            </a:r>
+            <a:r>
+              <a:rPr lang="en-US" dirty="0" err="1">
+                <a:solidFill>
+                  <a:srgbClr val="0433FF"/>
+                </a:solidFill>
+              </a:rPr>
+              <a:t>específica</a:t>
+            </a:r>
+            <a:r>
+              <a:rPr lang="en-US" dirty="0">
+                <a:solidFill>
+                  <a:srgbClr val="0433FF"/>
+                </a:solidFill>
+              </a:rPr>
+              <a:t> para IA AQUÍ</a:t>
+            </a:r>
+            <a:r>
+              <a:rPr lang="en-US" dirty="0"/>
               <a:t>"</a:t>
             </a:r>
           </a:p>
@@ -11066,7 +17786,7 @@
       </p:sp>
       <p:sp>
         <p:nvSpPr>
-          <p:cNvPr id="167" name="Slide Number"/>
+          <p:cNvPr id="155" name="Slide Number"/>
           <p:cNvSpPr txBox="1">
             <a:spLocks noGrp="1"/>
           </p:cNvSpPr>
@@ -11084,7 +17804,7 @@
           </a:prstGeom>
           <a:extLst>
             <a:ext uri="{C572A759-6A51-4108-AA02-DFA0A04FC94B}">
-              <ma14:wrappingTextBoxFlag xmlns="" xmlns:m="http://schemas.openxmlformats.org/officeDocument/2006/math" xmlns:a14="http://schemas.microsoft.com/office/drawing/2010/main" xmlns:ma14="http://schemas.microsoft.com/office/mac/drawingml/2011/main" val="1"/>
+              <ma14:wrappingTextBoxFlag xmlns:ma14="http://schemas.microsoft.com/office/mac/drawingml/2011/main" xmlns:a14="http://schemas.microsoft.com/office/drawing/2010/main" xmlns:m="http://schemas.openxmlformats.org/officeDocument/2006/math" xmlns="" val="1"/>
             </a:ext>
           </a:extLst>
         </p:spPr>
@@ -11093,13 +17813,301 @@
           <a:lstStyle/>
           <a:p>
             <a:fld id="{86CB4B4D-7CA3-9044-876B-883B54F8677D}" type="slidenum">
+              <a:rPr/>
               <a:t>9</a:t>
             </a:fld>
             <a:endParaRPr/>
           </a:p>
         </p:txBody>
       </p:sp>
+      <p:sp>
+        <p:nvSpPr>
+          <p:cNvPr id="5" name="English">
+            <a:extLst>
+              <a:ext uri="{FF2B5EF4-FFF2-40B4-BE49-F238E27FC236}">
+                <a16:creationId xmlns:a16="http://schemas.microsoft.com/office/drawing/2014/main" id="{13922A8C-0E92-C4F2-7DCE-CF0B95BC8CB7}"/>
+              </a:ext>
+            </a:extLst>
+          </p:cNvPr>
+          <p:cNvSpPr/>
+          <p:nvPr/>
+        </p:nvSpPr>
+        <p:spPr>
+          <a:xfrm>
+            <a:off x="5133143" y="5731369"/>
+            <a:ext cx="1925714" cy="703748"/>
+          </a:xfrm>
+          <a:prstGeom prst="rect">
+            <a:avLst/>
+          </a:prstGeom>
+          <a:solidFill>
+            <a:schemeClr val="bg1"/>
+          </a:solidFill>
+          <a:ln w="12700">
+            <a:solidFill>
+              <a:schemeClr val="accent1"/>
+            </a:solidFill>
+            <a:miter/>
+          </a:ln>
+          <a:extLst>
+            <a:ext uri="{C572A759-6A51-4108-AA02-DFA0A04FC94B}">
+              <ma14:wrappingTextBoxFlag xmlns:ma14="http://schemas.microsoft.com/office/mac/drawingml/2011/main" xmlns:a14="http://schemas.microsoft.com/office/drawing/2010/main" xmlns:m="http://schemas.openxmlformats.org/officeDocument/2006/math" xmlns="" val="1"/>
+            </a:ext>
+          </a:extLst>
+        </p:spPr>
+        <p:txBody>
+          <a:bodyPr lIns="45719" rIns="45719" anchor="ctr"/>
+          <a:lstStyle>
+            <a:lvl1pPr algn="ctr"/>
+          </a:lstStyle>
+          <a:p>
+            <a:pPr marL="139700" defTabSz="457200">
+              <a:lnSpc>
+                <a:spcPct val="100000"/>
+              </a:lnSpc>
+              <a:spcBef>
+                <a:spcPts val="0"/>
+              </a:spcBef>
+              <a:buClr>
+                <a:srgbClr val="1F2328"/>
+              </a:buClr>
+              <a:defRPr sz="2600">
+                <a:solidFill>
+                  <a:srgbClr val="FF40FF"/>
+                </a:solidFill>
+                <a:latin typeface="Helvetica Neue"/>
+                <a:ea typeface="Helvetica Neue"/>
+                <a:cs typeface="Helvetica Neue"/>
+                <a:sym typeface="Helvetica Neue"/>
+              </a:defRPr>
+            </a:pPr>
+            <a:r>
+              <a:rPr lang="en-US" sz="2000" b="1" dirty="0" err="1">
+                <a:latin typeface="+mn-lt"/>
+                <a:ea typeface="+mn-ea"/>
+                <a:cs typeface="+mn-cs"/>
+                <a:sym typeface="Helvetica"/>
+              </a:rPr>
+              <a:t>Proporcionar</a:t>
+            </a:r>
+            <a:r>
+              <a:rPr lang="en-US" sz="2000" b="1" dirty="0">
+                <a:latin typeface="+mn-lt"/>
+                <a:ea typeface="+mn-ea"/>
+                <a:cs typeface="+mn-cs"/>
+                <a:sym typeface="Helvetica"/>
+              </a:rPr>
+              <a:t> </a:t>
+            </a:r>
+            <a:r>
+              <a:rPr lang="en-US" sz="2000" b="1" dirty="0" err="1">
+                <a:latin typeface="+mn-lt"/>
+                <a:ea typeface="+mn-ea"/>
+                <a:cs typeface="+mn-cs"/>
+                <a:sym typeface="Helvetica"/>
+              </a:rPr>
+              <a:t>contexto</a:t>
+            </a:r>
+            <a:endParaRPr lang="en-US" sz="2000" b="1" dirty="0">
+              <a:latin typeface="+mn-lt"/>
+              <a:ea typeface="+mn-ea"/>
+              <a:cs typeface="+mn-cs"/>
+              <a:sym typeface="Helvetica"/>
+            </a:endParaRPr>
+          </a:p>
+        </p:txBody>
+      </p:sp>
+      <p:sp>
+        <p:nvSpPr>
+          <p:cNvPr id="6" name="Spanish">
+            <a:extLst>
+              <a:ext uri="{FF2B5EF4-FFF2-40B4-BE49-F238E27FC236}">
+                <a16:creationId xmlns:a16="http://schemas.microsoft.com/office/drawing/2014/main" id="{E43238BD-E856-5E22-6E31-CA6741820940}"/>
+              </a:ext>
+            </a:extLst>
+          </p:cNvPr>
+          <p:cNvSpPr/>
+          <p:nvPr/>
+        </p:nvSpPr>
+        <p:spPr>
+          <a:xfrm>
+            <a:off x="7671549" y="5727400"/>
+            <a:ext cx="2280484" cy="703748"/>
+          </a:xfrm>
+          <a:prstGeom prst="rect">
+            <a:avLst/>
+          </a:prstGeom>
+          <a:solidFill>
+            <a:schemeClr val="bg1"/>
+          </a:solidFill>
+          <a:ln w="12700">
+            <a:solidFill>
+              <a:schemeClr val="accent1"/>
+            </a:solidFill>
+            <a:miter/>
+          </a:ln>
+          <a:extLst>
+            <a:ext uri="{C572A759-6A51-4108-AA02-DFA0A04FC94B}">
+              <ma14:wrappingTextBoxFlag xmlns:ma14="http://schemas.microsoft.com/office/mac/drawingml/2011/main" xmlns:a14="http://schemas.microsoft.com/office/drawing/2010/main" xmlns:m="http://schemas.openxmlformats.org/officeDocument/2006/math" xmlns="" val="1"/>
+            </a:ext>
+          </a:extLst>
+        </p:spPr>
+        <p:txBody>
+          <a:bodyPr lIns="45719" rIns="45719" anchor="ctr"/>
+          <a:lstStyle>
+            <a:lvl1pPr algn="ctr"/>
+          </a:lstStyle>
+          <a:p>
+            <a:pPr marL="139700" defTabSz="457200">
+              <a:lnSpc>
+                <a:spcPct val="100000"/>
+              </a:lnSpc>
+              <a:spcBef>
+                <a:spcPts val="0"/>
+              </a:spcBef>
+              <a:buClr>
+                <a:srgbClr val="1F2328"/>
+              </a:buClr>
+              <a:defRPr sz="2600">
+                <a:solidFill>
+                  <a:srgbClr val="942192"/>
+                </a:solidFill>
+                <a:latin typeface="Helvetica Neue"/>
+                <a:ea typeface="Helvetica Neue"/>
+                <a:cs typeface="Helvetica Neue"/>
+                <a:sym typeface="Helvetica Neue"/>
+              </a:defRPr>
+            </a:pPr>
+            <a:r>
+              <a:rPr lang="en-US" sz="2000" b="1" dirty="0" err="1">
+                <a:latin typeface="+mn-lt"/>
+                <a:ea typeface="+mn-ea"/>
+                <a:cs typeface="+mn-cs"/>
+                <a:sym typeface="Helvetica"/>
+              </a:rPr>
+              <a:t>Recuerde</a:t>
+            </a:r>
+            <a:r>
+              <a:rPr lang="en-US" sz="2000" b="1" dirty="0">
+                <a:latin typeface="+mn-lt"/>
+                <a:ea typeface="+mn-ea"/>
+                <a:cs typeface="+mn-cs"/>
+                <a:sym typeface="Helvetica"/>
+              </a:rPr>
+              <a:t> de las </a:t>
+            </a:r>
+            <a:r>
+              <a:rPr lang="en-US" sz="2000" b="1" dirty="0" err="1">
+                <a:latin typeface="+mn-lt"/>
+                <a:ea typeface="+mn-ea"/>
+                <a:cs typeface="+mn-cs"/>
+                <a:sym typeface="Helvetica"/>
+              </a:rPr>
+              <a:t>restricciones</a:t>
+            </a:r>
+            <a:endParaRPr lang="en-US" sz="2000" b="1" dirty="0">
+              <a:latin typeface="+mn-lt"/>
+              <a:ea typeface="+mn-ea"/>
+              <a:cs typeface="+mn-cs"/>
+              <a:sym typeface="Helvetica"/>
+            </a:endParaRPr>
+          </a:p>
+        </p:txBody>
+      </p:sp>
+      <p:sp>
+        <p:nvSpPr>
+          <p:cNvPr id="7" name="English">
+            <a:extLst>
+              <a:ext uri="{FF2B5EF4-FFF2-40B4-BE49-F238E27FC236}">
+                <a16:creationId xmlns:a16="http://schemas.microsoft.com/office/drawing/2014/main" id="{B907E454-E6B3-1E03-AE70-CBD5ADE95297}"/>
+              </a:ext>
+            </a:extLst>
+          </p:cNvPr>
+          <p:cNvSpPr/>
+          <p:nvPr/>
+        </p:nvSpPr>
+        <p:spPr>
+          <a:xfrm>
+            <a:off x="2717850" y="5727400"/>
+            <a:ext cx="1802601" cy="703748"/>
+          </a:xfrm>
+          <a:prstGeom prst="rect">
+            <a:avLst/>
+          </a:prstGeom>
+          <a:solidFill>
+            <a:schemeClr val="bg1"/>
+          </a:solidFill>
+          <a:ln w="12700">
+            <a:solidFill>
+              <a:schemeClr val="accent1"/>
+            </a:solidFill>
+            <a:miter/>
+          </a:ln>
+          <a:extLst>
+            <a:ext uri="{C572A759-6A51-4108-AA02-DFA0A04FC94B}">
+              <ma14:wrappingTextBoxFlag xmlns:ma14="http://schemas.microsoft.com/office/mac/drawingml/2011/main" xmlns:a14="http://schemas.microsoft.com/office/drawing/2010/main" xmlns:m="http://schemas.openxmlformats.org/officeDocument/2006/math" xmlns="" val="1"/>
+            </a:ext>
+          </a:extLst>
+        </p:spPr>
+        <p:txBody>
+          <a:bodyPr lIns="45719" rIns="45719" anchor="ctr"/>
+          <a:lstStyle>
+            <a:lvl1pPr algn="ctr"/>
+          </a:lstStyle>
+          <a:p>
+            <a:pPr marL="139700" defTabSz="457200">
+              <a:lnSpc>
+                <a:spcPct val="100000"/>
+              </a:lnSpc>
+              <a:spcBef>
+                <a:spcPts val="0"/>
+              </a:spcBef>
+              <a:buClr>
+                <a:srgbClr val="1F2328"/>
+              </a:buClr>
+              <a:defRPr sz="2600">
+                <a:solidFill>
+                  <a:srgbClr val="0433FF"/>
+                </a:solidFill>
+                <a:latin typeface="Helvetica Neue"/>
+                <a:ea typeface="Helvetica Neue"/>
+                <a:cs typeface="Helvetica Neue"/>
+                <a:sym typeface="Helvetica Neue"/>
+              </a:defRPr>
+            </a:pPr>
+            <a:r>
+              <a:rPr lang="en-US" sz="2000" b="1" dirty="0">
+                <a:latin typeface="+mn-lt"/>
+                <a:ea typeface="+mn-ea"/>
+                <a:cs typeface="+mn-cs"/>
+                <a:sym typeface="Helvetica"/>
+              </a:rPr>
+              <a:t>Sea </a:t>
+            </a:r>
+            <a:r>
+              <a:rPr lang="en-US" sz="2000" b="1" dirty="0" err="1">
+                <a:latin typeface="+mn-lt"/>
+                <a:ea typeface="+mn-ea"/>
+                <a:cs typeface="+mn-cs"/>
+                <a:sym typeface="Helvetica"/>
+              </a:rPr>
+              <a:t>específico</a:t>
+            </a:r>
+            <a:endParaRPr lang="en-US" sz="2000" b="1" dirty="0">
+              <a:latin typeface="+mn-lt"/>
+              <a:ea typeface="+mn-ea"/>
+              <a:cs typeface="+mn-cs"/>
+              <a:sym typeface="Helvetica"/>
+            </a:endParaRPr>
+          </a:p>
+        </p:txBody>
+      </p:sp>
     </p:spTree>
+    <p:extLst>
+      <p:ext uri="{BB962C8B-B14F-4D97-AF65-F5344CB8AC3E}">
+        <p14:creationId xmlns:p14="http://schemas.microsoft.com/office/powerpoint/2010/main" val="2969369191"/>
+      </p:ext>
+    </p:extLst>
   </p:cSld>
   <p:clrMapOvr>
     <a:masterClrMapping/>
